--- a/presentation.pptx
+++ b/presentation.pptx
@@ -4,6 +4,9 @@
   <p:sldMasterIdLst>
     <p:sldMasterId id="2147483648" r:id="rId1"/>
   </p:sldMasterIdLst>
+  <p:notesMasterIdLst>
+    <p:notesMasterId r:id="rId20"/>
+  </p:notesMasterIdLst>
   <p:sldIdLst>
     <p:sldId id="256" r:id="rId2"/>
     <p:sldId id="272" r:id="rId3"/>
@@ -14,10 +17,10 @@
     <p:sldId id="262" r:id="rId8"/>
     <p:sldId id="263" r:id="rId9"/>
     <p:sldId id="264" r:id="rId10"/>
-    <p:sldId id="265" r:id="rId11"/>
-    <p:sldId id="266" r:id="rId12"/>
-    <p:sldId id="274" r:id="rId13"/>
-    <p:sldId id="273" r:id="rId14"/>
+    <p:sldId id="276" r:id="rId11"/>
+    <p:sldId id="275" r:id="rId12"/>
+    <p:sldId id="265" r:id="rId13"/>
+    <p:sldId id="274" r:id="rId14"/>
     <p:sldId id="267" r:id="rId15"/>
     <p:sldId id="268" r:id="rId16"/>
     <p:sldId id="269" r:id="rId17"/>
@@ -121,7 +124,362 @@
       </a:defRPr>
     </a:lvl9pPr>
   </p:defaultTextStyle>
+  <p:extLst>
+    <p:ext uri="{EFAFB233-063F-42B5-8137-9DF3F51BA10A}">
+      <p15:sldGuideLst xmlns:p15="http://schemas.microsoft.com/office/powerpoint/2012/main"/>
+    </p:ext>
+  </p:extLst>
 </p:presentation>
+</file>
+
+<file path=ppt/notesMasters/notesMaster1.xml><?xml version="1.0" encoding="utf-8"?>
+<p:notesMaster xmlns:a="http://schemas.openxmlformats.org/drawingml/2006/main" xmlns:r="http://schemas.openxmlformats.org/officeDocument/2006/relationships" xmlns:p="http://schemas.openxmlformats.org/presentationml/2006/main">
+  <p:cSld>
+    <p:bg>
+      <p:bgRef idx="1001">
+        <a:schemeClr val="bg1"/>
+      </p:bgRef>
+    </p:bg>
+    <p:spTree>
+      <p:nvGrpSpPr>
+        <p:cNvPr id="1" name=""/>
+        <p:cNvGrpSpPr/>
+        <p:nvPr/>
+      </p:nvGrpSpPr>
+      <p:grpSpPr>
+        <a:xfrm>
+          <a:off x="0" y="0"/>
+          <a:ext cx="0" cy="0"/>
+          <a:chOff x="0" y="0"/>
+          <a:chExt cx="0" cy="0"/>
+        </a:xfrm>
+      </p:grpSpPr>
+      <p:sp>
+        <p:nvSpPr>
+          <p:cNvPr id="2" name="Header Placeholder 1"/>
+          <p:cNvSpPr>
+            <a:spLocks noGrp="1"/>
+          </p:cNvSpPr>
+          <p:nvPr>
+            <p:ph type="hdr" sz="quarter"/>
+          </p:nvPr>
+        </p:nvSpPr>
+        <p:spPr>
+          <a:xfrm>
+            <a:off x="0" y="0"/>
+            <a:ext cx="2971800" cy="458788"/>
+          </a:xfrm>
+          <a:prstGeom prst="rect">
+            <a:avLst/>
+          </a:prstGeom>
+        </p:spPr>
+        <p:txBody>
+          <a:bodyPr vert="horz" lIns="91440" tIns="45720" rIns="91440" bIns="45720" rtlCol="0"/>
+          <a:lstStyle>
+            <a:lvl1pPr algn="l">
+              <a:defRPr sz="1200"/>
+            </a:lvl1pPr>
+          </a:lstStyle>
+          <a:p>
+            <a:endParaRPr lang="en-US"/>
+          </a:p>
+        </p:txBody>
+      </p:sp>
+      <p:sp>
+        <p:nvSpPr>
+          <p:cNvPr id="3" name="Date Placeholder 2"/>
+          <p:cNvSpPr>
+            <a:spLocks noGrp="1"/>
+          </p:cNvSpPr>
+          <p:nvPr>
+            <p:ph type="dt" idx="1"/>
+          </p:nvPr>
+        </p:nvSpPr>
+        <p:spPr>
+          <a:xfrm>
+            <a:off x="3884613" y="0"/>
+            <a:ext cx="2971800" cy="458788"/>
+          </a:xfrm>
+          <a:prstGeom prst="rect">
+            <a:avLst/>
+          </a:prstGeom>
+        </p:spPr>
+        <p:txBody>
+          <a:bodyPr vert="horz" lIns="91440" tIns="45720" rIns="91440" bIns="45720" rtlCol="0"/>
+          <a:lstStyle>
+            <a:lvl1pPr algn="r">
+              <a:defRPr sz="1200"/>
+            </a:lvl1pPr>
+          </a:lstStyle>
+          <a:p>
+            <a:fld id="{CDDA71D8-D820-6148-A8C3-6AB93A88404E}" type="datetimeFigureOut">
+              <a:rPr lang="en-US" smtClean="0"/>
+              <a:t>2/24/17</a:t>
+            </a:fld>
+            <a:endParaRPr lang="en-US"/>
+          </a:p>
+        </p:txBody>
+      </p:sp>
+      <p:sp>
+        <p:nvSpPr>
+          <p:cNvPr id="4" name="Slide Image Placeholder 3"/>
+          <p:cNvSpPr>
+            <a:spLocks noGrp="1" noRot="1" noChangeAspect="1"/>
+          </p:cNvSpPr>
+          <p:nvPr>
+            <p:ph type="sldImg" idx="2"/>
+          </p:nvPr>
+        </p:nvSpPr>
+        <p:spPr>
+          <a:xfrm>
+            <a:off x="685800" y="1143000"/>
+            <a:ext cx="5486400" cy="3086100"/>
+          </a:xfrm>
+          <a:prstGeom prst="rect">
+            <a:avLst/>
+          </a:prstGeom>
+          <a:noFill/>
+          <a:ln w="12700">
+            <a:solidFill>
+              <a:prstClr val="black"/>
+            </a:solidFill>
+          </a:ln>
+        </p:spPr>
+        <p:txBody>
+          <a:bodyPr vert="horz" lIns="91440" tIns="45720" rIns="91440" bIns="45720" rtlCol="0" anchor="ctr"/>
+          <a:lstStyle/>
+          <a:p>
+            <a:endParaRPr lang="en-US"/>
+          </a:p>
+        </p:txBody>
+      </p:sp>
+      <p:sp>
+        <p:nvSpPr>
+          <p:cNvPr id="5" name="Notes Placeholder 4"/>
+          <p:cNvSpPr>
+            <a:spLocks noGrp="1"/>
+          </p:cNvSpPr>
+          <p:nvPr>
+            <p:ph type="body" sz="quarter" idx="3"/>
+          </p:nvPr>
+        </p:nvSpPr>
+        <p:spPr>
+          <a:xfrm>
+            <a:off x="685800" y="4400550"/>
+            <a:ext cx="5486400" cy="3600450"/>
+          </a:xfrm>
+          <a:prstGeom prst="rect">
+            <a:avLst/>
+          </a:prstGeom>
+        </p:spPr>
+        <p:txBody>
+          <a:bodyPr vert="horz" lIns="91440" tIns="45720" rIns="91440" bIns="45720" rtlCol="0"/>
+          <a:lstStyle/>
+          <a:p>
+            <a:pPr lvl="0"/>
+            <a:r>
+              <a:rPr lang="en-US" smtClean="0"/>
+              <a:t>Click to edit Master text styles</a:t>
+            </a:r>
+          </a:p>
+          <a:p>
+            <a:pPr lvl="1"/>
+            <a:r>
+              <a:rPr lang="en-US" smtClean="0"/>
+              <a:t>Second level</a:t>
+            </a:r>
+          </a:p>
+          <a:p>
+            <a:pPr lvl="2"/>
+            <a:r>
+              <a:rPr lang="en-US" smtClean="0"/>
+              <a:t>Third level</a:t>
+            </a:r>
+          </a:p>
+          <a:p>
+            <a:pPr lvl="3"/>
+            <a:r>
+              <a:rPr lang="en-US" smtClean="0"/>
+              <a:t>Fourth level</a:t>
+            </a:r>
+          </a:p>
+          <a:p>
+            <a:pPr lvl="4"/>
+            <a:r>
+              <a:rPr lang="en-US" smtClean="0"/>
+              <a:t>Fifth level</a:t>
+            </a:r>
+            <a:endParaRPr lang="en-US"/>
+          </a:p>
+        </p:txBody>
+      </p:sp>
+      <p:sp>
+        <p:nvSpPr>
+          <p:cNvPr id="6" name="Footer Placeholder 5"/>
+          <p:cNvSpPr>
+            <a:spLocks noGrp="1"/>
+          </p:cNvSpPr>
+          <p:nvPr>
+            <p:ph type="ftr" sz="quarter" idx="4"/>
+          </p:nvPr>
+        </p:nvSpPr>
+        <p:spPr>
+          <a:xfrm>
+            <a:off x="0" y="8685213"/>
+            <a:ext cx="2971800" cy="458787"/>
+          </a:xfrm>
+          <a:prstGeom prst="rect">
+            <a:avLst/>
+          </a:prstGeom>
+        </p:spPr>
+        <p:txBody>
+          <a:bodyPr vert="horz" lIns="91440" tIns="45720" rIns="91440" bIns="45720" rtlCol="0" anchor="b"/>
+          <a:lstStyle>
+            <a:lvl1pPr algn="l">
+              <a:defRPr sz="1200"/>
+            </a:lvl1pPr>
+          </a:lstStyle>
+          <a:p>
+            <a:endParaRPr lang="en-US"/>
+          </a:p>
+        </p:txBody>
+      </p:sp>
+      <p:sp>
+        <p:nvSpPr>
+          <p:cNvPr id="7" name="Slide Number Placeholder 6"/>
+          <p:cNvSpPr>
+            <a:spLocks noGrp="1"/>
+          </p:cNvSpPr>
+          <p:nvPr>
+            <p:ph type="sldNum" sz="quarter" idx="5"/>
+          </p:nvPr>
+        </p:nvSpPr>
+        <p:spPr>
+          <a:xfrm>
+            <a:off x="3884613" y="8685213"/>
+            <a:ext cx="2971800" cy="458787"/>
+          </a:xfrm>
+          <a:prstGeom prst="rect">
+            <a:avLst/>
+          </a:prstGeom>
+        </p:spPr>
+        <p:txBody>
+          <a:bodyPr vert="horz" lIns="91440" tIns="45720" rIns="91440" bIns="45720" rtlCol="0" anchor="b"/>
+          <a:lstStyle>
+            <a:lvl1pPr algn="r">
+              <a:defRPr sz="1200"/>
+            </a:lvl1pPr>
+          </a:lstStyle>
+          <a:p>
+            <a:fld id="{68730D83-1156-A042-8EF2-668C780FFFA2}" type="slidenum">
+              <a:rPr lang="en-US" smtClean="0"/>
+              <a:t>‹#›</a:t>
+            </a:fld>
+            <a:endParaRPr lang="en-US"/>
+          </a:p>
+        </p:txBody>
+      </p:sp>
+    </p:spTree>
+    <p:extLst>
+      <p:ext uri="{BB962C8B-B14F-4D97-AF65-F5344CB8AC3E}">
+        <p14:creationId xmlns:p14="http://schemas.microsoft.com/office/powerpoint/2010/main" val="1443905952"/>
+      </p:ext>
+    </p:extLst>
+  </p:cSld>
+  <p:clrMap bg1="lt1" tx1="dk1" bg2="lt2" tx2="dk2" accent1="accent1" accent2="accent2" accent3="accent3" accent4="accent4" accent5="accent5" accent6="accent6" hlink="hlink" folHlink="folHlink"/>
+  <p:notesStyle>
+    <a:lvl1pPr marL="0" algn="l" defTabSz="914400" rtl="0" eaLnBrk="1" latinLnBrk="0" hangingPunct="1">
+      <a:defRPr sz="1200" kern="1200">
+        <a:solidFill>
+          <a:schemeClr val="tx1"/>
+        </a:solidFill>
+        <a:latin typeface="+mn-lt"/>
+        <a:ea typeface="+mn-ea"/>
+        <a:cs typeface="+mn-cs"/>
+      </a:defRPr>
+    </a:lvl1pPr>
+    <a:lvl2pPr marL="457200" algn="l" defTabSz="914400" rtl="0" eaLnBrk="1" latinLnBrk="0" hangingPunct="1">
+      <a:defRPr sz="1200" kern="1200">
+        <a:solidFill>
+          <a:schemeClr val="tx1"/>
+        </a:solidFill>
+        <a:latin typeface="+mn-lt"/>
+        <a:ea typeface="+mn-ea"/>
+        <a:cs typeface="+mn-cs"/>
+      </a:defRPr>
+    </a:lvl2pPr>
+    <a:lvl3pPr marL="914400" algn="l" defTabSz="914400" rtl="0" eaLnBrk="1" latinLnBrk="0" hangingPunct="1">
+      <a:defRPr sz="1200" kern="1200">
+        <a:solidFill>
+          <a:schemeClr val="tx1"/>
+        </a:solidFill>
+        <a:latin typeface="+mn-lt"/>
+        <a:ea typeface="+mn-ea"/>
+        <a:cs typeface="+mn-cs"/>
+      </a:defRPr>
+    </a:lvl3pPr>
+    <a:lvl4pPr marL="1371600" algn="l" defTabSz="914400" rtl="0" eaLnBrk="1" latinLnBrk="0" hangingPunct="1">
+      <a:defRPr sz="1200" kern="1200">
+        <a:solidFill>
+          <a:schemeClr val="tx1"/>
+        </a:solidFill>
+        <a:latin typeface="+mn-lt"/>
+        <a:ea typeface="+mn-ea"/>
+        <a:cs typeface="+mn-cs"/>
+      </a:defRPr>
+    </a:lvl4pPr>
+    <a:lvl5pPr marL="1828800" algn="l" defTabSz="914400" rtl="0" eaLnBrk="1" latinLnBrk="0" hangingPunct="1">
+      <a:defRPr sz="1200" kern="1200">
+        <a:solidFill>
+          <a:schemeClr val="tx1"/>
+        </a:solidFill>
+        <a:latin typeface="+mn-lt"/>
+        <a:ea typeface="+mn-ea"/>
+        <a:cs typeface="+mn-cs"/>
+      </a:defRPr>
+    </a:lvl5pPr>
+    <a:lvl6pPr marL="2286000" algn="l" defTabSz="914400" rtl="0" eaLnBrk="1" latinLnBrk="0" hangingPunct="1">
+      <a:defRPr sz="1200" kern="1200">
+        <a:solidFill>
+          <a:schemeClr val="tx1"/>
+        </a:solidFill>
+        <a:latin typeface="+mn-lt"/>
+        <a:ea typeface="+mn-ea"/>
+        <a:cs typeface="+mn-cs"/>
+      </a:defRPr>
+    </a:lvl6pPr>
+    <a:lvl7pPr marL="2743200" algn="l" defTabSz="914400" rtl="0" eaLnBrk="1" latinLnBrk="0" hangingPunct="1">
+      <a:defRPr sz="1200" kern="1200">
+        <a:solidFill>
+          <a:schemeClr val="tx1"/>
+        </a:solidFill>
+        <a:latin typeface="+mn-lt"/>
+        <a:ea typeface="+mn-ea"/>
+        <a:cs typeface="+mn-cs"/>
+      </a:defRPr>
+    </a:lvl7pPr>
+    <a:lvl8pPr marL="3200400" algn="l" defTabSz="914400" rtl="0" eaLnBrk="1" latinLnBrk="0" hangingPunct="1">
+      <a:defRPr sz="1200" kern="1200">
+        <a:solidFill>
+          <a:schemeClr val="tx1"/>
+        </a:solidFill>
+        <a:latin typeface="+mn-lt"/>
+        <a:ea typeface="+mn-ea"/>
+        <a:cs typeface="+mn-cs"/>
+      </a:defRPr>
+    </a:lvl8pPr>
+    <a:lvl9pPr marL="3657600" algn="l" defTabSz="914400" rtl="0" eaLnBrk="1" latinLnBrk="0" hangingPunct="1">
+      <a:defRPr sz="1200" kern="1200">
+        <a:solidFill>
+          <a:schemeClr val="tx1"/>
+        </a:solidFill>
+        <a:latin typeface="+mn-lt"/>
+        <a:ea typeface="+mn-ea"/>
+        <a:cs typeface="+mn-cs"/>
+      </a:defRPr>
+    </a:lvl9pPr>
+  </p:notesStyle>
+</p:notesMaster>
 </file>
 
 <file path=ppt/slideLayouts/slideLayout1.xml><?xml version="1.0" encoding="utf-8"?>
@@ -350,7 +708,7 @@
           <a:p>
             <a:fld id="{4BDF68E2-58F2-4D09-BE8B-E3BD06533059}" type="datetimeFigureOut">
               <a:rPr lang="en-US" dirty="0"/>
-              <a:t>2/23/17</a:t>
+              <a:t>2/24/17</a:t>
             </a:fld>
             <a:endParaRPr lang="en-US" dirty="0"/>
           </a:p>
@@ -553,7 +911,7 @@
           <a:p>
             <a:fld id="{2E2D6473-DF6D-4702-B328-E0DD40540A4E}" type="datetimeFigureOut">
               <a:rPr lang="en-US" dirty="0"/>
-              <a:t>2/23/17</a:t>
+              <a:t>2/24/17</a:t>
             </a:fld>
             <a:endParaRPr lang="en-US" dirty="0"/>
           </a:p>
@@ -804,7 +1162,7 @@
           <a:p>
             <a:fld id="{E26F7E3A-B166-407D-9866-32884E7D5B37}" type="datetimeFigureOut">
               <a:rPr lang="en-US" dirty="0"/>
-              <a:t>2/23/17</a:t>
+              <a:t>2/24/17</a:t>
             </a:fld>
             <a:endParaRPr lang="en-US" dirty="0"/>
           </a:p>
@@ -973,7 +1331,7 @@
           <a:p>
             <a:fld id="{528FC5F6-F338-4AE4-BB23-26385BCFC423}" type="datetimeFigureOut">
               <a:rPr lang="en-US" dirty="0"/>
-              <a:t>2/23/17</a:t>
+              <a:t>2/24/17</a:t>
             </a:fld>
             <a:endParaRPr lang="en-US" dirty="0"/>
           </a:p>
@@ -1311,7 +1669,7 @@
           <a:p>
             <a:fld id="{20EBB0C4-6273-4C6E-B9BD-2EDC30F1CD52}" type="datetimeFigureOut">
               <a:rPr lang="en-US" dirty="0"/>
-              <a:t>2/23/17</a:t>
+              <a:t>2/24/17</a:t>
             </a:fld>
             <a:endParaRPr lang="en-US" dirty="0"/>
           </a:p>
@@ -1581,7 +1939,7 @@
           <a:p>
             <a:fld id="{19AB4D41-86C1-4908-B66A-0B50CEB3BF29}" type="datetimeFigureOut">
               <a:rPr lang="en-US" dirty="0"/>
-              <a:t>2/23/17</a:t>
+              <a:t>2/24/17</a:t>
             </a:fld>
             <a:endParaRPr lang="en-US" dirty="0"/>
           </a:p>
@@ -1955,7 +2313,7 @@
           <a:p>
             <a:fld id="{E6426E2C-56C1-4E0D-A793-0088A7FDD37E}" type="datetimeFigureOut">
               <a:rPr lang="en-US" dirty="0"/>
-              <a:t>2/23/17</a:t>
+              <a:t>2/24/17</a:t>
             </a:fld>
             <a:endParaRPr lang="en-US" dirty="0"/>
           </a:p>
@@ -2068,7 +2426,7 @@
           <a:p>
             <a:fld id="{C8C39B41-D8B5-4052-B551-9B5525EAA8B6}" type="datetimeFigureOut">
               <a:rPr lang="en-US" dirty="0"/>
-              <a:t>2/23/17</a:t>
+              <a:t>2/24/17</a:t>
             </a:fld>
             <a:endParaRPr lang="en-US" dirty="0"/>
           </a:p>
@@ -2234,7 +2592,7 @@
           <a:p>
             <a:fld id="{4D94136C-8742-45B2-AF27-D93DF72833A9}" type="datetimeFigureOut">
               <a:rPr lang="en-US" dirty="0"/>
-              <a:t>2/23/17</a:t>
+              <a:t>2/24/17</a:t>
             </a:fld>
             <a:endParaRPr lang="en-US" dirty="0"/>
           </a:p>
@@ -2584,7 +2942,7 @@
           <a:p>
             <a:fld id="{32ABBEA6-7C60-4B02-AE87-00D78D8422AF}" type="datetimeFigureOut">
               <a:rPr lang="en-US" dirty="0"/>
-              <a:t>2/23/17</a:t>
+              <a:t>2/24/17</a:t>
             </a:fld>
             <a:endParaRPr lang="en-US" dirty="0"/>
           </a:p>
@@ -2962,7 +3320,7 @@
           <a:p>
             <a:fld id="{C9CAD897-D46E-4AD2-BD9B-49DD3E640873}" type="datetimeFigureOut">
               <a:rPr lang="en-US" dirty="0"/>
-              <a:t>2/23/17</a:t>
+              <a:t>2/24/17</a:t>
             </a:fld>
             <a:endParaRPr lang="en-US" dirty="0"/>
           </a:p>
@@ -3244,7 +3602,7 @@
           <a:p>
             <a:fld id="{98624D31-43A5-475A-80CF-332C9F6DCF35}" type="datetimeFigureOut">
               <a:rPr lang="en-US" dirty="0"/>
-              <a:t>2/23/17</a:t>
+              <a:t>2/24/17</a:t>
             </a:fld>
             <a:endParaRPr lang="en-US" dirty="0"/>
           </a:p>
@@ -3885,9 +4243,10 @@
           <a:lstStyle/>
           <a:p>
             <a:r>
-              <a:rPr lang="en-US" dirty="0"/>
-              <a:t>What is inheritance?</a:t>
-            </a:r>
+              <a:rPr lang="en-US" dirty="0" smtClean="0"/>
+              <a:t>Practical: Abstraction and Encapsulation</a:t>
+            </a:r>
+            <a:endParaRPr lang="en-US" dirty="0"/>
           </a:p>
         </p:txBody>
       </p:sp>
@@ -3903,34 +4262,174 @@
         </p:nvSpPr>
         <p:spPr/>
         <p:txBody>
-          <a:bodyPr/>
-          <a:lstStyle/>
-          <a:p>
-            <a:r>
-              <a:rPr lang="en-US" dirty="0"/>
-              <a:t>Inheritance is the concept of allowing classes to be created that exist "on top" of other classes. </a:t>
+          <a:bodyPr>
+            <a:normAutofit/>
+          </a:bodyPr>
+          <a:lstStyle/>
+          <a:p>
+            <a:r>
+              <a:rPr lang="en-US" dirty="0" smtClean="0"/>
+              <a:t>You will make an interface, </a:t>
+            </a:r>
+            <a:r>
+              <a:rPr lang="en-US" i="1" dirty="0" err="1" smtClean="0"/>
+              <a:t>IPerson.cs</a:t>
+            </a:r>
+            <a:r>
+              <a:rPr lang="en-US" dirty="0" smtClean="0"/>
+              <a:t>, which implements </a:t>
+            </a:r>
+            <a:r>
+              <a:rPr lang="en-US" i="1" dirty="0" err="1" smtClean="0"/>
+              <a:t>IGenderable</a:t>
+            </a:r>
+            <a:r>
+              <a:rPr lang="en-US" i="1" dirty="0" smtClean="0"/>
+              <a:t>, </a:t>
+            </a:r>
+            <a:r>
+              <a:rPr lang="en-US" i="1" dirty="0" err="1" smtClean="0"/>
+              <a:t>IWalkable</a:t>
+            </a:r>
+            <a:r>
+              <a:rPr lang="en-US" i="1" dirty="0" smtClean="0"/>
+              <a:t>, </a:t>
+            </a:r>
+            <a:r>
+              <a:rPr lang="en-US" dirty="0" smtClean="0"/>
+              <a:t>and</a:t>
+            </a:r>
+            <a:r>
+              <a:rPr lang="en-US" i="1" dirty="0" smtClean="0"/>
+              <a:t> </a:t>
+            </a:r>
+            <a:r>
+              <a:rPr lang="en-US" i="1" dirty="0" err="1" smtClean="0"/>
+              <a:t>IEatable</a:t>
             </a:r>
             <a:endParaRPr lang="en-US" dirty="0" smtClean="0"/>
           </a:p>
           <a:p>
             <a:r>
-              <a:rPr lang="en-US" dirty="0"/>
-              <a:t>For example, we can make a class for mammals, and have dogs inherit from that class. Often, we will inherit from abstract or partial classes. </a:t>
+              <a:rPr lang="en-US" dirty="0" smtClean="0"/>
+              <a:t>Properties in </a:t>
+            </a:r>
+            <a:r>
+              <a:rPr lang="en-US" dirty="0" err="1" smtClean="0"/>
+              <a:t>IPerson</a:t>
+            </a:r>
+            <a:r>
+              <a:rPr lang="en-US" dirty="0" smtClean="0"/>
+              <a:t>:</a:t>
+            </a:r>
+          </a:p>
+          <a:p>
+            <a:pPr lvl="1"/>
+            <a:r>
+              <a:rPr lang="en-US" dirty="0" smtClean="0"/>
+              <a:t>Name: String</a:t>
+            </a:r>
+          </a:p>
+          <a:p>
+            <a:pPr lvl="1"/>
+            <a:r>
+              <a:rPr lang="en-US" dirty="0" smtClean="0"/>
+              <a:t>Age: </a:t>
+            </a:r>
+            <a:r>
+              <a:rPr lang="en-US" dirty="0" err="1" smtClean="0"/>
+              <a:t>int</a:t>
             </a:r>
             <a:endParaRPr lang="en-US" dirty="0" smtClean="0"/>
           </a:p>
           <a:p>
-            <a:r>
-              <a:rPr lang="en-US" dirty="0"/>
-              <a:t>Is is often useful to make an abstract class, which is a "partial class", or to use virtual methods when making a class. You can't make a new instance of an abstract class since it's incomplete, but you can inherit from them and build on top of them.</a:t>
-            </a:r>
+            <a:pPr lvl="1"/>
+            <a:r>
+              <a:rPr lang="en-US" dirty="0" smtClean="0"/>
+              <a:t>Hobbies: </a:t>
+            </a:r>
+            <a:r>
+              <a:rPr lang="en-US" dirty="0" err="1" smtClean="0"/>
+              <a:t>HashSet</a:t>
+            </a:r>
+            <a:r>
+              <a:rPr lang="en-US" dirty="0" smtClean="0"/>
+              <a:t>&lt;string&gt;()</a:t>
+            </a:r>
+          </a:p>
+          <a:p>
+            <a:r>
+              <a:rPr lang="en-US" dirty="0" smtClean="0"/>
+              <a:t>Methods in </a:t>
+            </a:r>
+            <a:r>
+              <a:rPr lang="en-US" dirty="0" err="1" smtClean="0"/>
+              <a:t>IPerson</a:t>
+            </a:r>
+            <a:r>
+              <a:rPr lang="en-US" dirty="0" smtClean="0"/>
+              <a:t>:</a:t>
+            </a:r>
+          </a:p>
+          <a:p>
+            <a:pPr lvl="1"/>
+            <a:r>
+              <a:rPr lang="en-US" dirty="0" smtClean="0"/>
+              <a:t>void Talk(): If the person does not have a hobby, it will print to the console: </a:t>
+            </a:r>
+            <a:r>
+              <a:rPr lang="en-US" i="1" dirty="0" smtClean="0"/>
+              <a:t>I don’t have anything to talk about</a:t>
+            </a:r>
+            <a:r>
+              <a:rPr lang="en-US" dirty="0" smtClean="0"/>
+              <a:t>; if the person has hobbies, it will talk about one of the hobbies</a:t>
+            </a:r>
+          </a:p>
+          <a:p>
+            <a:pPr lvl="1"/>
+            <a:r>
+              <a:rPr lang="en-US" dirty="0" smtClean="0"/>
+              <a:t>void </a:t>
+            </a:r>
+            <a:r>
+              <a:rPr lang="en-US" dirty="0" err="1" smtClean="0"/>
+              <a:t>AddHoby</a:t>
+            </a:r>
+            <a:r>
+              <a:rPr lang="en-US" dirty="0" smtClean="0"/>
+              <a:t>(string hobby): will add an entry to the set of hobbies</a:t>
+            </a:r>
+          </a:p>
+          <a:p>
+            <a:r>
+              <a:rPr lang="en-US" dirty="0" smtClean="0"/>
+              <a:t>You will then write </a:t>
+            </a:r>
+            <a:r>
+              <a:rPr lang="en-US" i="1" dirty="0" err="1" smtClean="0"/>
+              <a:t>Person.cs</a:t>
+            </a:r>
+            <a:r>
+              <a:rPr lang="en-US" dirty="0" smtClean="0"/>
+              <a:t>, which will implement </a:t>
+            </a:r>
+            <a:r>
+              <a:rPr lang="en-US" dirty="0" err="1" smtClean="0"/>
+              <a:t>IPerson</a:t>
+            </a:r>
+            <a:r>
+              <a:rPr lang="en-US" dirty="0" smtClean="0"/>
+              <a:t>!</a:t>
+            </a:r>
+            <a:endParaRPr lang="en-US" i="1" dirty="0"/>
           </a:p>
         </p:txBody>
       </p:sp>
     </p:spTree>
     <p:extLst>
       <p:ext uri="{BB962C8B-B14F-4D97-AF65-F5344CB8AC3E}">
-        <p14:creationId xmlns:p14="http://schemas.microsoft.com/office/powerpoint/2010/main" val="1028771617"/>
+        <p14:creationId xmlns:p14="http://schemas.microsoft.com/office/powerpoint/2010/main" val="1584339635"/>
       </p:ext>
     </p:extLst>
   </p:cSld>
@@ -3964,7 +4463,7 @@
             <a:spLocks noGrp="1"/>
           </p:cNvSpPr>
           <p:nvPr>
-            <p:ph type="title"/>
+            <p:ph type="ctrTitle"/>
           </p:nvPr>
         </p:nvSpPr>
         <p:spPr/>
@@ -3973,20 +4472,21 @@
           <a:lstStyle/>
           <a:p>
             <a:r>
-              <a:rPr lang="en-US" dirty="0"/>
-              <a:t>How do we inherit in C#?</a:t>
-            </a:r>
-          </a:p>
-        </p:txBody>
-      </p:sp>
-      <p:sp>
-        <p:nvSpPr>
-          <p:cNvPr id="3" name="Content Placeholder 2"/>
-          <p:cNvSpPr>
-            <a:spLocks noGrp="1"/>
-          </p:cNvSpPr>
-          <p:nvPr>
-            <p:ph idx="1"/>
+              <a:rPr lang="en-US" dirty="0" smtClean="0"/>
+              <a:t>Advanced OOP: Inheritance and Polymorphism</a:t>
+            </a:r>
+            <a:endParaRPr lang="en-US" dirty="0"/>
+          </a:p>
+        </p:txBody>
+      </p:sp>
+      <p:sp>
+        <p:nvSpPr>
+          <p:cNvPr id="3" name="Subtitle 2"/>
+          <p:cNvSpPr>
+            <a:spLocks noGrp="1"/>
+          </p:cNvSpPr>
+          <p:nvPr>
+            <p:ph type="subTitle" idx="1"/>
           </p:nvPr>
         </p:nvSpPr>
         <p:spPr/>
@@ -3994,46 +4494,14 @@
           <a:bodyPr/>
           <a:lstStyle/>
           <a:p>
-            <a:r>
-              <a:rPr lang="en-US" dirty="0"/>
-              <a:t>First, we make a class to inherit </a:t>
-            </a:r>
-            <a:r>
-              <a:rPr lang="en-US" dirty="0" smtClean="0"/>
-              <a:t>from</a:t>
-            </a:r>
-          </a:p>
-          <a:p>
-            <a:r>
-              <a:rPr lang="en-US" dirty="0" smtClean="0"/>
-              <a:t>Show </a:t>
-            </a:r>
-            <a:r>
-              <a:rPr lang="en-US" dirty="0"/>
-              <a:t>Dog inheriting from </a:t>
-            </a:r>
-            <a:r>
-              <a:rPr lang="en-US" dirty="0" smtClean="0"/>
-              <a:t>mammal</a:t>
-            </a:r>
-          </a:p>
-          <a:p>
-            <a:r>
-              <a:rPr lang="en-US" dirty="0"/>
-              <a:t>Show parrot inheriting from </a:t>
-            </a:r>
-            <a:r>
-              <a:rPr lang="en-US" dirty="0" smtClean="0"/>
-              <a:t>bird</a:t>
-            </a:r>
-            <a:endParaRPr lang="en-US" dirty="0"/>
+            <a:endParaRPr lang="en-US"/>
           </a:p>
         </p:txBody>
       </p:sp>
     </p:spTree>
     <p:extLst>
       <p:ext uri="{BB962C8B-B14F-4D97-AF65-F5344CB8AC3E}">
-        <p14:creationId xmlns:p14="http://schemas.microsoft.com/office/powerpoint/2010/main" val="681053446"/>
+        <p14:creationId xmlns:p14="http://schemas.microsoft.com/office/powerpoint/2010/main" val="711584714"/>
       </p:ext>
     </p:extLst>
   </p:cSld>
@@ -4060,6 +4528,179 @@
           <a:chExt cx="0" cy="0"/>
         </a:xfrm>
       </p:grpSpPr>
+      <p:sp useBgFill="1">
+        <p:nvSpPr>
+          <p:cNvPr id="8" name="Rectangle 7"/>
+          <p:cNvSpPr>
+            <a:spLocks noGrp="1" noRot="1" noChangeAspect="1" noMove="1" noResize="1" noEditPoints="1" noAdjustHandles="1" noChangeArrowheads="1" noChangeShapeType="1" noTextEdit="1"/>
+          </p:cNvSpPr>
+          <p:nvPr>
+            <p:extLst>
+              <p:ext uri="{386F3935-93C4-4BCD-93E2-E3B085C9AB24}">
+                <p16:designElem xmlns:p16="http://schemas.microsoft.com/office/powerpoint/2015/main" val="1"/>
+              </p:ext>
+            </p:extLst>
+          </p:nvPr>
+        </p:nvSpPr>
+        <p:spPr>
+          <a:xfrm>
+            <a:off x="0" y="0"/>
+            <a:ext cx="12186315" cy="6858000"/>
+          </a:xfrm>
+          <a:prstGeom prst="rect">
+            <a:avLst/>
+          </a:prstGeom>
+          <a:ln>
+            <a:noFill/>
+          </a:ln>
+        </p:spPr>
+        <p:style>
+          <a:lnRef idx="2">
+            <a:schemeClr val="accent6">
+              <a:shade val="50000"/>
+            </a:schemeClr>
+          </a:lnRef>
+          <a:fillRef idx="1001">
+            <a:schemeClr val="lt1"/>
+          </a:fillRef>
+          <a:effectRef idx="0">
+            <a:schemeClr val="accent6"/>
+          </a:effectRef>
+          <a:fontRef idx="minor">
+            <a:schemeClr val="lt1"/>
+          </a:fontRef>
+        </p:style>
+        <p:txBody>
+          <a:bodyPr rtlCol="0" anchor="ctr"/>
+          <a:lstStyle/>
+          <a:p>
+            <a:pPr algn="ctr"/>
+            <a:endParaRPr lang="en-US"/>
+          </a:p>
+        </p:txBody>
+      </p:sp>
+      <p:sp>
+        <p:nvSpPr>
+          <p:cNvPr id="10" name="Rectangle 9"/>
+          <p:cNvSpPr>
+            <a:spLocks noGrp="1" noRot="1" noChangeAspect="1" noMove="1" noResize="1" noEditPoints="1" noAdjustHandles="1" noChangeArrowheads="1" noChangeShapeType="1" noTextEdit="1"/>
+          </p:cNvSpPr>
+          <p:nvPr>
+            <p:extLst>
+              <p:ext uri="{386F3935-93C4-4BCD-93E2-E3B085C9AB24}">
+                <p16:designElem xmlns:p16="http://schemas.microsoft.com/office/powerpoint/2015/main" val="1"/>
+              </p:ext>
+            </p:extLst>
+          </p:nvPr>
+        </p:nvSpPr>
+        <p:spPr>
+          <a:xfrm>
+            <a:off x="16" y="0"/>
+            <a:ext cx="4050791" cy="6858000"/>
+          </a:xfrm>
+          <a:prstGeom prst="rect">
+            <a:avLst/>
+          </a:prstGeom>
+          <a:solidFill>
+            <a:schemeClr val="accent2"/>
+          </a:solidFill>
+          <a:ln>
+            <a:noFill/>
+          </a:ln>
+        </p:spPr>
+        <p:style>
+          <a:lnRef idx="2">
+            <a:schemeClr val="accent1">
+              <a:shade val="50000"/>
+            </a:schemeClr>
+          </a:lnRef>
+          <a:fillRef idx="1">
+            <a:schemeClr val="accent1"/>
+          </a:fillRef>
+          <a:effectRef idx="0">
+            <a:schemeClr val="accent1"/>
+          </a:effectRef>
+          <a:fontRef idx="minor">
+            <a:schemeClr val="lt1"/>
+          </a:fontRef>
+        </p:style>
+      </p:sp>
+      <p:sp>
+        <p:nvSpPr>
+          <p:cNvPr id="12" name="Rectangle 11"/>
+          <p:cNvSpPr>
+            <a:spLocks noGrp="1" noRot="1" noChangeAspect="1" noMove="1" noResize="1" noEditPoints="1" noAdjustHandles="1" noChangeArrowheads="1" noChangeShapeType="1" noTextEdit="1"/>
+          </p:cNvSpPr>
+          <p:nvPr>
+            <p:extLst>
+              <p:ext uri="{386F3935-93C4-4BCD-93E2-E3B085C9AB24}">
+                <p16:designElem xmlns:p16="http://schemas.microsoft.com/office/powerpoint/2015/main" val="1"/>
+              </p:ext>
+            </p:extLst>
+          </p:nvPr>
+        </p:nvSpPr>
+        <p:spPr>
+          <a:xfrm>
+            <a:off x="4040071" y="0"/>
+            <a:ext cx="64008" cy="6858000"/>
+          </a:xfrm>
+          <a:prstGeom prst="rect">
+            <a:avLst/>
+          </a:prstGeom>
+          <a:solidFill>
+            <a:schemeClr val="accent1"/>
+          </a:solidFill>
+          <a:ln>
+            <a:noFill/>
+          </a:ln>
+        </p:spPr>
+        <p:style>
+          <a:lnRef idx="2">
+            <a:schemeClr val="accent1">
+              <a:shade val="50000"/>
+            </a:schemeClr>
+          </a:lnRef>
+          <a:fillRef idx="1">
+            <a:schemeClr val="accent1"/>
+          </a:fillRef>
+          <a:effectRef idx="0">
+            <a:schemeClr val="accent1"/>
+          </a:effectRef>
+          <a:fontRef idx="minor">
+            <a:schemeClr val="lt1"/>
+          </a:fontRef>
+        </p:style>
+      </p:sp>
+      <p:pic>
+        <p:nvPicPr>
+          <p:cNvPr id="4" name="Picture 3"/>
+          <p:cNvPicPr>
+            <a:picLocks noChangeAspect="1"/>
+          </p:cNvPicPr>
+          <p:nvPr/>
+        </p:nvPicPr>
+        <p:blipFill>
+          <a:blip r:embed="rId2">
+            <a:extLst>
+              <a:ext uri="{28A0092B-C50C-407E-A947-70E740481C1C}">
+                <a14:useLocalDpi xmlns:a14="http://schemas.microsoft.com/office/drawing/2010/main" val="0"/>
+              </a:ext>
+            </a:extLst>
+          </a:blip>
+          <a:stretch>
+            <a:fillRect/>
+          </a:stretch>
+        </p:blipFill>
+        <p:spPr>
+          <a:xfrm>
+            <a:off x="4742017" y="1228121"/>
+            <a:ext cx="6798082" cy="4401758"/>
+          </a:xfrm>
+          <a:prstGeom prst="rect">
+            <a:avLst/>
+          </a:prstGeom>
+        </p:spPr>
+      </p:pic>
       <p:sp>
         <p:nvSpPr>
           <p:cNvPr id="2" name="Title 1"/>
@@ -4070,16 +4711,26 @@
             <p:ph type="title"/>
           </p:nvPr>
         </p:nvSpPr>
-        <p:spPr/>
-        <p:txBody>
-          <a:bodyPr/>
-          <a:lstStyle/>
-          <a:p>
-            <a:r>
-              <a:rPr lang="en-US" dirty="0" smtClean="0"/>
-              <a:t>Multiple Inheritance</a:t>
-            </a:r>
-            <a:endParaRPr lang="en-US" dirty="0"/>
+        <p:spPr>
+          <a:xfrm>
+            <a:off x="492370" y="516835"/>
+            <a:ext cx="3084844" cy="2103875"/>
+          </a:xfrm>
+        </p:spPr>
+        <p:txBody>
+          <a:bodyPr>
+            <a:normAutofit/>
+          </a:bodyPr>
+          <a:lstStyle/>
+          <a:p>
+            <a:r>
+              <a:rPr lang="en-US" sz="3600">
+                <a:solidFill>
+                  <a:srgbClr val="FFFFFF"/>
+                </a:solidFill>
+              </a:rPr>
+              <a:t>What is inheritance?</a:t>
+            </a:r>
           </a:p>
         </p:txBody>
       </p:sp>
@@ -4093,136 +4744,99 @@
             <p:ph idx="1"/>
           </p:nvPr>
         </p:nvSpPr>
-        <p:spPr/>
-        <p:txBody>
-          <a:bodyPr/>
-          <a:lstStyle/>
-          <a:p>
-            <a:r>
-              <a:rPr lang="en-US" dirty="0" smtClean="0"/>
-              <a:t>Interfaces and classes can both inherit from multiple interfaces at a time. This allows us to create small interfaces that describe a very reusable slice of functionality. </a:t>
-            </a:r>
-            <a:endParaRPr lang="en-US" dirty="0"/>
-          </a:p>
-          <a:p>
-            <a:r>
-              <a:rPr lang="en-US" dirty="0" smtClean="0"/>
-              <a:t>For example, our animals all can move! But they all move in different ways.</a:t>
-            </a:r>
-          </a:p>
-          <a:p>
-            <a:r>
-              <a:rPr lang="en-US" dirty="0" smtClean="0"/>
-              <a:t>Rather than declare that all our animals follow the interface rules of </a:t>
-            </a:r>
-            <a:r>
-              <a:rPr lang="en-US" dirty="0" err="1" smtClean="0"/>
-              <a:t>IWalkable</a:t>
-            </a:r>
-            <a:r>
-              <a:rPr lang="en-US" dirty="0" smtClean="0"/>
-              <a:t>, or </a:t>
-            </a:r>
-            <a:r>
-              <a:rPr lang="en-US" dirty="0" err="1" smtClean="0"/>
-              <a:t>IFlyable</a:t>
-            </a:r>
-            <a:r>
-              <a:rPr lang="en-US" dirty="0" smtClean="0"/>
-              <a:t>, we have each particular abstract class define inherit from </a:t>
-            </a:r>
-            <a:r>
-              <a:rPr lang="en-US" dirty="0" err="1" smtClean="0"/>
-              <a:t>IAnimal</a:t>
-            </a:r>
-            <a:r>
-              <a:rPr lang="en-US" dirty="0" smtClean="0"/>
-              <a:t> and whichever movement patterns describe them best.</a:t>
-            </a:r>
-          </a:p>
-          <a:p>
-            <a:pPr lvl="1"/>
-            <a:r>
-              <a:rPr lang="en-US" dirty="0" smtClean="0"/>
-              <a:t>Mammal inherits from </a:t>
-            </a:r>
-            <a:r>
-              <a:rPr lang="en-US" dirty="0" err="1" smtClean="0"/>
-              <a:t>IWalkable</a:t>
-            </a:r>
-            <a:r>
-              <a:rPr lang="en-US" dirty="0" smtClean="0"/>
-              <a:t> and </a:t>
-            </a:r>
-            <a:r>
-              <a:rPr lang="en-US" dirty="0" err="1" smtClean="0"/>
-              <a:t>IAnimal</a:t>
-            </a:r>
-            <a:endParaRPr lang="en-US" dirty="0" smtClean="0"/>
-          </a:p>
-          <a:p>
-            <a:pPr lvl="1"/>
-            <a:r>
-              <a:rPr lang="en-US" dirty="0" smtClean="0"/>
-              <a:t>Avian inherits from </a:t>
-            </a:r>
-            <a:r>
-              <a:rPr lang="en-US" dirty="0" err="1" smtClean="0"/>
-              <a:t>IWalkable</a:t>
-            </a:r>
-            <a:r>
-              <a:rPr lang="en-US" dirty="0" smtClean="0"/>
-              <a:t>, </a:t>
-            </a:r>
-            <a:r>
-              <a:rPr lang="en-US" dirty="0" err="1" smtClean="0"/>
-              <a:t>IFlyable</a:t>
-            </a:r>
-            <a:r>
-              <a:rPr lang="en-US" dirty="0" smtClean="0"/>
-              <a:t>, and </a:t>
-            </a:r>
-            <a:r>
-              <a:rPr lang="en-US" dirty="0" err="1" smtClean="0"/>
-              <a:t>IAnimal</a:t>
-            </a:r>
-            <a:endParaRPr lang="en-US" dirty="0"/>
-          </a:p>
-          <a:p>
-            <a:r>
-              <a:rPr lang="en-US" dirty="0" smtClean="0"/>
-              <a:t>This can be extended to a school of thought known as </a:t>
-            </a:r>
-            <a:r>
-              <a:rPr lang="en-US" i="1" dirty="0" smtClean="0"/>
-              <a:t>composition over inheritance</a:t>
-            </a:r>
-          </a:p>
-          <a:p>
-            <a:pPr lvl="1"/>
-            <a:r>
-              <a:rPr lang="en-US" dirty="0">
-                <a:hlinkClick r:id="rId2"/>
+        <p:spPr>
+          <a:xfrm>
+            <a:off x="492371" y="2653800"/>
+            <a:ext cx="3084844" cy="3335519"/>
+          </a:xfrm>
+        </p:spPr>
+        <p:txBody>
+          <a:bodyPr>
+            <a:normAutofit/>
+          </a:bodyPr>
+          <a:lstStyle/>
+          <a:p>
+            <a:pPr>
+              <a:lnSpc>
+                <a:spcPct val="70000"/>
+              </a:lnSpc>
+            </a:pPr>
+            <a:r>
+              <a:rPr lang="en-US" sz="1400" dirty="0">
+                <a:solidFill>
+                  <a:srgbClr val="FFFFFF"/>
+                </a:solidFill>
               </a:rPr>
-              <a:t>https://</a:t>
-            </a:r>
-            <a:r>
-              <a:rPr lang="en-US" dirty="0" smtClean="0">
-                <a:hlinkClick r:id="rId2"/>
+              <a:t>Inheritance is the concept of allowing classes to be created that exist "on top" of other classes. </a:t>
+            </a:r>
+          </a:p>
+          <a:p>
+            <a:pPr>
+              <a:lnSpc>
+                <a:spcPct val="70000"/>
+              </a:lnSpc>
+            </a:pPr>
+            <a:r>
+              <a:rPr lang="en-US" sz="1400" dirty="0">
+                <a:solidFill>
+                  <a:srgbClr val="FFFFFF"/>
+                </a:solidFill>
               </a:rPr>
-              <a:t>en.wikipedia.org/wiki/Composition_over_inheritance</a:t>
-            </a:r>
-            <a:endParaRPr lang="en-US" dirty="0" smtClean="0"/>
-          </a:p>
-          <a:p>
-            <a:endParaRPr lang="en-US" dirty="0"/>
+              <a:t>For example, we can make a class for mammals, and have dogs inherit from that class. Often, we will inherit from abstract or partial classes. </a:t>
+            </a:r>
+          </a:p>
+          <a:p>
+            <a:pPr>
+              <a:lnSpc>
+                <a:spcPct val="70000"/>
+              </a:lnSpc>
+            </a:pPr>
+            <a:r>
+              <a:rPr lang="en-US" sz="1400" dirty="0">
+                <a:solidFill>
+                  <a:srgbClr val="FFFFFF"/>
+                </a:solidFill>
+              </a:rPr>
+              <a:t>Is is often useful to make an abstract class, which is a "partial class", or to use virtual methods when making a class. You can't make a new instance of an abstract class since it's incomplete, but you can inherit from them and build on top of them.</a:t>
+            </a:r>
+          </a:p>
+          <a:p>
+            <a:pPr>
+              <a:lnSpc>
+                <a:spcPct val="70000"/>
+              </a:lnSpc>
+            </a:pPr>
+            <a:r>
+              <a:rPr lang="en-US" sz="1400" dirty="0">
+                <a:solidFill>
+                  <a:srgbClr val="FFFFFF"/>
+                </a:solidFill>
+              </a:rPr>
+              <a:t>Our Mammal class was an abstract class, and our </a:t>
+            </a:r>
+            <a:r>
+              <a:rPr lang="en-US" sz="1400" dirty="0" err="1">
+                <a:solidFill>
+                  <a:srgbClr val="FFFFFF"/>
+                </a:solidFill>
+              </a:rPr>
+              <a:t>HoneyBadger</a:t>
+            </a:r>
+            <a:r>
+              <a:rPr lang="en-US" sz="1400" dirty="0">
+                <a:solidFill>
+                  <a:srgbClr val="FFFFFF"/>
+                </a:solidFill>
+              </a:rPr>
+              <a:t> class inherits the Mammal class and finishes it up.</a:t>
+            </a:r>
           </a:p>
         </p:txBody>
       </p:sp>
     </p:spTree>
     <p:extLst>
       <p:ext uri="{BB962C8B-B14F-4D97-AF65-F5344CB8AC3E}">
-        <p14:creationId xmlns:p14="http://schemas.microsoft.com/office/powerpoint/2010/main" val="1948332637"/>
+        <p14:creationId xmlns:p14="http://schemas.microsoft.com/office/powerpoint/2010/main" val="716345250"/>
       </p:ext>
     </p:extLst>
   </p:cSld>
@@ -4256,7 +4870,7 @@
             <a:spLocks noGrp="1"/>
           </p:cNvSpPr>
           <p:nvPr>
-            <p:ph type="ctrTitle"/>
+            <p:ph type="title"/>
           </p:nvPr>
         </p:nvSpPr>
         <p:spPr/>
@@ -4266,7 +4880,7 @@
           <a:p>
             <a:r>
               <a:rPr lang="en-US" dirty="0" smtClean="0"/>
-              <a:t>Advanced OOP Concepts</a:t>
+              <a:t>Multiple Inheritance</a:t>
             </a:r>
             <a:endParaRPr lang="en-US" dirty="0"/>
           </a:p>
@@ -4274,12 +4888,12 @@
       </p:sp>
       <p:sp>
         <p:nvSpPr>
-          <p:cNvPr id="4" name="Subtitle 3"/>
-          <p:cNvSpPr>
-            <a:spLocks noGrp="1"/>
-          </p:cNvSpPr>
-          <p:nvPr>
-            <p:ph type="subTitle" idx="1"/>
+          <p:cNvPr id="3" name="Content Placeholder 2"/>
+          <p:cNvSpPr>
+            <a:spLocks noGrp="1"/>
+          </p:cNvSpPr>
+          <p:nvPr>
+            <p:ph idx="1"/>
           </p:nvPr>
         </p:nvSpPr>
         <p:spPr/>
@@ -4287,14 +4901,131 @@
           <a:bodyPr/>
           <a:lstStyle/>
           <a:p>
-            <a:endParaRPr lang="en-US"/>
+            <a:r>
+              <a:rPr lang="en-US" dirty="0" smtClean="0"/>
+              <a:t>Interfaces and classes can both inherit from multiple interfaces at a time. This allows us to create small interfaces that describe a very reusable slice of functionality. </a:t>
+            </a:r>
+            <a:endParaRPr lang="en-US" dirty="0"/>
+          </a:p>
+          <a:p>
+            <a:r>
+              <a:rPr lang="en-US" dirty="0" smtClean="0"/>
+              <a:t>For example, our animals all can move! But they all move in different ways.</a:t>
+            </a:r>
+          </a:p>
+          <a:p>
+            <a:r>
+              <a:rPr lang="en-US" dirty="0" smtClean="0"/>
+              <a:t>Rather than declare that all our animals follow the interface rules of </a:t>
+            </a:r>
+            <a:r>
+              <a:rPr lang="en-US" dirty="0" err="1" smtClean="0"/>
+              <a:t>IWalkable</a:t>
+            </a:r>
+            <a:r>
+              <a:rPr lang="en-US" dirty="0" smtClean="0"/>
+              <a:t>, or </a:t>
+            </a:r>
+            <a:r>
+              <a:rPr lang="en-US" dirty="0" err="1" smtClean="0"/>
+              <a:t>IFlyable</a:t>
+            </a:r>
+            <a:r>
+              <a:rPr lang="en-US" dirty="0" smtClean="0"/>
+              <a:t>, we have each particular abstract class define inherit from </a:t>
+            </a:r>
+            <a:r>
+              <a:rPr lang="en-US" dirty="0" err="1" smtClean="0"/>
+              <a:t>IAnimal</a:t>
+            </a:r>
+            <a:r>
+              <a:rPr lang="en-US" dirty="0" smtClean="0"/>
+              <a:t> and whichever movement patterns describe them best.</a:t>
+            </a:r>
+          </a:p>
+          <a:p>
+            <a:pPr lvl="1"/>
+            <a:r>
+              <a:rPr lang="en-US" dirty="0" smtClean="0"/>
+              <a:t>Mammal inherits from </a:t>
+            </a:r>
+            <a:r>
+              <a:rPr lang="en-US" dirty="0" err="1" smtClean="0"/>
+              <a:t>IWalkable</a:t>
+            </a:r>
+            <a:r>
+              <a:rPr lang="en-US" dirty="0" smtClean="0"/>
+              <a:t> and </a:t>
+            </a:r>
+            <a:r>
+              <a:rPr lang="en-US" dirty="0" err="1" smtClean="0"/>
+              <a:t>IAnimal</a:t>
+            </a:r>
+            <a:endParaRPr lang="en-US" dirty="0" smtClean="0"/>
+          </a:p>
+          <a:p>
+            <a:pPr lvl="1"/>
+            <a:r>
+              <a:rPr lang="en-US" dirty="0" smtClean="0"/>
+              <a:t>Avian inherits from </a:t>
+            </a:r>
+            <a:r>
+              <a:rPr lang="en-US" dirty="0" err="1" smtClean="0"/>
+              <a:t>IWalkable</a:t>
+            </a:r>
+            <a:r>
+              <a:rPr lang="en-US" dirty="0" smtClean="0"/>
+              <a:t>, </a:t>
+            </a:r>
+            <a:r>
+              <a:rPr lang="en-US" dirty="0" err="1" smtClean="0"/>
+              <a:t>IFlyable</a:t>
+            </a:r>
+            <a:r>
+              <a:rPr lang="en-US" dirty="0" smtClean="0"/>
+              <a:t>, and </a:t>
+            </a:r>
+            <a:r>
+              <a:rPr lang="en-US" dirty="0" err="1" smtClean="0"/>
+              <a:t>IAnimal</a:t>
+            </a:r>
+            <a:endParaRPr lang="en-US" dirty="0"/>
+          </a:p>
+          <a:p>
+            <a:r>
+              <a:rPr lang="en-US" dirty="0" smtClean="0"/>
+              <a:t>This can be extended to a school of thought known as </a:t>
+            </a:r>
+            <a:r>
+              <a:rPr lang="en-US" i="1" dirty="0" smtClean="0"/>
+              <a:t>composition over inheritance</a:t>
+            </a:r>
+          </a:p>
+          <a:p>
+            <a:pPr lvl="1"/>
+            <a:r>
+              <a:rPr lang="en-US" dirty="0">
+                <a:hlinkClick r:id="rId2"/>
+              </a:rPr>
+              <a:t>https://</a:t>
+            </a:r>
+            <a:r>
+              <a:rPr lang="en-US" dirty="0" smtClean="0">
+                <a:hlinkClick r:id="rId2"/>
+              </a:rPr>
+              <a:t>en.wikipedia.org/wiki/Composition_over_inheritance</a:t>
+            </a:r>
+            <a:endParaRPr lang="en-US" dirty="0" smtClean="0"/>
+          </a:p>
+          <a:p>
+            <a:endParaRPr lang="en-US" dirty="0"/>
           </a:p>
         </p:txBody>
       </p:sp>
     </p:spTree>
     <p:extLst>
       <p:ext uri="{BB962C8B-B14F-4D97-AF65-F5344CB8AC3E}">
-        <p14:creationId xmlns:p14="http://schemas.microsoft.com/office/powerpoint/2010/main" val="804445132"/>
+        <p14:creationId xmlns:p14="http://schemas.microsoft.com/office/powerpoint/2010/main" val="1948332637"/>
       </p:ext>
     </p:extLst>
   </p:cSld>
@@ -4402,6 +5133,179 @@
           <a:chExt cx="0" cy="0"/>
         </a:xfrm>
       </p:grpSpPr>
+      <p:sp useBgFill="1">
+        <p:nvSpPr>
+          <p:cNvPr id="8" name="Rectangle 7"/>
+          <p:cNvSpPr>
+            <a:spLocks noGrp="1" noRot="1" noChangeAspect="1" noMove="1" noResize="1" noEditPoints="1" noAdjustHandles="1" noChangeArrowheads="1" noChangeShapeType="1" noTextEdit="1"/>
+          </p:cNvSpPr>
+          <p:nvPr>
+            <p:extLst>
+              <p:ext uri="{386F3935-93C4-4BCD-93E2-E3B085C9AB24}">
+                <p16:designElem xmlns:p16="http://schemas.microsoft.com/office/powerpoint/2015/main" val="1"/>
+              </p:ext>
+            </p:extLst>
+          </p:nvPr>
+        </p:nvSpPr>
+        <p:spPr>
+          <a:xfrm>
+            <a:off x="0" y="0"/>
+            <a:ext cx="12186315" cy="6858000"/>
+          </a:xfrm>
+          <a:prstGeom prst="rect">
+            <a:avLst/>
+          </a:prstGeom>
+          <a:ln>
+            <a:noFill/>
+          </a:ln>
+        </p:spPr>
+        <p:style>
+          <a:lnRef idx="2">
+            <a:schemeClr val="accent6">
+              <a:shade val="50000"/>
+            </a:schemeClr>
+          </a:lnRef>
+          <a:fillRef idx="1001">
+            <a:schemeClr val="lt1"/>
+          </a:fillRef>
+          <a:effectRef idx="0">
+            <a:schemeClr val="accent6"/>
+          </a:effectRef>
+          <a:fontRef idx="minor">
+            <a:schemeClr val="lt1"/>
+          </a:fontRef>
+        </p:style>
+        <p:txBody>
+          <a:bodyPr rtlCol="0" anchor="ctr"/>
+          <a:lstStyle/>
+          <a:p>
+            <a:pPr algn="ctr"/>
+            <a:endParaRPr lang="en-US"/>
+          </a:p>
+        </p:txBody>
+      </p:sp>
+      <p:sp>
+        <p:nvSpPr>
+          <p:cNvPr id="10" name="Rectangle 9"/>
+          <p:cNvSpPr>
+            <a:spLocks noGrp="1" noRot="1" noChangeAspect="1" noMove="1" noResize="1" noEditPoints="1" noAdjustHandles="1" noChangeArrowheads="1" noChangeShapeType="1" noTextEdit="1"/>
+          </p:cNvSpPr>
+          <p:nvPr>
+            <p:extLst>
+              <p:ext uri="{386F3935-93C4-4BCD-93E2-E3B085C9AB24}">
+                <p16:designElem xmlns:p16="http://schemas.microsoft.com/office/powerpoint/2015/main" val="1"/>
+              </p:ext>
+            </p:extLst>
+          </p:nvPr>
+        </p:nvSpPr>
+        <p:spPr>
+          <a:xfrm>
+            <a:off x="16" y="0"/>
+            <a:ext cx="4050791" cy="6858000"/>
+          </a:xfrm>
+          <a:prstGeom prst="rect">
+            <a:avLst/>
+          </a:prstGeom>
+          <a:solidFill>
+            <a:schemeClr val="accent2"/>
+          </a:solidFill>
+          <a:ln>
+            <a:noFill/>
+          </a:ln>
+        </p:spPr>
+        <p:style>
+          <a:lnRef idx="2">
+            <a:schemeClr val="accent1">
+              <a:shade val="50000"/>
+            </a:schemeClr>
+          </a:lnRef>
+          <a:fillRef idx="1">
+            <a:schemeClr val="accent1"/>
+          </a:fillRef>
+          <a:effectRef idx="0">
+            <a:schemeClr val="accent1"/>
+          </a:effectRef>
+          <a:fontRef idx="minor">
+            <a:schemeClr val="lt1"/>
+          </a:fontRef>
+        </p:style>
+      </p:sp>
+      <p:sp>
+        <p:nvSpPr>
+          <p:cNvPr id="12" name="Rectangle 11"/>
+          <p:cNvSpPr>
+            <a:spLocks noGrp="1" noRot="1" noChangeAspect="1" noMove="1" noResize="1" noEditPoints="1" noAdjustHandles="1" noChangeArrowheads="1" noChangeShapeType="1" noTextEdit="1"/>
+          </p:cNvSpPr>
+          <p:nvPr>
+            <p:extLst>
+              <p:ext uri="{386F3935-93C4-4BCD-93E2-E3B085C9AB24}">
+                <p16:designElem xmlns:p16="http://schemas.microsoft.com/office/powerpoint/2015/main" val="1"/>
+              </p:ext>
+            </p:extLst>
+          </p:nvPr>
+        </p:nvSpPr>
+        <p:spPr>
+          <a:xfrm>
+            <a:off x="4040071" y="0"/>
+            <a:ext cx="64008" cy="6858000"/>
+          </a:xfrm>
+          <a:prstGeom prst="rect">
+            <a:avLst/>
+          </a:prstGeom>
+          <a:solidFill>
+            <a:schemeClr val="accent1"/>
+          </a:solidFill>
+          <a:ln>
+            <a:noFill/>
+          </a:ln>
+        </p:spPr>
+        <p:style>
+          <a:lnRef idx="2">
+            <a:schemeClr val="accent1">
+              <a:shade val="50000"/>
+            </a:schemeClr>
+          </a:lnRef>
+          <a:fillRef idx="1">
+            <a:schemeClr val="accent1"/>
+          </a:fillRef>
+          <a:effectRef idx="0">
+            <a:schemeClr val="accent1"/>
+          </a:effectRef>
+          <a:fontRef idx="minor">
+            <a:schemeClr val="lt1"/>
+          </a:fontRef>
+        </p:style>
+      </p:sp>
+      <p:pic>
+        <p:nvPicPr>
+          <p:cNvPr id="4" name="Picture 3"/>
+          <p:cNvPicPr>
+            <a:picLocks noChangeAspect="1"/>
+          </p:cNvPicPr>
+          <p:nvPr/>
+        </p:nvPicPr>
+        <p:blipFill>
+          <a:blip r:embed="rId2">
+            <a:extLst>
+              <a:ext uri="{28A0092B-C50C-407E-A947-70E740481C1C}">
+                <a14:useLocalDpi xmlns:a14="http://schemas.microsoft.com/office/drawing/2010/main" val="0"/>
+              </a:ext>
+            </a:extLst>
+          </a:blip>
+          <a:stretch>
+            <a:fillRect/>
+          </a:stretch>
+        </p:blipFill>
+        <p:spPr>
+          <a:xfrm>
+            <a:off x="5791393" y="640080"/>
+            <a:ext cx="4699329" cy="5577840"/>
+          </a:xfrm>
+          <a:prstGeom prst="rect">
+            <a:avLst/>
+          </a:prstGeom>
+        </p:spPr>
+      </p:pic>
       <p:sp>
         <p:nvSpPr>
           <p:cNvPr id="2" name="Title 1"/>
@@ -4412,13 +5316,24 @@
             <p:ph type="title"/>
           </p:nvPr>
         </p:nvSpPr>
-        <p:spPr/>
-        <p:txBody>
-          <a:bodyPr/>
-          <a:lstStyle/>
-          <a:p>
-            <a:r>
-              <a:rPr lang="en-US" dirty="0"/>
+        <p:spPr>
+          <a:xfrm>
+            <a:off x="492370" y="516835"/>
+            <a:ext cx="3084844" cy="2103875"/>
+          </a:xfrm>
+        </p:spPr>
+        <p:txBody>
+          <a:bodyPr>
+            <a:normAutofit/>
+          </a:bodyPr>
+          <a:lstStyle/>
+          <a:p>
+            <a:r>
+              <a:rPr lang="en-US" sz="3600">
+                <a:solidFill>
+                  <a:srgbClr val="FFFFFF"/>
+                </a:solidFill>
+              </a:rPr>
               <a:t>Overloading</a:t>
             </a:r>
           </a:p>
@@ -4434,72 +5349,67 @@
             <p:ph idx="1"/>
           </p:nvPr>
         </p:nvSpPr>
-        <p:spPr/>
-        <p:txBody>
-          <a:bodyPr/>
-          <a:lstStyle/>
-          <a:p>
-            <a:r>
-              <a:rPr lang="en-US" dirty="0"/>
-              <a:t>overload is when a class has a method with the same name + return type, but different </a:t>
-            </a:r>
-            <a:r>
-              <a:rPr lang="en-US" dirty="0" smtClean="0"/>
-              <a:t>parameters</a:t>
-            </a:r>
-          </a:p>
-          <a:p>
-            <a:r>
-              <a:rPr lang="en-US" dirty="0"/>
-              <a:t>		example: 			Dogs can </a:t>
-            </a:r>
-            <a:r>
-              <a:rPr lang="en-US" dirty="0" err="1"/>
-              <a:t>doTrick</a:t>
-            </a:r>
-            <a:r>
-              <a:rPr lang="en-US" dirty="0"/>
-              <a:t>(), or </a:t>
-            </a:r>
-            <a:r>
-              <a:rPr lang="en-US" dirty="0" err="1"/>
-              <a:t>doTrick</a:t>
-            </a:r>
-            <a:r>
-              <a:rPr lang="en-US" dirty="0"/>
-              <a:t>(</a:t>
-            </a:r>
-            <a:r>
-              <a:rPr lang="en-US" dirty="0" err="1"/>
-              <a:t>trickType</a:t>
-            </a:r>
-            <a:r>
-              <a:rPr lang="en-US" dirty="0"/>
-              <a:t>), or </a:t>
-            </a:r>
-            <a:r>
-              <a:rPr lang="en-US" dirty="0" err="1"/>
-              <a:t>doTrick</a:t>
-            </a:r>
-            <a:r>
-              <a:rPr lang="en-US" dirty="0"/>
-              <a:t>(</a:t>
-            </a:r>
-            <a:r>
-              <a:rPr lang="en-US" dirty="0" err="1"/>
-              <a:t>trickType</a:t>
-            </a:r>
-            <a:r>
-              <a:rPr lang="en-US" dirty="0"/>
-              <a:t>, </a:t>
-            </a:r>
-            <a:r>
-              <a:rPr lang="en-US" dirty="0" err="1"/>
-              <a:t>numberOfTimes</a:t>
-            </a:r>
-            <a:r>
-              <a:rPr lang="en-US" dirty="0"/>
-              <a:t>)</a:t>
+        <p:spPr>
+          <a:xfrm>
+            <a:off x="492371" y="2653800"/>
+            <a:ext cx="3084844" cy="3335519"/>
+          </a:xfrm>
+        </p:spPr>
+        <p:txBody>
+          <a:bodyPr>
+            <a:normAutofit/>
+          </a:bodyPr>
+          <a:lstStyle/>
+          <a:p>
+            <a:r>
+              <a:rPr lang="en-US" sz="1500" dirty="0" smtClean="0">
+                <a:solidFill>
+                  <a:srgbClr val="FFFFFF"/>
+                </a:solidFill>
+              </a:rPr>
+              <a:t>Overloading is </a:t>
+            </a:r>
+            <a:r>
+              <a:rPr lang="en-US" sz="1500" dirty="0">
+                <a:solidFill>
+                  <a:srgbClr val="FFFFFF"/>
+                </a:solidFill>
+              </a:rPr>
+              <a:t>when a class has a method with the same </a:t>
+            </a:r>
+            <a:r>
+              <a:rPr lang="en-US" sz="1500" dirty="0" smtClean="0">
+                <a:solidFill>
+                  <a:srgbClr val="FFFFFF"/>
+                </a:solidFill>
+              </a:rPr>
+              <a:t>signature and return type, but different parameters. It is common to see overloads calling other overloads with different parameters. </a:t>
+            </a:r>
+          </a:p>
+          <a:p>
+            <a:r>
+              <a:rPr lang="en-US" sz="1500" dirty="0" smtClean="0">
+                <a:solidFill>
+                  <a:srgbClr val="FFFFFF"/>
+                </a:solidFill>
+              </a:rPr>
+              <a:t>Here, we see how a Dog has two </a:t>
+            </a:r>
+            <a:r>
+              <a:rPr lang="en-US" sz="1500" i="1" dirty="0" err="1" smtClean="0">
+                <a:solidFill>
+                  <a:srgbClr val="FFFFFF"/>
+                </a:solidFill>
+              </a:rPr>
+              <a:t>DoTrick</a:t>
+            </a:r>
+            <a:r>
+              <a:rPr lang="en-US" sz="1500" dirty="0" smtClean="0">
+                <a:solidFill>
+                  <a:srgbClr val="FFFFFF"/>
+                </a:solidFill>
+              </a:rPr>
+              <a:t> overloads: one of them has no particular trick specified, while one of them allows you to specify which trick to have the dog perform.</a:t>
             </a:r>
           </a:p>
         </p:txBody>
@@ -4507,7 +5417,7 @@
     </p:spTree>
     <p:extLst>
       <p:ext uri="{BB962C8B-B14F-4D97-AF65-F5344CB8AC3E}">
-        <p14:creationId xmlns:p14="http://schemas.microsoft.com/office/powerpoint/2010/main" val="1394333720"/>
+        <p14:creationId xmlns:p14="http://schemas.microsoft.com/office/powerpoint/2010/main" val="4055466655"/>
       </p:ext>
     </p:extLst>
   </p:cSld>
@@ -4534,6 +5444,179 @@
           <a:chExt cx="0" cy="0"/>
         </a:xfrm>
       </p:grpSpPr>
+      <p:sp useBgFill="1">
+        <p:nvSpPr>
+          <p:cNvPr id="8" name="Rectangle 7"/>
+          <p:cNvSpPr>
+            <a:spLocks noGrp="1" noRot="1" noChangeAspect="1" noMove="1" noResize="1" noEditPoints="1" noAdjustHandles="1" noChangeArrowheads="1" noChangeShapeType="1" noTextEdit="1"/>
+          </p:cNvSpPr>
+          <p:nvPr>
+            <p:extLst>
+              <p:ext uri="{386F3935-93C4-4BCD-93E2-E3B085C9AB24}">
+                <p16:designElem xmlns:p16="http://schemas.microsoft.com/office/powerpoint/2015/main" val="1"/>
+              </p:ext>
+            </p:extLst>
+          </p:nvPr>
+        </p:nvSpPr>
+        <p:spPr>
+          <a:xfrm>
+            <a:off x="0" y="0"/>
+            <a:ext cx="12186315" cy="6858000"/>
+          </a:xfrm>
+          <a:prstGeom prst="rect">
+            <a:avLst/>
+          </a:prstGeom>
+          <a:ln>
+            <a:noFill/>
+          </a:ln>
+        </p:spPr>
+        <p:style>
+          <a:lnRef idx="2">
+            <a:schemeClr val="accent6">
+              <a:shade val="50000"/>
+            </a:schemeClr>
+          </a:lnRef>
+          <a:fillRef idx="1001">
+            <a:schemeClr val="lt1"/>
+          </a:fillRef>
+          <a:effectRef idx="0">
+            <a:schemeClr val="accent6"/>
+          </a:effectRef>
+          <a:fontRef idx="minor">
+            <a:schemeClr val="lt1"/>
+          </a:fontRef>
+        </p:style>
+        <p:txBody>
+          <a:bodyPr rtlCol="0" anchor="ctr"/>
+          <a:lstStyle/>
+          <a:p>
+            <a:pPr algn="ctr"/>
+            <a:endParaRPr lang="en-US"/>
+          </a:p>
+        </p:txBody>
+      </p:sp>
+      <p:sp>
+        <p:nvSpPr>
+          <p:cNvPr id="10" name="Rectangle 9"/>
+          <p:cNvSpPr>
+            <a:spLocks noGrp="1" noRot="1" noChangeAspect="1" noMove="1" noResize="1" noEditPoints="1" noAdjustHandles="1" noChangeArrowheads="1" noChangeShapeType="1" noTextEdit="1"/>
+          </p:cNvSpPr>
+          <p:nvPr>
+            <p:extLst>
+              <p:ext uri="{386F3935-93C4-4BCD-93E2-E3B085C9AB24}">
+                <p16:designElem xmlns:p16="http://schemas.microsoft.com/office/powerpoint/2015/main" val="1"/>
+              </p:ext>
+            </p:extLst>
+          </p:nvPr>
+        </p:nvSpPr>
+        <p:spPr>
+          <a:xfrm>
+            <a:off x="16" y="0"/>
+            <a:ext cx="4050791" cy="6858000"/>
+          </a:xfrm>
+          <a:prstGeom prst="rect">
+            <a:avLst/>
+          </a:prstGeom>
+          <a:solidFill>
+            <a:schemeClr val="accent2"/>
+          </a:solidFill>
+          <a:ln>
+            <a:noFill/>
+          </a:ln>
+        </p:spPr>
+        <p:style>
+          <a:lnRef idx="2">
+            <a:schemeClr val="accent1">
+              <a:shade val="50000"/>
+            </a:schemeClr>
+          </a:lnRef>
+          <a:fillRef idx="1">
+            <a:schemeClr val="accent1"/>
+          </a:fillRef>
+          <a:effectRef idx="0">
+            <a:schemeClr val="accent1"/>
+          </a:effectRef>
+          <a:fontRef idx="minor">
+            <a:schemeClr val="lt1"/>
+          </a:fontRef>
+        </p:style>
+      </p:sp>
+      <p:sp>
+        <p:nvSpPr>
+          <p:cNvPr id="12" name="Rectangle 11"/>
+          <p:cNvSpPr>
+            <a:spLocks noGrp="1" noRot="1" noChangeAspect="1" noMove="1" noResize="1" noEditPoints="1" noAdjustHandles="1" noChangeArrowheads="1" noChangeShapeType="1" noTextEdit="1"/>
+          </p:cNvSpPr>
+          <p:nvPr>
+            <p:extLst>
+              <p:ext uri="{386F3935-93C4-4BCD-93E2-E3B085C9AB24}">
+                <p16:designElem xmlns:p16="http://schemas.microsoft.com/office/powerpoint/2015/main" val="1"/>
+              </p:ext>
+            </p:extLst>
+          </p:nvPr>
+        </p:nvSpPr>
+        <p:spPr>
+          <a:xfrm>
+            <a:off x="4040071" y="0"/>
+            <a:ext cx="64008" cy="6858000"/>
+          </a:xfrm>
+          <a:prstGeom prst="rect">
+            <a:avLst/>
+          </a:prstGeom>
+          <a:solidFill>
+            <a:schemeClr val="accent1"/>
+          </a:solidFill>
+          <a:ln>
+            <a:noFill/>
+          </a:ln>
+        </p:spPr>
+        <p:style>
+          <a:lnRef idx="2">
+            <a:schemeClr val="accent1">
+              <a:shade val="50000"/>
+            </a:schemeClr>
+          </a:lnRef>
+          <a:fillRef idx="1">
+            <a:schemeClr val="accent1"/>
+          </a:fillRef>
+          <a:effectRef idx="0">
+            <a:schemeClr val="accent1"/>
+          </a:effectRef>
+          <a:fontRef idx="minor">
+            <a:schemeClr val="lt1"/>
+          </a:fontRef>
+        </p:style>
+      </p:sp>
+      <p:pic>
+        <p:nvPicPr>
+          <p:cNvPr id="4" name="Picture 3"/>
+          <p:cNvPicPr>
+            <a:picLocks noChangeAspect="1"/>
+          </p:cNvPicPr>
+          <p:nvPr/>
+        </p:nvPicPr>
+        <p:blipFill>
+          <a:blip r:embed="rId2">
+            <a:extLst>
+              <a:ext uri="{28A0092B-C50C-407E-A947-70E740481C1C}">
+                <a14:useLocalDpi xmlns:a14="http://schemas.microsoft.com/office/drawing/2010/main" val="0"/>
+              </a:ext>
+            </a:extLst>
+          </a:blip>
+          <a:stretch>
+            <a:fillRect/>
+          </a:stretch>
+        </p:blipFill>
+        <p:spPr>
+          <a:xfrm>
+            <a:off x="4742017" y="1746474"/>
+            <a:ext cx="6798082" cy="3365051"/>
+          </a:xfrm>
+          <a:prstGeom prst="rect">
+            <a:avLst/>
+          </a:prstGeom>
+        </p:spPr>
+      </p:pic>
       <p:sp>
         <p:nvSpPr>
           <p:cNvPr id="2" name="Title 1"/>
@@ -4544,13 +5627,24 @@
             <p:ph type="title"/>
           </p:nvPr>
         </p:nvSpPr>
-        <p:spPr/>
-        <p:txBody>
-          <a:bodyPr/>
-          <a:lstStyle/>
-          <a:p>
-            <a:r>
-              <a:rPr lang="en-US" dirty="0"/>
+        <p:spPr>
+          <a:xfrm>
+            <a:off x="492370" y="516835"/>
+            <a:ext cx="3084844" cy="2103875"/>
+          </a:xfrm>
+        </p:spPr>
+        <p:txBody>
+          <a:bodyPr>
+            <a:normAutofit/>
+          </a:bodyPr>
+          <a:lstStyle/>
+          <a:p>
+            <a:r>
+              <a:rPr lang="en-US" sz="3600">
+                <a:solidFill>
+                  <a:srgbClr val="FFFFFF"/>
+                </a:solidFill>
+              </a:rPr>
               <a:t>Overriding</a:t>
             </a:r>
           </a:p>
@@ -4566,69 +5660,124 @@
             <p:ph idx="1"/>
           </p:nvPr>
         </p:nvSpPr>
-        <p:spPr/>
-        <p:txBody>
-          <a:bodyPr/>
-          <a:lstStyle/>
-          <a:p>
-            <a:r>
-              <a:rPr lang="en-US" dirty="0" smtClean="0"/>
-              <a:t>overriding </a:t>
-            </a:r>
-            <a:r>
-              <a:rPr lang="en-US" dirty="0"/>
+        <p:spPr>
+          <a:xfrm>
+            <a:off x="492371" y="2653800"/>
+            <a:ext cx="3084844" cy="3335519"/>
+          </a:xfrm>
+        </p:spPr>
+        <p:txBody>
+          <a:bodyPr>
+            <a:normAutofit/>
+          </a:bodyPr>
+          <a:lstStyle/>
+          <a:p>
+            <a:pPr>
+              <a:lnSpc>
+                <a:spcPct val="70000"/>
+              </a:lnSpc>
+            </a:pPr>
+            <a:r>
+              <a:rPr lang="en-US" sz="1300" dirty="0" smtClean="0">
+                <a:solidFill>
+                  <a:srgbClr val="FFFFFF"/>
+                </a:solidFill>
+              </a:rPr>
+              <a:t>Overriding </a:t>
+            </a:r>
+            <a:r>
+              <a:rPr lang="en-US" sz="1300" dirty="0">
+                <a:solidFill>
+                  <a:srgbClr val="FFFFFF"/>
+                </a:solidFill>
+              </a:rPr>
               <a:t>is when a child class makes a method that overrides a parent class's version of the same </a:t>
             </a:r>
             <a:r>
-              <a:rPr lang="en-US" dirty="0" smtClean="0"/>
-              <a:t>method</a:t>
-            </a:r>
-          </a:p>
-          <a:p>
-            <a:r>
-              <a:rPr lang="en-US" dirty="0"/>
-              <a:t>		the concept of your </a:t>
-            </a:r>
-            <a:r>
-              <a:rPr lang="en-US" dirty="0" smtClean="0"/>
-              <a:t>classes </a:t>
-            </a:r>
-            <a:r>
-              <a:rPr lang="en-US" dirty="0"/>
-              <a:t>being able to call code from parent classes. </a:t>
-            </a:r>
-            <a:endParaRPr lang="en-US" dirty="0" smtClean="0"/>
-          </a:p>
-          <a:p>
-            <a:r>
-              <a:rPr lang="en-US" dirty="0"/>
-              <a:t>		The actual code that uses your object instance will be able to call a method, but the actual class may be using a parent method</a:t>
-            </a:r>
-            <a:r>
-              <a:rPr lang="en-US" dirty="0" smtClean="0"/>
-              <a:t>.</a:t>
-            </a:r>
-          </a:p>
-          <a:p>
-            <a:r>
-              <a:rPr lang="en-US" dirty="0"/>
-              <a:t>			IE: Dog will use animal's move()			IE: Honey </a:t>
-            </a:r>
-            <a:r>
-              <a:rPr lang="en-US" dirty="0" err="1"/>
-              <a:t>Badget</a:t>
-            </a:r>
-            <a:r>
-              <a:rPr lang="en-US" dirty="0"/>
-              <a:t> will override move and actually call a private method called jog()			IE: parrots will override move and run "</a:t>
-            </a:r>
-            <a:r>
-              <a:rPr lang="en-US" dirty="0" err="1"/>
-              <a:t>SaySomethingSnarky</a:t>
-            </a:r>
-            <a:r>
-              <a:rPr lang="en-US" dirty="0"/>
-              <a:t>", then use the parent method move()</a:t>
+              <a:rPr lang="en-US" sz="1300" dirty="0" smtClean="0">
+                <a:solidFill>
+                  <a:srgbClr val="FFFFFF"/>
+                </a:solidFill>
+              </a:rPr>
+              <a:t>method. </a:t>
+            </a:r>
+          </a:p>
+          <a:p>
+            <a:pPr>
+              <a:lnSpc>
+                <a:spcPct val="70000"/>
+              </a:lnSpc>
+            </a:pPr>
+            <a:r>
+              <a:rPr lang="en-US" sz="1300" dirty="0" smtClean="0">
+                <a:solidFill>
+                  <a:srgbClr val="FFFFFF"/>
+                </a:solidFill>
+              </a:rPr>
+              <a:t>Even if we override a method on our child class, inside of our class we can actually still call our parent methods by using the </a:t>
+            </a:r>
+            <a:r>
+              <a:rPr lang="en-US" sz="1300" i="1" dirty="0" smtClean="0">
+                <a:solidFill>
+                  <a:srgbClr val="FFFFFF"/>
+                </a:solidFill>
+              </a:rPr>
+              <a:t>base</a:t>
+            </a:r>
+            <a:r>
+              <a:rPr lang="en-US" sz="1300" dirty="0" smtClean="0">
+                <a:solidFill>
+                  <a:srgbClr val="FFFFFF"/>
+                </a:solidFill>
+              </a:rPr>
+              <a:t> reference. </a:t>
+            </a:r>
+          </a:p>
+          <a:p>
+            <a:pPr>
+              <a:lnSpc>
+                <a:spcPct val="70000"/>
+              </a:lnSpc>
+            </a:pPr>
+            <a:r>
+              <a:rPr lang="en-US" sz="1300" dirty="0" smtClean="0">
+                <a:solidFill>
+                  <a:srgbClr val="FFFFFF"/>
+                </a:solidFill>
+              </a:rPr>
+              <a:t>We see this in most of our animals. This demonstration can be found in </a:t>
+            </a:r>
+            <a:r>
+              <a:rPr lang="en-US" sz="1300" i="1" dirty="0" err="1" smtClean="0">
+                <a:solidFill>
+                  <a:srgbClr val="FFFFFF"/>
+                </a:solidFill>
+              </a:rPr>
+              <a:t>Parrot.cs</a:t>
+            </a:r>
+            <a:r>
+              <a:rPr lang="en-US" sz="1300" dirty="0" smtClean="0">
+                <a:solidFill>
+                  <a:srgbClr val="FFFFFF"/>
+                </a:solidFill>
+              </a:rPr>
+              <a:t>, where the Parrot will only eat if it’s their </a:t>
+            </a:r>
+            <a:r>
+              <a:rPr lang="en-US" sz="1300" dirty="0" err="1" smtClean="0">
+                <a:solidFill>
+                  <a:srgbClr val="FFFFFF"/>
+                </a:solidFill>
+              </a:rPr>
+              <a:t>prefered</a:t>
+            </a:r>
+            <a:r>
+              <a:rPr lang="en-US" sz="1300" dirty="0" smtClean="0">
+                <a:solidFill>
+                  <a:srgbClr val="FFFFFF"/>
+                </a:solidFill>
+              </a:rPr>
+              <a:t> food.</a:t>
             </a:r>
           </a:p>
         </p:txBody>
@@ -4636,7 +5785,7 @@
     </p:spTree>
     <p:extLst>
       <p:ext uri="{BB962C8B-B14F-4D97-AF65-F5344CB8AC3E}">
-        <p14:creationId xmlns:p14="http://schemas.microsoft.com/office/powerpoint/2010/main" val="1606316147"/>
+        <p14:creationId xmlns:p14="http://schemas.microsoft.com/office/powerpoint/2010/main" val="3989909902"/>
       </p:ext>
     </p:extLst>
   </p:cSld>
@@ -4761,7 +5910,7 @@
           <a:p>
             <a:r>
               <a:rPr lang="en-US" dirty="0" smtClean="0"/>
-              <a:t>Practical</a:t>
+              <a:t>Practical: Putting it all together</a:t>
             </a:r>
             <a:endParaRPr lang="en-US" dirty="0"/>
           </a:p>
@@ -4784,7 +5933,15 @@
           <a:p>
             <a:r>
               <a:rPr lang="en-US" dirty="0"/>
-              <a:t>Make a new animal, Cat, that expands on Mammal. </a:t>
+              <a:t>Make a new animal, Cat, that </a:t>
+            </a:r>
+            <a:r>
+              <a:rPr lang="en-US" dirty="0" smtClean="0"/>
+              <a:t>inherits from Mammal</a:t>
+            </a:r>
+            <a:r>
+              <a:rPr lang="en-US" dirty="0"/>
+              <a:t>. </a:t>
             </a:r>
             <a:endParaRPr lang="en-US" dirty="0" smtClean="0"/>
           </a:p>
@@ -4933,7 +6090,15 @@
           <a:p>
             <a:r>
               <a:rPr lang="en-US" dirty="0" smtClean="0"/>
-              <a:t>Practical Skills</a:t>
+              <a:t>Basic OOP</a:t>
+            </a:r>
+            <a:r>
+              <a:rPr lang="en-US" dirty="0"/>
+              <a:t>: Abstraction </a:t>
+            </a:r>
+            <a:r>
+              <a:rPr lang="en-US" dirty="0" smtClean="0"/>
+              <a:t> and Encapsulation</a:t>
             </a:r>
             <a:endParaRPr lang="en-US" dirty="0"/>
           </a:p>
@@ -5027,8 +6192,98 @@
           <a:p>
             <a:r>
               <a:rPr lang="en-US" dirty="0"/>
-              <a:t>OOP is the practice of developing code in a manner where the focus is on the data, and the methods that it can perform. Generally, each object only cares about itself. Objects are generally noun-like; for example, _Pigeon_ or _Dog_</a:t>
-            </a:r>
+              <a:t>OOP is the practice of developing code in a manner where the focus is on the data, and the methods that it can perform. </a:t>
+            </a:r>
+            <a:endParaRPr lang="en-US" dirty="0" smtClean="0"/>
+          </a:p>
+          <a:p>
+            <a:r>
+              <a:rPr lang="en-US" dirty="0" smtClean="0"/>
+              <a:t>Each </a:t>
+            </a:r>
+            <a:r>
+              <a:rPr lang="en-US" dirty="0"/>
+              <a:t>object only cares about </a:t>
+            </a:r>
+            <a:r>
+              <a:rPr lang="en-US" dirty="0" smtClean="0"/>
+              <a:t>itself</a:t>
+            </a:r>
+            <a:r>
+              <a:rPr lang="en-US" dirty="0"/>
+              <a:t> </a:t>
+            </a:r>
+            <a:r>
+              <a:rPr lang="en-US" dirty="0" smtClean="0"/>
+              <a:t>and how it interacts with itself, and other objects.</a:t>
+            </a:r>
+            <a:endParaRPr lang="en-US" dirty="0" smtClean="0"/>
+          </a:p>
+          <a:p>
+            <a:r>
+              <a:rPr lang="en-US" dirty="0" smtClean="0"/>
+              <a:t>Objects </a:t>
+            </a:r>
+            <a:r>
+              <a:rPr lang="en-US" dirty="0"/>
+              <a:t>are generally noun-like; for example, </a:t>
+            </a:r>
+            <a:r>
+              <a:rPr lang="en-US" i="1" dirty="0" smtClean="0"/>
+              <a:t>Pidgeon</a:t>
+            </a:r>
+            <a:r>
+              <a:rPr lang="en-US" dirty="0" smtClean="0"/>
+              <a:t> or </a:t>
+            </a:r>
+            <a:r>
+              <a:rPr lang="en-US" i="1" dirty="0" smtClean="0"/>
+              <a:t>Dog</a:t>
+            </a:r>
+            <a:r>
+              <a:rPr lang="en-US" dirty="0" smtClean="0"/>
+              <a:t>.</a:t>
+            </a:r>
+          </a:p>
+          <a:p>
+            <a:r>
+              <a:rPr lang="en-US" dirty="0" smtClean="0"/>
+              <a:t>Even non-physical things and concepts can be represented in an OOP manner:</a:t>
+            </a:r>
+          </a:p>
+          <a:p>
+            <a:pPr lvl="1"/>
+            <a:r>
+              <a:rPr lang="en-US" dirty="0" smtClean="0"/>
+              <a:t>Lists are a representation of any ordered set of </a:t>
+            </a:r>
+            <a:r>
+              <a:rPr lang="en-US" i="1" dirty="0" smtClean="0"/>
+              <a:t>things</a:t>
+            </a:r>
+            <a:endParaRPr lang="en-US" dirty="0" smtClean="0"/>
+          </a:p>
+          <a:p>
+            <a:pPr lvl="1"/>
+            <a:r>
+              <a:rPr lang="en-US" dirty="0" smtClean="0"/>
+              <a:t>Sets are a representation of any unique set of </a:t>
+            </a:r>
+            <a:r>
+              <a:rPr lang="en-US" i="1" dirty="0" smtClean="0"/>
+              <a:t>things</a:t>
+            </a:r>
+            <a:endParaRPr lang="en-US" dirty="0" smtClean="0"/>
+          </a:p>
+          <a:p>
+            <a:pPr lvl="1"/>
+            <a:r>
+              <a:rPr lang="en-US" dirty="0" smtClean="0"/>
+              <a:t>Tweets are a representation of not-funny quips people say and images they post of their food.</a:t>
+            </a:r>
+          </a:p>
+          <a:p>
+            <a:endParaRPr lang="en-US" dirty="0"/>
           </a:p>
         </p:txBody>
       </p:sp>
@@ -5105,26 +6360,44 @@
           <a:lstStyle/>
           <a:p>
             <a:r>
-              <a:rPr lang="en-US" dirty="0" smtClean="0"/>
+              <a:rPr lang="en-US" u="sng" dirty="0" smtClean="0"/>
               <a:t>Abstraction</a:t>
             </a:r>
-          </a:p>
-          <a:p>
-            <a:r>
-              <a:rPr lang="en-US" dirty="0" smtClean="0"/>
+            <a:r>
+              <a:rPr lang="en-US" dirty="0" smtClean="0"/>
+              <a:t>: grouping and representing meaningful data together</a:t>
+            </a:r>
+          </a:p>
+          <a:p>
+            <a:r>
+              <a:rPr lang="en-US" u="sng" dirty="0" smtClean="0"/>
               <a:t>Encapsulation</a:t>
             </a:r>
-          </a:p>
-          <a:p>
-            <a:r>
-              <a:rPr lang="en-US" dirty="0" smtClean="0"/>
+            <a:r>
+              <a:rPr lang="en-US" dirty="0" smtClean="0"/>
+              <a:t>: hiding internal logic that the outside world does not care about</a:t>
+            </a:r>
+            <a:endParaRPr lang="en-US" dirty="0" smtClean="0"/>
+          </a:p>
+          <a:p>
+            <a:r>
+              <a:rPr lang="en-US" u="sng" dirty="0" smtClean="0"/>
               <a:t>Inheritance</a:t>
             </a:r>
-          </a:p>
-          <a:p>
-            <a:r>
-              <a:rPr lang="en-US" dirty="0" smtClean="0"/>
+            <a:r>
+              <a:rPr lang="en-US" dirty="0" smtClean="0"/>
+              <a:t>: objects can be based off other objects</a:t>
+            </a:r>
+            <a:endParaRPr lang="en-US" dirty="0" smtClean="0"/>
+          </a:p>
+          <a:p>
+            <a:r>
+              <a:rPr lang="en-US" u="sng" dirty="0" smtClean="0"/>
               <a:t>Polymorphism</a:t>
+            </a:r>
+            <a:r>
+              <a:rPr lang="en-US" dirty="0" smtClean="0"/>
+              <a:t>: we can have many ways of doing the same method on a class.</a:t>
             </a:r>
             <a:endParaRPr lang="en-US" dirty="0"/>
           </a:p>
@@ -5160,6 +6433,263 @@
           <a:chExt cx="0" cy="0"/>
         </a:xfrm>
       </p:grpSpPr>
+      <p:sp useBgFill="1">
+        <p:nvSpPr>
+          <p:cNvPr id="11" name="Rectangle 10"/>
+          <p:cNvSpPr>
+            <a:spLocks noGrp="1" noRot="1" noChangeAspect="1" noMove="1" noResize="1" noEditPoints="1" noAdjustHandles="1" noChangeArrowheads="1" noChangeShapeType="1" noTextEdit="1"/>
+          </p:cNvSpPr>
+          <p:nvPr>
+            <p:extLst>
+              <p:ext uri="{386F3935-93C4-4BCD-93E2-E3B085C9AB24}">
+                <p16:designElem xmlns:p16="http://schemas.microsoft.com/office/powerpoint/2015/main" val="1"/>
+              </p:ext>
+            </p:extLst>
+          </p:nvPr>
+        </p:nvSpPr>
+        <p:spPr>
+          <a:xfrm>
+            <a:off x="0" y="0"/>
+            <a:ext cx="12190459" cy="6858000"/>
+          </a:xfrm>
+          <a:prstGeom prst="rect">
+            <a:avLst/>
+          </a:prstGeom>
+          <a:ln>
+            <a:noFill/>
+          </a:ln>
+        </p:spPr>
+        <p:style>
+          <a:lnRef idx="2">
+            <a:schemeClr val="accent1">
+              <a:shade val="50000"/>
+            </a:schemeClr>
+          </a:lnRef>
+          <a:fillRef idx="1">
+            <a:schemeClr val="accent1"/>
+          </a:fillRef>
+          <a:effectRef idx="0">
+            <a:schemeClr val="accent1"/>
+          </a:effectRef>
+          <a:fontRef idx="minor">
+            <a:schemeClr val="lt1"/>
+          </a:fontRef>
+        </p:style>
+        <p:txBody>
+          <a:bodyPr rtlCol="0" anchor="ctr"/>
+          <a:lstStyle/>
+          <a:p>
+            <a:pPr algn="ctr"/>
+            <a:endParaRPr lang="en-US"/>
+          </a:p>
+        </p:txBody>
+      </p:sp>
+      <p:pic>
+        <p:nvPicPr>
+          <p:cNvPr id="6" name="Picture 5"/>
+          <p:cNvPicPr>
+            <a:picLocks noChangeAspect="1"/>
+          </p:cNvPicPr>
+          <p:nvPr/>
+        </p:nvPicPr>
+        <p:blipFill>
+          <a:blip r:embed="rId2">
+            <a:extLst>
+              <a:ext uri="{28A0092B-C50C-407E-A947-70E740481C1C}">
+                <a14:useLocalDpi xmlns:a14="http://schemas.microsoft.com/office/drawing/2010/main" val="0"/>
+              </a:ext>
+            </a:extLst>
+          </a:blip>
+          <a:stretch>
+            <a:fillRect/>
+          </a:stretch>
+        </p:blipFill>
+        <p:spPr>
+          <a:xfrm>
+            <a:off x="8096533" y="516835"/>
+            <a:ext cx="3609294" cy="2168269"/>
+          </a:xfrm>
+          <a:prstGeom prst="rect">
+            <a:avLst/>
+          </a:prstGeom>
+        </p:spPr>
+      </p:pic>
+      <p:sp>
+        <p:nvSpPr>
+          <p:cNvPr id="13" name="Rectangle 12"/>
+          <p:cNvSpPr>
+            <a:spLocks noGrp="1" noRot="1" noChangeAspect="1" noMove="1" noResize="1" noEditPoints="1" noAdjustHandles="1" noChangeArrowheads="1" noChangeShapeType="1" noTextEdit="1"/>
+          </p:cNvSpPr>
+          <p:nvPr>
+            <p:extLst>
+              <p:ext uri="{386F3935-93C4-4BCD-93E2-E3B085C9AB24}">
+                <p16:designElem xmlns:p16="http://schemas.microsoft.com/office/powerpoint/2015/main" val="1"/>
+              </p:ext>
+            </p:extLst>
+          </p:nvPr>
+        </p:nvSpPr>
+        <p:spPr bwMode="white">
+          <a:xfrm>
+            <a:off x="15" y="0"/>
+            <a:ext cx="7547879" cy="6858000"/>
+          </a:xfrm>
+          <a:prstGeom prst="rect">
+            <a:avLst/>
+          </a:prstGeom>
+          <a:solidFill>
+            <a:schemeClr val="accent2"/>
+          </a:solidFill>
+          <a:ln>
+            <a:noFill/>
+          </a:ln>
+        </p:spPr>
+        <p:style>
+          <a:lnRef idx="2">
+            <a:schemeClr val="accent1">
+              <a:shade val="50000"/>
+            </a:schemeClr>
+          </a:lnRef>
+          <a:fillRef idx="1">
+            <a:schemeClr val="accent1"/>
+          </a:fillRef>
+          <a:effectRef idx="0">
+            <a:schemeClr val="accent1"/>
+          </a:effectRef>
+          <a:fontRef idx="minor">
+            <a:schemeClr val="lt1"/>
+          </a:fontRef>
+        </p:style>
+      </p:sp>
+      <p:sp>
+        <p:nvSpPr>
+          <p:cNvPr id="15" name="Rectangle 14"/>
+          <p:cNvSpPr>
+            <a:spLocks noGrp="1" noRot="1" noChangeAspect="1" noMove="1" noResize="1" noEditPoints="1" noAdjustHandles="1" noChangeArrowheads="1" noChangeShapeType="1" noTextEdit="1"/>
+          </p:cNvSpPr>
+          <p:nvPr>
+            <p:extLst>
+              <p:ext uri="{386F3935-93C4-4BCD-93E2-E3B085C9AB24}">
+                <p16:designElem xmlns:p16="http://schemas.microsoft.com/office/powerpoint/2015/main" val="1"/>
+              </p:ext>
+            </p:extLst>
+          </p:nvPr>
+        </p:nvSpPr>
+        <p:spPr>
+          <a:xfrm>
+            <a:off x="7547894" y="0"/>
+            <a:ext cx="64008" cy="6858000"/>
+          </a:xfrm>
+          <a:prstGeom prst="rect">
+            <a:avLst/>
+          </a:prstGeom>
+          <a:solidFill>
+            <a:schemeClr val="accent1"/>
+          </a:solidFill>
+          <a:ln>
+            <a:noFill/>
+          </a:ln>
+        </p:spPr>
+        <p:style>
+          <a:lnRef idx="2">
+            <a:schemeClr val="accent1">
+              <a:shade val="50000"/>
+            </a:schemeClr>
+          </a:lnRef>
+          <a:fillRef idx="1">
+            <a:schemeClr val="accent1"/>
+          </a:fillRef>
+          <a:effectRef idx="0">
+            <a:schemeClr val="accent1"/>
+          </a:effectRef>
+          <a:fontRef idx="minor">
+            <a:schemeClr val="lt1"/>
+          </a:fontRef>
+        </p:style>
+      </p:sp>
+      <p:pic>
+        <p:nvPicPr>
+          <p:cNvPr id="7" name="Picture 6"/>
+          <p:cNvPicPr>
+            <a:picLocks noChangeAspect="1"/>
+          </p:cNvPicPr>
+          <p:nvPr/>
+        </p:nvPicPr>
+        <p:blipFill>
+          <a:blip r:embed="rId3">
+            <a:extLst>
+              <a:ext uri="{28A0092B-C50C-407E-A947-70E740481C1C}">
+                <a14:useLocalDpi xmlns:a14="http://schemas.microsoft.com/office/drawing/2010/main" val="0"/>
+              </a:ext>
+            </a:extLst>
+          </a:blip>
+          <a:stretch>
+            <a:fillRect/>
+          </a:stretch>
+        </p:blipFill>
+        <p:spPr>
+          <a:xfrm>
+            <a:off x="7611902" y="4172896"/>
+            <a:ext cx="4504363" cy="1463916"/>
+          </a:xfrm>
+          <a:prstGeom prst="rect">
+            <a:avLst/>
+          </a:prstGeom>
+        </p:spPr>
+      </p:pic>
+      <p:sp>
+        <p:nvSpPr>
+          <p:cNvPr id="17" name="Rectangle 16"/>
+          <p:cNvSpPr>
+            <a:spLocks noGrp="1" noRot="1" noChangeAspect="1" noMove="1" noResize="1" noEditPoints="1" noAdjustHandles="1" noChangeArrowheads="1" noChangeShapeType="1" noTextEdit="1"/>
+          </p:cNvSpPr>
+          <p:nvPr>
+            <p:extLst>
+              <p:ext uri="{386F3935-93C4-4BCD-93E2-E3B085C9AB24}">
+                <p16:designElem xmlns:p16="http://schemas.microsoft.com/office/powerpoint/2015/main" val="1"/>
+              </p:ext>
+            </p:extLst>
+          </p:nvPr>
+        </p:nvSpPr>
+        <p:spPr>
+          <a:xfrm>
+            <a:off x="7547894" y="3396996"/>
+            <a:ext cx="4642565" cy="64008"/>
+          </a:xfrm>
+          <a:prstGeom prst="rect">
+            <a:avLst/>
+          </a:prstGeom>
+          <a:solidFill>
+            <a:schemeClr val="accent1"/>
+          </a:solidFill>
+          <a:ln>
+            <a:noFill/>
+          </a:ln>
+        </p:spPr>
+        <p:style>
+          <a:lnRef idx="2">
+            <a:schemeClr val="accent1">
+              <a:shade val="50000"/>
+            </a:schemeClr>
+          </a:lnRef>
+          <a:fillRef idx="1">
+            <a:schemeClr val="accent1"/>
+          </a:fillRef>
+          <a:effectRef idx="0">
+            <a:schemeClr val="accent1"/>
+          </a:effectRef>
+          <a:fontRef idx="minor">
+            <a:schemeClr val="lt1"/>
+          </a:fontRef>
+        </p:style>
+        <p:txBody>
+          <a:bodyPr rtlCol="0" anchor="ctr"/>
+          <a:lstStyle/>
+          <a:p>
+            <a:pPr algn="ctr"/>
+            <a:endParaRPr lang="en-US"/>
+          </a:p>
+        </p:txBody>
+      </p:sp>
       <p:sp>
         <p:nvSpPr>
           <p:cNvPr id="2" name="Title 1"/>
@@ -5170,30 +6700,12 @@
             <p:ph type="title"/>
           </p:nvPr>
         </p:nvSpPr>
-        <p:spPr/>
-        <p:txBody>
-          <a:bodyPr/>
-          <a:lstStyle/>
-          <a:p>
-            <a:r>
-              <a:rPr lang="en-US" dirty="0" smtClean="0"/>
-              <a:t>What is abstraction?</a:t>
-            </a:r>
-            <a:endParaRPr lang="en-US" dirty="0"/>
-          </a:p>
-        </p:txBody>
-      </p:sp>
-      <p:sp>
-        <p:nvSpPr>
-          <p:cNvPr id="3" name="Content Placeholder 2"/>
-          <p:cNvSpPr>
-            <a:spLocks noGrp="1"/>
-          </p:cNvSpPr>
-          <p:nvPr>
-            <p:ph idx="1"/>
-          </p:nvPr>
-        </p:nvSpPr>
-        <p:spPr/>
+        <p:spPr>
+          <a:xfrm>
+            <a:off x="1097280" y="516835"/>
+            <a:ext cx="5977937" cy="1666501"/>
+          </a:xfrm>
+        </p:spPr>
         <p:txBody>
           <a:bodyPr>
             <a:normAutofit/>
@@ -5201,23 +6713,135 @@
           <a:lstStyle/>
           <a:p>
             <a:r>
-              <a:rPr lang="en-US" dirty="0"/>
+              <a:rPr lang="en-US" sz="4000">
+                <a:solidFill>
+                  <a:srgbClr val="FFFFFF"/>
+                </a:solidFill>
+              </a:rPr>
+              <a:t>What is abstraction?</a:t>
+            </a:r>
+          </a:p>
+        </p:txBody>
+      </p:sp>
+      <p:sp>
+        <p:nvSpPr>
+          <p:cNvPr id="3" name="Content Placeholder 2"/>
+          <p:cNvSpPr>
+            <a:spLocks noGrp="1"/>
+          </p:cNvSpPr>
+          <p:nvPr>
+            <p:ph idx="1"/>
+          </p:nvPr>
+        </p:nvSpPr>
+        <p:spPr>
+          <a:xfrm>
+            <a:off x="1097279" y="2236304"/>
+            <a:ext cx="5977938" cy="3652667"/>
+          </a:xfrm>
+        </p:spPr>
+        <p:txBody>
+          <a:bodyPr>
+            <a:normAutofit/>
+          </a:bodyPr>
+          <a:lstStyle/>
+          <a:p>
+            <a:r>
+              <a:rPr lang="en-US" sz="1800" dirty="0">
+                <a:solidFill>
+                  <a:srgbClr val="FFFFFF"/>
+                </a:solidFill>
+              </a:rPr>
               <a:t>Abstraction is the concept of taking your procedures and grouping them together in a reasonable fashion</a:t>
             </a:r>
             <a:r>
-              <a:rPr lang="en-US" dirty="0" smtClean="0"/>
+              <a:rPr lang="en-US" sz="1800" dirty="0" smtClean="0">
+                <a:solidFill>
+                  <a:srgbClr val="FFFFFF"/>
+                </a:solidFill>
+              </a:rPr>
               <a:t>.</a:t>
             </a:r>
           </a:p>
           <a:p>
-            <a:endParaRPr lang="en-US" dirty="0"/>
+            <a:r>
+              <a:rPr lang="en-US" sz="1800" dirty="0" smtClean="0">
+                <a:solidFill>
+                  <a:srgbClr val="FFFFFF"/>
+                </a:solidFill>
+              </a:rPr>
+              <a:t>On top, we see a procedural way of writing code without classes or objects. We just see a line by line description of what our program is supposed to do </a:t>
+            </a:r>
+            <a:r>
+              <a:rPr lang="mr-IN" sz="1800" dirty="0" smtClean="0">
+                <a:solidFill>
+                  <a:srgbClr val="FFFFFF"/>
+                </a:solidFill>
+              </a:rPr>
+              <a:t>–</a:t>
+            </a:r>
+            <a:r>
+              <a:rPr lang="en-US" sz="1800" dirty="0" smtClean="0">
+                <a:solidFill>
+                  <a:srgbClr val="FFFFFF"/>
+                </a:solidFill>
+              </a:rPr>
+              <a:t> it is very limited to the current intent of the program, and not very expandable.</a:t>
+            </a:r>
+          </a:p>
+          <a:p>
+            <a:r>
+              <a:rPr lang="en-US" sz="1800" dirty="0" smtClean="0">
+                <a:solidFill>
+                  <a:srgbClr val="FFFFFF"/>
+                </a:solidFill>
+              </a:rPr>
+              <a:t>Below, we see a grouping based on commonality. We make animals, of different types, by constructing new classes. </a:t>
+            </a:r>
+          </a:p>
+          <a:p>
+            <a:r>
+              <a:rPr lang="en-US" sz="1800" dirty="0" smtClean="0">
+                <a:solidFill>
+                  <a:srgbClr val="FFFFFF"/>
+                </a:solidFill>
+              </a:rPr>
+              <a:t>Let’s take a look at </a:t>
+            </a:r>
+            <a:r>
+              <a:rPr lang="en-US" sz="1800" dirty="0" err="1" smtClean="0">
+                <a:solidFill>
+                  <a:srgbClr val="FFFFFF"/>
+                </a:solidFill>
+              </a:rPr>
+              <a:t>IAnimal.cs</a:t>
+            </a:r>
+            <a:r>
+              <a:rPr lang="en-US" sz="1800" dirty="0" smtClean="0">
+                <a:solidFill>
+                  <a:srgbClr val="FFFFFF"/>
+                </a:solidFill>
+              </a:rPr>
+              <a:t> in order to see how we’d define an interface for our animal.</a:t>
+            </a:r>
+            <a:endParaRPr lang="en-US" sz="1800" dirty="0" smtClean="0">
+              <a:solidFill>
+                <a:srgbClr val="FFFFFF"/>
+              </a:solidFill>
+            </a:endParaRPr>
+          </a:p>
+          <a:p>
+            <a:endParaRPr lang="en-US" sz="1800" dirty="0">
+              <a:solidFill>
+                <a:srgbClr val="FFFFFF"/>
+              </a:solidFill>
+            </a:endParaRPr>
           </a:p>
         </p:txBody>
       </p:sp>
     </p:spTree>
     <p:extLst>
       <p:ext uri="{BB962C8B-B14F-4D97-AF65-F5344CB8AC3E}">
-        <p14:creationId xmlns:p14="http://schemas.microsoft.com/office/powerpoint/2010/main" val="1171804901"/>
+        <p14:creationId xmlns:p14="http://schemas.microsoft.com/office/powerpoint/2010/main" val="2878518170"/>
       </p:ext>
     </p:extLst>
   </p:cSld>
@@ -5444,13 +7068,42 @@
             </a:r>
             <a:r>
               <a:rPr lang="en-US" dirty="0" smtClean="0"/>
-              <a:t>.</a:t>
-            </a:r>
+              <a:t>. (See </a:t>
+            </a:r>
+            <a:r>
+              <a:rPr lang="en-US" dirty="0" err="1" smtClean="0"/>
+              <a:t>dog.js</a:t>
+            </a:r>
+            <a:r>
+              <a:rPr lang="en-US" dirty="0" smtClean="0"/>
+              <a:t> </a:t>
+            </a:r>
+            <a:r>
+              <a:rPr lang="en-US" i="1" dirty="0" smtClean="0"/>
+              <a:t>Eat </a:t>
+            </a:r>
+            <a:r>
+              <a:rPr lang="en-US" dirty="0" smtClean="0"/>
+              <a:t>method for an abstraction of that!</a:t>
+            </a:r>
+            <a:r>
+              <a:rPr lang="en-US" dirty="0" smtClean="0"/>
+              <a:t>)</a:t>
+            </a:r>
+            <a:endParaRPr lang="en-US" dirty="0" smtClean="0"/>
           </a:p>
           <a:p>
             <a:r>
               <a:rPr lang="en-US" dirty="0"/>
-              <a:t>Real world example: You don't know how the parrot will decide to speak, but it will emulate something spoken to. You just want to get the result of it speaking</a:t>
+              <a:t>Real world example: You </a:t>
+            </a:r>
+            <a:r>
+              <a:rPr lang="en-US" dirty="0" smtClean="0"/>
+              <a:t>also don't </a:t>
+            </a:r>
+            <a:r>
+              <a:rPr lang="en-US" dirty="0"/>
+              <a:t>know how the parrot will decide to speak, but it will emulate something spoken to. You just want to get the result of it speaking</a:t>
             </a:r>
             <a:r>
               <a:rPr lang="en-US" dirty="0" smtClean="0"/>
@@ -5495,6 +7148,179 @@
           <a:chExt cx="0" cy="0"/>
         </a:xfrm>
       </p:grpSpPr>
+      <p:sp useBgFill="1">
+        <p:nvSpPr>
+          <p:cNvPr id="8" name="Rectangle 7"/>
+          <p:cNvSpPr>
+            <a:spLocks noGrp="1" noRot="1" noChangeAspect="1" noMove="1" noResize="1" noEditPoints="1" noAdjustHandles="1" noChangeArrowheads="1" noChangeShapeType="1" noTextEdit="1"/>
+          </p:cNvSpPr>
+          <p:nvPr>
+            <p:extLst>
+              <p:ext uri="{386F3935-93C4-4BCD-93E2-E3B085C9AB24}">
+                <p16:designElem xmlns:p16="http://schemas.microsoft.com/office/powerpoint/2015/main" val="1"/>
+              </p:ext>
+            </p:extLst>
+          </p:nvPr>
+        </p:nvSpPr>
+        <p:spPr>
+          <a:xfrm>
+            <a:off x="0" y="0"/>
+            <a:ext cx="12186315" cy="6858000"/>
+          </a:xfrm>
+          <a:prstGeom prst="rect">
+            <a:avLst/>
+          </a:prstGeom>
+          <a:ln>
+            <a:noFill/>
+          </a:ln>
+        </p:spPr>
+        <p:style>
+          <a:lnRef idx="2">
+            <a:schemeClr val="accent6">
+              <a:shade val="50000"/>
+            </a:schemeClr>
+          </a:lnRef>
+          <a:fillRef idx="1001">
+            <a:schemeClr val="lt1"/>
+          </a:fillRef>
+          <a:effectRef idx="0">
+            <a:schemeClr val="accent6"/>
+          </a:effectRef>
+          <a:fontRef idx="minor">
+            <a:schemeClr val="lt1"/>
+          </a:fontRef>
+        </p:style>
+        <p:txBody>
+          <a:bodyPr rtlCol="0" anchor="ctr"/>
+          <a:lstStyle/>
+          <a:p>
+            <a:pPr algn="ctr"/>
+            <a:endParaRPr lang="en-US"/>
+          </a:p>
+        </p:txBody>
+      </p:sp>
+      <p:sp>
+        <p:nvSpPr>
+          <p:cNvPr id="10" name="Rectangle 9"/>
+          <p:cNvSpPr>
+            <a:spLocks noGrp="1" noRot="1" noChangeAspect="1" noMove="1" noResize="1" noEditPoints="1" noAdjustHandles="1" noChangeArrowheads="1" noChangeShapeType="1" noTextEdit="1"/>
+          </p:cNvSpPr>
+          <p:nvPr>
+            <p:extLst>
+              <p:ext uri="{386F3935-93C4-4BCD-93E2-E3B085C9AB24}">
+                <p16:designElem xmlns:p16="http://schemas.microsoft.com/office/powerpoint/2015/main" val="1"/>
+              </p:ext>
+            </p:extLst>
+          </p:nvPr>
+        </p:nvSpPr>
+        <p:spPr>
+          <a:xfrm>
+            <a:off x="16" y="0"/>
+            <a:ext cx="4050791" cy="6858000"/>
+          </a:xfrm>
+          <a:prstGeom prst="rect">
+            <a:avLst/>
+          </a:prstGeom>
+          <a:solidFill>
+            <a:schemeClr val="accent2"/>
+          </a:solidFill>
+          <a:ln>
+            <a:noFill/>
+          </a:ln>
+        </p:spPr>
+        <p:style>
+          <a:lnRef idx="2">
+            <a:schemeClr val="accent1">
+              <a:shade val="50000"/>
+            </a:schemeClr>
+          </a:lnRef>
+          <a:fillRef idx="1">
+            <a:schemeClr val="accent1"/>
+          </a:fillRef>
+          <a:effectRef idx="0">
+            <a:schemeClr val="accent1"/>
+          </a:effectRef>
+          <a:fontRef idx="minor">
+            <a:schemeClr val="lt1"/>
+          </a:fontRef>
+        </p:style>
+      </p:sp>
+      <p:sp>
+        <p:nvSpPr>
+          <p:cNvPr id="12" name="Rectangle 11"/>
+          <p:cNvSpPr>
+            <a:spLocks noGrp="1" noRot="1" noChangeAspect="1" noMove="1" noResize="1" noEditPoints="1" noAdjustHandles="1" noChangeArrowheads="1" noChangeShapeType="1" noTextEdit="1"/>
+          </p:cNvSpPr>
+          <p:nvPr>
+            <p:extLst>
+              <p:ext uri="{386F3935-93C4-4BCD-93E2-E3B085C9AB24}">
+                <p16:designElem xmlns:p16="http://schemas.microsoft.com/office/powerpoint/2015/main" val="1"/>
+              </p:ext>
+            </p:extLst>
+          </p:nvPr>
+        </p:nvSpPr>
+        <p:spPr>
+          <a:xfrm>
+            <a:off x="4040071" y="0"/>
+            <a:ext cx="64008" cy="6858000"/>
+          </a:xfrm>
+          <a:prstGeom prst="rect">
+            <a:avLst/>
+          </a:prstGeom>
+          <a:solidFill>
+            <a:schemeClr val="accent1"/>
+          </a:solidFill>
+          <a:ln>
+            <a:noFill/>
+          </a:ln>
+        </p:spPr>
+        <p:style>
+          <a:lnRef idx="2">
+            <a:schemeClr val="accent1">
+              <a:shade val="50000"/>
+            </a:schemeClr>
+          </a:lnRef>
+          <a:fillRef idx="1">
+            <a:schemeClr val="accent1"/>
+          </a:fillRef>
+          <a:effectRef idx="0">
+            <a:schemeClr val="accent1"/>
+          </a:effectRef>
+          <a:fontRef idx="minor">
+            <a:schemeClr val="lt1"/>
+          </a:fontRef>
+        </p:style>
+      </p:sp>
+      <p:pic>
+        <p:nvPicPr>
+          <p:cNvPr id="4" name="Picture 3"/>
+          <p:cNvPicPr>
+            <a:picLocks noChangeAspect="1"/>
+          </p:cNvPicPr>
+          <p:nvPr/>
+        </p:nvPicPr>
+        <p:blipFill>
+          <a:blip r:embed="rId2">
+            <a:extLst>
+              <a:ext uri="{28A0092B-C50C-407E-A947-70E740481C1C}">
+                <a14:useLocalDpi xmlns:a14="http://schemas.microsoft.com/office/drawing/2010/main" val="0"/>
+              </a:ext>
+            </a:extLst>
+          </a:blip>
+          <a:stretch>
+            <a:fillRect/>
+          </a:stretch>
+        </p:blipFill>
+        <p:spPr>
+          <a:xfrm>
+            <a:off x="4935403" y="640080"/>
+            <a:ext cx="6411310" cy="5577840"/>
+          </a:xfrm>
+          <a:prstGeom prst="rect">
+            <a:avLst/>
+          </a:prstGeom>
+        </p:spPr>
+      </p:pic>
       <p:sp>
         <p:nvSpPr>
           <p:cNvPr id="2" name="Title 1"/>
@@ -5505,20 +7331,26 @@
             <p:ph type="title"/>
           </p:nvPr>
         </p:nvSpPr>
-        <p:spPr/>
-        <p:txBody>
-          <a:bodyPr/>
-          <a:lstStyle/>
-          <a:p>
-            <a:r>
-              <a:rPr lang="en-US" dirty="0"/>
-              <a:t>What is an </a:t>
-            </a:r>
-            <a:r>
-              <a:rPr lang="en-US" dirty="0" smtClean="0"/>
-              <a:t>interface?</a:t>
-            </a:r>
-            <a:endParaRPr lang="en-US" dirty="0"/>
+        <p:spPr>
+          <a:xfrm>
+            <a:off x="492370" y="516835"/>
+            <a:ext cx="3084844" cy="2103875"/>
+          </a:xfrm>
+        </p:spPr>
+        <p:txBody>
+          <a:bodyPr>
+            <a:normAutofit/>
+          </a:bodyPr>
+          <a:lstStyle/>
+          <a:p>
+            <a:r>
+              <a:rPr lang="en-US" sz="3600">
+                <a:solidFill>
+                  <a:srgbClr val="FFFFFF"/>
+                </a:solidFill>
+              </a:rPr>
+              <a:t>What is an interface?</a:t>
+            </a:r>
           </a:p>
         </p:txBody>
       </p:sp>
@@ -5532,128 +7364,114 @@
             <p:ph idx="1"/>
           </p:nvPr>
         </p:nvSpPr>
-        <p:spPr/>
-        <p:txBody>
-          <a:bodyPr/>
-          <a:lstStyle/>
-          <a:p>
-            <a:r>
-              <a:rPr lang="en-US" dirty="0"/>
-              <a:t>An interface is a contract that describes </a:t>
-            </a:r>
-            <a:r>
-              <a:rPr lang="en-US" dirty="0" smtClean="0"/>
-              <a:t>what </a:t>
-            </a:r>
-            <a:r>
-              <a:rPr lang="en-US" dirty="0"/>
-              <a:t>a class has and how it is expected to behave</a:t>
-            </a:r>
-            <a:r>
-              <a:rPr lang="en-US" dirty="0" smtClean="0"/>
+        <p:spPr>
+          <a:xfrm>
+            <a:off x="492371" y="2653800"/>
+            <a:ext cx="3084844" cy="3335519"/>
+          </a:xfrm>
+        </p:spPr>
+        <p:txBody>
+          <a:bodyPr>
+            <a:normAutofit/>
+          </a:bodyPr>
+          <a:lstStyle/>
+          <a:p>
+            <a:r>
+              <a:rPr lang="en-US" sz="1500" dirty="0">
+                <a:solidFill>
+                  <a:srgbClr val="FFFFFF"/>
+                </a:solidFill>
+              </a:rPr>
+              <a:t>An interface is a contract that describes what a class has and how it is expected to behave.</a:t>
+            </a:r>
+          </a:p>
+          <a:p>
+            <a:r>
+              <a:rPr lang="en-US" sz="1500" dirty="0" smtClean="0">
+                <a:solidFill>
+                  <a:srgbClr val="FFFFFF"/>
+                </a:solidFill>
+              </a:rPr>
+              <a:t>When </a:t>
+            </a:r>
+            <a:r>
+              <a:rPr lang="en-US" sz="1500" dirty="0">
+                <a:solidFill>
+                  <a:srgbClr val="FFFFFF"/>
+                </a:solidFill>
+              </a:rPr>
+              <a:t>we make animals, they would </a:t>
+            </a:r>
+            <a:r>
+              <a:rPr lang="en-US" sz="1500" dirty="0" smtClean="0">
+                <a:solidFill>
+                  <a:srgbClr val="FFFFFF"/>
+                </a:solidFill>
+              </a:rPr>
+              <a:t>implement </a:t>
+            </a:r>
+            <a:r>
+              <a:rPr lang="en-US" sz="1500" dirty="0" err="1" smtClean="0">
+                <a:solidFill>
+                  <a:srgbClr val="FFFFFF"/>
+                </a:solidFill>
+              </a:rPr>
+              <a:t>IAnimal</a:t>
+            </a:r>
+            <a:r>
+              <a:rPr lang="en-US" sz="1500" dirty="0">
+                <a:solidFill>
+                  <a:srgbClr val="FFFFFF"/>
+                </a:solidFill>
+              </a:rPr>
+              <a:t>, </a:t>
+            </a:r>
+            <a:r>
+              <a:rPr lang="en-US" sz="1500" dirty="0" smtClean="0">
+                <a:solidFill>
+                  <a:srgbClr val="FFFFFF"/>
+                </a:solidFill>
+              </a:rPr>
+              <a:t>which means they would have all the properties and methods defined in </a:t>
+            </a:r>
+            <a:r>
+              <a:rPr lang="en-US" sz="1500" dirty="0" err="1" smtClean="0">
+                <a:solidFill>
+                  <a:srgbClr val="FFFFFF"/>
+                </a:solidFill>
+              </a:rPr>
+              <a:t>Ianimal</a:t>
+            </a:r>
+            <a:r>
+              <a:rPr lang="en-US" sz="1500" dirty="0" smtClean="0">
+                <a:solidFill>
+                  <a:srgbClr val="FFFFFF"/>
+                </a:solidFill>
+              </a:rPr>
               <a:t>.</a:t>
             </a:r>
           </a:p>
           <a:p>
             <a:r>
-              <a:rPr lang="en-US" dirty="0"/>
-              <a:t>Let us take an animal: animals eat, and animals make noise. Animals also have a Food type that they expect to eat, a hunger level, and </a:t>
-            </a:r>
-            <a:r>
-              <a:rPr lang="en-US" dirty="0" smtClean="0"/>
-              <a:t>a </a:t>
-            </a:r>
-            <a:r>
-              <a:rPr lang="en-US" dirty="0"/>
-              <a:t>number representing how human friendly they are</a:t>
-            </a:r>
-            <a:r>
-              <a:rPr lang="en-US" dirty="0" smtClean="0"/>
-              <a:t>.</a:t>
-            </a:r>
-          </a:p>
-          <a:p>
-            <a:r>
-              <a:rPr lang="en-US" dirty="0"/>
-              <a:t>So we would make an animal, </a:t>
-            </a:r>
-            <a:r>
-              <a:rPr lang="en-US" dirty="0" err="1"/>
-              <a:t>IAnimal</a:t>
-            </a:r>
-            <a:r>
-              <a:rPr lang="en-US" dirty="0"/>
-              <a:t>, that has:	 		string </a:t>
-            </a:r>
-            <a:r>
-              <a:rPr lang="en-US" dirty="0" err="1"/>
-              <a:t>ExpectedFood</a:t>
-            </a:r>
-            <a:r>
-              <a:rPr lang="en-US" dirty="0"/>
-              <a:t>	 		</a:t>
-            </a:r>
-            <a:r>
-              <a:rPr lang="en-US" dirty="0" err="1"/>
-              <a:t>int</a:t>
-            </a:r>
-            <a:r>
-              <a:rPr lang="en-US" dirty="0"/>
-              <a:t> </a:t>
-            </a:r>
-            <a:r>
-              <a:rPr lang="en-US" dirty="0" err="1"/>
-              <a:t>HungerLevel</a:t>
-            </a:r>
-            <a:r>
-              <a:rPr lang="en-US" dirty="0"/>
-              <a:t>	 		</a:t>
-            </a:r>
-            <a:r>
-              <a:rPr lang="en-US" dirty="0" err="1"/>
-              <a:t>int</a:t>
-            </a:r>
-            <a:r>
-              <a:rPr lang="en-US" dirty="0"/>
-              <a:t> </a:t>
-            </a:r>
-            <a:r>
-              <a:rPr lang="en-US" dirty="0" err="1" smtClean="0"/>
-              <a:t>HumanFriendlyLevel</a:t>
-            </a:r>
-            <a:endParaRPr lang="en-US" dirty="0" smtClean="0"/>
-          </a:p>
-          <a:p>
-            <a:endParaRPr lang="en-US" dirty="0"/>
-          </a:p>
-          <a:p>
-            <a:r>
-              <a:rPr lang="en-US" dirty="0"/>
-              <a:t> </a:t>
-            </a:r>
-            <a:r>
-              <a:rPr lang="en-US" dirty="0" smtClean="0"/>
-              <a:t>When </a:t>
-            </a:r>
-            <a:r>
-              <a:rPr lang="en-US" dirty="0"/>
-              <a:t>we make animals, they would inherit from </a:t>
-            </a:r>
-            <a:r>
-              <a:rPr lang="en-US" dirty="0" err="1"/>
-              <a:t>IAnimal</a:t>
-            </a:r>
-            <a:r>
-              <a:rPr lang="en-US" dirty="0"/>
-              <a:t>, which means they would implement</a:t>
-            </a:r>
+              <a:rPr lang="en-US" sz="1500" dirty="0" smtClean="0">
+                <a:solidFill>
+                  <a:srgbClr val="FFFFFF"/>
+                </a:solidFill>
+              </a:rPr>
+              <a:t>Interfaces can implement other interfaces, as well!</a:t>
+            </a:r>
+            <a:endParaRPr lang="en-US" sz="1500" dirty="0">
+              <a:solidFill>
+                <a:srgbClr val="FFFFFF"/>
+              </a:solidFill>
+            </a:endParaRPr>
           </a:p>
         </p:txBody>
       </p:sp>
     </p:spTree>
     <p:extLst>
       <p:ext uri="{BB962C8B-B14F-4D97-AF65-F5344CB8AC3E}">
-        <p14:creationId xmlns:p14="http://schemas.microsoft.com/office/powerpoint/2010/main" val="1988835254"/>
+        <p14:creationId xmlns:p14="http://schemas.microsoft.com/office/powerpoint/2010/main" val="2930259487"/>
       </p:ext>
     </p:extLst>
   </p:cSld>
@@ -5680,6 +7498,179 @@
           <a:chExt cx="0" cy="0"/>
         </a:xfrm>
       </p:grpSpPr>
+      <p:sp useBgFill="1">
+        <p:nvSpPr>
+          <p:cNvPr id="16" name="Rectangle 15"/>
+          <p:cNvSpPr>
+            <a:spLocks noGrp="1" noRot="1" noChangeAspect="1" noMove="1" noResize="1" noEditPoints="1" noAdjustHandles="1" noChangeArrowheads="1" noChangeShapeType="1" noTextEdit="1"/>
+          </p:cNvSpPr>
+          <p:nvPr>
+            <p:extLst>
+              <p:ext uri="{386F3935-93C4-4BCD-93E2-E3B085C9AB24}">
+                <p16:designElem xmlns:p16="http://schemas.microsoft.com/office/powerpoint/2015/main" val="1"/>
+              </p:ext>
+            </p:extLst>
+          </p:nvPr>
+        </p:nvSpPr>
+        <p:spPr>
+          <a:xfrm>
+            <a:off x="0" y="0"/>
+            <a:ext cx="12186315" cy="6858000"/>
+          </a:xfrm>
+          <a:prstGeom prst="rect">
+            <a:avLst/>
+          </a:prstGeom>
+          <a:ln>
+            <a:noFill/>
+          </a:ln>
+        </p:spPr>
+        <p:style>
+          <a:lnRef idx="2">
+            <a:schemeClr val="accent6">
+              <a:shade val="50000"/>
+            </a:schemeClr>
+          </a:lnRef>
+          <a:fillRef idx="1001">
+            <a:schemeClr val="lt1"/>
+          </a:fillRef>
+          <a:effectRef idx="0">
+            <a:schemeClr val="accent6"/>
+          </a:effectRef>
+          <a:fontRef idx="minor">
+            <a:schemeClr val="lt1"/>
+          </a:fontRef>
+        </p:style>
+        <p:txBody>
+          <a:bodyPr rtlCol="0" anchor="ctr"/>
+          <a:lstStyle/>
+          <a:p>
+            <a:pPr algn="ctr"/>
+            <a:endParaRPr lang="en-US"/>
+          </a:p>
+        </p:txBody>
+      </p:sp>
+      <p:sp>
+        <p:nvSpPr>
+          <p:cNvPr id="18" name="Rectangle 17"/>
+          <p:cNvSpPr>
+            <a:spLocks noGrp="1" noRot="1" noChangeAspect="1" noMove="1" noResize="1" noEditPoints="1" noAdjustHandles="1" noChangeArrowheads="1" noChangeShapeType="1" noTextEdit="1"/>
+          </p:cNvSpPr>
+          <p:nvPr>
+            <p:extLst>
+              <p:ext uri="{386F3935-93C4-4BCD-93E2-E3B085C9AB24}">
+                <p16:designElem xmlns:p16="http://schemas.microsoft.com/office/powerpoint/2015/main" val="1"/>
+              </p:ext>
+            </p:extLst>
+          </p:nvPr>
+        </p:nvSpPr>
+        <p:spPr>
+          <a:xfrm>
+            <a:off x="16" y="0"/>
+            <a:ext cx="4050791" cy="6858000"/>
+          </a:xfrm>
+          <a:prstGeom prst="rect">
+            <a:avLst/>
+          </a:prstGeom>
+          <a:solidFill>
+            <a:schemeClr val="accent2"/>
+          </a:solidFill>
+          <a:ln>
+            <a:noFill/>
+          </a:ln>
+        </p:spPr>
+        <p:style>
+          <a:lnRef idx="2">
+            <a:schemeClr val="accent1">
+              <a:shade val="50000"/>
+            </a:schemeClr>
+          </a:lnRef>
+          <a:fillRef idx="1">
+            <a:schemeClr val="accent1"/>
+          </a:fillRef>
+          <a:effectRef idx="0">
+            <a:schemeClr val="accent1"/>
+          </a:effectRef>
+          <a:fontRef idx="minor">
+            <a:schemeClr val="lt1"/>
+          </a:fontRef>
+        </p:style>
+      </p:sp>
+      <p:sp>
+        <p:nvSpPr>
+          <p:cNvPr id="20" name="Rectangle 19"/>
+          <p:cNvSpPr>
+            <a:spLocks noGrp="1" noRot="1" noChangeAspect="1" noMove="1" noResize="1" noEditPoints="1" noAdjustHandles="1" noChangeArrowheads="1" noChangeShapeType="1" noTextEdit="1"/>
+          </p:cNvSpPr>
+          <p:nvPr>
+            <p:extLst>
+              <p:ext uri="{386F3935-93C4-4BCD-93E2-E3B085C9AB24}">
+                <p16:designElem xmlns:p16="http://schemas.microsoft.com/office/powerpoint/2015/main" val="1"/>
+              </p:ext>
+            </p:extLst>
+          </p:nvPr>
+        </p:nvSpPr>
+        <p:spPr>
+          <a:xfrm>
+            <a:off x="4040071" y="0"/>
+            <a:ext cx="64008" cy="6858000"/>
+          </a:xfrm>
+          <a:prstGeom prst="rect">
+            <a:avLst/>
+          </a:prstGeom>
+          <a:solidFill>
+            <a:schemeClr val="accent1"/>
+          </a:solidFill>
+          <a:ln>
+            <a:noFill/>
+          </a:ln>
+        </p:spPr>
+        <p:style>
+          <a:lnRef idx="2">
+            <a:schemeClr val="accent1">
+              <a:shade val="50000"/>
+            </a:schemeClr>
+          </a:lnRef>
+          <a:fillRef idx="1">
+            <a:schemeClr val="accent1"/>
+          </a:fillRef>
+          <a:effectRef idx="0">
+            <a:schemeClr val="accent1"/>
+          </a:effectRef>
+          <a:fontRef idx="minor">
+            <a:schemeClr val="lt1"/>
+          </a:fontRef>
+        </p:style>
+      </p:sp>
+      <p:pic>
+        <p:nvPicPr>
+          <p:cNvPr id="5" name="Picture 4"/>
+          <p:cNvPicPr>
+            <a:picLocks noChangeAspect="1"/>
+          </p:cNvPicPr>
+          <p:nvPr/>
+        </p:nvPicPr>
+        <p:blipFill>
+          <a:blip r:embed="rId2">
+            <a:extLst>
+              <a:ext uri="{28A0092B-C50C-407E-A947-70E740481C1C}">
+                <a14:useLocalDpi xmlns:a14="http://schemas.microsoft.com/office/drawing/2010/main" val="0"/>
+              </a:ext>
+            </a:extLst>
+          </a:blip>
+          <a:stretch>
+            <a:fillRect/>
+          </a:stretch>
+        </p:blipFill>
+        <p:spPr>
+          <a:xfrm>
+            <a:off x="4742017" y="1398073"/>
+            <a:ext cx="6798082" cy="4061853"/>
+          </a:xfrm>
+          <a:prstGeom prst="rect">
+            <a:avLst/>
+          </a:prstGeom>
+        </p:spPr>
+      </p:pic>
       <p:sp>
         <p:nvSpPr>
           <p:cNvPr id="2" name="Title 1"/>
@@ -5690,13 +7681,24 @@
             <p:ph type="title"/>
           </p:nvPr>
         </p:nvSpPr>
-        <p:spPr/>
-        <p:txBody>
-          <a:bodyPr/>
-          <a:lstStyle/>
-          <a:p>
-            <a:r>
-              <a:rPr lang="en-US" dirty="0"/>
+        <p:spPr>
+          <a:xfrm>
+            <a:off x="492370" y="516835"/>
+            <a:ext cx="3084844" cy="2103875"/>
+          </a:xfrm>
+        </p:spPr>
+        <p:txBody>
+          <a:bodyPr>
+            <a:normAutofit/>
+          </a:bodyPr>
+          <a:lstStyle/>
+          <a:p>
+            <a:r>
+              <a:rPr lang="en-US" sz="3600">
+                <a:solidFill>
+                  <a:srgbClr val="FFFFFF"/>
+                </a:solidFill>
+              </a:rPr>
               <a:t>How do we implement an interface in C#?</a:t>
             </a:r>
           </a:p>
@@ -5712,22 +7714,138 @@
             <p:ph idx="1"/>
           </p:nvPr>
         </p:nvSpPr>
-        <p:spPr/>
-        <p:txBody>
-          <a:bodyPr/>
-          <a:lstStyle/>
-          <a:p>
-            <a:r>
-              <a:rPr lang="en-US" dirty="0"/>
+        <p:spPr>
+          <a:xfrm>
+            <a:off x="492371" y="2653800"/>
+            <a:ext cx="3084844" cy="3335519"/>
+          </a:xfrm>
+        </p:spPr>
+        <p:txBody>
+          <a:bodyPr>
+            <a:normAutofit/>
+          </a:bodyPr>
+          <a:lstStyle/>
+          <a:p>
+            <a:r>
+              <a:rPr lang="en-US" sz="1500" dirty="0">
+                <a:solidFill>
+                  <a:srgbClr val="FFFFFF"/>
+                </a:solidFill>
+              </a:rPr>
               <a:t>Implementation is a fulfillment of an interface; to implement an interface, your class needs to have all the properties and methods defined in the interface.</a:t>
             </a:r>
+          </a:p>
+          <a:p>
+            <a:r>
+              <a:rPr lang="en-US" sz="1500" dirty="0">
+                <a:solidFill>
+                  <a:srgbClr val="FFFFFF"/>
+                </a:solidFill>
+              </a:rPr>
+              <a:t>Our </a:t>
+            </a:r>
+            <a:r>
+              <a:rPr lang="en-US" sz="1500" i="1" dirty="0">
+                <a:solidFill>
+                  <a:srgbClr val="FFFFFF"/>
+                </a:solidFill>
+              </a:rPr>
+              <a:t>Mammal</a:t>
+            </a:r>
+            <a:r>
+              <a:rPr lang="en-US" sz="1500" dirty="0">
+                <a:solidFill>
+                  <a:srgbClr val="FFFFFF"/>
+                </a:solidFill>
+              </a:rPr>
+              <a:t> class is going to implement </a:t>
+            </a:r>
+            <a:r>
+              <a:rPr lang="en-US" sz="1500" dirty="0" smtClean="0">
+                <a:solidFill>
+                  <a:srgbClr val="FFFFFF"/>
+                </a:solidFill>
+              </a:rPr>
+              <a:t>3 interfaces:</a:t>
+            </a:r>
+          </a:p>
+          <a:p>
+            <a:pPr lvl="1"/>
+            <a:r>
+              <a:rPr lang="en-US" sz="1300" dirty="0" err="1" smtClean="0">
+                <a:solidFill>
+                  <a:srgbClr val="FFFFFF"/>
+                </a:solidFill>
+              </a:rPr>
+              <a:t>IAnimal</a:t>
+            </a:r>
+            <a:endParaRPr lang="en-US" sz="1300" dirty="0" smtClean="0">
+              <a:solidFill>
+                <a:srgbClr val="FFFFFF"/>
+              </a:solidFill>
+            </a:endParaRPr>
+          </a:p>
+          <a:p>
+            <a:pPr lvl="1"/>
+            <a:r>
+              <a:rPr lang="en-US" sz="1300" dirty="0" err="1" smtClean="0">
+                <a:solidFill>
+                  <a:srgbClr val="FFFFFF"/>
+                </a:solidFill>
+              </a:rPr>
+              <a:t>IGenderable</a:t>
+            </a:r>
+            <a:endParaRPr lang="en-US" sz="1300" dirty="0" smtClean="0">
+              <a:solidFill>
+                <a:srgbClr val="FFFFFF"/>
+              </a:solidFill>
+            </a:endParaRPr>
+          </a:p>
+          <a:p>
+            <a:pPr lvl="1"/>
+            <a:r>
+              <a:rPr lang="en-US" sz="1300" dirty="0" err="1" smtClean="0">
+                <a:solidFill>
+                  <a:srgbClr val="FFFFFF"/>
+                </a:solidFill>
+              </a:rPr>
+              <a:t>IWalkable</a:t>
+            </a:r>
+            <a:endParaRPr lang="en-US" sz="1300" dirty="0" smtClean="0">
+              <a:solidFill>
+                <a:srgbClr val="FFFFFF"/>
+              </a:solidFill>
+            </a:endParaRPr>
+          </a:p>
+          <a:p>
+            <a:r>
+              <a:rPr lang="en-US" sz="1500" dirty="0" smtClean="0">
+                <a:solidFill>
+                  <a:srgbClr val="FFFFFF"/>
+                </a:solidFill>
+              </a:rPr>
+              <a:t>As such, it must implement all methods and all properties from all thos</a:t>
+            </a:r>
+            <a:r>
+              <a:rPr lang="en-US" sz="1500" dirty="0" smtClean="0">
+                <a:solidFill>
+                  <a:srgbClr val="FFFFFF"/>
+                </a:solidFill>
+              </a:rPr>
+              <a:t>e interfaces.</a:t>
+            </a:r>
+            <a:endParaRPr lang="en-US" sz="1500" dirty="0">
+              <a:solidFill>
+                <a:srgbClr val="FFFFFF"/>
+              </a:solidFill>
+            </a:endParaRPr>
           </a:p>
         </p:txBody>
       </p:sp>
     </p:spTree>
     <p:extLst>
       <p:ext uri="{BB962C8B-B14F-4D97-AF65-F5344CB8AC3E}">
-        <p14:creationId xmlns:p14="http://schemas.microsoft.com/office/powerpoint/2010/main" val="1865932794"/>
+        <p14:creationId xmlns:p14="http://schemas.microsoft.com/office/powerpoint/2010/main" val="479402989"/>
       </p:ext>
     </p:extLst>
   </p:cSld>
@@ -6018,4 +8136,265 @@
     </a:ext>
   </a:extLst>
 </a:theme>
+</file>
+
+<file path=ppt/theme/theme2.xml><?xml version="1.0" encoding="utf-8"?>
+<a:theme xmlns:a="http://schemas.openxmlformats.org/drawingml/2006/main" name="Office Theme">
+  <a:themeElements>
+    <a:clrScheme name="Office">
+      <a:dk1>
+        <a:sysClr val="windowText" lastClr="000000"/>
+      </a:dk1>
+      <a:lt1>
+        <a:sysClr val="window" lastClr="FFFFFF"/>
+      </a:lt1>
+      <a:dk2>
+        <a:srgbClr val="44546A"/>
+      </a:dk2>
+      <a:lt2>
+        <a:srgbClr val="E7E6E6"/>
+      </a:lt2>
+      <a:accent1>
+        <a:srgbClr val="4472C4"/>
+      </a:accent1>
+      <a:accent2>
+        <a:srgbClr val="ED7D31"/>
+      </a:accent2>
+      <a:accent3>
+        <a:srgbClr val="A5A5A5"/>
+      </a:accent3>
+      <a:accent4>
+        <a:srgbClr val="FFC000"/>
+      </a:accent4>
+      <a:accent5>
+        <a:srgbClr val="5B9BD5"/>
+      </a:accent5>
+      <a:accent6>
+        <a:srgbClr val="70AD47"/>
+      </a:accent6>
+      <a:hlink>
+        <a:srgbClr val="0563C1"/>
+      </a:hlink>
+      <a:folHlink>
+        <a:srgbClr val="954F72"/>
+      </a:folHlink>
+    </a:clrScheme>
+    <a:fontScheme name="Office">
+      <a:majorFont>
+        <a:latin typeface="Calibri Light" panose="020F0302020204030204"/>
+        <a:ea typeface=""/>
+        <a:cs typeface=""/>
+        <a:font script="Jpan" typeface="Yu Gothic Light"/>
+        <a:font script="Hang" typeface="맑은 고딕"/>
+        <a:font script="Hans" typeface="DengXian Light"/>
+        <a:font script="Hant" typeface="新細明體"/>
+        <a:font script="Arab" typeface="Times New Roman"/>
+        <a:font script="Hebr" typeface="Times New Roman"/>
+        <a:font script="Thai" typeface="Angsana New"/>
+        <a:font script="Ethi" typeface="Nyala"/>
+        <a:font script="Beng" typeface="Vrinda"/>
+        <a:font script="Gujr" typeface="Shruti"/>
+        <a:font script="Khmr" typeface="MoolBoran"/>
+        <a:font script="Knda" typeface="Tunga"/>
+        <a:font script="Guru" typeface="Raavi"/>
+        <a:font script="Cans" typeface="Euphemia"/>
+        <a:font script="Cher" typeface="Plantagenet Cherokee"/>
+        <a:font script="Yiii" typeface="Microsoft Yi Baiti"/>
+        <a:font script="Tibt" typeface="Microsoft Himalaya"/>
+        <a:font script="Thaa" typeface="MV Boli"/>
+        <a:font script="Deva" typeface="Mangal"/>
+        <a:font script="Telu" typeface="Gautami"/>
+        <a:font script="Taml" typeface="Latha"/>
+        <a:font script="Syrc" typeface="Estrangelo Edessa"/>
+        <a:font script="Orya" typeface="Kalinga"/>
+        <a:font script="Mlym" typeface="Kartika"/>
+        <a:font script="Laoo" typeface="DokChampa"/>
+        <a:font script="Sinh" typeface="Iskoola Pota"/>
+        <a:font script="Mong" typeface="Mongolian Baiti"/>
+        <a:font script="Viet" typeface="Times New Roman"/>
+        <a:font script="Uigh" typeface="Microsoft Uighur"/>
+        <a:font script="Geor" typeface="Sylfaen"/>
+      </a:majorFont>
+      <a:minorFont>
+        <a:latin typeface="Calibri" panose="020F0502020204030204"/>
+        <a:ea typeface=""/>
+        <a:cs typeface=""/>
+        <a:font script="Jpan" typeface="Yu Gothic"/>
+        <a:font script="Hang" typeface="맑은 고딕"/>
+        <a:font script="Hans" typeface="DengXian"/>
+        <a:font script="Hant" typeface="新細明體"/>
+        <a:font script="Arab" typeface="Arial"/>
+        <a:font script="Hebr" typeface="Arial"/>
+        <a:font script="Thai" typeface="Cordia New"/>
+        <a:font script="Ethi" typeface="Nyala"/>
+        <a:font script="Beng" typeface="Vrinda"/>
+        <a:font script="Gujr" typeface="Shruti"/>
+        <a:font script="Khmr" typeface="DaunPenh"/>
+        <a:font script="Knda" typeface="Tunga"/>
+        <a:font script="Guru" typeface="Raavi"/>
+        <a:font script="Cans" typeface="Euphemia"/>
+        <a:font script="Cher" typeface="Plantagenet Cherokee"/>
+        <a:font script="Yiii" typeface="Microsoft Yi Baiti"/>
+        <a:font script="Tibt" typeface="Microsoft Himalaya"/>
+        <a:font script="Thaa" typeface="MV Boli"/>
+        <a:font script="Deva" typeface="Mangal"/>
+        <a:font script="Telu" typeface="Gautami"/>
+        <a:font script="Taml" typeface="Latha"/>
+        <a:font script="Syrc" typeface="Estrangelo Edessa"/>
+        <a:font script="Orya" typeface="Kalinga"/>
+        <a:font script="Mlym" typeface="Kartika"/>
+        <a:font script="Laoo" typeface="DokChampa"/>
+        <a:font script="Sinh" typeface="Iskoola Pota"/>
+        <a:font script="Mong" typeface="Mongolian Baiti"/>
+        <a:font script="Viet" typeface="Arial"/>
+        <a:font script="Uigh" typeface="Microsoft Uighur"/>
+        <a:font script="Geor" typeface="Sylfaen"/>
+      </a:minorFont>
+    </a:fontScheme>
+    <a:fmtScheme name="Office">
+      <a:fillStyleLst>
+        <a:solidFill>
+          <a:schemeClr val="phClr"/>
+        </a:solidFill>
+        <a:gradFill rotWithShape="1">
+          <a:gsLst>
+            <a:gs pos="0">
+              <a:schemeClr val="phClr">
+                <a:lumMod val="110000"/>
+                <a:satMod val="105000"/>
+                <a:tint val="67000"/>
+              </a:schemeClr>
+            </a:gs>
+            <a:gs pos="50000">
+              <a:schemeClr val="phClr">
+                <a:lumMod val="105000"/>
+                <a:satMod val="103000"/>
+                <a:tint val="73000"/>
+              </a:schemeClr>
+            </a:gs>
+            <a:gs pos="100000">
+              <a:schemeClr val="phClr">
+                <a:lumMod val="105000"/>
+                <a:satMod val="109000"/>
+                <a:tint val="81000"/>
+              </a:schemeClr>
+            </a:gs>
+          </a:gsLst>
+          <a:lin ang="5400000" scaled="0"/>
+        </a:gradFill>
+        <a:gradFill rotWithShape="1">
+          <a:gsLst>
+            <a:gs pos="0">
+              <a:schemeClr val="phClr">
+                <a:satMod val="103000"/>
+                <a:lumMod val="102000"/>
+                <a:tint val="94000"/>
+              </a:schemeClr>
+            </a:gs>
+            <a:gs pos="50000">
+              <a:schemeClr val="phClr">
+                <a:satMod val="110000"/>
+                <a:lumMod val="100000"/>
+                <a:shade val="100000"/>
+              </a:schemeClr>
+            </a:gs>
+            <a:gs pos="100000">
+              <a:schemeClr val="phClr">
+                <a:lumMod val="99000"/>
+                <a:satMod val="120000"/>
+                <a:shade val="78000"/>
+              </a:schemeClr>
+            </a:gs>
+          </a:gsLst>
+          <a:lin ang="5400000" scaled="0"/>
+        </a:gradFill>
+      </a:fillStyleLst>
+      <a:lnStyleLst>
+        <a:ln w="6350" cap="flat" cmpd="sng" algn="ctr">
+          <a:solidFill>
+            <a:schemeClr val="phClr"/>
+          </a:solidFill>
+          <a:prstDash val="solid"/>
+          <a:miter lim="800000"/>
+        </a:ln>
+        <a:ln w="12700" cap="flat" cmpd="sng" algn="ctr">
+          <a:solidFill>
+            <a:schemeClr val="phClr"/>
+          </a:solidFill>
+          <a:prstDash val="solid"/>
+          <a:miter lim="800000"/>
+        </a:ln>
+        <a:ln w="19050" cap="flat" cmpd="sng" algn="ctr">
+          <a:solidFill>
+            <a:schemeClr val="phClr"/>
+          </a:solidFill>
+          <a:prstDash val="solid"/>
+          <a:miter lim="800000"/>
+        </a:ln>
+      </a:lnStyleLst>
+      <a:effectStyleLst>
+        <a:effectStyle>
+          <a:effectLst/>
+        </a:effectStyle>
+        <a:effectStyle>
+          <a:effectLst/>
+        </a:effectStyle>
+        <a:effectStyle>
+          <a:effectLst>
+            <a:outerShdw blurRad="57150" dist="19050" dir="5400000" algn="ctr" rotWithShape="0">
+              <a:srgbClr val="000000">
+                <a:alpha val="63000"/>
+              </a:srgbClr>
+            </a:outerShdw>
+          </a:effectLst>
+        </a:effectStyle>
+      </a:effectStyleLst>
+      <a:bgFillStyleLst>
+        <a:solidFill>
+          <a:schemeClr val="phClr"/>
+        </a:solidFill>
+        <a:solidFill>
+          <a:schemeClr val="phClr">
+            <a:tint val="95000"/>
+            <a:satMod val="170000"/>
+          </a:schemeClr>
+        </a:solidFill>
+        <a:gradFill rotWithShape="1">
+          <a:gsLst>
+            <a:gs pos="0">
+              <a:schemeClr val="phClr">
+                <a:tint val="93000"/>
+                <a:satMod val="150000"/>
+                <a:shade val="98000"/>
+                <a:lumMod val="102000"/>
+              </a:schemeClr>
+            </a:gs>
+            <a:gs pos="50000">
+              <a:schemeClr val="phClr">
+                <a:tint val="98000"/>
+                <a:satMod val="130000"/>
+                <a:shade val="90000"/>
+                <a:lumMod val="103000"/>
+              </a:schemeClr>
+            </a:gs>
+            <a:gs pos="100000">
+              <a:schemeClr val="phClr">
+                <a:shade val="63000"/>
+                <a:satMod val="120000"/>
+              </a:schemeClr>
+            </a:gs>
+          </a:gsLst>
+          <a:lin ang="5400000" scaled="0"/>
+        </a:gradFill>
+      </a:bgFillStyleLst>
+    </a:fmtScheme>
+  </a:themeElements>
+  <a:objectDefaults/>
+  <a:extraClrSchemeLst/>
+  <a:extLst>
+    <a:ext uri="{05A4C25C-085E-4340-85A3-A5531E510DB2}">
+      <thm15:themeFamily xmlns:thm15="http://schemas.microsoft.com/office/thememl/2012/main" name="Office Theme" id="{62F939B6-93AF-4DB8-9C6B-D6C7DFDC589F}" vid="{4A3C46E8-61CC-4603-A589-7422A47A8E4A}"/>
+    </a:ext>
+  </a:extLst>
+</a:theme>
 </file>
--- a/presentation.pptx
+++ b/presentation.pptx
@@ -5,7 +5,7 @@
     <p:sldMasterId id="2147483648" r:id="rId1"/>
   </p:sldMasterIdLst>
   <p:notesMasterIdLst>
-    <p:notesMasterId r:id="rId20"/>
+    <p:notesMasterId r:id="rId21"/>
   </p:notesMasterIdLst>
   <p:sldIdLst>
     <p:sldId id="256" r:id="rId2"/>
@@ -17,15 +17,16 @@
     <p:sldId id="262" r:id="rId8"/>
     <p:sldId id="263" r:id="rId9"/>
     <p:sldId id="264" r:id="rId10"/>
-    <p:sldId id="276" r:id="rId11"/>
-    <p:sldId id="275" r:id="rId12"/>
-    <p:sldId id="265" r:id="rId13"/>
-    <p:sldId id="274" r:id="rId14"/>
-    <p:sldId id="267" r:id="rId15"/>
-    <p:sldId id="268" r:id="rId16"/>
-    <p:sldId id="269" r:id="rId17"/>
-    <p:sldId id="270" r:id="rId18"/>
-    <p:sldId id="271" r:id="rId19"/>
+    <p:sldId id="277" r:id="rId11"/>
+    <p:sldId id="276" r:id="rId12"/>
+    <p:sldId id="275" r:id="rId13"/>
+    <p:sldId id="265" r:id="rId14"/>
+    <p:sldId id="274" r:id="rId15"/>
+    <p:sldId id="267" r:id="rId16"/>
+    <p:sldId id="268" r:id="rId17"/>
+    <p:sldId id="269" r:id="rId18"/>
+    <p:sldId id="270" r:id="rId19"/>
+    <p:sldId id="271" r:id="rId20"/>
   </p:sldIdLst>
   <p:sldSz cx="12192000" cy="6858000"/>
   <p:notesSz cx="6858000" cy="9144000"/>
@@ -4227,6 +4228,179 @@
           <a:chExt cx="0" cy="0"/>
         </a:xfrm>
       </p:grpSpPr>
+      <p:sp useBgFill="1">
+        <p:nvSpPr>
+          <p:cNvPr id="12" name="Rectangle 11"/>
+          <p:cNvSpPr>
+            <a:spLocks noGrp="1" noRot="1" noChangeAspect="1" noMove="1" noResize="1" noEditPoints="1" noAdjustHandles="1" noChangeArrowheads="1" noChangeShapeType="1" noTextEdit="1"/>
+          </p:cNvSpPr>
+          <p:nvPr>
+            <p:extLst>
+              <p:ext uri="{386F3935-93C4-4BCD-93E2-E3B085C9AB24}">
+                <p16:designElem xmlns:p16="http://schemas.microsoft.com/office/powerpoint/2015/main" val="1"/>
+              </p:ext>
+            </p:extLst>
+          </p:nvPr>
+        </p:nvSpPr>
+        <p:spPr>
+          <a:xfrm>
+            <a:off x="0" y="0"/>
+            <a:ext cx="12186315" cy="6858000"/>
+          </a:xfrm>
+          <a:prstGeom prst="rect">
+            <a:avLst/>
+          </a:prstGeom>
+          <a:ln>
+            <a:noFill/>
+          </a:ln>
+        </p:spPr>
+        <p:style>
+          <a:lnRef idx="2">
+            <a:schemeClr val="accent6">
+              <a:shade val="50000"/>
+            </a:schemeClr>
+          </a:lnRef>
+          <a:fillRef idx="1001">
+            <a:schemeClr val="lt1"/>
+          </a:fillRef>
+          <a:effectRef idx="0">
+            <a:schemeClr val="accent6"/>
+          </a:effectRef>
+          <a:fontRef idx="minor">
+            <a:schemeClr val="lt1"/>
+          </a:fontRef>
+        </p:style>
+        <p:txBody>
+          <a:bodyPr rtlCol="0" anchor="ctr"/>
+          <a:lstStyle/>
+          <a:p>
+            <a:pPr algn="ctr"/>
+            <a:endParaRPr lang="en-US"/>
+          </a:p>
+        </p:txBody>
+      </p:sp>
+      <p:sp>
+        <p:nvSpPr>
+          <p:cNvPr id="14" name="Rectangle 13"/>
+          <p:cNvSpPr>
+            <a:spLocks noGrp="1" noRot="1" noChangeAspect="1" noMove="1" noResize="1" noEditPoints="1" noAdjustHandles="1" noChangeArrowheads="1" noChangeShapeType="1" noTextEdit="1"/>
+          </p:cNvSpPr>
+          <p:nvPr>
+            <p:extLst>
+              <p:ext uri="{386F3935-93C4-4BCD-93E2-E3B085C9AB24}">
+                <p16:designElem xmlns:p16="http://schemas.microsoft.com/office/powerpoint/2015/main" val="1"/>
+              </p:ext>
+            </p:extLst>
+          </p:nvPr>
+        </p:nvSpPr>
+        <p:spPr>
+          <a:xfrm>
+            <a:off x="16" y="0"/>
+            <a:ext cx="4050791" cy="6858000"/>
+          </a:xfrm>
+          <a:prstGeom prst="rect">
+            <a:avLst/>
+          </a:prstGeom>
+          <a:solidFill>
+            <a:schemeClr val="accent2"/>
+          </a:solidFill>
+          <a:ln>
+            <a:noFill/>
+          </a:ln>
+        </p:spPr>
+        <p:style>
+          <a:lnRef idx="2">
+            <a:schemeClr val="accent1">
+              <a:shade val="50000"/>
+            </a:schemeClr>
+          </a:lnRef>
+          <a:fillRef idx="1">
+            <a:schemeClr val="accent1"/>
+          </a:fillRef>
+          <a:effectRef idx="0">
+            <a:schemeClr val="accent1"/>
+          </a:effectRef>
+          <a:fontRef idx="minor">
+            <a:schemeClr val="lt1"/>
+          </a:fontRef>
+        </p:style>
+      </p:sp>
+      <p:sp>
+        <p:nvSpPr>
+          <p:cNvPr id="16" name="Rectangle 15"/>
+          <p:cNvSpPr>
+            <a:spLocks noGrp="1" noRot="1" noChangeAspect="1" noMove="1" noResize="1" noEditPoints="1" noAdjustHandles="1" noChangeArrowheads="1" noChangeShapeType="1" noTextEdit="1"/>
+          </p:cNvSpPr>
+          <p:nvPr>
+            <p:extLst>
+              <p:ext uri="{386F3935-93C4-4BCD-93E2-E3B085C9AB24}">
+                <p16:designElem xmlns:p16="http://schemas.microsoft.com/office/powerpoint/2015/main" val="1"/>
+              </p:ext>
+            </p:extLst>
+          </p:nvPr>
+        </p:nvSpPr>
+        <p:spPr>
+          <a:xfrm>
+            <a:off x="4040071" y="0"/>
+            <a:ext cx="64008" cy="6858000"/>
+          </a:xfrm>
+          <a:prstGeom prst="rect">
+            <a:avLst/>
+          </a:prstGeom>
+          <a:solidFill>
+            <a:schemeClr val="accent1"/>
+          </a:solidFill>
+          <a:ln>
+            <a:noFill/>
+          </a:ln>
+        </p:spPr>
+        <p:style>
+          <a:lnRef idx="2">
+            <a:schemeClr val="accent1">
+              <a:shade val="50000"/>
+            </a:schemeClr>
+          </a:lnRef>
+          <a:fillRef idx="1">
+            <a:schemeClr val="accent1"/>
+          </a:fillRef>
+          <a:effectRef idx="0">
+            <a:schemeClr val="accent1"/>
+          </a:effectRef>
+          <a:fontRef idx="minor">
+            <a:schemeClr val="lt1"/>
+          </a:fontRef>
+        </p:style>
+      </p:sp>
+      <p:pic>
+        <p:nvPicPr>
+          <p:cNvPr id="6" name="Content Placeholder 3"/>
+          <p:cNvPicPr>
+            <a:picLocks noChangeAspect="1"/>
+          </p:cNvPicPr>
+          <p:nvPr/>
+        </p:nvPicPr>
+        <p:blipFill>
+          <a:blip r:embed="rId2">
+            <a:extLst>
+              <a:ext uri="{28A0092B-C50C-407E-A947-70E740481C1C}">
+                <a14:useLocalDpi xmlns:a14="http://schemas.microsoft.com/office/drawing/2010/main" val="0"/>
+              </a:ext>
+            </a:extLst>
+          </a:blip>
+          <a:stretch>
+            <a:fillRect/>
+          </a:stretch>
+        </p:blipFill>
+        <p:spPr>
+          <a:xfrm>
+            <a:off x="4422407" y="189540"/>
+            <a:ext cx="6798082" cy="2634257"/>
+          </a:xfrm>
+          <a:prstGeom prst="rect">
+            <a:avLst/>
+          </a:prstGeom>
+        </p:spPr>
+      </p:pic>
       <p:sp>
         <p:nvSpPr>
           <p:cNvPr id="2" name="Title 1"/>
@@ -4237,30 +4411,12 @@
             <p:ph type="title"/>
           </p:nvPr>
         </p:nvSpPr>
-        <p:spPr/>
-        <p:txBody>
-          <a:bodyPr/>
-          <a:lstStyle/>
-          <a:p>
-            <a:r>
-              <a:rPr lang="en-US" dirty="0" smtClean="0"/>
-              <a:t>Practical: Abstraction and Encapsulation</a:t>
-            </a:r>
-            <a:endParaRPr lang="en-US" dirty="0"/>
-          </a:p>
-        </p:txBody>
-      </p:sp>
-      <p:sp>
-        <p:nvSpPr>
-          <p:cNvPr id="3" name="Content Placeholder 2"/>
-          <p:cNvSpPr>
-            <a:spLocks noGrp="1"/>
-          </p:cNvSpPr>
-          <p:nvPr>
-            <p:ph idx="1"/>
-          </p:nvPr>
-        </p:nvSpPr>
-        <p:spPr/>
+        <p:spPr>
+          <a:xfrm>
+            <a:off x="228600" y="258418"/>
+            <a:ext cx="3348614" cy="1150600"/>
+          </a:xfrm>
+        </p:spPr>
         <p:txBody>
           <a:bodyPr>
             <a:normAutofit/>
@@ -4268,168 +4424,480 @@
           <a:lstStyle/>
           <a:p>
             <a:r>
-              <a:rPr lang="en-US" dirty="0" smtClean="0"/>
-              <a:t>You will make an interface, </a:t>
-            </a:r>
-            <a:r>
-              <a:rPr lang="en-US" i="1" dirty="0" err="1" smtClean="0"/>
-              <a:t>IPerson.cs</a:t>
-            </a:r>
-            <a:r>
-              <a:rPr lang="en-US" dirty="0" smtClean="0"/>
-              <a:t>, which implements </a:t>
-            </a:r>
-            <a:r>
-              <a:rPr lang="en-US" i="1" dirty="0" err="1" smtClean="0"/>
-              <a:t>IGenderable</a:t>
-            </a:r>
-            <a:r>
-              <a:rPr lang="en-US" i="1" dirty="0" smtClean="0"/>
-              <a:t>, </a:t>
-            </a:r>
-            <a:r>
-              <a:rPr lang="en-US" i="1" dirty="0" err="1" smtClean="0"/>
-              <a:t>IWalkable</a:t>
-            </a:r>
-            <a:r>
-              <a:rPr lang="en-US" i="1" dirty="0" smtClean="0"/>
-              <a:t>, </a:t>
-            </a:r>
-            <a:r>
-              <a:rPr lang="en-US" dirty="0" smtClean="0"/>
-              <a:t>and</a:t>
-            </a:r>
-            <a:r>
-              <a:rPr lang="en-US" i="1" dirty="0" smtClean="0"/>
-              <a:t> </a:t>
-            </a:r>
-            <a:r>
-              <a:rPr lang="en-US" i="1" dirty="0" err="1" smtClean="0"/>
-              <a:t>IEatable</a:t>
-            </a:r>
-            <a:endParaRPr lang="en-US" dirty="0" smtClean="0"/>
-          </a:p>
-          <a:p>
-            <a:r>
-              <a:rPr lang="en-US" dirty="0" smtClean="0"/>
-              <a:t>Properties in </a:t>
-            </a:r>
-            <a:r>
-              <a:rPr lang="en-US" dirty="0" err="1" smtClean="0"/>
-              <a:t>IPerson</a:t>
-            </a:r>
-            <a:r>
-              <a:rPr lang="en-US" dirty="0" smtClean="0"/>
-              <a:t>:</a:t>
-            </a:r>
-          </a:p>
-          <a:p>
-            <a:pPr lvl="1"/>
-            <a:r>
-              <a:rPr lang="en-US" dirty="0" smtClean="0"/>
-              <a:t>Name: String</a:t>
-            </a:r>
-          </a:p>
-          <a:p>
-            <a:pPr lvl="1"/>
-            <a:r>
-              <a:rPr lang="en-US" dirty="0" smtClean="0"/>
-              <a:t>Age: </a:t>
-            </a:r>
-            <a:r>
-              <a:rPr lang="en-US" dirty="0" err="1" smtClean="0"/>
-              <a:t>int</a:t>
-            </a:r>
-            <a:endParaRPr lang="en-US" dirty="0" smtClean="0"/>
-          </a:p>
-          <a:p>
-            <a:pPr lvl="1"/>
-            <a:r>
-              <a:rPr lang="en-US" dirty="0" smtClean="0"/>
-              <a:t>Hobbies: </a:t>
-            </a:r>
-            <a:r>
-              <a:rPr lang="en-US" dirty="0" err="1" smtClean="0"/>
-              <a:t>HashSet</a:t>
-            </a:r>
-            <a:r>
-              <a:rPr lang="en-US" dirty="0" smtClean="0"/>
-              <a:t>&lt;string&gt;()</a:t>
-            </a:r>
-          </a:p>
-          <a:p>
-            <a:r>
-              <a:rPr lang="en-US" dirty="0" smtClean="0"/>
-              <a:t>Methods in </a:t>
-            </a:r>
-            <a:r>
-              <a:rPr lang="en-US" dirty="0" err="1" smtClean="0"/>
-              <a:t>IPerson</a:t>
-            </a:r>
-            <a:r>
-              <a:rPr lang="en-US" dirty="0" smtClean="0"/>
-              <a:t>:</a:t>
-            </a:r>
-          </a:p>
-          <a:p>
-            <a:pPr lvl="1"/>
-            <a:r>
-              <a:rPr lang="en-US" dirty="0" smtClean="0"/>
-              <a:t>void Talk(): If the person does not have a hobby, it will print to the console: </a:t>
-            </a:r>
-            <a:r>
-              <a:rPr lang="en-US" i="1" dirty="0" smtClean="0"/>
-              <a:t>I don’t have anything to talk about</a:t>
-            </a:r>
-            <a:r>
-              <a:rPr lang="en-US" dirty="0" smtClean="0"/>
-              <a:t>; if the person has hobbies, it will talk about one of the hobbies</a:t>
-            </a:r>
-          </a:p>
-          <a:p>
-            <a:pPr lvl="1"/>
-            <a:r>
-              <a:rPr lang="en-US" dirty="0" smtClean="0"/>
-              <a:t>void </a:t>
-            </a:r>
-            <a:r>
-              <a:rPr lang="en-US" dirty="0" err="1" smtClean="0"/>
-              <a:t>AddHoby</a:t>
-            </a:r>
-            <a:r>
-              <a:rPr lang="en-US" dirty="0" smtClean="0"/>
-              <a:t>(string hobby): will add an entry to the set of hobbies</a:t>
-            </a:r>
-          </a:p>
-          <a:p>
-            <a:r>
-              <a:rPr lang="en-US" dirty="0" smtClean="0"/>
-              <a:t>You will then write </a:t>
-            </a:r>
-            <a:r>
-              <a:rPr lang="en-US" i="1" dirty="0" err="1" smtClean="0"/>
-              <a:t>Person.cs</a:t>
-            </a:r>
-            <a:r>
-              <a:rPr lang="en-US" dirty="0" smtClean="0"/>
-              <a:t>, which will implement </a:t>
-            </a:r>
-            <a:r>
-              <a:rPr lang="en-US" dirty="0" err="1" smtClean="0"/>
-              <a:t>IPerson</a:t>
-            </a:r>
-            <a:r>
-              <a:rPr lang="en-US" dirty="0" smtClean="0"/>
-              <a:t>!</a:t>
-            </a:r>
-            <a:endParaRPr lang="en-US" i="1" dirty="0"/>
-          </a:p>
-        </p:txBody>
-      </p:sp>
+              <a:rPr lang="en-US" sz="3600" dirty="0">
+                <a:solidFill>
+                  <a:srgbClr val="FFFFFF"/>
+                </a:solidFill>
+              </a:rPr>
+              <a:t>Constructors and </a:t>
+            </a:r>
+            <a:r>
+              <a:rPr lang="en-US" sz="3600" dirty="0" smtClean="0">
+                <a:solidFill>
+                  <a:srgbClr val="FFFFFF"/>
+                </a:solidFill>
+              </a:rPr>
+              <a:t>initialization</a:t>
+            </a:r>
+            <a:endParaRPr lang="en-US" sz="3600" dirty="0">
+              <a:solidFill>
+                <a:srgbClr val="FFFFFF"/>
+              </a:solidFill>
+            </a:endParaRPr>
+          </a:p>
+        </p:txBody>
+      </p:sp>
+      <p:pic>
+        <p:nvPicPr>
+          <p:cNvPr id="3" name="Content Placeholder 2"/>
+          <p:cNvPicPr>
+            <a:picLocks noGrp="1" noChangeAspect="1"/>
+          </p:cNvPicPr>
+          <p:nvPr>
+            <p:ph idx="1"/>
+          </p:nvPr>
+        </p:nvPicPr>
+        <p:blipFill>
+          <a:blip r:embed="rId3">
+            <a:extLst>
+              <a:ext uri="{28A0092B-C50C-407E-A947-70E740481C1C}">
+                <a14:useLocalDpi xmlns:a14="http://schemas.microsoft.com/office/drawing/2010/main" val="0"/>
+              </a:ext>
+            </a:extLst>
+          </a:blip>
+          <a:stretch>
+            <a:fillRect/>
+          </a:stretch>
+        </p:blipFill>
+        <p:spPr>
+          <a:xfrm>
+            <a:off x="4337912" y="2937668"/>
+            <a:ext cx="6558713" cy="982663"/>
+          </a:xfrm>
+        </p:spPr>
+      </p:pic>
+      <p:sp>
+        <p:nvSpPr>
+          <p:cNvPr id="10" name="Content Placeholder 2"/>
+          <p:cNvSpPr txBox="1">
+            <a:spLocks/>
+          </p:cNvSpPr>
+          <p:nvPr/>
+        </p:nvSpPr>
+        <p:spPr>
+          <a:xfrm>
+            <a:off x="228600" y="1409018"/>
+            <a:ext cx="3577637" cy="5233829"/>
+          </a:xfrm>
+          <a:prstGeom prst="rect">
+            <a:avLst/>
+          </a:prstGeom>
+        </p:spPr>
+        <p:txBody>
+          <a:bodyPr vert="horz" lIns="0" tIns="45720" rIns="0" bIns="45720" rtlCol="0">
+            <a:normAutofit/>
+          </a:bodyPr>
+          <a:lstStyle>
+            <a:lvl1pPr marL="91440" indent="-91440" algn="l" defTabSz="914400" rtl="0" eaLnBrk="1" latinLnBrk="0" hangingPunct="1">
+              <a:lnSpc>
+                <a:spcPct val="90000"/>
+              </a:lnSpc>
+              <a:spcBef>
+                <a:spcPts val="1200"/>
+              </a:spcBef>
+              <a:spcAft>
+                <a:spcPts val="200"/>
+              </a:spcAft>
+              <a:buClr>
+                <a:schemeClr val="accent1"/>
+              </a:buClr>
+              <a:buSzPct val="100000"/>
+              <a:buFont typeface="Calibri" panose="020F0502020204030204" pitchFamily="34" charset="0"/>
+              <a:buChar char=" "/>
+              <a:defRPr sz="2000" kern="1200">
+                <a:solidFill>
+                  <a:schemeClr val="tx1">
+                    <a:lumMod val="75000"/>
+                    <a:lumOff val="25000"/>
+                  </a:schemeClr>
+                </a:solidFill>
+                <a:latin typeface="+mn-lt"/>
+                <a:ea typeface="+mn-ea"/>
+                <a:cs typeface="+mn-cs"/>
+              </a:defRPr>
+            </a:lvl1pPr>
+            <a:lvl2pPr marL="384048" indent="-182880" algn="l" defTabSz="914400" rtl="0" eaLnBrk="1" latinLnBrk="0" hangingPunct="1">
+              <a:lnSpc>
+                <a:spcPct val="90000"/>
+              </a:lnSpc>
+              <a:spcBef>
+                <a:spcPts val="200"/>
+              </a:spcBef>
+              <a:spcAft>
+                <a:spcPts val="400"/>
+              </a:spcAft>
+              <a:buClr>
+                <a:schemeClr val="accent1"/>
+              </a:buClr>
+              <a:buFont typeface="Calibri" pitchFamily="34" charset="0"/>
+              <a:buChar char="◦"/>
+              <a:defRPr sz="1800" kern="1200">
+                <a:solidFill>
+                  <a:schemeClr val="tx1">
+                    <a:lumMod val="75000"/>
+                    <a:lumOff val="25000"/>
+                  </a:schemeClr>
+                </a:solidFill>
+                <a:latin typeface="+mn-lt"/>
+                <a:ea typeface="+mn-ea"/>
+                <a:cs typeface="+mn-cs"/>
+              </a:defRPr>
+            </a:lvl2pPr>
+            <a:lvl3pPr marL="566928" indent="-182880" algn="l" defTabSz="914400" rtl="0" eaLnBrk="1" latinLnBrk="0" hangingPunct="1">
+              <a:lnSpc>
+                <a:spcPct val="90000"/>
+              </a:lnSpc>
+              <a:spcBef>
+                <a:spcPts val="200"/>
+              </a:spcBef>
+              <a:spcAft>
+                <a:spcPts val="400"/>
+              </a:spcAft>
+              <a:buClr>
+                <a:schemeClr val="accent1"/>
+              </a:buClr>
+              <a:buFont typeface="Calibri" pitchFamily="34" charset="0"/>
+              <a:buChar char="◦"/>
+              <a:defRPr sz="1400" kern="1200">
+                <a:solidFill>
+                  <a:schemeClr val="tx1">
+                    <a:lumMod val="75000"/>
+                    <a:lumOff val="25000"/>
+                  </a:schemeClr>
+                </a:solidFill>
+                <a:latin typeface="+mn-lt"/>
+                <a:ea typeface="+mn-ea"/>
+                <a:cs typeface="+mn-cs"/>
+              </a:defRPr>
+            </a:lvl3pPr>
+            <a:lvl4pPr marL="749808" indent="-182880" algn="l" defTabSz="914400" rtl="0" eaLnBrk="1" latinLnBrk="0" hangingPunct="1">
+              <a:lnSpc>
+                <a:spcPct val="90000"/>
+              </a:lnSpc>
+              <a:spcBef>
+                <a:spcPts val="200"/>
+              </a:spcBef>
+              <a:spcAft>
+                <a:spcPts val="400"/>
+              </a:spcAft>
+              <a:buClr>
+                <a:schemeClr val="accent1"/>
+              </a:buClr>
+              <a:buFont typeface="Calibri" pitchFamily="34" charset="0"/>
+              <a:buChar char="◦"/>
+              <a:defRPr sz="1400" kern="1200">
+                <a:solidFill>
+                  <a:schemeClr val="tx1">
+                    <a:lumMod val="75000"/>
+                    <a:lumOff val="25000"/>
+                  </a:schemeClr>
+                </a:solidFill>
+                <a:latin typeface="+mn-lt"/>
+                <a:ea typeface="+mn-ea"/>
+                <a:cs typeface="+mn-cs"/>
+              </a:defRPr>
+            </a:lvl4pPr>
+            <a:lvl5pPr marL="932688" indent="-182880" algn="l" defTabSz="914400" rtl="0" eaLnBrk="1" latinLnBrk="0" hangingPunct="1">
+              <a:lnSpc>
+                <a:spcPct val="90000"/>
+              </a:lnSpc>
+              <a:spcBef>
+                <a:spcPts val="200"/>
+              </a:spcBef>
+              <a:spcAft>
+                <a:spcPts val="400"/>
+              </a:spcAft>
+              <a:buClr>
+                <a:schemeClr val="accent1"/>
+              </a:buClr>
+              <a:buFont typeface="Calibri" pitchFamily="34" charset="0"/>
+              <a:buChar char="◦"/>
+              <a:defRPr sz="1400" kern="1200">
+                <a:solidFill>
+                  <a:schemeClr val="tx1">
+                    <a:lumMod val="75000"/>
+                    <a:lumOff val="25000"/>
+                  </a:schemeClr>
+                </a:solidFill>
+                <a:latin typeface="+mn-lt"/>
+                <a:ea typeface="+mn-ea"/>
+                <a:cs typeface="+mn-cs"/>
+              </a:defRPr>
+            </a:lvl5pPr>
+            <a:lvl6pPr marL="1100000" indent="-228600" algn="l" defTabSz="914400" rtl="0" eaLnBrk="1" latinLnBrk="0" hangingPunct="1">
+              <a:lnSpc>
+                <a:spcPct val="90000"/>
+              </a:lnSpc>
+              <a:spcBef>
+                <a:spcPts val="200"/>
+              </a:spcBef>
+              <a:spcAft>
+                <a:spcPts val="400"/>
+              </a:spcAft>
+              <a:buClr>
+                <a:schemeClr val="accent1"/>
+              </a:buClr>
+              <a:buFont typeface="Calibri" pitchFamily="34" charset="0"/>
+              <a:buChar char="◦"/>
+              <a:defRPr sz="1400" kern="1200">
+                <a:solidFill>
+                  <a:schemeClr val="tx1">
+                    <a:lumMod val="75000"/>
+                    <a:lumOff val="25000"/>
+                  </a:schemeClr>
+                </a:solidFill>
+                <a:latin typeface="+mn-lt"/>
+                <a:ea typeface="+mn-ea"/>
+                <a:cs typeface="+mn-cs"/>
+              </a:defRPr>
+            </a:lvl6pPr>
+            <a:lvl7pPr marL="1300000" indent="-228600" algn="l" defTabSz="914400" rtl="0" eaLnBrk="1" latinLnBrk="0" hangingPunct="1">
+              <a:lnSpc>
+                <a:spcPct val="90000"/>
+              </a:lnSpc>
+              <a:spcBef>
+                <a:spcPts val="200"/>
+              </a:spcBef>
+              <a:spcAft>
+                <a:spcPts val="400"/>
+              </a:spcAft>
+              <a:buClr>
+                <a:schemeClr val="accent1"/>
+              </a:buClr>
+              <a:buFont typeface="Calibri" pitchFamily="34" charset="0"/>
+              <a:buChar char="◦"/>
+              <a:defRPr sz="1400" kern="1200">
+                <a:solidFill>
+                  <a:schemeClr val="tx1">
+                    <a:lumMod val="75000"/>
+                    <a:lumOff val="25000"/>
+                  </a:schemeClr>
+                </a:solidFill>
+                <a:latin typeface="+mn-lt"/>
+                <a:ea typeface="+mn-ea"/>
+                <a:cs typeface="+mn-cs"/>
+              </a:defRPr>
+            </a:lvl7pPr>
+            <a:lvl8pPr marL="1500000" indent="-228600" algn="l" defTabSz="914400" rtl="0" eaLnBrk="1" latinLnBrk="0" hangingPunct="1">
+              <a:lnSpc>
+                <a:spcPct val="90000"/>
+              </a:lnSpc>
+              <a:spcBef>
+                <a:spcPts val="200"/>
+              </a:spcBef>
+              <a:spcAft>
+                <a:spcPts val="400"/>
+              </a:spcAft>
+              <a:buClr>
+                <a:schemeClr val="accent1"/>
+              </a:buClr>
+              <a:buFont typeface="Calibri" pitchFamily="34" charset="0"/>
+              <a:buChar char="◦"/>
+              <a:defRPr sz="1400" kern="1200">
+                <a:solidFill>
+                  <a:schemeClr val="tx1">
+                    <a:lumMod val="75000"/>
+                    <a:lumOff val="25000"/>
+                  </a:schemeClr>
+                </a:solidFill>
+                <a:latin typeface="+mn-lt"/>
+                <a:ea typeface="+mn-ea"/>
+                <a:cs typeface="+mn-cs"/>
+              </a:defRPr>
+            </a:lvl8pPr>
+            <a:lvl9pPr marL="1700000" indent="-228600" algn="l" defTabSz="914400" rtl="0" eaLnBrk="1" latinLnBrk="0" hangingPunct="1">
+              <a:lnSpc>
+                <a:spcPct val="90000"/>
+              </a:lnSpc>
+              <a:spcBef>
+                <a:spcPts val="200"/>
+              </a:spcBef>
+              <a:spcAft>
+                <a:spcPts val="400"/>
+              </a:spcAft>
+              <a:buClr>
+                <a:schemeClr val="accent1"/>
+              </a:buClr>
+              <a:buFont typeface="Calibri" pitchFamily="34" charset="0"/>
+              <a:buChar char="◦"/>
+              <a:defRPr sz="1400" kern="1200">
+                <a:solidFill>
+                  <a:schemeClr val="tx1">
+                    <a:lumMod val="75000"/>
+                    <a:lumOff val="25000"/>
+                  </a:schemeClr>
+                </a:solidFill>
+                <a:latin typeface="+mn-lt"/>
+                <a:ea typeface="+mn-ea"/>
+                <a:cs typeface="+mn-cs"/>
+              </a:defRPr>
+            </a:lvl9pPr>
+          </a:lstStyle>
+          <a:p>
+            <a:r>
+              <a:rPr lang="en-US" sz="1500" dirty="0" smtClean="0">
+                <a:solidFill>
+                  <a:srgbClr val="FFFFFF"/>
+                </a:solidFill>
+              </a:rPr>
+              <a:t>When creating a class, we create special methods call </a:t>
+            </a:r>
+            <a:r>
+              <a:rPr lang="en-US" sz="1500" i="1" dirty="0" smtClean="0">
+                <a:solidFill>
+                  <a:srgbClr val="FFFFFF"/>
+                </a:solidFill>
+              </a:rPr>
+              <a:t>constructors</a:t>
+            </a:r>
+            <a:r>
+              <a:rPr lang="en-US" sz="1500" dirty="0" smtClean="0">
+                <a:solidFill>
+                  <a:srgbClr val="FFFFFF"/>
+                </a:solidFill>
+              </a:rPr>
+              <a:t> that are called when we make a new </a:t>
+            </a:r>
+            <a:r>
+              <a:rPr lang="en-US" sz="1500" b="1" dirty="0" smtClean="0">
+                <a:solidFill>
+                  <a:srgbClr val="FFFFFF"/>
+                </a:solidFill>
+              </a:rPr>
+              <a:t>instance</a:t>
+            </a:r>
+            <a:r>
+              <a:rPr lang="en-US" sz="1500" dirty="0" smtClean="0">
+                <a:solidFill>
+                  <a:srgbClr val="FFFFFF"/>
+                </a:solidFill>
+              </a:rPr>
+              <a:t> of the class. The constructor method name is the same as the class name.</a:t>
+            </a:r>
+          </a:p>
+          <a:p>
+            <a:r>
+              <a:rPr lang="en-US" sz="1500" dirty="0" smtClean="0">
+                <a:solidFill>
+                  <a:srgbClr val="FFFFFF"/>
+                </a:solidFill>
+              </a:rPr>
+              <a:t>Constructors are extremely important, as they allow you to setup all the data for </a:t>
+            </a:r>
+            <a:r>
+              <a:rPr lang="en-US" sz="1500" b="1" dirty="0" smtClean="0">
+                <a:solidFill>
+                  <a:srgbClr val="FFFFFF"/>
+                </a:solidFill>
+              </a:rPr>
+              <a:t>each instance of the class</a:t>
+            </a:r>
+            <a:r>
+              <a:rPr lang="en-US" sz="1500" dirty="0" smtClean="0">
+                <a:solidFill>
+                  <a:srgbClr val="FFFFFF"/>
+                </a:solidFill>
+              </a:rPr>
+              <a:t>.</a:t>
+            </a:r>
+          </a:p>
+          <a:p>
+            <a:r>
+              <a:rPr lang="en-US" sz="1500" dirty="0" smtClean="0">
+                <a:solidFill>
+                  <a:srgbClr val="FFFFFF"/>
+                </a:solidFill>
+              </a:rPr>
+              <a:t>We often pass data about the instance of that class into the constructor, so that we can setup </a:t>
+            </a:r>
+          </a:p>
+          <a:p>
+            <a:r>
+              <a:rPr lang="en-US" sz="1500" dirty="0" smtClean="0">
+                <a:solidFill>
+                  <a:srgbClr val="FFFFFF"/>
+                </a:solidFill>
+              </a:rPr>
+              <a:t>Here, we see that the Dog has a constructor method that takes the dog’s name, breed, favorite food, and gender and sets up the properties of that class instance based on those parameters.</a:t>
+            </a:r>
+          </a:p>
+          <a:p>
+            <a:r>
+              <a:rPr lang="en-US" sz="1500" dirty="0" smtClean="0">
+                <a:solidFill>
+                  <a:srgbClr val="FFFFFF"/>
+                </a:solidFill>
+              </a:rPr>
+              <a:t>Constructors also allow us to initialize data that does not come from the parameters, such as setting the parrot’s </a:t>
+            </a:r>
+            <a:r>
+              <a:rPr lang="en-US" sz="1500" dirty="0" err="1" smtClean="0">
+                <a:solidFill>
+                  <a:srgbClr val="FFFFFF"/>
+                </a:solidFill>
+              </a:rPr>
+              <a:t>PhrasesHeader</a:t>
+            </a:r>
+            <a:r>
+              <a:rPr lang="en-US" sz="1500" dirty="0" smtClean="0">
+                <a:solidFill>
+                  <a:srgbClr val="FFFFFF"/>
+                </a:solidFill>
+              </a:rPr>
+              <a:t> property to a brand new hash set at the time of construction.</a:t>
+            </a:r>
+            <a:endParaRPr lang="en-US" sz="1500" dirty="0">
+              <a:solidFill>
+                <a:srgbClr val="FFFFFF"/>
+              </a:solidFill>
+            </a:endParaRPr>
+          </a:p>
+        </p:txBody>
+      </p:sp>
+      <p:pic>
+        <p:nvPicPr>
+          <p:cNvPr id="7" name="Picture 6"/>
+          <p:cNvPicPr>
+            <a:picLocks noChangeAspect="1"/>
+          </p:cNvPicPr>
+          <p:nvPr/>
+        </p:nvPicPr>
+        <p:blipFill>
+          <a:blip r:embed="rId4">
+            <a:extLst>
+              <a:ext uri="{28A0092B-C50C-407E-A947-70E740481C1C}">
+                <a14:useLocalDpi xmlns:a14="http://schemas.microsoft.com/office/drawing/2010/main" val="0"/>
+              </a:ext>
+            </a:extLst>
+          </a:blip>
+          <a:stretch>
+            <a:fillRect/>
+          </a:stretch>
+        </p:blipFill>
+        <p:spPr>
+          <a:xfrm>
+            <a:off x="4422407" y="4322353"/>
+            <a:ext cx="7336908" cy="2421776"/>
+          </a:xfrm>
+          <a:prstGeom prst="rect">
+            <a:avLst/>
+          </a:prstGeom>
+        </p:spPr>
+      </p:pic>
     </p:spTree>
     <p:extLst>
       <p:ext uri="{BB962C8B-B14F-4D97-AF65-F5344CB8AC3E}">
-        <p14:creationId xmlns:p14="http://schemas.microsoft.com/office/powerpoint/2010/main" val="1584339635"/>
+        <p14:creationId xmlns:p14="http://schemas.microsoft.com/office/powerpoint/2010/main" val="2960523463"/>
       </p:ext>
     </p:extLst>
   </p:cSld>
@@ -4463,7 +4931,7 @@
             <a:spLocks noGrp="1"/>
           </p:cNvSpPr>
           <p:nvPr>
-            <p:ph type="ctrTitle"/>
+            <p:ph type="title"/>
           </p:nvPr>
         </p:nvSpPr>
         <p:spPr/>
@@ -4473,7 +4941,7 @@
           <a:p>
             <a:r>
               <a:rPr lang="en-US" dirty="0" smtClean="0"/>
-              <a:t>Advanced OOP: Inheritance and Polymorphism</a:t>
+              <a:t>Practical: Abstraction and Encapsulation</a:t>
             </a:r>
             <a:endParaRPr lang="en-US" dirty="0"/>
           </a:p>
@@ -4481,27 +4949,184 @@
       </p:sp>
       <p:sp>
         <p:nvSpPr>
-          <p:cNvPr id="3" name="Subtitle 2"/>
-          <p:cNvSpPr>
-            <a:spLocks noGrp="1"/>
-          </p:cNvSpPr>
-          <p:nvPr>
-            <p:ph type="subTitle" idx="1"/>
+          <p:cNvPr id="3" name="Content Placeholder 2"/>
+          <p:cNvSpPr>
+            <a:spLocks noGrp="1"/>
+          </p:cNvSpPr>
+          <p:nvPr>
+            <p:ph idx="1"/>
           </p:nvPr>
         </p:nvSpPr>
         <p:spPr/>
         <p:txBody>
-          <a:bodyPr/>
+          <a:bodyPr>
+            <a:normAutofit/>
+          </a:bodyPr>
           <a:lstStyle/>
           <a:p>
-            <a:endParaRPr lang="en-US"/>
+            <a:r>
+              <a:rPr lang="en-US" dirty="0" smtClean="0"/>
+              <a:t>You will make an interface, </a:t>
+            </a:r>
+            <a:r>
+              <a:rPr lang="en-US" i="1" dirty="0" err="1" smtClean="0"/>
+              <a:t>IPerson.cs</a:t>
+            </a:r>
+            <a:r>
+              <a:rPr lang="en-US" dirty="0" smtClean="0"/>
+              <a:t>, which implements </a:t>
+            </a:r>
+            <a:r>
+              <a:rPr lang="en-US" i="1" dirty="0" err="1" smtClean="0"/>
+              <a:t>IGenderable</a:t>
+            </a:r>
+            <a:r>
+              <a:rPr lang="en-US" i="1" dirty="0" smtClean="0"/>
+              <a:t>, </a:t>
+            </a:r>
+            <a:r>
+              <a:rPr lang="en-US" i="1" dirty="0" err="1" smtClean="0"/>
+              <a:t>IWalkable</a:t>
+            </a:r>
+            <a:r>
+              <a:rPr lang="en-US" i="1" dirty="0" smtClean="0"/>
+              <a:t>, </a:t>
+            </a:r>
+            <a:r>
+              <a:rPr lang="en-US" dirty="0" smtClean="0"/>
+              <a:t>and</a:t>
+            </a:r>
+            <a:r>
+              <a:rPr lang="en-US" i="1" dirty="0" smtClean="0"/>
+              <a:t> </a:t>
+            </a:r>
+            <a:r>
+              <a:rPr lang="en-US" i="1" dirty="0" err="1" smtClean="0"/>
+              <a:t>IEatable</a:t>
+            </a:r>
+            <a:endParaRPr lang="en-US" dirty="0" smtClean="0"/>
+          </a:p>
+          <a:p>
+            <a:r>
+              <a:rPr lang="en-US" dirty="0" smtClean="0"/>
+              <a:t>Properties in </a:t>
+            </a:r>
+            <a:r>
+              <a:rPr lang="en-US" dirty="0" err="1" smtClean="0"/>
+              <a:t>IPerson</a:t>
+            </a:r>
+            <a:r>
+              <a:rPr lang="en-US" dirty="0" smtClean="0"/>
+              <a:t>:</a:t>
+            </a:r>
+          </a:p>
+          <a:p>
+            <a:pPr lvl="1"/>
+            <a:r>
+              <a:rPr lang="en-US" dirty="0" smtClean="0"/>
+              <a:t>Name: String</a:t>
+            </a:r>
+          </a:p>
+          <a:p>
+            <a:pPr lvl="1"/>
+            <a:r>
+              <a:rPr lang="en-US" dirty="0" smtClean="0"/>
+              <a:t>Age: </a:t>
+            </a:r>
+            <a:r>
+              <a:rPr lang="en-US" dirty="0" err="1" smtClean="0"/>
+              <a:t>int</a:t>
+            </a:r>
+            <a:endParaRPr lang="en-US" dirty="0" smtClean="0"/>
+          </a:p>
+          <a:p>
+            <a:pPr lvl="1"/>
+            <a:r>
+              <a:rPr lang="en-US" dirty="0" smtClean="0"/>
+              <a:t>Hobbies: </a:t>
+            </a:r>
+            <a:r>
+              <a:rPr lang="en-US" dirty="0" err="1" smtClean="0"/>
+              <a:t>HashSet</a:t>
+            </a:r>
+            <a:r>
+              <a:rPr lang="en-US" dirty="0" smtClean="0"/>
+              <a:t>&lt;string&gt;()</a:t>
+            </a:r>
+          </a:p>
+          <a:p>
+            <a:r>
+              <a:rPr lang="en-US" dirty="0" smtClean="0"/>
+              <a:t>Methods in </a:t>
+            </a:r>
+            <a:r>
+              <a:rPr lang="en-US" dirty="0" err="1" smtClean="0"/>
+              <a:t>IPerson</a:t>
+            </a:r>
+            <a:r>
+              <a:rPr lang="en-US" dirty="0" smtClean="0"/>
+              <a:t>:</a:t>
+            </a:r>
+          </a:p>
+          <a:p>
+            <a:pPr lvl="1"/>
+            <a:r>
+              <a:rPr lang="en-US" dirty="0" smtClean="0"/>
+              <a:t>void Talk(): If the person does not have a hobby, it will print to the console: </a:t>
+            </a:r>
+            <a:r>
+              <a:rPr lang="en-US" i="1" dirty="0" smtClean="0"/>
+              <a:t>I don’t have anything to talk about</a:t>
+            </a:r>
+            <a:r>
+              <a:rPr lang="en-US" dirty="0" smtClean="0"/>
+              <a:t>; if the person has hobbies, it will talk about one of the hobbies</a:t>
+            </a:r>
+          </a:p>
+          <a:p>
+            <a:pPr lvl="1"/>
+            <a:r>
+              <a:rPr lang="en-US" dirty="0" smtClean="0"/>
+              <a:t>void </a:t>
+            </a:r>
+            <a:r>
+              <a:rPr lang="en-US" dirty="0" err="1" smtClean="0"/>
+              <a:t>AddHoby</a:t>
+            </a:r>
+            <a:r>
+              <a:rPr lang="en-US" dirty="0" smtClean="0"/>
+              <a:t>(string hobby): will add an entry to the set of hobbies</a:t>
+            </a:r>
+          </a:p>
+          <a:p>
+            <a:r>
+              <a:rPr lang="en-US" dirty="0" smtClean="0"/>
+              <a:t>You will then write </a:t>
+            </a:r>
+            <a:r>
+              <a:rPr lang="en-US" i="1" dirty="0" err="1" smtClean="0"/>
+              <a:t>Person.cs</a:t>
+            </a:r>
+            <a:r>
+              <a:rPr lang="en-US" dirty="0" smtClean="0"/>
+              <a:t>, which will implement </a:t>
+            </a:r>
+            <a:r>
+              <a:rPr lang="en-US" dirty="0" err="1" smtClean="0"/>
+              <a:t>IPerson</a:t>
+            </a:r>
+            <a:r>
+              <a:rPr lang="en-US" dirty="0" smtClean="0"/>
+              <a:t>!</a:t>
+            </a:r>
+            <a:endParaRPr lang="en-US" i="1" dirty="0"/>
           </a:p>
         </p:txBody>
       </p:sp>
     </p:spTree>
     <p:extLst>
       <p:ext uri="{BB962C8B-B14F-4D97-AF65-F5344CB8AC3E}">
-        <p14:creationId xmlns:p14="http://schemas.microsoft.com/office/powerpoint/2010/main" val="711584714"/>
+        <p14:creationId xmlns:p14="http://schemas.microsoft.com/office/powerpoint/2010/main" val="1584339635"/>
       </p:ext>
     </p:extLst>
   </p:cSld>
@@ -4528,315 +5153,52 @@
           <a:chExt cx="0" cy="0"/>
         </a:xfrm>
       </p:grpSpPr>
-      <p:sp useBgFill="1">
-        <p:nvSpPr>
-          <p:cNvPr id="8" name="Rectangle 7"/>
-          <p:cNvSpPr>
-            <a:spLocks noGrp="1" noRot="1" noChangeAspect="1" noMove="1" noResize="1" noEditPoints="1" noAdjustHandles="1" noChangeArrowheads="1" noChangeShapeType="1" noTextEdit="1"/>
-          </p:cNvSpPr>
-          <p:nvPr>
-            <p:extLst>
-              <p:ext uri="{386F3935-93C4-4BCD-93E2-E3B085C9AB24}">
-                <p16:designElem xmlns:p16="http://schemas.microsoft.com/office/powerpoint/2015/main" val="1"/>
-              </p:ext>
-            </p:extLst>
-          </p:nvPr>
-        </p:nvSpPr>
-        <p:spPr>
-          <a:xfrm>
-            <a:off x="0" y="0"/>
-            <a:ext cx="12186315" cy="6858000"/>
-          </a:xfrm>
-          <a:prstGeom prst="rect">
-            <a:avLst/>
-          </a:prstGeom>
-          <a:ln>
-            <a:noFill/>
-          </a:ln>
-        </p:spPr>
-        <p:style>
-          <a:lnRef idx="2">
-            <a:schemeClr val="accent6">
-              <a:shade val="50000"/>
-            </a:schemeClr>
-          </a:lnRef>
-          <a:fillRef idx="1001">
-            <a:schemeClr val="lt1"/>
-          </a:fillRef>
-          <a:effectRef idx="0">
-            <a:schemeClr val="accent6"/>
-          </a:effectRef>
-          <a:fontRef idx="minor">
-            <a:schemeClr val="lt1"/>
-          </a:fontRef>
-        </p:style>
-        <p:txBody>
-          <a:bodyPr rtlCol="0" anchor="ctr"/>
+      <p:sp>
+        <p:nvSpPr>
+          <p:cNvPr id="2" name="Title 1"/>
+          <p:cNvSpPr>
+            <a:spLocks noGrp="1"/>
+          </p:cNvSpPr>
+          <p:nvPr>
+            <p:ph type="ctrTitle"/>
+          </p:nvPr>
+        </p:nvSpPr>
+        <p:spPr/>
+        <p:txBody>
+          <a:bodyPr/>
           <a:lstStyle/>
           <a:p>
-            <a:pPr algn="ctr"/>
+            <a:r>
+              <a:rPr lang="en-US" dirty="0" smtClean="0"/>
+              <a:t>Advanced OOP: Inheritance and Polymorphism</a:t>
+            </a:r>
+            <a:endParaRPr lang="en-US" dirty="0"/>
+          </a:p>
+        </p:txBody>
+      </p:sp>
+      <p:sp>
+        <p:nvSpPr>
+          <p:cNvPr id="3" name="Subtitle 2"/>
+          <p:cNvSpPr>
+            <a:spLocks noGrp="1"/>
+          </p:cNvSpPr>
+          <p:nvPr>
+            <p:ph type="subTitle" idx="1"/>
+          </p:nvPr>
+        </p:nvSpPr>
+        <p:spPr/>
+        <p:txBody>
+          <a:bodyPr/>
+          <a:lstStyle/>
+          <a:p>
             <a:endParaRPr lang="en-US"/>
-          </a:p>
-        </p:txBody>
-      </p:sp>
-      <p:sp>
-        <p:nvSpPr>
-          <p:cNvPr id="10" name="Rectangle 9"/>
-          <p:cNvSpPr>
-            <a:spLocks noGrp="1" noRot="1" noChangeAspect="1" noMove="1" noResize="1" noEditPoints="1" noAdjustHandles="1" noChangeArrowheads="1" noChangeShapeType="1" noTextEdit="1"/>
-          </p:cNvSpPr>
-          <p:nvPr>
-            <p:extLst>
-              <p:ext uri="{386F3935-93C4-4BCD-93E2-E3B085C9AB24}">
-                <p16:designElem xmlns:p16="http://schemas.microsoft.com/office/powerpoint/2015/main" val="1"/>
-              </p:ext>
-            </p:extLst>
-          </p:nvPr>
-        </p:nvSpPr>
-        <p:spPr>
-          <a:xfrm>
-            <a:off x="16" y="0"/>
-            <a:ext cx="4050791" cy="6858000"/>
-          </a:xfrm>
-          <a:prstGeom prst="rect">
-            <a:avLst/>
-          </a:prstGeom>
-          <a:solidFill>
-            <a:schemeClr val="accent2"/>
-          </a:solidFill>
-          <a:ln>
-            <a:noFill/>
-          </a:ln>
-        </p:spPr>
-        <p:style>
-          <a:lnRef idx="2">
-            <a:schemeClr val="accent1">
-              <a:shade val="50000"/>
-            </a:schemeClr>
-          </a:lnRef>
-          <a:fillRef idx="1">
-            <a:schemeClr val="accent1"/>
-          </a:fillRef>
-          <a:effectRef idx="0">
-            <a:schemeClr val="accent1"/>
-          </a:effectRef>
-          <a:fontRef idx="minor">
-            <a:schemeClr val="lt1"/>
-          </a:fontRef>
-        </p:style>
-      </p:sp>
-      <p:sp>
-        <p:nvSpPr>
-          <p:cNvPr id="12" name="Rectangle 11"/>
-          <p:cNvSpPr>
-            <a:spLocks noGrp="1" noRot="1" noChangeAspect="1" noMove="1" noResize="1" noEditPoints="1" noAdjustHandles="1" noChangeArrowheads="1" noChangeShapeType="1" noTextEdit="1"/>
-          </p:cNvSpPr>
-          <p:nvPr>
-            <p:extLst>
-              <p:ext uri="{386F3935-93C4-4BCD-93E2-E3B085C9AB24}">
-                <p16:designElem xmlns:p16="http://schemas.microsoft.com/office/powerpoint/2015/main" val="1"/>
-              </p:ext>
-            </p:extLst>
-          </p:nvPr>
-        </p:nvSpPr>
-        <p:spPr>
-          <a:xfrm>
-            <a:off x="4040071" y="0"/>
-            <a:ext cx="64008" cy="6858000"/>
-          </a:xfrm>
-          <a:prstGeom prst="rect">
-            <a:avLst/>
-          </a:prstGeom>
-          <a:solidFill>
-            <a:schemeClr val="accent1"/>
-          </a:solidFill>
-          <a:ln>
-            <a:noFill/>
-          </a:ln>
-        </p:spPr>
-        <p:style>
-          <a:lnRef idx="2">
-            <a:schemeClr val="accent1">
-              <a:shade val="50000"/>
-            </a:schemeClr>
-          </a:lnRef>
-          <a:fillRef idx="1">
-            <a:schemeClr val="accent1"/>
-          </a:fillRef>
-          <a:effectRef idx="0">
-            <a:schemeClr val="accent1"/>
-          </a:effectRef>
-          <a:fontRef idx="minor">
-            <a:schemeClr val="lt1"/>
-          </a:fontRef>
-        </p:style>
-      </p:sp>
-      <p:pic>
-        <p:nvPicPr>
-          <p:cNvPr id="4" name="Picture 3"/>
-          <p:cNvPicPr>
-            <a:picLocks noChangeAspect="1"/>
-          </p:cNvPicPr>
-          <p:nvPr/>
-        </p:nvPicPr>
-        <p:blipFill>
-          <a:blip r:embed="rId2">
-            <a:extLst>
-              <a:ext uri="{28A0092B-C50C-407E-A947-70E740481C1C}">
-                <a14:useLocalDpi xmlns:a14="http://schemas.microsoft.com/office/drawing/2010/main" val="0"/>
-              </a:ext>
-            </a:extLst>
-          </a:blip>
-          <a:stretch>
-            <a:fillRect/>
-          </a:stretch>
-        </p:blipFill>
-        <p:spPr>
-          <a:xfrm>
-            <a:off x="4742017" y="1228121"/>
-            <a:ext cx="6798082" cy="4401758"/>
-          </a:xfrm>
-          <a:prstGeom prst="rect">
-            <a:avLst/>
-          </a:prstGeom>
-        </p:spPr>
-      </p:pic>
-      <p:sp>
-        <p:nvSpPr>
-          <p:cNvPr id="2" name="Title 1"/>
-          <p:cNvSpPr>
-            <a:spLocks noGrp="1"/>
-          </p:cNvSpPr>
-          <p:nvPr>
-            <p:ph type="title"/>
-          </p:nvPr>
-        </p:nvSpPr>
-        <p:spPr>
-          <a:xfrm>
-            <a:off x="492370" y="516835"/>
-            <a:ext cx="3084844" cy="2103875"/>
-          </a:xfrm>
-        </p:spPr>
-        <p:txBody>
-          <a:bodyPr>
-            <a:normAutofit/>
-          </a:bodyPr>
-          <a:lstStyle/>
-          <a:p>
-            <a:r>
-              <a:rPr lang="en-US" sz="3600">
-                <a:solidFill>
-                  <a:srgbClr val="FFFFFF"/>
-                </a:solidFill>
-              </a:rPr>
-              <a:t>What is inheritance?</a:t>
-            </a:r>
-          </a:p>
-        </p:txBody>
-      </p:sp>
-      <p:sp>
-        <p:nvSpPr>
-          <p:cNvPr id="3" name="Content Placeholder 2"/>
-          <p:cNvSpPr>
-            <a:spLocks noGrp="1"/>
-          </p:cNvSpPr>
-          <p:nvPr>
-            <p:ph idx="1"/>
-          </p:nvPr>
-        </p:nvSpPr>
-        <p:spPr>
-          <a:xfrm>
-            <a:off x="492371" y="2653800"/>
-            <a:ext cx="3084844" cy="3335519"/>
-          </a:xfrm>
-        </p:spPr>
-        <p:txBody>
-          <a:bodyPr>
-            <a:normAutofit/>
-          </a:bodyPr>
-          <a:lstStyle/>
-          <a:p>
-            <a:pPr>
-              <a:lnSpc>
-                <a:spcPct val="70000"/>
-              </a:lnSpc>
-            </a:pPr>
-            <a:r>
-              <a:rPr lang="en-US" sz="1400" dirty="0">
-                <a:solidFill>
-                  <a:srgbClr val="FFFFFF"/>
-                </a:solidFill>
-              </a:rPr>
-              <a:t>Inheritance is the concept of allowing classes to be created that exist "on top" of other classes. </a:t>
-            </a:r>
-          </a:p>
-          <a:p>
-            <a:pPr>
-              <a:lnSpc>
-                <a:spcPct val="70000"/>
-              </a:lnSpc>
-            </a:pPr>
-            <a:r>
-              <a:rPr lang="en-US" sz="1400" dirty="0">
-                <a:solidFill>
-                  <a:srgbClr val="FFFFFF"/>
-                </a:solidFill>
-              </a:rPr>
-              <a:t>For example, we can make a class for mammals, and have dogs inherit from that class. Often, we will inherit from abstract or partial classes. </a:t>
-            </a:r>
-          </a:p>
-          <a:p>
-            <a:pPr>
-              <a:lnSpc>
-                <a:spcPct val="70000"/>
-              </a:lnSpc>
-            </a:pPr>
-            <a:r>
-              <a:rPr lang="en-US" sz="1400" dirty="0">
-                <a:solidFill>
-                  <a:srgbClr val="FFFFFF"/>
-                </a:solidFill>
-              </a:rPr>
-              <a:t>Is is often useful to make an abstract class, which is a "partial class", or to use virtual methods when making a class. You can't make a new instance of an abstract class since it's incomplete, but you can inherit from them and build on top of them.</a:t>
-            </a:r>
-          </a:p>
-          <a:p>
-            <a:pPr>
-              <a:lnSpc>
-                <a:spcPct val="70000"/>
-              </a:lnSpc>
-            </a:pPr>
-            <a:r>
-              <a:rPr lang="en-US" sz="1400" dirty="0">
-                <a:solidFill>
-                  <a:srgbClr val="FFFFFF"/>
-                </a:solidFill>
-              </a:rPr>
-              <a:t>Our Mammal class was an abstract class, and our </a:t>
-            </a:r>
-            <a:r>
-              <a:rPr lang="en-US" sz="1400" dirty="0" err="1">
-                <a:solidFill>
-                  <a:srgbClr val="FFFFFF"/>
-                </a:solidFill>
-              </a:rPr>
-              <a:t>HoneyBadger</a:t>
-            </a:r>
-            <a:r>
-              <a:rPr lang="en-US" sz="1400" dirty="0">
-                <a:solidFill>
-                  <a:srgbClr val="FFFFFF"/>
-                </a:solidFill>
-              </a:rPr>
-              <a:t> class inherits the Mammal class and finishes it up.</a:t>
-            </a:r>
           </a:p>
         </p:txBody>
       </p:sp>
     </p:spTree>
     <p:extLst>
       <p:ext uri="{BB962C8B-B14F-4D97-AF65-F5344CB8AC3E}">
-        <p14:creationId xmlns:p14="http://schemas.microsoft.com/office/powerpoint/2010/main" val="716345250"/>
+        <p14:creationId xmlns:p14="http://schemas.microsoft.com/office/powerpoint/2010/main" val="711584714"/>
       </p:ext>
     </p:extLst>
   </p:cSld>
@@ -4863,6 +5225,179 @@
           <a:chExt cx="0" cy="0"/>
         </a:xfrm>
       </p:grpSpPr>
+      <p:sp useBgFill="1">
+        <p:nvSpPr>
+          <p:cNvPr id="8" name="Rectangle 7"/>
+          <p:cNvSpPr>
+            <a:spLocks noGrp="1" noRot="1" noChangeAspect="1" noMove="1" noResize="1" noEditPoints="1" noAdjustHandles="1" noChangeArrowheads="1" noChangeShapeType="1" noTextEdit="1"/>
+          </p:cNvSpPr>
+          <p:nvPr>
+            <p:extLst>
+              <p:ext uri="{386F3935-93C4-4BCD-93E2-E3B085C9AB24}">
+                <p16:designElem xmlns:p16="http://schemas.microsoft.com/office/powerpoint/2015/main" val="1"/>
+              </p:ext>
+            </p:extLst>
+          </p:nvPr>
+        </p:nvSpPr>
+        <p:spPr>
+          <a:xfrm>
+            <a:off x="0" y="0"/>
+            <a:ext cx="12186315" cy="6858000"/>
+          </a:xfrm>
+          <a:prstGeom prst="rect">
+            <a:avLst/>
+          </a:prstGeom>
+          <a:ln>
+            <a:noFill/>
+          </a:ln>
+        </p:spPr>
+        <p:style>
+          <a:lnRef idx="2">
+            <a:schemeClr val="accent6">
+              <a:shade val="50000"/>
+            </a:schemeClr>
+          </a:lnRef>
+          <a:fillRef idx="1001">
+            <a:schemeClr val="lt1"/>
+          </a:fillRef>
+          <a:effectRef idx="0">
+            <a:schemeClr val="accent6"/>
+          </a:effectRef>
+          <a:fontRef idx="minor">
+            <a:schemeClr val="lt1"/>
+          </a:fontRef>
+        </p:style>
+        <p:txBody>
+          <a:bodyPr rtlCol="0" anchor="ctr"/>
+          <a:lstStyle/>
+          <a:p>
+            <a:pPr algn="ctr"/>
+            <a:endParaRPr lang="en-US"/>
+          </a:p>
+        </p:txBody>
+      </p:sp>
+      <p:sp>
+        <p:nvSpPr>
+          <p:cNvPr id="10" name="Rectangle 9"/>
+          <p:cNvSpPr>
+            <a:spLocks noGrp="1" noRot="1" noChangeAspect="1" noMove="1" noResize="1" noEditPoints="1" noAdjustHandles="1" noChangeArrowheads="1" noChangeShapeType="1" noTextEdit="1"/>
+          </p:cNvSpPr>
+          <p:nvPr>
+            <p:extLst>
+              <p:ext uri="{386F3935-93C4-4BCD-93E2-E3B085C9AB24}">
+                <p16:designElem xmlns:p16="http://schemas.microsoft.com/office/powerpoint/2015/main" val="1"/>
+              </p:ext>
+            </p:extLst>
+          </p:nvPr>
+        </p:nvSpPr>
+        <p:spPr>
+          <a:xfrm>
+            <a:off x="16" y="0"/>
+            <a:ext cx="4050791" cy="6858000"/>
+          </a:xfrm>
+          <a:prstGeom prst="rect">
+            <a:avLst/>
+          </a:prstGeom>
+          <a:solidFill>
+            <a:schemeClr val="accent2"/>
+          </a:solidFill>
+          <a:ln>
+            <a:noFill/>
+          </a:ln>
+        </p:spPr>
+        <p:style>
+          <a:lnRef idx="2">
+            <a:schemeClr val="accent1">
+              <a:shade val="50000"/>
+            </a:schemeClr>
+          </a:lnRef>
+          <a:fillRef idx="1">
+            <a:schemeClr val="accent1"/>
+          </a:fillRef>
+          <a:effectRef idx="0">
+            <a:schemeClr val="accent1"/>
+          </a:effectRef>
+          <a:fontRef idx="minor">
+            <a:schemeClr val="lt1"/>
+          </a:fontRef>
+        </p:style>
+      </p:sp>
+      <p:sp>
+        <p:nvSpPr>
+          <p:cNvPr id="12" name="Rectangle 11"/>
+          <p:cNvSpPr>
+            <a:spLocks noGrp="1" noRot="1" noChangeAspect="1" noMove="1" noResize="1" noEditPoints="1" noAdjustHandles="1" noChangeArrowheads="1" noChangeShapeType="1" noTextEdit="1"/>
+          </p:cNvSpPr>
+          <p:nvPr>
+            <p:extLst>
+              <p:ext uri="{386F3935-93C4-4BCD-93E2-E3B085C9AB24}">
+                <p16:designElem xmlns:p16="http://schemas.microsoft.com/office/powerpoint/2015/main" val="1"/>
+              </p:ext>
+            </p:extLst>
+          </p:nvPr>
+        </p:nvSpPr>
+        <p:spPr>
+          <a:xfrm>
+            <a:off x="4040071" y="0"/>
+            <a:ext cx="64008" cy="6858000"/>
+          </a:xfrm>
+          <a:prstGeom prst="rect">
+            <a:avLst/>
+          </a:prstGeom>
+          <a:solidFill>
+            <a:schemeClr val="accent1"/>
+          </a:solidFill>
+          <a:ln>
+            <a:noFill/>
+          </a:ln>
+        </p:spPr>
+        <p:style>
+          <a:lnRef idx="2">
+            <a:schemeClr val="accent1">
+              <a:shade val="50000"/>
+            </a:schemeClr>
+          </a:lnRef>
+          <a:fillRef idx="1">
+            <a:schemeClr val="accent1"/>
+          </a:fillRef>
+          <a:effectRef idx="0">
+            <a:schemeClr val="accent1"/>
+          </a:effectRef>
+          <a:fontRef idx="minor">
+            <a:schemeClr val="lt1"/>
+          </a:fontRef>
+        </p:style>
+      </p:sp>
+      <p:pic>
+        <p:nvPicPr>
+          <p:cNvPr id="4" name="Picture 3"/>
+          <p:cNvPicPr>
+            <a:picLocks noChangeAspect="1"/>
+          </p:cNvPicPr>
+          <p:nvPr/>
+        </p:nvPicPr>
+        <p:blipFill>
+          <a:blip r:embed="rId2">
+            <a:extLst>
+              <a:ext uri="{28A0092B-C50C-407E-A947-70E740481C1C}">
+                <a14:useLocalDpi xmlns:a14="http://schemas.microsoft.com/office/drawing/2010/main" val="0"/>
+              </a:ext>
+            </a:extLst>
+          </a:blip>
+          <a:stretch>
+            <a:fillRect/>
+          </a:stretch>
+        </p:blipFill>
+        <p:spPr>
+          <a:xfrm>
+            <a:off x="4742017" y="1228121"/>
+            <a:ext cx="6798082" cy="4401758"/>
+          </a:xfrm>
+          <a:prstGeom prst="rect">
+            <a:avLst/>
+          </a:prstGeom>
+        </p:spPr>
+      </p:pic>
       <p:sp>
         <p:nvSpPr>
           <p:cNvPr id="2" name="Title 1"/>
@@ -4873,16 +5408,26 @@
             <p:ph type="title"/>
           </p:nvPr>
         </p:nvSpPr>
-        <p:spPr/>
-        <p:txBody>
-          <a:bodyPr/>
+        <p:spPr>
+          <a:xfrm>
+            <a:off x="492370" y="516835"/>
+            <a:ext cx="3084844" cy="2103875"/>
+          </a:xfrm>
+        </p:spPr>
+        <p:txBody>
+          <a:bodyPr>
+            <a:normAutofit/>
+          </a:bodyPr>
           <a:lstStyle/>
           <a:p>
             <a:r>
-              <a:rPr lang="en-US" dirty="0" smtClean="0"/>
-              <a:t>Multiple Inheritance</a:t>
-            </a:r>
-            <a:endParaRPr lang="en-US" dirty="0"/>
+              <a:rPr lang="en-US" sz="3600">
+                <a:solidFill>
+                  <a:srgbClr val="FFFFFF"/>
+                </a:solidFill>
+              </a:rPr>
+              <a:t>What is inheritance?</a:t>
+            </a:r>
           </a:p>
         </p:txBody>
       </p:sp>
@@ -4896,136 +5441,99 @@
             <p:ph idx="1"/>
           </p:nvPr>
         </p:nvSpPr>
-        <p:spPr/>
-        <p:txBody>
-          <a:bodyPr/>
+        <p:spPr>
+          <a:xfrm>
+            <a:off x="492371" y="2653800"/>
+            <a:ext cx="3084844" cy="3335519"/>
+          </a:xfrm>
+        </p:spPr>
+        <p:txBody>
+          <a:bodyPr>
+            <a:normAutofit/>
+          </a:bodyPr>
           <a:lstStyle/>
           <a:p>
-            <a:r>
-              <a:rPr lang="en-US" dirty="0" smtClean="0"/>
-              <a:t>Interfaces and classes can both inherit from multiple interfaces at a time. This allows us to create small interfaces that describe a very reusable slice of functionality. </a:t>
-            </a:r>
-            <a:endParaRPr lang="en-US" dirty="0"/>
-          </a:p>
-          <a:p>
-            <a:r>
-              <a:rPr lang="en-US" dirty="0" smtClean="0"/>
-              <a:t>For example, our animals all can move! But they all move in different ways.</a:t>
-            </a:r>
-          </a:p>
-          <a:p>
-            <a:r>
-              <a:rPr lang="en-US" dirty="0" smtClean="0"/>
-              <a:t>Rather than declare that all our animals follow the interface rules of </a:t>
-            </a:r>
-            <a:r>
-              <a:rPr lang="en-US" dirty="0" err="1" smtClean="0"/>
-              <a:t>IWalkable</a:t>
-            </a:r>
-            <a:r>
-              <a:rPr lang="en-US" dirty="0" smtClean="0"/>
-              <a:t>, or </a:t>
-            </a:r>
-            <a:r>
-              <a:rPr lang="en-US" dirty="0" err="1" smtClean="0"/>
-              <a:t>IFlyable</a:t>
-            </a:r>
-            <a:r>
-              <a:rPr lang="en-US" dirty="0" smtClean="0"/>
-              <a:t>, we have each particular abstract class define inherit from </a:t>
-            </a:r>
-            <a:r>
-              <a:rPr lang="en-US" dirty="0" err="1" smtClean="0"/>
-              <a:t>IAnimal</a:t>
-            </a:r>
-            <a:r>
-              <a:rPr lang="en-US" dirty="0" smtClean="0"/>
-              <a:t> and whichever movement patterns describe them best.</a:t>
-            </a:r>
-          </a:p>
-          <a:p>
-            <a:pPr lvl="1"/>
-            <a:r>
-              <a:rPr lang="en-US" dirty="0" smtClean="0"/>
-              <a:t>Mammal inherits from </a:t>
-            </a:r>
-            <a:r>
-              <a:rPr lang="en-US" dirty="0" err="1" smtClean="0"/>
-              <a:t>IWalkable</a:t>
-            </a:r>
-            <a:r>
-              <a:rPr lang="en-US" dirty="0" smtClean="0"/>
-              <a:t> and </a:t>
-            </a:r>
-            <a:r>
-              <a:rPr lang="en-US" dirty="0" err="1" smtClean="0"/>
-              <a:t>IAnimal</a:t>
-            </a:r>
-            <a:endParaRPr lang="en-US" dirty="0" smtClean="0"/>
-          </a:p>
-          <a:p>
-            <a:pPr lvl="1"/>
-            <a:r>
-              <a:rPr lang="en-US" dirty="0" smtClean="0"/>
-              <a:t>Avian inherits from </a:t>
-            </a:r>
-            <a:r>
-              <a:rPr lang="en-US" dirty="0" err="1" smtClean="0"/>
-              <a:t>IWalkable</a:t>
-            </a:r>
-            <a:r>
-              <a:rPr lang="en-US" dirty="0" smtClean="0"/>
-              <a:t>, </a:t>
-            </a:r>
-            <a:r>
-              <a:rPr lang="en-US" dirty="0" err="1" smtClean="0"/>
-              <a:t>IFlyable</a:t>
-            </a:r>
-            <a:r>
-              <a:rPr lang="en-US" dirty="0" smtClean="0"/>
-              <a:t>, and </a:t>
-            </a:r>
-            <a:r>
-              <a:rPr lang="en-US" dirty="0" err="1" smtClean="0"/>
-              <a:t>IAnimal</a:t>
-            </a:r>
-            <a:endParaRPr lang="en-US" dirty="0"/>
-          </a:p>
-          <a:p>
-            <a:r>
-              <a:rPr lang="en-US" dirty="0" smtClean="0"/>
-              <a:t>This can be extended to a school of thought known as </a:t>
-            </a:r>
-            <a:r>
-              <a:rPr lang="en-US" i="1" dirty="0" smtClean="0"/>
-              <a:t>composition over inheritance</a:t>
-            </a:r>
-          </a:p>
-          <a:p>
-            <a:pPr lvl="1"/>
-            <a:r>
-              <a:rPr lang="en-US" dirty="0">
-                <a:hlinkClick r:id="rId2"/>
+            <a:pPr>
+              <a:lnSpc>
+                <a:spcPct val="70000"/>
+              </a:lnSpc>
+            </a:pPr>
+            <a:r>
+              <a:rPr lang="en-US" sz="1400" dirty="0">
+                <a:solidFill>
+                  <a:srgbClr val="FFFFFF"/>
+                </a:solidFill>
               </a:rPr>
-              <a:t>https://</a:t>
-            </a:r>
-            <a:r>
-              <a:rPr lang="en-US" dirty="0" smtClean="0">
-                <a:hlinkClick r:id="rId2"/>
+              <a:t>Inheritance is the concept of allowing classes to be created that exist "on top" of other classes. </a:t>
+            </a:r>
+          </a:p>
+          <a:p>
+            <a:pPr>
+              <a:lnSpc>
+                <a:spcPct val="70000"/>
+              </a:lnSpc>
+            </a:pPr>
+            <a:r>
+              <a:rPr lang="en-US" sz="1400" dirty="0">
+                <a:solidFill>
+                  <a:srgbClr val="FFFFFF"/>
+                </a:solidFill>
               </a:rPr>
-              <a:t>en.wikipedia.org/wiki/Composition_over_inheritance</a:t>
-            </a:r>
-            <a:endParaRPr lang="en-US" dirty="0" smtClean="0"/>
-          </a:p>
-          <a:p>
-            <a:endParaRPr lang="en-US" dirty="0"/>
+              <a:t>For example, we can make a class for mammals, and have dogs inherit from that class. Often, we will inherit from abstract or partial classes. </a:t>
+            </a:r>
+          </a:p>
+          <a:p>
+            <a:pPr>
+              <a:lnSpc>
+                <a:spcPct val="70000"/>
+              </a:lnSpc>
+            </a:pPr>
+            <a:r>
+              <a:rPr lang="en-US" sz="1400" dirty="0">
+                <a:solidFill>
+                  <a:srgbClr val="FFFFFF"/>
+                </a:solidFill>
+              </a:rPr>
+              <a:t>Is is often useful to make an abstract class, which is a "partial class", or to use virtual methods when making a class. You can't make a new instance of an abstract class since it's incomplete, but you can inherit from them and build on top of them.</a:t>
+            </a:r>
+          </a:p>
+          <a:p>
+            <a:pPr>
+              <a:lnSpc>
+                <a:spcPct val="70000"/>
+              </a:lnSpc>
+            </a:pPr>
+            <a:r>
+              <a:rPr lang="en-US" sz="1400" dirty="0">
+                <a:solidFill>
+                  <a:srgbClr val="FFFFFF"/>
+                </a:solidFill>
+              </a:rPr>
+              <a:t>Our Mammal class was an abstract class, and our </a:t>
+            </a:r>
+            <a:r>
+              <a:rPr lang="en-US" sz="1400" dirty="0" err="1">
+                <a:solidFill>
+                  <a:srgbClr val="FFFFFF"/>
+                </a:solidFill>
+              </a:rPr>
+              <a:t>HoneyBadger</a:t>
+            </a:r>
+            <a:r>
+              <a:rPr lang="en-US" sz="1400" dirty="0">
+                <a:solidFill>
+                  <a:srgbClr val="FFFFFF"/>
+                </a:solidFill>
+              </a:rPr>
+              <a:t> class inherits the Mammal class and finishes it up.</a:t>
+            </a:r>
           </a:p>
         </p:txBody>
       </p:sp>
     </p:spTree>
     <p:extLst>
       <p:ext uri="{BB962C8B-B14F-4D97-AF65-F5344CB8AC3E}">
-        <p14:creationId xmlns:p14="http://schemas.microsoft.com/office/powerpoint/2010/main" val="1948332637"/>
+        <p14:creationId xmlns:p14="http://schemas.microsoft.com/office/powerpoint/2010/main" val="716345250"/>
       </p:ext>
     </p:extLst>
   </p:cSld>
@@ -5068,9 +5576,10 @@
           <a:lstStyle/>
           <a:p>
             <a:r>
-              <a:rPr lang="en-US" dirty="0"/>
-              <a:t>What is polymorphism?</a:t>
-            </a:r>
+              <a:rPr lang="en-US" dirty="0" smtClean="0"/>
+              <a:t>Multiple Inheritance</a:t>
+            </a:r>
+            <a:endParaRPr lang="en-US" dirty="0"/>
           </a:p>
         </p:txBody>
       </p:sp>
@@ -5090,13 +5599,120 @@
           <a:lstStyle/>
           <a:p>
             <a:r>
-              <a:rPr lang="en-US" dirty="0"/>
-              <a:t>Polymorphism is the concept of your classes using the same name to represent the same action occurring, but in different ways. This comes in two forms: overriding, and </a:t>
-            </a:r>
-            <a:r>
               <a:rPr lang="en-US" dirty="0" smtClean="0"/>
-              <a:t>overloading</a:t>
-            </a:r>
+              <a:t>Interfaces and classes can both inherit from multiple interfaces at a time. This allows us to create small interfaces that describe a very reusable slice of functionality. </a:t>
+            </a:r>
+            <a:endParaRPr lang="en-US" dirty="0"/>
+          </a:p>
+          <a:p>
+            <a:r>
+              <a:rPr lang="en-US" dirty="0" smtClean="0"/>
+              <a:t>For example, our animals all can move! But they all move in different ways.</a:t>
+            </a:r>
+          </a:p>
+          <a:p>
+            <a:r>
+              <a:rPr lang="en-US" dirty="0" smtClean="0"/>
+              <a:t>Rather than declare that all our animals follow the interface rules of </a:t>
+            </a:r>
+            <a:r>
+              <a:rPr lang="en-US" dirty="0" err="1" smtClean="0"/>
+              <a:t>IWalkable</a:t>
+            </a:r>
+            <a:r>
+              <a:rPr lang="en-US" dirty="0" smtClean="0"/>
+              <a:t>, or </a:t>
+            </a:r>
+            <a:r>
+              <a:rPr lang="en-US" dirty="0" err="1" smtClean="0"/>
+              <a:t>IFlyable</a:t>
+            </a:r>
+            <a:r>
+              <a:rPr lang="en-US" dirty="0" smtClean="0"/>
+              <a:t>, we have each particular abstract class define inherit from </a:t>
+            </a:r>
+            <a:r>
+              <a:rPr lang="en-US" dirty="0" err="1" smtClean="0"/>
+              <a:t>IAnimal</a:t>
+            </a:r>
+            <a:r>
+              <a:rPr lang="en-US" dirty="0" smtClean="0"/>
+              <a:t> and whichever movement patterns describe them best.</a:t>
+            </a:r>
+          </a:p>
+          <a:p>
+            <a:pPr lvl="1"/>
+            <a:r>
+              <a:rPr lang="en-US" dirty="0" smtClean="0"/>
+              <a:t>Mammal inherits from </a:t>
+            </a:r>
+            <a:r>
+              <a:rPr lang="en-US" dirty="0" err="1" smtClean="0"/>
+              <a:t>IWalkable</a:t>
+            </a:r>
+            <a:r>
+              <a:rPr lang="en-US" dirty="0" smtClean="0"/>
+              <a:t> and </a:t>
+            </a:r>
+            <a:r>
+              <a:rPr lang="en-US" dirty="0" err="1" smtClean="0"/>
+              <a:t>IAnimal</a:t>
+            </a:r>
+            <a:endParaRPr lang="en-US" dirty="0" smtClean="0"/>
+          </a:p>
+          <a:p>
+            <a:pPr lvl="1"/>
+            <a:r>
+              <a:rPr lang="en-US" dirty="0" smtClean="0"/>
+              <a:t>Avian inherits from </a:t>
+            </a:r>
+            <a:r>
+              <a:rPr lang="en-US" dirty="0" err="1" smtClean="0"/>
+              <a:t>IWalkable</a:t>
+            </a:r>
+            <a:r>
+              <a:rPr lang="en-US" dirty="0" smtClean="0"/>
+              <a:t>, </a:t>
+            </a:r>
+            <a:r>
+              <a:rPr lang="en-US" dirty="0" err="1" smtClean="0"/>
+              <a:t>IFlyable</a:t>
+            </a:r>
+            <a:r>
+              <a:rPr lang="en-US" dirty="0" smtClean="0"/>
+              <a:t>, and </a:t>
+            </a:r>
+            <a:r>
+              <a:rPr lang="en-US" dirty="0" err="1" smtClean="0"/>
+              <a:t>IAnimal</a:t>
+            </a:r>
+            <a:endParaRPr lang="en-US" dirty="0"/>
+          </a:p>
+          <a:p>
+            <a:r>
+              <a:rPr lang="en-US" dirty="0" smtClean="0"/>
+              <a:t>This can be extended to a school of thought known as </a:t>
+            </a:r>
+            <a:r>
+              <a:rPr lang="en-US" i="1" dirty="0" smtClean="0"/>
+              <a:t>composition over inheritance</a:t>
+            </a:r>
+          </a:p>
+          <a:p>
+            <a:pPr lvl="1"/>
+            <a:r>
+              <a:rPr lang="en-US" dirty="0">
+                <a:hlinkClick r:id="rId2"/>
+              </a:rPr>
+              <a:t>https://</a:t>
+            </a:r>
+            <a:r>
+              <a:rPr lang="en-US" dirty="0" smtClean="0">
+                <a:hlinkClick r:id="rId2"/>
+              </a:rPr>
+              <a:t>en.wikipedia.org/wiki/Composition_over_inheritance</a:t>
+            </a:r>
+            <a:endParaRPr lang="en-US" dirty="0" smtClean="0"/>
           </a:p>
           <a:p>
             <a:endParaRPr lang="en-US" dirty="0"/>
@@ -5106,7 +5722,7 @@
     </p:spTree>
     <p:extLst>
       <p:ext uri="{BB962C8B-B14F-4D97-AF65-F5344CB8AC3E}">
-        <p14:creationId xmlns:p14="http://schemas.microsoft.com/office/powerpoint/2010/main" val="1666164392"/>
+        <p14:creationId xmlns:p14="http://schemas.microsoft.com/office/powerpoint/2010/main" val="1948332637"/>
       </p:ext>
     </p:extLst>
   </p:cSld>
@@ -5133,291 +5749,61 @@
           <a:chExt cx="0" cy="0"/>
         </a:xfrm>
       </p:grpSpPr>
-      <p:sp useBgFill="1">
-        <p:nvSpPr>
-          <p:cNvPr id="8" name="Rectangle 7"/>
-          <p:cNvSpPr>
-            <a:spLocks noGrp="1" noRot="1" noChangeAspect="1" noMove="1" noResize="1" noEditPoints="1" noAdjustHandles="1" noChangeArrowheads="1" noChangeShapeType="1" noTextEdit="1"/>
-          </p:cNvSpPr>
-          <p:nvPr>
-            <p:extLst>
-              <p:ext uri="{386F3935-93C4-4BCD-93E2-E3B085C9AB24}">
-                <p16:designElem xmlns:p16="http://schemas.microsoft.com/office/powerpoint/2015/main" val="1"/>
-              </p:ext>
-            </p:extLst>
-          </p:nvPr>
-        </p:nvSpPr>
-        <p:spPr>
-          <a:xfrm>
-            <a:off x="0" y="0"/>
-            <a:ext cx="12186315" cy="6858000"/>
-          </a:xfrm>
-          <a:prstGeom prst="rect">
-            <a:avLst/>
-          </a:prstGeom>
-          <a:ln>
-            <a:noFill/>
-          </a:ln>
-        </p:spPr>
-        <p:style>
-          <a:lnRef idx="2">
-            <a:schemeClr val="accent6">
-              <a:shade val="50000"/>
-            </a:schemeClr>
-          </a:lnRef>
-          <a:fillRef idx="1001">
-            <a:schemeClr val="lt1"/>
-          </a:fillRef>
-          <a:effectRef idx="0">
-            <a:schemeClr val="accent6"/>
-          </a:effectRef>
-          <a:fontRef idx="minor">
-            <a:schemeClr val="lt1"/>
-          </a:fontRef>
-        </p:style>
-        <p:txBody>
-          <a:bodyPr rtlCol="0" anchor="ctr"/>
+      <p:sp>
+        <p:nvSpPr>
+          <p:cNvPr id="2" name="Title 1"/>
+          <p:cNvSpPr>
+            <a:spLocks noGrp="1"/>
+          </p:cNvSpPr>
+          <p:nvPr>
+            <p:ph type="title"/>
+          </p:nvPr>
+        </p:nvSpPr>
+        <p:spPr/>
+        <p:txBody>
+          <a:bodyPr/>
           <a:lstStyle/>
           <a:p>
-            <a:pPr algn="ctr"/>
-            <a:endParaRPr lang="en-US"/>
-          </a:p>
-        </p:txBody>
-      </p:sp>
-      <p:sp>
-        <p:nvSpPr>
-          <p:cNvPr id="10" name="Rectangle 9"/>
-          <p:cNvSpPr>
-            <a:spLocks noGrp="1" noRot="1" noChangeAspect="1" noMove="1" noResize="1" noEditPoints="1" noAdjustHandles="1" noChangeArrowheads="1" noChangeShapeType="1" noTextEdit="1"/>
-          </p:cNvSpPr>
-          <p:nvPr>
-            <p:extLst>
-              <p:ext uri="{386F3935-93C4-4BCD-93E2-E3B085C9AB24}">
-                <p16:designElem xmlns:p16="http://schemas.microsoft.com/office/powerpoint/2015/main" val="1"/>
-              </p:ext>
-            </p:extLst>
-          </p:nvPr>
-        </p:nvSpPr>
-        <p:spPr>
-          <a:xfrm>
-            <a:off x="16" y="0"/>
-            <a:ext cx="4050791" cy="6858000"/>
-          </a:xfrm>
-          <a:prstGeom prst="rect">
-            <a:avLst/>
-          </a:prstGeom>
-          <a:solidFill>
-            <a:schemeClr val="accent2"/>
-          </a:solidFill>
-          <a:ln>
-            <a:noFill/>
-          </a:ln>
-        </p:spPr>
-        <p:style>
-          <a:lnRef idx="2">
-            <a:schemeClr val="accent1">
-              <a:shade val="50000"/>
-            </a:schemeClr>
-          </a:lnRef>
-          <a:fillRef idx="1">
-            <a:schemeClr val="accent1"/>
-          </a:fillRef>
-          <a:effectRef idx="0">
-            <a:schemeClr val="accent1"/>
-          </a:effectRef>
-          <a:fontRef idx="minor">
-            <a:schemeClr val="lt1"/>
-          </a:fontRef>
-        </p:style>
-      </p:sp>
-      <p:sp>
-        <p:nvSpPr>
-          <p:cNvPr id="12" name="Rectangle 11"/>
-          <p:cNvSpPr>
-            <a:spLocks noGrp="1" noRot="1" noChangeAspect="1" noMove="1" noResize="1" noEditPoints="1" noAdjustHandles="1" noChangeArrowheads="1" noChangeShapeType="1" noTextEdit="1"/>
-          </p:cNvSpPr>
-          <p:nvPr>
-            <p:extLst>
-              <p:ext uri="{386F3935-93C4-4BCD-93E2-E3B085C9AB24}">
-                <p16:designElem xmlns:p16="http://schemas.microsoft.com/office/powerpoint/2015/main" val="1"/>
-              </p:ext>
-            </p:extLst>
-          </p:nvPr>
-        </p:nvSpPr>
-        <p:spPr>
-          <a:xfrm>
-            <a:off x="4040071" y="0"/>
-            <a:ext cx="64008" cy="6858000"/>
-          </a:xfrm>
-          <a:prstGeom prst="rect">
-            <a:avLst/>
-          </a:prstGeom>
-          <a:solidFill>
-            <a:schemeClr val="accent1"/>
-          </a:solidFill>
-          <a:ln>
-            <a:noFill/>
-          </a:ln>
-        </p:spPr>
-        <p:style>
-          <a:lnRef idx="2">
-            <a:schemeClr val="accent1">
-              <a:shade val="50000"/>
-            </a:schemeClr>
-          </a:lnRef>
-          <a:fillRef idx="1">
-            <a:schemeClr val="accent1"/>
-          </a:fillRef>
-          <a:effectRef idx="0">
-            <a:schemeClr val="accent1"/>
-          </a:effectRef>
-          <a:fontRef idx="minor">
-            <a:schemeClr val="lt1"/>
-          </a:fontRef>
-        </p:style>
-      </p:sp>
-      <p:pic>
-        <p:nvPicPr>
-          <p:cNvPr id="4" name="Picture 3"/>
-          <p:cNvPicPr>
-            <a:picLocks noChangeAspect="1"/>
-          </p:cNvPicPr>
-          <p:nvPr/>
-        </p:nvPicPr>
-        <p:blipFill>
-          <a:blip r:embed="rId2">
-            <a:extLst>
-              <a:ext uri="{28A0092B-C50C-407E-A947-70E740481C1C}">
-                <a14:useLocalDpi xmlns:a14="http://schemas.microsoft.com/office/drawing/2010/main" val="0"/>
-              </a:ext>
-            </a:extLst>
-          </a:blip>
-          <a:stretch>
-            <a:fillRect/>
-          </a:stretch>
-        </p:blipFill>
-        <p:spPr>
-          <a:xfrm>
-            <a:off x="5791393" y="640080"/>
-            <a:ext cx="4699329" cy="5577840"/>
-          </a:xfrm>
-          <a:prstGeom prst="rect">
-            <a:avLst/>
-          </a:prstGeom>
-        </p:spPr>
-      </p:pic>
-      <p:sp>
-        <p:nvSpPr>
-          <p:cNvPr id="2" name="Title 1"/>
-          <p:cNvSpPr>
-            <a:spLocks noGrp="1"/>
-          </p:cNvSpPr>
-          <p:nvPr>
-            <p:ph type="title"/>
-          </p:nvPr>
-        </p:nvSpPr>
-        <p:spPr>
-          <a:xfrm>
-            <a:off x="492370" y="516835"/>
-            <a:ext cx="3084844" cy="2103875"/>
-          </a:xfrm>
-        </p:spPr>
-        <p:txBody>
-          <a:bodyPr>
-            <a:normAutofit/>
-          </a:bodyPr>
+            <a:r>
+              <a:rPr lang="en-US" dirty="0"/>
+              <a:t>What is polymorphism?</a:t>
+            </a:r>
+          </a:p>
+        </p:txBody>
+      </p:sp>
+      <p:sp>
+        <p:nvSpPr>
+          <p:cNvPr id="3" name="Content Placeholder 2"/>
+          <p:cNvSpPr>
+            <a:spLocks noGrp="1"/>
+          </p:cNvSpPr>
+          <p:nvPr>
+            <p:ph idx="1"/>
+          </p:nvPr>
+        </p:nvSpPr>
+        <p:spPr/>
+        <p:txBody>
+          <a:bodyPr/>
           <a:lstStyle/>
           <a:p>
             <a:r>
-              <a:rPr lang="en-US" sz="3600">
-                <a:solidFill>
-                  <a:srgbClr val="FFFFFF"/>
-                </a:solidFill>
-              </a:rPr>
-              <a:t>Overloading</a:t>
-            </a:r>
-          </a:p>
-        </p:txBody>
-      </p:sp>
-      <p:sp>
-        <p:nvSpPr>
-          <p:cNvPr id="3" name="Content Placeholder 2"/>
-          <p:cNvSpPr>
-            <a:spLocks noGrp="1"/>
-          </p:cNvSpPr>
-          <p:nvPr>
-            <p:ph idx="1"/>
-          </p:nvPr>
-        </p:nvSpPr>
-        <p:spPr>
-          <a:xfrm>
-            <a:off x="492371" y="2653800"/>
-            <a:ext cx="3084844" cy="3335519"/>
-          </a:xfrm>
-        </p:spPr>
-        <p:txBody>
-          <a:bodyPr>
-            <a:normAutofit/>
-          </a:bodyPr>
-          <a:lstStyle/>
-          <a:p>
-            <a:r>
-              <a:rPr lang="en-US" sz="1500" dirty="0" smtClean="0">
-                <a:solidFill>
-                  <a:srgbClr val="FFFFFF"/>
-                </a:solidFill>
-              </a:rPr>
-              <a:t>Overloading is </a:t>
-            </a:r>
-            <a:r>
-              <a:rPr lang="en-US" sz="1500" dirty="0">
-                <a:solidFill>
-                  <a:srgbClr val="FFFFFF"/>
-                </a:solidFill>
-              </a:rPr>
-              <a:t>when a class has a method with the same </a:t>
-            </a:r>
-            <a:r>
-              <a:rPr lang="en-US" sz="1500" dirty="0" smtClean="0">
-                <a:solidFill>
-                  <a:srgbClr val="FFFFFF"/>
-                </a:solidFill>
-              </a:rPr>
-              <a:t>signature and return type, but different parameters. It is common to see overloads calling other overloads with different parameters. </a:t>
-            </a:r>
-          </a:p>
-          <a:p>
-            <a:r>
-              <a:rPr lang="en-US" sz="1500" dirty="0" smtClean="0">
-                <a:solidFill>
-                  <a:srgbClr val="FFFFFF"/>
-                </a:solidFill>
-              </a:rPr>
-              <a:t>Here, we see how a Dog has two </a:t>
-            </a:r>
-            <a:r>
-              <a:rPr lang="en-US" sz="1500" i="1" dirty="0" err="1" smtClean="0">
-                <a:solidFill>
-                  <a:srgbClr val="FFFFFF"/>
-                </a:solidFill>
-              </a:rPr>
-              <a:t>DoTrick</a:t>
-            </a:r>
-            <a:r>
-              <a:rPr lang="en-US" sz="1500" dirty="0" smtClean="0">
-                <a:solidFill>
-                  <a:srgbClr val="FFFFFF"/>
-                </a:solidFill>
-              </a:rPr>
-              <a:t> overloads: one of them has no particular trick specified, while one of them allows you to specify which trick to have the dog perform.</a:t>
-            </a:r>
+              <a:rPr lang="en-US" dirty="0"/>
+              <a:t>Polymorphism is the concept of your classes using the same name to represent the same action occurring, but in different ways. This comes in two forms: overriding, and </a:t>
+            </a:r>
+            <a:r>
+              <a:rPr lang="en-US" dirty="0" smtClean="0"/>
+              <a:t>overloading</a:t>
+            </a:r>
+          </a:p>
+          <a:p>
+            <a:endParaRPr lang="en-US" dirty="0"/>
           </a:p>
         </p:txBody>
       </p:sp>
     </p:spTree>
     <p:extLst>
       <p:ext uri="{BB962C8B-B14F-4D97-AF65-F5344CB8AC3E}">
-        <p14:creationId xmlns:p14="http://schemas.microsoft.com/office/powerpoint/2010/main" val="4055466655"/>
+        <p14:creationId xmlns:p14="http://schemas.microsoft.com/office/powerpoint/2010/main" val="1666164392"/>
       </p:ext>
     </p:extLst>
   </p:cSld>
@@ -5609,8 +5995,8 @@
         </p:blipFill>
         <p:spPr>
           <a:xfrm>
-            <a:off x="4742017" y="1746474"/>
-            <a:ext cx="6798082" cy="3365051"/>
+            <a:off x="5791393" y="640080"/>
+            <a:ext cx="4699329" cy="5577840"/>
           </a:xfrm>
           <a:prstGeom prst="rect">
             <a:avLst/>
@@ -5645,7 +6031,7 @@
                   <a:srgbClr val="FFFFFF"/>
                 </a:solidFill>
               </a:rPr>
-              <a:t>Overriding</a:t>
+              <a:t>Overloading</a:t>
             </a:r>
           </a:p>
         </p:txBody>
@@ -5672,112 +6058,55 @@
           </a:bodyPr>
           <a:lstStyle/>
           <a:p>
-            <a:pPr>
-              <a:lnSpc>
-                <a:spcPct val="70000"/>
-              </a:lnSpc>
-            </a:pPr>
-            <a:r>
-              <a:rPr lang="en-US" sz="1300" dirty="0" smtClean="0">
+            <a:r>
+              <a:rPr lang="en-US" sz="1500" dirty="0" smtClean="0">
                 <a:solidFill>
                   <a:srgbClr val="FFFFFF"/>
                 </a:solidFill>
               </a:rPr>
-              <a:t>Overriding </a:t>
-            </a:r>
-            <a:r>
-              <a:rPr lang="en-US" sz="1300" dirty="0">
+              <a:t>Overloading is </a:t>
+            </a:r>
+            <a:r>
+              <a:rPr lang="en-US" sz="1500" dirty="0">
                 <a:solidFill>
                   <a:srgbClr val="FFFFFF"/>
                 </a:solidFill>
               </a:rPr>
-              <a:t>is when a child class makes a method that overrides a parent class's version of the same </a:t>
-            </a:r>
-            <a:r>
-              <a:rPr lang="en-US" sz="1300" dirty="0" smtClean="0">
+              <a:t>when a class has a method with the same </a:t>
+            </a:r>
+            <a:r>
+              <a:rPr lang="en-US" sz="1500" dirty="0" smtClean="0">
                 <a:solidFill>
                   <a:srgbClr val="FFFFFF"/>
                 </a:solidFill>
               </a:rPr>
-              <a:t>method. </a:t>
-            </a:r>
-          </a:p>
-          <a:p>
-            <a:pPr>
-              <a:lnSpc>
-                <a:spcPct val="70000"/>
-              </a:lnSpc>
-            </a:pPr>
-            <a:r>
-              <a:rPr lang="en-US" sz="1300" dirty="0" smtClean="0">
+              <a:t>signature and return type, but different parameters. It is common to see overloads calling other overloads with different parameters. </a:t>
+            </a:r>
+          </a:p>
+          <a:p>
+            <a:r>
+              <a:rPr lang="en-US" sz="1500" dirty="0" smtClean="0">
                 <a:solidFill>
                   <a:srgbClr val="FFFFFF"/>
                 </a:solidFill>
               </a:rPr>
-              <a:t>Even if we override a method on our child class, inside of our class we can actually still call our parent methods by using the </a:t>
-            </a:r>
-            <a:r>
-              <a:rPr lang="en-US" sz="1300" i="1" dirty="0" smtClean="0">
+              <a:t>Here, we see how a Dog has two </a:t>
+            </a:r>
+            <a:r>
+              <a:rPr lang="en-US" sz="1500" i="1" dirty="0" err="1" smtClean="0">
                 <a:solidFill>
                   <a:srgbClr val="FFFFFF"/>
                 </a:solidFill>
               </a:rPr>
-              <a:t>base</a:t>
-            </a:r>
-            <a:r>
-              <a:rPr lang="en-US" sz="1300" dirty="0" smtClean="0">
+              <a:t>DoTrick</a:t>
+            </a:r>
+            <a:r>
+              <a:rPr lang="en-US" sz="1500" dirty="0" smtClean="0">
                 <a:solidFill>
                   <a:srgbClr val="FFFFFF"/>
                 </a:solidFill>
               </a:rPr>
-              <a:t> reference. </a:t>
-            </a:r>
-          </a:p>
-          <a:p>
-            <a:pPr>
-              <a:lnSpc>
-                <a:spcPct val="70000"/>
-              </a:lnSpc>
-            </a:pPr>
-            <a:r>
-              <a:rPr lang="en-US" sz="1300" dirty="0" smtClean="0">
-                <a:solidFill>
-                  <a:srgbClr val="FFFFFF"/>
-                </a:solidFill>
-              </a:rPr>
-              <a:t>We see this in most of our animals. This demonstration can be found in </a:t>
-            </a:r>
-            <a:r>
-              <a:rPr lang="en-US" sz="1300" i="1" dirty="0" err="1" smtClean="0">
-                <a:solidFill>
-                  <a:srgbClr val="FFFFFF"/>
-                </a:solidFill>
-              </a:rPr>
-              <a:t>Parrot.cs</a:t>
-            </a:r>
-            <a:r>
-              <a:rPr lang="en-US" sz="1300" dirty="0" smtClean="0">
-                <a:solidFill>
-                  <a:srgbClr val="FFFFFF"/>
-                </a:solidFill>
-              </a:rPr>
-              <a:t>, where the Parrot will only eat if it’s their </a:t>
-            </a:r>
-            <a:r>
-              <a:rPr lang="en-US" sz="1300" dirty="0" err="1" smtClean="0">
-                <a:solidFill>
-                  <a:srgbClr val="FFFFFF"/>
-                </a:solidFill>
-              </a:rPr>
-              <a:t>prefered</a:t>
-            </a:r>
-            <a:r>
-              <a:rPr lang="en-US" sz="1300" dirty="0" smtClean="0">
-                <a:solidFill>
-                  <a:srgbClr val="FFFFFF"/>
-                </a:solidFill>
-              </a:rPr>
-              <a:t> food.</a:t>
+              <a:t> overloads: one of them has no particular trick specified, while one of them allows you to specify which trick to have the dog perform.</a:t>
             </a:r>
           </a:p>
         </p:txBody>
@@ -5785,7 +6114,7 @@
     </p:spTree>
     <p:extLst>
       <p:ext uri="{BB962C8B-B14F-4D97-AF65-F5344CB8AC3E}">
-        <p14:creationId xmlns:p14="http://schemas.microsoft.com/office/powerpoint/2010/main" val="3989909902"/>
+        <p14:creationId xmlns:p14="http://schemas.microsoft.com/office/powerpoint/2010/main" val="4055466655"/>
       </p:ext>
     </p:extLst>
   </p:cSld>
@@ -5812,6 +6141,374 @@
           <a:chExt cx="0" cy="0"/>
         </a:xfrm>
       </p:grpSpPr>
+      <p:sp useBgFill="1">
+        <p:nvSpPr>
+          <p:cNvPr id="8" name="Rectangle 7"/>
+          <p:cNvSpPr>
+            <a:spLocks noGrp="1" noRot="1" noChangeAspect="1" noMove="1" noResize="1" noEditPoints="1" noAdjustHandles="1" noChangeArrowheads="1" noChangeShapeType="1" noTextEdit="1"/>
+          </p:cNvSpPr>
+          <p:nvPr>
+            <p:extLst>
+              <p:ext uri="{386F3935-93C4-4BCD-93E2-E3B085C9AB24}">
+                <p16:designElem xmlns:p16="http://schemas.microsoft.com/office/powerpoint/2015/main" val="1"/>
+              </p:ext>
+            </p:extLst>
+          </p:nvPr>
+        </p:nvSpPr>
+        <p:spPr>
+          <a:xfrm>
+            <a:off x="0" y="0"/>
+            <a:ext cx="12186315" cy="6858000"/>
+          </a:xfrm>
+          <a:prstGeom prst="rect">
+            <a:avLst/>
+          </a:prstGeom>
+          <a:ln>
+            <a:noFill/>
+          </a:ln>
+        </p:spPr>
+        <p:style>
+          <a:lnRef idx="2">
+            <a:schemeClr val="accent6">
+              <a:shade val="50000"/>
+            </a:schemeClr>
+          </a:lnRef>
+          <a:fillRef idx="1001">
+            <a:schemeClr val="lt1"/>
+          </a:fillRef>
+          <a:effectRef idx="0">
+            <a:schemeClr val="accent6"/>
+          </a:effectRef>
+          <a:fontRef idx="minor">
+            <a:schemeClr val="lt1"/>
+          </a:fontRef>
+        </p:style>
+        <p:txBody>
+          <a:bodyPr rtlCol="0" anchor="ctr"/>
+          <a:lstStyle/>
+          <a:p>
+            <a:pPr algn="ctr"/>
+            <a:endParaRPr lang="en-US"/>
+          </a:p>
+        </p:txBody>
+      </p:sp>
+      <p:sp>
+        <p:nvSpPr>
+          <p:cNvPr id="10" name="Rectangle 9"/>
+          <p:cNvSpPr>
+            <a:spLocks noGrp="1" noRot="1" noChangeAspect="1" noMove="1" noResize="1" noEditPoints="1" noAdjustHandles="1" noChangeArrowheads="1" noChangeShapeType="1" noTextEdit="1"/>
+          </p:cNvSpPr>
+          <p:nvPr>
+            <p:extLst>
+              <p:ext uri="{386F3935-93C4-4BCD-93E2-E3B085C9AB24}">
+                <p16:designElem xmlns:p16="http://schemas.microsoft.com/office/powerpoint/2015/main" val="1"/>
+              </p:ext>
+            </p:extLst>
+          </p:nvPr>
+        </p:nvSpPr>
+        <p:spPr>
+          <a:xfrm>
+            <a:off x="16" y="0"/>
+            <a:ext cx="4050791" cy="6858000"/>
+          </a:xfrm>
+          <a:prstGeom prst="rect">
+            <a:avLst/>
+          </a:prstGeom>
+          <a:solidFill>
+            <a:schemeClr val="accent2"/>
+          </a:solidFill>
+          <a:ln>
+            <a:noFill/>
+          </a:ln>
+        </p:spPr>
+        <p:style>
+          <a:lnRef idx="2">
+            <a:schemeClr val="accent1">
+              <a:shade val="50000"/>
+            </a:schemeClr>
+          </a:lnRef>
+          <a:fillRef idx="1">
+            <a:schemeClr val="accent1"/>
+          </a:fillRef>
+          <a:effectRef idx="0">
+            <a:schemeClr val="accent1"/>
+          </a:effectRef>
+          <a:fontRef idx="minor">
+            <a:schemeClr val="lt1"/>
+          </a:fontRef>
+        </p:style>
+      </p:sp>
+      <p:sp>
+        <p:nvSpPr>
+          <p:cNvPr id="12" name="Rectangle 11"/>
+          <p:cNvSpPr>
+            <a:spLocks noGrp="1" noRot="1" noChangeAspect="1" noMove="1" noResize="1" noEditPoints="1" noAdjustHandles="1" noChangeArrowheads="1" noChangeShapeType="1" noTextEdit="1"/>
+          </p:cNvSpPr>
+          <p:nvPr>
+            <p:extLst>
+              <p:ext uri="{386F3935-93C4-4BCD-93E2-E3B085C9AB24}">
+                <p16:designElem xmlns:p16="http://schemas.microsoft.com/office/powerpoint/2015/main" val="1"/>
+              </p:ext>
+            </p:extLst>
+          </p:nvPr>
+        </p:nvSpPr>
+        <p:spPr>
+          <a:xfrm>
+            <a:off x="4040071" y="0"/>
+            <a:ext cx="64008" cy="6858000"/>
+          </a:xfrm>
+          <a:prstGeom prst="rect">
+            <a:avLst/>
+          </a:prstGeom>
+          <a:solidFill>
+            <a:schemeClr val="accent1"/>
+          </a:solidFill>
+          <a:ln>
+            <a:noFill/>
+          </a:ln>
+        </p:spPr>
+        <p:style>
+          <a:lnRef idx="2">
+            <a:schemeClr val="accent1">
+              <a:shade val="50000"/>
+            </a:schemeClr>
+          </a:lnRef>
+          <a:fillRef idx="1">
+            <a:schemeClr val="accent1"/>
+          </a:fillRef>
+          <a:effectRef idx="0">
+            <a:schemeClr val="accent1"/>
+          </a:effectRef>
+          <a:fontRef idx="minor">
+            <a:schemeClr val="lt1"/>
+          </a:fontRef>
+        </p:style>
+      </p:sp>
+      <p:pic>
+        <p:nvPicPr>
+          <p:cNvPr id="4" name="Picture 3"/>
+          <p:cNvPicPr>
+            <a:picLocks noChangeAspect="1"/>
+          </p:cNvPicPr>
+          <p:nvPr/>
+        </p:nvPicPr>
+        <p:blipFill>
+          <a:blip r:embed="rId2">
+            <a:extLst>
+              <a:ext uri="{28A0092B-C50C-407E-A947-70E740481C1C}">
+                <a14:useLocalDpi xmlns:a14="http://schemas.microsoft.com/office/drawing/2010/main" val="0"/>
+              </a:ext>
+            </a:extLst>
+          </a:blip>
+          <a:stretch>
+            <a:fillRect/>
+          </a:stretch>
+        </p:blipFill>
+        <p:spPr>
+          <a:xfrm>
+            <a:off x="4742017" y="1746474"/>
+            <a:ext cx="6798082" cy="3365051"/>
+          </a:xfrm>
+          <a:prstGeom prst="rect">
+            <a:avLst/>
+          </a:prstGeom>
+        </p:spPr>
+      </p:pic>
+      <p:sp>
+        <p:nvSpPr>
+          <p:cNvPr id="2" name="Title 1"/>
+          <p:cNvSpPr>
+            <a:spLocks noGrp="1"/>
+          </p:cNvSpPr>
+          <p:nvPr>
+            <p:ph type="title"/>
+          </p:nvPr>
+        </p:nvSpPr>
+        <p:spPr>
+          <a:xfrm>
+            <a:off x="492370" y="516835"/>
+            <a:ext cx="3084844" cy="2103875"/>
+          </a:xfrm>
+        </p:spPr>
+        <p:txBody>
+          <a:bodyPr>
+            <a:normAutofit/>
+          </a:bodyPr>
+          <a:lstStyle/>
+          <a:p>
+            <a:r>
+              <a:rPr lang="en-US" sz="3600">
+                <a:solidFill>
+                  <a:srgbClr val="FFFFFF"/>
+                </a:solidFill>
+              </a:rPr>
+              <a:t>Overriding</a:t>
+            </a:r>
+          </a:p>
+        </p:txBody>
+      </p:sp>
+      <p:sp>
+        <p:nvSpPr>
+          <p:cNvPr id="3" name="Content Placeholder 2"/>
+          <p:cNvSpPr>
+            <a:spLocks noGrp="1"/>
+          </p:cNvSpPr>
+          <p:nvPr>
+            <p:ph idx="1"/>
+          </p:nvPr>
+        </p:nvSpPr>
+        <p:spPr>
+          <a:xfrm>
+            <a:off x="492371" y="2653800"/>
+            <a:ext cx="3084844" cy="3335519"/>
+          </a:xfrm>
+        </p:spPr>
+        <p:txBody>
+          <a:bodyPr>
+            <a:normAutofit/>
+          </a:bodyPr>
+          <a:lstStyle/>
+          <a:p>
+            <a:pPr>
+              <a:lnSpc>
+                <a:spcPct val="70000"/>
+              </a:lnSpc>
+            </a:pPr>
+            <a:r>
+              <a:rPr lang="en-US" sz="1300" dirty="0" smtClean="0">
+                <a:solidFill>
+                  <a:srgbClr val="FFFFFF"/>
+                </a:solidFill>
+              </a:rPr>
+              <a:t>Overriding </a:t>
+            </a:r>
+            <a:r>
+              <a:rPr lang="en-US" sz="1300" dirty="0">
+                <a:solidFill>
+                  <a:srgbClr val="FFFFFF"/>
+                </a:solidFill>
+              </a:rPr>
+              <a:t>is when a child class makes a method that overrides a parent class's version of the same </a:t>
+            </a:r>
+            <a:r>
+              <a:rPr lang="en-US" sz="1300" dirty="0" smtClean="0">
+                <a:solidFill>
+                  <a:srgbClr val="FFFFFF"/>
+                </a:solidFill>
+              </a:rPr>
+              <a:t>method. </a:t>
+            </a:r>
+          </a:p>
+          <a:p>
+            <a:pPr>
+              <a:lnSpc>
+                <a:spcPct val="70000"/>
+              </a:lnSpc>
+            </a:pPr>
+            <a:r>
+              <a:rPr lang="en-US" sz="1300" dirty="0" smtClean="0">
+                <a:solidFill>
+                  <a:srgbClr val="FFFFFF"/>
+                </a:solidFill>
+              </a:rPr>
+              <a:t>Even if we override a method on our child class, inside of our class we can actually still call our parent methods by using the </a:t>
+            </a:r>
+            <a:r>
+              <a:rPr lang="en-US" sz="1300" i="1" dirty="0" smtClean="0">
+                <a:solidFill>
+                  <a:srgbClr val="FFFFFF"/>
+                </a:solidFill>
+              </a:rPr>
+              <a:t>base</a:t>
+            </a:r>
+            <a:r>
+              <a:rPr lang="en-US" sz="1300" dirty="0" smtClean="0">
+                <a:solidFill>
+                  <a:srgbClr val="FFFFFF"/>
+                </a:solidFill>
+              </a:rPr>
+              <a:t> reference. </a:t>
+            </a:r>
+          </a:p>
+          <a:p>
+            <a:pPr>
+              <a:lnSpc>
+                <a:spcPct val="70000"/>
+              </a:lnSpc>
+            </a:pPr>
+            <a:r>
+              <a:rPr lang="en-US" sz="1300" dirty="0" smtClean="0">
+                <a:solidFill>
+                  <a:srgbClr val="FFFFFF"/>
+                </a:solidFill>
+              </a:rPr>
+              <a:t>We see this in most of our animals. This demonstration can be found in </a:t>
+            </a:r>
+            <a:r>
+              <a:rPr lang="en-US" sz="1300" i="1" dirty="0" err="1" smtClean="0">
+                <a:solidFill>
+                  <a:srgbClr val="FFFFFF"/>
+                </a:solidFill>
+              </a:rPr>
+              <a:t>Parrot.cs</a:t>
+            </a:r>
+            <a:r>
+              <a:rPr lang="en-US" sz="1300" dirty="0" smtClean="0">
+                <a:solidFill>
+                  <a:srgbClr val="FFFFFF"/>
+                </a:solidFill>
+              </a:rPr>
+              <a:t>, where the Parrot will only eat if it’s their </a:t>
+            </a:r>
+            <a:r>
+              <a:rPr lang="en-US" sz="1300" dirty="0" err="1" smtClean="0">
+                <a:solidFill>
+                  <a:srgbClr val="FFFFFF"/>
+                </a:solidFill>
+              </a:rPr>
+              <a:t>prefered</a:t>
+            </a:r>
+            <a:r>
+              <a:rPr lang="en-US" sz="1300" dirty="0" smtClean="0">
+                <a:solidFill>
+                  <a:srgbClr val="FFFFFF"/>
+                </a:solidFill>
+              </a:rPr>
+              <a:t> food.</a:t>
+            </a:r>
+          </a:p>
+        </p:txBody>
+      </p:sp>
+    </p:spTree>
+    <p:extLst>
+      <p:ext uri="{BB962C8B-B14F-4D97-AF65-F5344CB8AC3E}">
+        <p14:creationId xmlns:p14="http://schemas.microsoft.com/office/powerpoint/2010/main" val="3989909902"/>
+      </p:ext>
+    </p:extLst>
+  </p:cSld>
+  <p:clrMapOvr>
+    <a:masterClrMapping/>
+  </p:clrMapOvr>
+</p:sld>
+</file>
+
+<file path=ppt/slides/slide18.xml><?xml version="1.0" encoding="utf-8"?>
+<p:sld xmlns:a="http://schemas.openxmlformats.org/drawingml/2006/main" xmlns:r="http://schemas.openxmlformats.org/officeDocument/2006/relationships" xmlns:p="http://schemas.openxmlformats.org/presentationml/2006/main">
+  <p:cSld>
+    <p:spTree>
+      <p:nvGrpSpPr>
+        <p:cNvPr id="1" name=""/>
+        <p:cNvGrpSpPr/>
+        <p:nvPr/>
+      </p:nvGrpSpPr>
+      <p:grpSpPr>
+        <a:xfrm>
+          <a:off x="0" y="0"/>
+          <a:ext cx="0" cy="0"/>
+          <a:chOff x="0" y="0"/>
+          <a:chExt cx="0" cy="0"/>
+        </a:xfrm>
+      </p:grpSpPr>
       <p:sp>
         <p:nvSpPr>
           <p:cNvPr id="2" name="Title 1"/>
@@ -5876,7 +6573,7 @@
 </p:sld>
 </file>
 
-<file path=ppt/slides/slide18.xml><?xml version="1.0" encoding="utf-8"?>
+<file path=ppt/slides/slide19.xml><?xml version="1.0" encoding="utf-8"?>
 <p:sld xmlns:a="http://schemas.openxmlformats.org/drawingml/2006/main" xmlns:r="http://schemas.openxmlformats.org/officeDocument/2006/relationships" xmlns:p="http://schemas.openxmlformats.org/presentationml/2006/main">
   <p:cSld>
     <p:spTree>
@@ -6217,7 +6914,6 @@
               <a:rPr lang="en-US" dirty="0" smtClean="0"/>
               <a:t>and how it interacts with itself, and other objects.</a:t>
             </a:r>
-            <a:endParaRPr lang="en-US" dirty="0" smtClean="0"/>
           </a:p>
           <a:p>
             <a:r>
@@ -6377,7 +7073,6 @@
               <a:rPr lang="en-US" dirty="0" smtClean="0"/>
               <a:t>: hiding internal logic that the outside world does not care about</a:t>
             </a:r>
-            <a:endParaRPr lang="en-US" dirty="0" smtClean="0"/>
           </a:p>
           <a:p>
             <a:r>
@@ -6388,7 +7083,6 @@
               <a:rPr lang="en-US" dirty="0" smtClean="0"/>
               <a:t>: objects can be based off other objects</a:t>
             </a:r>
-            <a:endParaRPr lang="en-US" dirty="0" smtClean="0"/>
           </a:p>
           <a:p>
             <a:r>
@@ -6823,11 +7517,6 @@
               </a:rPr>
               <a:t> in order to see how we’d define an interface for our animal.</a:t>
             </a:r>
-            <a:endParaRPr lang="en-US" sz="1800" dirty="0" smtClean="0">
-              <a:solidFill>
-                <a:srgbClr val="FFFFFF"/>
-              </a:solidFill>
-            </a:endParaRPr>
           </a:p>
           <a:p>
             <a:endParaRPr lang="en-US" sz="1800" dirty="0">
@@ -7084,13 +7773,8 @@
             </a:r>
             <a:r>
               <a:rPr lang="en-US" dirty="0" smtClean="0"/>
-              <a:t>method for an abstraction of that!</a:t>
-            </a:r>
-            <a:r>
-              <a:rPr lang="en-US" dirty="0" smtClean="0"/>
-              <a:t>)</a:t>
-            </a:r>
-            <a:endParaRPr lang="en-US" dirty="0" smtClean="0"/>
+              <a:t>method for an abstraction of that!)</a:t>
+            </a:r>
           </a:p>
           <a:p>
             <a:r>
@@ -7824,15 +8508,7 @@
                   <a:srgbClr val="FFFFFF"/>
                 </a:solidFill>
               </a:rPr>
-              <a:t>As such, it must implement all methods and all properties from all thos</a:t>
-            </a:r>
-            <a:r>
-              <a:rPr lang="en-US" sz="1500" dirty="0" smtClean="0">
-                <a:solidFill>
-                  <a:srgbClr val="FFFFFF"/>
-                </a:solidFill>
-              </a:rPr>
-              <a:t>e interfaces.</a:t>
+              <a:t>As such, it must implement all methods and all properties from all those interfaces.</a:t>
             </a:r>
             <a:endParaRPr lang="en-US" sz="1500" dirty="0">
               <a:solidFill>

--- a/presentation.pptx
+++ b/presentation.pptx
@@ -4820,6 +4820,27 @@
               </a:rPr>
               <a:t>We often pass data about the instance of that class into the constructor, so that we can setup </a:t>
             </a:r>
+            <a:r>
+              <a:rPr lang="en-US" sz="1500" dirty="0" smtClean="0">
+                <a:solidFill>
+                  <a:srgbClr val="FFFFFF"/>
+                </a:solidFill>
+              </a:rPr>
+              <a:t>that instance </a:t>
+            </a:r>
+            <a:r>
+              <a:rPr lang="en-US" sz="1500" smtClean="0">
+                <a:solidFill>
+                  <a:srgbClr val="FFFFFF"/>
+                </a:solidFill>
+              </a:rPr>
+              <a:t>with relevant data.</a:t>
+            </a:r>
+            <a:endParaRPr lang="en-US" sz="1500" dirty="0" smtClean="0">
+              <a:solidFill>
+                <a:srgbClr val="FFFFFF"/>
+              </a:solidFill>
+            </a:endParaRPr>
           </a:p>
           <a:p>
             <a:r>

--- a/presentation.pptx
+++ b/presentation.pptx
@@ -4826,15 +4826,7 @@
                   <a:srgbClr val="FFFFFF"/>
                 </a:solidFill>
               </a:rPr>
-              <a:t>that instance </a:t>
-            </a:r>
-            <a:r>
-              <a:rPr lang="en-US" sz="1500" smtClean="0">
-                <a:solidFill>
-                  <a:srgbClr val="FFFFFF"/>
-                </a:solidFill>
-              </a:rPr>
-              <a:t>with relevant data.</a:t>
+              <a:t>that instance with relevant data.</a:t>
             </a:r>
             <a:endParaRPr lang="en-US" sz="1500" dirty="0" smtClean="0">
               <a:solidFill>

--- a/presentation.pptx
+++ b/presentation.pptx
@@ -215,7 +215,7 @@
           <a:p>
             <a:fld id="{CDDA71D8-D820-6148-A8C3-6AB93A88404E}" type="datetimeFigureOut">
               <a:rPr lang="en-US" smtClean="0"/>
-              <a:t>2/24/17</a:t>
+              <a:t>3/1/17</a:t>
             </a:fld>
             <a:endParaRPr lang="en-US"/>
           </a:p>
@@ -483,6 +483,282 @@
 </p:notesMaster>
 </file>
 
+<file path=ppt/notesSlides/notesSlide1.xml><?xml version="1.0" encoding="utf-8"?>
+<p:notes xmlns:a="http://schemas.openxmlformats.org/drawingml/2006/main" xmlns:r="http://schemas.openxmlformats.org/officeDocument/2006/relationships" xmlns:p="http://schemas.openxmlformats.org/presentationml/2006/main">
+  <p:cSld>
+    <p:spTree>
+      <p:nvGrpSpPr>
+        <p:cNvPr id="1" name=""/>
+        <p:cNvGrpSpPr/>
+        <p:nvPr/>
+      </p:nvGrpSpPr>
+      <p:grpSpPr>
+        <a:xfrm>
+          <a:off x="0" y="0"/>
+          <a:ext cx="0" cy="0"/>
+          <a:chOff x="0" y="0"/>
+          <a:chExt cx="0" cy="0"/>
+        </a:xfrm>
+      </p:grpSpPr>
+      <p:sp>
+        <p:nvSpPr>
+          <p:cNvPr id="2" name="Slide Image Placeholder 1"/>
+          <p:cNvSpPr>
+            <a:spLocks noGrp="1" noRot="1" noChangeAspect="1"/>
+          </p:cNvSpPr>
+          <p:nvPr>
+            <p:ph type="sldImg"/>
+          </p:nvPr>
+        </p:nvSpPr>
+        <p:spPr/>
+      </p:sp>
+      <p:sp>
+        <p:nvSpPr>
+          <p:cNvPr id="3" name="Notes Placeholder 2"/>
+          <p:cNvSpPr>
+            <a:spLocks noGrp="1"/>
+          </p:cNvSpPr>
+          <p:nvPr>
+            <p:ph type="body" idx="1"/>
+          </p:nvPr>
+        </p:nvSpPr>
+        <p:spPr/>
+        <p:txBody>
+          <a:bodyPr/>
+          <a:lstStyle/>
+          <a:p>
+            <a:r>
+              <a:rPr lang="en-US" dirty="0" smtClean="0"/>
+              <a:t>Hey everyone, I'd like to welcome you to today's</a:t>
+            </a:r>
+            <a:r>
+              <a:rPr lang="en-US" baseline="0" dirty="0" smtClean="0"/>
+              <a:t> Lunch and Learn. Today we're going to be covering a concept called Object Oriented Programming, which is one of the first and most common coding patterns that you'll encounter in your day-to-day routine.</a:t>
+            </a:r>
+            <a:endParaRPr lang="en-US" dirty="0"/>
+          </a:p>
+        </p:txBody>
+      </p:sp>
+      <p:sp>
+        <p:nvSpPr>
+          <p:cNvPr id="4" name="Slide Number Placeholder 3"/>
+          <p:cNvSpPr>
+            <a:spLocks noGrp="1"/>
+          </p:cNvSpPr>
+          <p:nvPr>
+            <p:ph type="sldNum" sz="quarter" idx="10"/>
+          </p:nvPr>
+        </p:nvSpPr>
+        <p:spPr/>
+        <p:txBody>
+          <a:bodyPr/>
+          <a:lstStyle/>
+          <a:p>
+            <a:fld id="{68730D83-1156-A042-8EF2-668C780FFFA2}" type="slidenum">
+              <a:rPr lang="en-US" smtClean="0"/>
+              <a:t>1</a:t>
+            </a:fld>
+            <a:endParaRPr lang="en-US"/>
+          </a:p>
+        </p:txBody>
+      </p:sp>
+    </p:spTree>
+    <p:extLst>
+      <p:ext uri="{BB962C8B-B14F-4D97-AF65-F5344CB8AC3E}">
+        <p14:creationId xmlns:p14="http://schemas.microsoft.com/office/powerpoint/2010/main" val="2012264143"/>
+      </p:ext>
+    </p:extLst>
+  </p:cSld>
+  <p:clrMapOvr>
+    <a:masterClrMapping/>
+  </p:clrMapOvr>
+</p:notes>
+</file>
+
+<file path=ppt/notesSlides/notesSlide2.xml><?xml version="1.0" encoding="utf-8"?>
+<p:notes xmlns:a="http://schemas.openxmlformats.org/drawingml/2006/main" xmlns:r="http://schemas.openxmlformats.org/officeDocument/2006/relationships" xmlns:p="http://schemas.openxmlformats.org/presentationml/2006/main">
+  <p:cSld>
+    <p:spTree>
+      <p:nvGrpSpPr>
+        <p:cNvPr id="1" name=""/>
+        <p:cNvGrpSpPr/>
+        <p:nvPr/>
+      </p:nvGrpSpPr>
+      <p:grpSpPr>
+        <a:xfrm>
+          <a:off x="0" y="0"/>
+          <a:ext cx="0" cy="0"/>
+          <a:chOff x="0" y="0"/>
+          <a:chExt cx="0" cy="0"/>
+        </a:xfrm>
+      </p:grpSpPr>
+      <p:sp>
+        <p:nvSpPr>
+          <p:cNvPr id="2" name="Slide Image Placeholder 1"/>
+          <p:cNvSpPr>
+            <a:spLocks noGrp="1" noRot="1" noChangeAspect="1"/>
+          </p:cNvSpPr>
+          <p:nvPr>
+            <p:ph type="sldImg"/>
+          </p:nvPr>
+        </p:nvSpPr>
+        <p:spPr/>
+      </p:sp>
+      <p:sp>
+        <p:nvSpPr>
+          <p:cNvPr id="3" name="Notes Placeholder 2"/>
+          <p:cNvSpPr>
+            <a:spLocks noGrp="1"/>
+          </p:cNvSpPr>
+          <p:nvPr>
+            <p:ph type="body" idx="1"/>
+          </p:nvPr>
+        </p:nvSpPr>
+        <p:spPr/>
+        <p:txBody>
+          <a:bodyPr/>
+          <a:lstStyle/>
+          <a:p>
+            <a:r>
+              <a:rPr lang="en-US" dirty="0" smtClean="0"/>
+              <a:t>There's a great deal to Object Oriented</a:t>
+            </a:r>
+            <a:r>
+              <a:rPr lang="en-US" baseline="0" dirty="0" smtClean="0"/>
+              <a:t> Programming, generally split into 4 major tenets that we'll see momentarily. Today, we're going to focus on the most basic concepts of OOP: Abstraction and Encapsulation.</a:t>
+            </a:r>
+          </a:p>
+          <a:p>
+            <a:endParaRPr lang="en-US" baseline="0" dirty="0" smtClean="0"/>
+          </a:p>
+          <a:p>
+            <a:r>
+              <a:rPr lang="en-US" baseline="0" dirty="0" smtClean="0"/>
+              <a:t>Everything we do today falls under the umbrella of conveying intent with our programming. So with every line of code you read, think in terms of "what is the intent of that?". When you go to write code, think in terms of: "what is the intent of my current function?" </a:t>
+            </a:r>
+          </a:p>
+        </p:txBody>
+      </p:sp>
+      <p:sp>
+        <p:nvSpPr>
+          <p:cNvPr id="4" name="Slide Number Placeholder 3"/>
+          <p:cNvSpPr>
+            <a:spLocks noGrp="1"/>
+          </p:cNvSpPr>
+          <p:nvPr>
+            <p:ph type="sldNum" sz="quarter" idx="10"/>
+          </p:nvPr>
+        </p:nvSpPr>
+        <p:spPr/>
+        <p:txBody>
+          <a:bodyPr/>
+          <a:lstStyle/>
+          <a:p>
+            <a:fld id="{68730D83-1156-A042-8EF2-668C780FFFA2}" type="slidenum">
+              <a:rPr lang="en-US" smtClean="0"/>
+              <a:t>2</a:t>
+            </a:fld>
+            <a:endParaRPr lang="en-US"/>
+          </a:p>
+        </p:txBody>
+      </p:sp>
+    </p:spTree>
+    <p:extLst>
+      <p:ext uri="{BB962C8B-B14F-4D97-AF65-F5344CB8AC3E}">
+        <p14:creationId xmlns:p14="http://schemas.microsoft.com/office/powerpoint/2010/main" val="1253780034"/>
+      </p:ext>
+    </p:extLst>
+  </p:cSld>
+  <p:clrMapOvr>
+    <a:masterClrMapping/>
+  </p:clrMapOvr>
+</p:notes>
+</file>
+
+<file path=ppt/notesSlides/notesSlide3.xml><?xml version="1.0" encoding="utf-8"?>
+<p:notes xmlns:a="http://schemas.openxmlformats.org/drawingml/2006/main" xmlns:r="http://schemas.openxmlformats.org/officeDocument/2006/relationships" xmlns:p="http://schemas.openxmlformats.org/presentationml/2006/main">
+  <p:cSld>
+    <p:spTree>
+      <p:nvGrpSpPr>
+        <p:cNvPr id="1" name=""/>
+        <p:cNvGrpSpPr/>
+        <p:nvPr/>
+      </p:nvGrpSpPr>
+      <p:grpSpPr>
+        <a:xfrm>
+          <a:off x="0" y="0"/>
+          <a:ext cx="0" cy="0"/>
+          <a:chOff x="0" y="0"/>
+          <a:chExt cx="0" cy="0"/>
+        </a:xfrm>
+      </p:grpSpPr>
+      <p:sp>
+        <p:nvSpPr>
+          <p:cNvPr id="2" name="Slide Image Placeholder 1"/>
+          <p:cNvSpPr>
+            <a:spLocks noGrp="1" noRot="1" noChangeAspect="1"/>
+          </p:cNvSpPr>
+          <p:nvPr>
+            <p:ph type="sldImg"/>
+          </p:nvPr>
+        </p:nvSpPr>
+        <p:spPr/>
+      </p:sp>
+      <p:sp>
+        <p:nvSpPr>
+          <p:cNvPr id="3" name="Notes Placeholder 2"/>
+          <p:cNvSpPr>
+            <a:spLocks noGrp="1"/>
+          </p:cNvSpPr>
+          <p:nvPr>
+            <p:ph type="body" idx="1"/>
+          </p:nvPr>
+        </p:nvSpPr>
+        <p:spPr/>
+        <p:txBody>
+          <a:bodyPr/>
+          <a:lstStyle/>
+          <a:p>
+            <a:endParaRPr lang="en-US" dirty="0"/>
+          </a:p>
+        </p:txBody>
+      </p:sp>
+      <p:sp>
+        <p:nvSpPr>
+          <p:cNvPr id="4" name="Slide Number Placeholder 3"/>
+          <p:cNvSpPr>
+            <a:spLocks noGrp="1"/>
+          </p:cNvSpPr>
+          <p:nvPr>
+            <p:ph type="sldNum" sz="quarter" idx="10"/>
+          </p:nvPr>
+        </p:nvSpPr>
+        <p:spPr/>
+        <p:txBody>
+          <a:bodyPr/>
+          <a:lstStyle/>
+          <a:p>
+            <a:fld id="{68730D83-1156-A042-8EF2-668C780FFFA2}" type="slidenum">
+              <a:rPr lang="en-US" smtClean="0"/>
+              <a:t>3</a:t>
+            </a:fld>
+            <a:endParaRPr lang="en-US"/>
+          </a:p>
+        </p:txBody>
+      </p:sp>
+    </p:spTree>
+    <p:extLst>
+      <p:ext uri="{BB962C8B-B14F-4D97-AF65-F5344CB8AC3E}">
+        <p14:creationId xmlns:p14="http://schemas.microsoft.com/office/powerpoint/2010/main" val="1899561180"/>
+      </p:ext>
+    </p:extLst>
+  </p:cSld>
+  <p:clrMapOvr>
+    <a:masterClrMapping/>
+  </p:clrMapOvr>
+</p:notes>
+</file>
+
 <file path=ppt/slideLayouts/slideLayout1.xml><?xml version="1.0" encoding="utf-8"?>
 <p:sldLayout xmlns:a="http://schemas.openxmlformats.org/drawingml/2006/main" xmlns:r="http://schemas.openxmlformats.org/officeDocument/2006/relationships" xmlns:p="http://schemas.openxmlformats.org/presentationml/2006/main" showMasterSp="0" type="title" preserve="1">
   <p:cSld name="Title Slide">
@@ -709,7 +985,7 @@
           <a:p>
             <a:fld id="{4BDF68E2-58F2-4D09-BE8B-E3BD06533059}" type="datetimeFigureOut">
               <a:rPr lang="en-US" dirty="0"/>
-              <a:t>2/24/17</a:t>
+              <a:t>3/1/17</a:t>
             </a:fld>
             <a:endParaRPr lang="en-US" dirty="0"/>
           </a:p>
@@ -912,7 +1188,7 @@
           <a:p>
             <a:fld id="{2E2D6473-DF6D-4702-B328-E0DD40540A4E}" type="datetimeFigureOut">
               <a:rPr lang="en-US" dirty="0"/>
-              <a:t>2/24/17</a:t>
+              <a:t>3/1/17</a:t>
             </a:fld>
             <a:endParaRPr lang="en-US" dirty="0"/>
           </a:p>
@@ -1163,7 +1439,7 @@
           <a:p>
             <a:fld id="{E26F7E3A-B166-407D-9866-32884E7D5B37}" type="datetimeFigureOut">
               <a:rPr lang="en-US" dirty="0"/>
-              <a:t>2/24/17</a:t>
+              <a:t>3/1/17</a:t>
             </a:fld>
             <a:endParaRPr lang="en-US" dirty="0"/>
           </a:p>
@@ -1332,7 +1608,7 @@
           <a:p>
             <a:fld id="{528FC5F6-F338-4AE4-BB23-26385BCFC423}" type="datetimeFigureOut">
               <a:rPr lang="en-US" dirty="0"/>
-              <a:t>2/24/17</a:t>
+              <a:t>3/1/17</a:t>
             </a:fld>
             <a:endParaRPr lang="en-US" dirty="0"/>
           </a:p>
@@ -1670,7 +1946,7 @@
           <a:p>
             <a:fld id="{20EBB0C4-6273-4C6E-B9BD-2EDC30F1CD52}" type="datetimeFigureOut">
               <a:rPr lang="en-US" dirty="0"/>
-              <a:t>2/24/17</a:t>
+              <a:t>3/1/17</a:t>
             </a:fld>
             <a:endParaRPr lang="en-US" dirty="0"/>
           </a:p>
@@ -1940,7 +2216,7 @@
           <a:p>
             <a:fld id="{19AB4D41-86C1-4908-B66A-0B50CEB3BF29}" type="datetimeFigureOut">
               <a:rPr lang="en-US" dirty="0"/>
-              <a:t>2/24/17</a:t>
+              <a:t>3/1/17</a:t>
             </a:fld>
             <a:endParaRPr lang="en-US" dirty="0"/>
           </a:p>
@@ -2314,7 +2590,7 @@
           <a:p>
             <a:fld id="{E6426E2C-56C1-4E0D-A793-0088A7FDD37E}" type="datetimeFigureOut">
               <a:rPr lang="en-US" dirty="0"/>
-              <a:t>2/24/17</a:t>
+              <a:t>3/1/17</a:t>
             </a:fld>
             <a:endParaRPr lang="en-US" dirty="0"/>
           </a:p>
@@ -2427,7 +2703,7 @@
           <a:p>
             <a:fld id="{C8C39B41-D8B5-4052-B551-9B5525EAA8B6}" type="datetimeFigureOut">
               <a:rPr lang="en-US" dirty="0"/>
-              <a:t>2/24/17</a:t>
+              <a:t>3/1/17</a:t>
             </a:fld>
             <a:endParaRPr lang="en-US" dirty="0"/>
           </a:p>
@@ -2593,7 +2869,7 @@
           <a:p>
             <a:fld id="{4D94136C-8742-45B2-AF27-D93DF72833A9}" type="datetimeFigureOut">
               <a:rPr lang="en-US" dirty="0"/>
-              <a:t>2/24/17</a:t>
+              <a:t>3/1/17</a:t>
             </a:fld>
             <a:endParaRPr lang="en-US" dirty="0"/>
           </a:p>
@@ -2943,7 +3219,7 @@
           <a:p>
             <a:fld id="{32ABBEA6-7C60-4B02-AE87-00D78D8422AF}" type="datetimeFigureOut">
               <a:rPr lang="en-US" dirty="0"/>
-              <a:t>2/24/17</a:t>
+              <a:t>3/1/17</a:t>
             </a:fld>
             <a:endParaRPr lang="en-US" dirty="0"/>
           </a:p>
@@ -3321,7 +3597,7 @@
           <a:p>
             <a:fld id="{C9CAD897-D46E-4AD2-BD9B-49DD3E640873}" type="datetimeFigureOut">
               <a:rPr lang="en-US" dirty="0"/>
-              <a:t>2/24/17</a:t>
+              <a:t>3/1/17</a:t>
             </a:fld>
             <a:endParaRPr lang="en-US" dirty="0"/>
           </a:p>
@@ -3603,7 +3879,7 @@
           <a:p>
             <a:fld id="{98624D31-43A5-475A-80CF-332C9F6DCF35}" type="datetimeFigureOut">
               <a:rPr lang="en-US" dirty="0"/>
-              <a:t>2/24/17</a:t>
+              <a:t>3/1/17</a:t>
             </a:fld>
             <a:endParaRPr lang="en-US" dirty="0"/>
           </a:p>
@@ -4144,12 +4420,12 @@
               <a:t>Fundamentals of </a:t>
             </a:r>
             <a:r>
-              <a:rPr lang="en-US" dirty="0" err="1" smtClean="0"/>
-              <a:t>Obejct</a:t>
-            </a:r>
-            <a:r>
               <a:rPr lang="en-US" dirty="0" smtClean="0"/>
-              <a:t> Oriented Programming</a:t>
+              <a:t>Object Oriented </a:t>
+            </a:r>
+            <a:r>
+              <a:rPr lang="en-US" dirty="0" smtClean="0"/>
+              <a:t>Programming</a:t>
             </a:r>
             <a:endParaRPr lang="en-US" dirty="0"/>
           </a:p>
@@ -4208,6 +4484,13 @@
   <p:clrMapOvr>
     <a:masterClrMapping/>
   </p:clrMapOvr>
+  <p:timing>
+    <p:tnLst>
+      <p:par>
+        <p:cTn id="1" dur="indefinite" restart="never" nodeType="tmRoot"/>
+      </p:par>
+    </p:tnLst>
+  </p:timing>
 </p:sld>
 </file>
 
@@ -4818,21 +5101,8 @@
                   <a:srgbClr val="FFFFFF"/>
                 </a:solidFill>
               </a:rPr>
-              <a:t>We often pass data about the instance of that class into the constructor, so that we can setup </a:t>
-            </a:r>
-            <a:r>
-              <a:rPr lang="en-US" sz="1500" dirty="0" smtClean="0">
-                <a:solidFill>
-                  <a:srgbClr val="FFFFFF"/>
-                </a:solidFill>
-              </a:rPr>
-              <a:t>that instance with relevant data.</a:t>
-            </a:r>
-            <a:endParaRPr lang="en-US" sz="1500" dirty="0" smtClean="0">
-              <a:solidFill>
-                <a:srgbClr val="FFFFFF"/>
-              </a:solidFill>
-            </a:endParaRPr>
+              <a:t>We often pass data about the instance of that class into the constructor, so that we can setup that instance with relevant data.</a:t>
+            </a:r>
           </a:p>
           <a:p>
             <a:r>
@@ -4917,6 +5187,13 @@
   <p:clrMapOvr>
     <a:masterClrMapping/>
   </p:clrMapOvr>
+  <p:timing>
+    <p:tnLst>
+      <p:par>
+        <p:cTn id="1" dur="indefinite" restart="never" nodeType="tmRoot"/>
+      </p:par>
+    </p:tnLst>
+  </p:timing>
 </p:sld>
 </file>
 
@@ -5146,6 +5423,13 @@
   <p:clrMapOvr>
     <a:masterClrMapping/>
   </p:clrMapOvr>
+  <p:timing>
+    <p:tnLst>
+      <p:par>
+        <p:cTn id="1" dur="indefinite" restart="never" nodeType="tmRoot"/>
+      </p:par>
+    </p:tnLst>
+  </p:timing>
 </p:sld>
 </file>
 
@@ -5218,6 +5502,13 @@
   <p:clrMapOvr>
     <a:masterClrMapping/>
   </p:clrMapOvr>
+  <p:timing>
+    <p:tnLst>
+      <p:par>
+        <p:cTn id="1" dur="indefinite" restart="never" nodeType="tmRoot"/>
+      </p:par>
+    </p:tnLst>
+  </p:timing>
 </p:sld>
 </file>
 
@@ -5553,6 +5844,13 @@
   <p:clrMapOvr>
     <a:masterClrMapping/>
   </p:clrMapOvr>
+  <p:timing>
+    <p:tnLst>
+      <p:par>
+        <p:cTn id="1" dur="indefinite" restart="never" nodeType="tmRoot"/>
+      </p:par>
+    </p:tnLst>
+  </p:timing>
 </p:sld>
 </file>
 
@@ -5742,6 +6040,13 @@
   <p:clrMapOvr>
     <a:masterClrMapping/>
   </p:clrMapOvr>
+  <p:timing>
+    <p:tnLst>
+      <p:par>
+        <p:cTn id="1" dur="indefinite" restart="never" nodeType="tmRoot"/>
+      </p:par>
+    </p:tnLst>
+  </p:timing>
 </p:sld>
 </file>
 
@@ -6843,6 +7148,13 @@
   <p:clrMapOvr>
     <a:masterClrMapping/>
   </p:clrMapOvr>
+  <p:timing>
+    <p:tnLst>
+      <p:par>
+        <p:cTn id="1" dur="indefinite" restart="never" nodeType="tmRoot"/>
+      </p:par>
+    </p:tnLst>
+  </p:timing>
 </p:sld>
 </file>
 
@@ -7006,6 +7318,13 @@
   <p:clrMapOvr>
     <a:masterClrMapping/>
   </p:clrMapOvr>
+  <p:timing>
+    <p:tnLst>
+      <p:par>
+        <p:cTn id="1" dur="indefinite" restart="never" nodeType="tmRoot"/>
+      </p:par>
+    </p:tnLst>
+  </p:timing>
 </p:sld>
 </file>
 
@@ -7120,6 +7439,13 @@
   <p:clrMapOvr>
     <a:masterClrMapping/>
   </p:clrMapOvr>
+  <p:timing>
+    <p:tnLst>
+      <p:par>
+        <p:cTn id="1" dur="indefinite" restart="never" nodeType="tmRoot"/>
+      </p:par>
+    </p:tnLst>
+  </p:timing>
 </p:sld>
 </file>
 
@@ -7550,6 +7876,13 @@
   <p:clrMapOvr>
     <a:masterClrMapping/>
   </p:clrMapOvr>
+  <p:timing>
+    <p:tnLst>
+      <p:par>
+        <p:cTn id="1" dur="indefinite" restart="never" nodeType="tmRoot"/>
+      </p:par>
+    </p:tnLst>
+  </p:timing>
 </p:sld>
 </file>
 
@@ -7684,6 +8017,13 @@
   <p:clrMapOvr>
     <a:masterClrMapping/>
   </p:clrMapOvr>
+  <p:timing>
+    <p:tnLst>
+      <p:par>
+        <p:cTn id="1" dur="indefinite" restart="never" nodeType="tmRoot"/>
+      </p:par>
+    </p:tnLst>
+  </p:timing>
 </p:sld>
 </file>
 
@@ -8175,6 +8515,13 @@
   <p:clrMapOvr>
     <a:masterClrMapping/>
   </p:clrMapOvr>
+  <p:timing>
+    <p:tnLst>
+      <p:par>
+        <p:cTn id="1" dur="indefinite" restart="never" nodeType="tmRoot"/>
+      </p:par>
+    </p:tnLst>
+  </p:timing>
 </p:sld>
 </file>
 
@@ -8541,6 +8888,13 @@
   <p:clrMapOvr>
     <a:masterClrMapping/>
   </p:clrMapOvr>
+  <p:timing>
+    <p:tnLst>
+      <p:par>
+        <p:cTn id="1" dur="indefinite" restart="never" nodeType="tmRoot"/>
+      </p:par>
+    </p:tnLst>
+  </p:timing>
 </p:sld>
 </file>
 

--- a/presentation.pptx
+++ b/presentation.pptx
@@ -5,28 +5,29 @@
     <p:sldMasterId id="2147483648" r:id="rId1"/>
   </p:sldMasterIdLst>
   <p:notesMasterIdLst>
-    <p:notesMasterId r:id="rId21"/>
+    <p:notesMasterId r:id="rId22"/>
   </p:notesMasterIdLst>
   <p:sldIdLst>
     <p:sldId id="256" r:id="rId2"/>
-    <p:sldId id="272" r:id="rId3"/>
-    <p:sldId id="258" r:id="rId4"/>
-    <p:sldId id="260" r:id="rId5"/>
-    <p:sldId id="261" r:id="rId6"/>
-    <p:sldId id="259" r:id="rId7"/>
-    <p:sldId id="262" r:id="rId8"/>
-    <p:sldId id="263" r:id="rId9"/>
-    <p:sldId id="264" r:id="rId10"/>
-    <p:sldId id="277" r:id="rId11"/>
-    <p:sldId id="276" r:id="rId12"/>
-    <p:sldId id="275" r:id="rId13"/>
-    <p:sldId id="265" r:id="rId14"/>
-    <p:sldId id="274" r:id="rId15"/>
-    <p:sldId id="267" r:id="rId16"/>
-    <p:sldId id="268" r:id="rId17"/>
-    <p:sldId id="269" r:id="rId18"/>
-    <p:sldId id="270" r:id="rId19"/>
-    <p:sldId id="271" r:id="rId20"/>
+    <p:sldId id="278" r:id="rId3"/>
+    <p:sldId id="272" r:id="rId4"/>
+    <p:sldId id="258" r:id="rId5"/>
+    <p:sldId id="260" r:id="rId6"/>
+    <p:sldId id="261" r:id="rId7"/>
+    <p:sldId id="259" r:id="rId8"/>
+    <p:sldId id="262" r:id="rId9"/>
+    <p:sldId id="263" r:id="rId10"/>
+    <p:sldId id="264" r:id="rId11"/>
+    <p:sldId id="277" r:id="rId12"/>
+    <p:sldId id="276" r:id="rId13"/>
+    <p:sldId id="275" r:id="rId14"/>
+    <p:sldId id="265" r:id="rId15"/>
+    <p:sldId id="274" r:id="rId16"/>
+    <p:sldId id="267" r:id="rId17"/>
+    <p:sldId id="268" r:id="rId18"/>
+    <p:sldId id="269" r:id="rId19"/>
+    <p:sldId id="270" r:id="rId20"/>
+    <p:sldId id="271" r:id="rId21"/>
   </p:sldIdLst>
   <p:sldSz cx="12192000" cy="6858000"/>
   <p:notesSz cx="6858000" cy="9144000"/>
@@ -656,7 +657,7 @@
           <a:p>
             <a:fld id="{68730D83-1156-A042-8EF2-668C780FFFA2}" type="slidenum">
               <a:rPr lang="en-US" smtClean="0"/>
-              <a:t>2</a:t>
+              <a:t>3</a:t>
             </a:fld>
             <a:endParaRPr lang="en-US"/>
           </a:p>
@@ -740,7 +741,7 @@
           <a:p>
             <a:fld id="{68730D83-1156-A042-8EF2-668C780FFFA2}" type="slidenum">
               <a:rPr lang="en-US" smtClean="0"/>
-              <a:t>3</a:t>
+              <a:t>4</a:t>
             </a:fld>
             <a:endParaRPr lang="en-US"/>
           </a:p>
@@ -4513,7 +4514,7 @@
       </p:grpSpPr>
       <p:sp useBgFill="1">
         <p:nvSpPr>
-          <p:cNvPr id="12" name="Rectangle 11"/>
+          <p:cNvPr id="16" name="Rectangle 15"/>
           <p:cNvSpPr>
             <a:spLocks noGrp="1" noRot="1" noChangeAspect="1" noMove="1" noResize="1" noEditPoints="1" noAdjustHandles="1" noChangeArrowheads="1" noChangeShapeType="1" noTextEdit="1"/>
           </p:cNvSpPr>
@@ -4564,7 +4565,7 @@
       </p:sp>
       <p:sp>
         <p:nvSpPr>
-          <p:cNvPr id="14" name="Rectangle 13"/>
+          <p:cNvPr id="18" name="Rectangle 17"/>
           <p:cNvSpPr>
             <a:spLocks noGrp="1" noRot="1" noChangeAspect="1" noMove="1" noResize="1" noEditPoints="1" noAdjustHandles="1" noChangeArrowheads="1" noChangeShapeType="1" noTextEdit="1"/>
           </p:cNvSpPr>
@@ -4610,7 +4611,7 @@
       </p:sp>
       <p:sp>
         <p:nvSpPr>
-          <p:cNvPr id="16" name="Rectangle 15"/>
+          <p:cNvPr id="20" name="Rectangle 19"/>
           <p:cNvSpPr>
             <a:spLocks noGrp="1" noRot="1" noChangeAspect="1" noMove="1" noResize="1" noEditPoints="1" noAdjustHandles="1" noChangeArrowheads="1" noChangeShapeType="1" noTextEdit="1"/>
           </p:cNvSpPr>
@@ -4656,7 +4657,7 @@
       </p:sp>
       <p:pic>
         <p:nvPicPr>
-          <p:cNvPr id="6" name="Content Placeholder 3"/>
+          <p:cNvPr id="5" name="Picture 4"/>
           <p:cNvPicPr>
             <a:picLocks noChangeAspect="1"/>
           </p:cNvPicPr>
@@ -4676,8 +4677,8 @@
         </p:blipFill>
         <p:spPr>
           <a:xfrm>
-            <a:off x="4422407" y="189540"/>
-            <a:ext cx="6798082" cy="2634257"/>
+            <a:off x="4742017" y="1398073"/>
+            <a:ext cx="6798082" cy="4061853"/>
           </a:xfrm>
           <a:prstGeom prst="rect">
             <a:avLst/>
@@ -4696,8 +4697,8 @@
         </p:nvSpPr>
         <p:spPr>
           <a:xfrm>
-            <a:off x="228600" y="258418"/>
-            <a:ext cx="3348614" cy="1150600"/>
+            <a:off x="492370" y="516835"/>
+            <a:ext cx="3084844" cy="2103875"/>
           </a:xfrm>
         </p:spPr>
         <p:txBody>
@@ -4707,325 +4708,129 @@
           <a:lstStyle/>
           <a:p>
             <a:r>
-              <a:rPr lang="en-US" sz="3600" dirty="0">
+              <a:rPr lang="en-US" sz="3600">
                 <a:solidFill>
                   <a:srgbClr val="FFFFFF"/>
                 </a:solidFill>
               </a:rPr>
-              <a:t>Constructors and </a:t>
-            </a:r>
-            <a:r>
-              <a:rPr lang="en-US" sz="3600" dirty="0" smtClean="0">
+              <a:t>How do we implement an interface in C#?</a:t>
+            </a:r>
+          </a:p>
+        </p:txBody>
+      </p:sp>
+      <p:sp>
+        <p:nvSpPr>
+          <p:cNvPr id="3" name="Content Placeholder 2"/>
+          <p:cNvSpPr>
+            <a:spLocks noGrp="1"/>
+          </p:cNvSpPr>
+          <p:nvPr>
+            <p:ph idx="1"/>
+          </p:nvPr>
+        </p:nvSpPr>
+        <p:spPr>
+          <a:xfrm>
+            <a:off x="492371" y="2653800"/>
+            <a:ext cx="3084844" cy="3335519"/>
+          </a:xfrm>
+        </p:spPr>
+        <p:txBody>
+          <a:bodyPr>
+            <a:normAutofit/>
+          </a:bodyPr>
+          <a:lstStyle/>
+          <a:p>
+            <a:r>
+              <a:rPr lang="en-US" sz="1500" dirty="0">
                 <a:solidFill>
                   <a:srgbClr val="FFFFFF"/>
                 </a:solidFill>
               </a:rPr>
-              <a:t>initialization</a:t>
-            </a:r>
-            <a:endParaRPr lang="en-US" sz="3600" dirty="0">
+              <a:t>Implementation is a fulfillment of an interface; to implement an interface, your class needs to have all the properties and methods defined in the interface.</a:t>
+            </a:r>
+          </a:p>
+          <a:p>
+            <a:r>
+              <a:rPr lang="en-US" sz="1500" dirty="0">
+                <a:solidFill>
+                  <a:srgbClr val="FFFFFF"/>
+                </a:solidFill>
+              </a:rPr>
+              <a:t>Our </a:t>
+            </a:r>
+            <a:r>
+              <a:rPr lang="en-US" sz="1500" i="1" dirty="0">
+                <a:solidFill>
+                  <a:srgbClr val="FFFFFF"/>
+                </a:solidFill>
+              </a:rPr>
+              <a:t>Mammal</a:t>
+            </a:r>
+            <a:r>
+              <a:rPr lang="en-US" sz="1500" dirty="0">
+                <a:solidFill>
+                  <a:srgbClr val="FFFFFF"/>
+                </a:solidFill>
+              </a:rPr>
+              <a:t> class is going to implement </a:t>
+            </a:r>
+            <a:r>
+              <a:rPr lang="en-US" sz="1500" dirty="0" smtClean="0">
+                <a:solidFill>
+                  <a:srgbClr val="FFFFFF"/>
+                </a:solidFill>
+              </a:rPr>
+              <a:t>3 interfaces:</a:t>
+            </a:r>
+          </a:p>
+          <a:p>
+            <a:pPr lvl="1"/>
+            <a:r>
+              <a:rPr lang="en-US" sz="1300" dirty="0" err="1" smtClean="0">
+                <a:solidFill>
+                  <a:srgbClr val="FFFFFF"/>
+                </a:solidFill>
+              </a:rPr>
+              <a:t>IAnimal</a:t>
+            </a:r>
+            <a:endParaRPr lang="en-US" sz="1300" dirty="0" smtClean="0">
               <a:solidFill>
                 <a:srgbClr val="FFFFFF"/>
               </a:solidFill>
             </a:endParaRPr>
           </a:p>
-        </p:txBody>
-      </p:sp>
-      <p:pic>
-        <p:nvPicPr>
-          <p:cNvPr id="3" name="Content Placeholder 2"/>
-          <p:cNvPicPr>
-            <a:picLocks noGrp="1" noChangeAspect="1"/>
-          </p:cNvPicPr>
-          <p:nvPr>
-            <p:ph idx="1"/>
-          </p:nvPr>
-        </p:nvPicPr>
-        <p:blipFill>
-          <a:blip r:embed="rId3">
-            <a:extLst>
-              <a:ext uri="{28A0092B-C50C-407E-A947-70E740481C1C}">
-                <a14:useLocalDpi xmlns:a14="http://schemas.microsoft.com/office/drawing/2010/main" val="0"/>
-              </a:ext>
-            </a:extLst>
-          </a:blip>
-          <a:stretch>
-            <a:fillRect/>
-          </a:stretch>
-        </p:blipFill>
-        <p:spPr>
-          <a:xfrm>
-            <a:off x="4337912" y="2937668"/>
-            <a:ext cx="6558713" cy="982663"/>
-          </a:xfrm>
-        </p:spPr>
-      </p:pic>
-      <p:sp>
-        <p:nvSpPr>
-          <p:cNvPr id="10" name="Content Placeholder 2"/>
-          <p:cNvSpPr txBox="1">
-            <a:spLocks/>
-          </p:cNvSpPr>
-          <p:nvPr/>
-        </p:nvSpPr>
-        <p:spPr>
-          <a:xfrm>
-            <a:off x="228600" y="1409018"/>
-            <a:ext cx="3577637" cy="5233829"/>
-          </a:xfrm>
-          <a:prstGeom prst="rect">
-            <a:avLst/>
-          </a:prstGeom>
-        </p:spPr>
-        <p:txBody>
-          <a:bodyPr vert="horz" lIns="0" tIns="45720" rIns="0" bIns="45720" rtlCol="0">
-            <a:normAutofit/>
-          </a:bodyPr>
-          <a:lstStyle>
-            <a:lvl1pPr marL="91440" indent="-91440" algn="l" defTabSz="914400" rtl="0" eaLnBrk="1" latinLnBrk="0" hangingPunct="1">
-              <a:lnSpc>
-                <a:spcPct val="90000"/>
-              </a:lnSpc>
-              <a:spcBef>
-                <a:spcPts val="1200"/>
-              </a:spcBef>
-              <a:spcAft>
-                <a:spcPts val="200"/>
-              </a:spcAft>
-              <a:buClr>
-                <a:schemeClr val="accent1"/>
-              </a:buClr>
-              <a:buSzPct val="100000"/>
-              <a:buFont typeface="Calibri" panose="020F0502020204030204" pitchFamily="34" charset="0"/>
-              <a:buChar char=" "/>
-              <a:defRPr sz="2000" kern="1200">
-                <a:solidFill>
-                  <a:schemeClr val="tx1">
-                    <a:lumMod val="75000"/>
-                    <a:lumOff val="25000"/>
-                  </a:schemeClr>
-                </a:solidFill>
-                <a:latin typeface="+mn-lt"/>
-                <a:ea typeface="+mn-ea"/>
-                <a:cs typeface="+mn-cs"/>
-              </a:defRPr>
-            </a:lvl1pPr>
-            <a:lvl2pPr marL="384048" indent="-182880" algn="l" defTabSz="914400" rtl="0" eaLnBrk="1" latinLnBrk="0" hangingPunct="1">
-              <a:lnSpc>
-                <a:spcPct val="90000"/>
-              </a:lnSpc>
-              <a:spcBef>
-                <a:spcPts val="200"/>
-              </a:spcBef>
-              <a:spcAft>
-                <a:spcPts val="400"/>
-              </a:spcAft>
-              <a:buClr>
-                <a:schemeClr val="accent1"/>
-              </a:buClr>
-              <a:buFont typeface="Calibri" pitchFamily="34" charset="0"/>
-              <a:buChar char="◦"/>
-              <a:defRPr sz="1800" kern="1200">
-                <a:solidFill>
-                  <a:schemeClr val="tx1">
-                    <a:lumMod val="75000"/>
-                    <a:lumOff val="25000"/>
-                  </a:schemeClr>
-                </a:solidFill>
-                <a:latin typeface="+mn-lt"/>
-                <a:ea typeface="+mn-ea"/>
-                <a:cs typeface="+mn-cs"/>
-              </a:defRPr>
-            </a:lvl2pPr>
-            <a:lvl3pPr marL="566928" indent="-182880" algn="l" defTabSz="914400" rtl="0" eaLnBrk="1" latinLnBrk="0" hangingPunct="1">
-              <a:lnSpc>
-                <a:spcPct val="90000"/>
-              </a:lnSpc>
-              <a:spcBef>
-                <a:spcPts val="200"/>
-              </a:spcBef>
-              <a:spcAft>
-                <a:spcPts val="400"/>
-              </a:spcAft>
-              <a:buClr>
-                <a:schemeClr val="accent1"/>
-              </a:buClr>
-              <a:buFont typeface="Calibri" pitchFamily="34" charset="0"/>
-              <a:buChar char="◦"/>
-              <a:defRPr sz="1400" kern="1200">
-                <a:solidFill>
-                  <a:schemeClr val="tx1">
-                    <a:lumMod val="75000"/>
-                    <a:lumOff val="25000"/>
-                  </a:schemeClr>
-                </a:solidFill>
-                <a:latin typeface="+mn-lt"/>
-                <a:ea typeface="+mn-ea"/>
-                <a:cs typeface="+mn-cs"/>
-              </a:defRPr>
-            </a:lvl3pPr>
-            <a:lvl4pPr marL="749808" indent="-182880" algn="l" defTabSz="914400" rtl="0" eaLnBrk="1" latinLnBrk="0" hangingPunct="1">
-              <a:lnSpc>
-                <a:spcPct val="90000"/>
-              </a:lnSpc>
-              <a:spcBef>
-                <a:spcPts val="200"/>
-              </a:spcBef>
-              <a:spcAft>
-                <a:spcPts val="400"/>
-              </a:spcAft>
-              <a:buClr>
-                <a:schemeClr val="accent1"/>
-              </a:buClr>
-              <a:buFont typeface="Calibri" pitchFamily="34" charset="0"/>
-              <a:buChar char="◦"/>
-              <a:defRPr sz="1400" kern="1200">
-                <a:solidFill>
-                  <a:schemeClr val="tx1">
-                    <a:lumMod val="75000"/>
-                    <a:lumOff val="25000"/>
-                  </a:schemeClr>
-                </a:solidFill>
-                <a:latin typeface="+mn-lt"/>
-                <a:ea typeface="+mn-ea"/>
-                <a:cs typeface="+mn-cs"/>
-              </a:defRPr>
-            </a:lvl4pPr>
-            <a:lvl5pPr marL="932688" indent="-182880" algn="l" defTabSz="914400" rtl="0" eaLnBrk="1" latinLnBrk="0" hangingPunct="1">
-              <a:lnSpc>
-                <a:spcPct val="90000"/>
-              </a:lnSpc>
-              <a:spcBef>
-                <a:spcPts val="200"/>
-              </a:spcBef>
-              <a:spcAft>
-                <a:spcPts val="400"/>
-              </a:spcAft>
-              <a:buClr>
-                <a:schemeClr val="accent1"/>
-              </a:buClr>
-              <a:buFont typeface="Calibri" pitchFamily="34" charset="0"/>
-              <a:buChar char="◦"/>
-              <a:defRPr sz="1400" kern="1200">
-                <a:solidFill>
-                  <a:schemeClr val="tx1">
-                    <a:lumMod val="75000"/>
-                    <a:lumOff val="25000"/>
-                  </a:schemeClr>
-                </a:solidFill>
-                <a:latin typeface="+mn-lt"/>
-                <a:ea typeface="+mn-ea"/>
-                <a:cs typeface="+mn-cs"/>
-              </a:defRPr>
-            </a:lvl5pPr>
-            <a:lvl6pPr marL="1100000" indent="-228600" algn="l" defTabSz="914400" rtl="0" eaLnBrk="1" latinLnBrk="0" hangingPunct="1">
-              <a:lnSpc>
-                <a:spcPct val="90000"/>
-              </a:lnSpc>
-              <a:spcBef>
-                <a:spcPts val="200"/>
-              </a:spcBef>
-              <a:spcAft>
-                <a:spcPts val="400"/>
-              </a:spcAft>
-              <a:buClr>
-                <a:schemeClr val="accent1"/>
-              </a:buClr>
-              <a:buFont typeface="Calibri" pitchFamily="34" charset="0"/>
-              <a:buChar char="◦"/>
-              <a:defRPr sz="1400" kern="1200">
-                <a:solidFill>
-                  <a:schemeClr val="tx1">
-                    <a:lumMod val="75000"/>
-                    <a:lumOff val="25000"/>
-                  </a:schemeClr>
-                </a:solidFill>
-                <a:latin typeface="+mn-lt"/>
-                <a:ea typeface="+mn-ea"/>
-                <a:cs typeface="+mn-cs"/>
-              </a:defRPr>
-            </a:lvl6pPr>
-            <a:lvl7pPr marL="1300000" indent="-228600" algn="l" defTabSz="914400" rtl="0" eaLnBrk="1" latinLnBrk="0" hangingPunct="1">
-              <a:lnSpc>
-                <a:spcPct val="90000"/>
-              </a:lnSpc>
-              <a:spcBef>
-                <a:spcPts val="200"/>
-              </a:spcBef>
-              <a:spcAft>
-                <a:spcPts val="400"/>
-              </a:spcAft>
-              <a:buClr>
-                <a:schemeClr val="accent1"/>
-              </a:buClr>
-              <a:buFont typeface="Calibri" pitchFamily="34" charset="0"/>
-              <a:buChar char="◦"/>
-              <a:defRPr sz="1400" kern="1200">
-                <a:solidFill>
-                  <a:schemeClr val="tx1">
-                    <a:lumMod val="75000"/>
-                    <a:lumOff val="25000"/>
-                  </a:schemeClr>
-                </a:solidFill>
-                <a:latin typeface="+mn-lt"/>
-                <a:ea typeface="+mn-ea"/>
-                <a:cs typeface="+mn-cs"/>
-              </a:defRPr>
-            </a:lvl7pPr>
-            <a:lvl8pPr marL="1500000" indent="-228600" algn="l" defTabSz="914400" rtl="0" eaLnBrk="1" latinLnBrk="0" hangingPunct="1">
-              <a:lnSpc>
-                <a:spcPct val="90000"/>
-              </a:lnSpc>
-              <a:spcBef>
-                <a:spcPts val="200"/>
-              </a:spcBef>
-              <a:spcAft>
-                <a:spcPts val="400"/>
-              </a:spcAft>
-              <a:buClr>
-                <a:schemeClr val="accent1"/>
-              </a:buClr>
-              <a:buFont typeface="Calibri" pitchFamily="34" charset="0"/>
-              <a:buChar char="◦"/>
-              <a:defRPr sz="1400" kern="1200">
-                <a:solidFill>
-                  <a:schemeClr val="tx1">
-                    <a:lumMod val="75000"/>
-                    <a:lumOff val="25000"/>
-                  </a:schemeClr>
-                </a:solidFill>
-                <a:latin typeface="+mn-lt"/>
-                <a:ea typeface="+mn-ea"/>
-                <a:cs typeface="+mn-cs"/>
-              </a:defRPr>
-            </a:lvl8pPr>
-            <a:lvl9pPr marL="1700000" indent="-228600" algn="l" defTabSz="914400" rtl="0" eaLnBrk="1" latinLnBrk="0" hangingPunct="1">
-              <a:lnSpc>
-                <a:spcPct val="90000"/>
-              </a:lnSpc>
-              <a:spcBef>
-                <a:spcPts val="200"/>
-              </a:spcBef>
-              <a:spcAft>
-                <a:spcPts val="400"/>
-              </a:spcAft>
-              <a:buClr>
-                <a:schemeClr val="accent1"/>
-              </a:buClr>
-              <a:buFont typeface="Calibri" pitchFamily="34" charset="0"/>
-              <a:buChar char="◦"/>
-              <a:defRPr sz="1400" kern="1200">
-                <a:solidFill>
-                  <a:schemeClr val="tx1">
-                    <a:lumMod val="75000"/>
-                    <a:lumOff val="25000"/>
-                  </a:schemeClr>
-                </a:solidFill>
-                <a:latin typeface="+mn-lt"/>
-                <a:ea typeface="+mn-ea"/>
-                <a:cs typeface="+mn-cs"/>
-              </a:defRPr>
-            </a:lvl9pPr>
-          </a:lstStyle>
+          <a:p>
+            <a:pPr lvl="1"/>
+            <a:r>
+              <a:rPr lang="en-US" sz="1300" dirty="0" err="1" smtClean="0">
+                <a:solidFill>
+                  <a:srgbClr val="FFFFFF"/>
+                </a:solidFill>
+              </a:rPr>
+              <a:t>IGenderable</a:t>
+            </a:r>
+            <a:endParaRPr lang="en-US" sz="1300" dirty="0" smtClean="0">
+              <a:solidFill>
+                <a:srgbClr val="FFFFFF"/>
+              </a:solidFill>
+            </a:endParaRPr>
+          </a:p>
+          <a:p>
+            <a:pPr lvl="1"/>
+            <a:r>
+              <a:rPr lang="en-US" sz="1300" dirty="0" err="1" smtClean="0">
+                <a:solidFill>
+                  <a:srgbClr val="FFFFFF"/>
+                </a:solidFill>
+              </a:rPr>
+              <a:t>IWalkable</a:t>
+            </a:r>
+            <a:endParaRPr lang="en-US" sz="1300" dirty="0" smtClean="0">
+              <a:solidFill>
+                <a:srgbClr val="FFFFFF"/>
+              </a:solidFill>
+            </a:endParaRPr>
+          </a:p>
           <a:p>
             <a:r>
               <a:rPr lang="en-US" sz="1500" dirty="0" smtClean="0">
@@ -5033,111 +4838,7 @@
                   <a:srgbClr val="FFFFFF"/>
                 </a:solidFill>
               </a:rPr>
-              <a:t>When creating a class, we create special methods call </a:t>
-            </a:r>
-            <a:r>
-              <a:rPr lang="en-US" sz="1500" i="1" dirty="0" smtClean="0">
-                <a:solidFill>
-                  <a:srgbClr val="FFFFFF"/>
-                </a:solidFill>
-              </a:rPr>
-              <a:t>constructors</a:t>
-            </a:r>
-            <a:r>
-              <a:rPr lang="en-US" sz="1500" dirty="0" smtClean="0">
-                <a:solidFill>
-                  <a:srgbClr val="FFFFFF"/>
-                </a:solidFill>
-              </a:rPr>
-              <a:t> that are called when we make a new </a:t>
-            </a:r>
-            <a:r>
-              <a:rPr lang="en-US" sz="1500" b="1" dirty="0" smtClean="0">
-                <a:solidFill>
-                  <a:srgbClr val="FFFFFF"/>
-                </a:solidFill>
-              </a:rPr>
-              <a:t>instance</a:t>
-            </a:r>
-            <a:r>
-              <a:rPr lang="en-US" sz="1500" dirty="0" smtClean="0">
-                <a:solidFill>
-                  <a:srgbClr val="FFFFFF"/>
-                </a:solidFill>
-              </a:rPr>
-              <a:t> of the class. The constructor method name is the same as the class name.</a:t>
-            </a:r>
-          </a:p>
-          <a:p>
-            <a:r>
-              <a:rPr lang="en-US" sz="1500" dirty="0" smtClean="0">
-                <a:solidFill>
-                  <a:srgbClr val="FFFFFF"/>
-                </a:solidFill>
-              </a:rPr>
-              <a:t>Constructors are extremely important, as they allow you to setup all the data for </a:t>
-            </a:r>
-            <a:r>
-              <a:rPr lang="en-US" sz="1500" b="1" dirty="0" smtClean="0">
-                <a:solidFill>
-                  <a:srgbClr val="FFFFFF"/>
-                </a:solidFill>
-              </a:rPr>
-              <a:t>each instance of the class</a:t>
-            </a:r>
-            <a:r>
-              <a:rPr lang="en-US" sz="1500" dirty="0" smtClean="0">
-                <a:solidFill>
-                  <a:srgbClr val="FFFFFF"/>
-                </a:solidFill>
-              </a:rPr>
-              <a:t>.</a:t>
-            </a:r>
-          </a:p>
-          <a:p>
-            <a:r>
-              <a:rPr lang="en-US" sz="1500" dirty="0" smtClean="0">
-                <a:solidFill>
-                  <a:srgbClr val="FFFFFF"/>
-                </a:solidFill>
-              </a:rPr>
-              <a:t>We often pass data about the instance of that class into the constructor, so that we can setup that instance with relevant data.</a:t>
-            </a:r>
-          </a:p>
-          <a:p>
-            <a:r>
-              <a:rPr lang="en-US" sz="1500" dirty="0" smtClean="0">
-                <a:solidFill>
-                  <a:srgbClr val="FFFFFF"/>
-                </a:solidFill>
-              </a:rPr>
-              <a:t>Here, we see that the Dog has a constructor method that takes the dog’s name, breed, favorite food, and gender and sets up the properties of that class instance based on those parameters.</a:t>
-            </a:r>
-          </a:p>
-          <a:p>
-            <a:r>
-              <a:rPr lang="en-US" sz="1500" dirty="0" smtClean="0">
-                <a:solidFill>
-                  <a:srgbClr val="FFFFFF"/>
-                </a:solidFill>
-              </a:rPr>
-              <a:t>Constructors also allow us to initialize data that does not come from the parameters, such as setting the parrot’s </a:t>
-            </a:r>
-            <a:r>
-              <a:rPr lang="en-US" sz="1500" dirty="0" err="1" smtClean="0">
-                <a:solidFill>
-                  <a:srgbClr val="FFFFFF"/>
-                </a:solidFill>
-              </a:rPr>
-              <a:t>PhrasesHeader</a:t>
-            </a:r>
-            <a:r>
-              <a:rPr lang="en-US" sz="1500" dirty="0" smtClean="0">
-                <a:solidFill>
-                  <a:srgbClr val="FFFFFF"/>
-                </a:solidFill>
-              </a:rPr>
-              <a:t> property to a brand new hash set at the time of construction.</a:t>
+              <a:t>As such, it must implement all methods and all properties from all those interfaces.</a:t>
             </a:r>
             <a:endParaRPr lang="en-US" sz="1500" dirty="0">
               <a:solidFill>
@@ -5147,40 +4848,10 @@
           </a:p>
         </p:txBody>
       </p:sp>
-      <p:pic>
-        <p:nvPicPr>
-          <p:cNvPr id="7" name="Picture 6"/>
-          <p:cNvPicPr>
-            <a:picLocks noChangeAspect="1"/>
-          </p:cNvPicPr>
-          <p:nvPr/>
-        </p:nvPicPr>
-        <p:blipFill>
-          <a:blip r:embed="rId4">
-            <a:extLst>
-              <a:ext uri="{28A0092B-C50C-407E-A947-70E740481C1C}">
-                <a14:useLocalDpi xmlns:a14="http://schemas.microsoft.com/office/drawing/2010/main" val="0"/>
-              </a:ext>
-            </a:extLst>
-          </a:blip>
-          <a:stretch>
-            <a:fillRect/>
-          </a:stretch>
-        </p:blipFill>
-        <p:spPr>
-          <a:xfrm>
-            <a:off x="4422407" y="4322353"/>
-            <a:ext cx="7336908" cy="2421776"/>
-          </a:xfrm>
-          <a:prstGeom prst="rect">
-            <a:avLst/>
-          </a:prstGeom>
-        </p:spPr>
-      </p:pic>
     </p:spTree>
     <p:extLst>
       <p:ext uri="{BB962C8B-B14F-4D97-AF65-F5344CB8AC3E}">
-        <p14:creationId xmlns:p14="http://schemas.microsoft.com/office/powerpoint/2010/main" val="2960523463"/>
+        <p14:creationId xmlns:p14="http://schemas.microsoft.com/office/powerpoint/2010/main" val="479402989"/>
       </p:ext>
     </p:extLst>
   </p:cSld>
@@ -5214,6 +4885,179 @@
           <a:chExt cx="0" cy="0"/>
         </a:xfrm>
       </p:grpSpPr>
+      <p:sp useBgFill="1">
+        <p:nvSpPr>
+          <p:cNvPr id="12" name="Rectangle 11"/>
+          <p:cNvSpPr>
+            <a:spLocks noGrp="1" noRot="1" noChangeAspect="1" noMove="1" noResize="1" noEditPoints="1" noAdjustHandles="1" noChangeArrowheads="1" noChangeShapeType="1" noTextEdit="1"/>
+          </p:cNvSpPr>
+          <p:nvPr>
+            <p:extLst>
+              <p:ext uri="{386F3935-93C4-4BCD-93E2-E3B085C9AB24}">
+                <p16:designElem xmlns:p16="http://schemas.microsoft.com/office/powerpoint/2015/main" val="1"/>
+              </p:ext>
+            </p:extLst>
+          </p:nvPr>
+        </p:nvSpPr>
+        <p:spPr>
+          <a:xfrm>
+            <a:off x="0" y="0"/>
+            <a:ext cx="12186315" cy="6858000"/>
+          </a:xfrm>
+          <a:prstGeom prst="rect">
+            <a:avLst/>
+          </a:prstGeom>
+          <a:ln>
+            <a:noFill/>
+          </a:ln>
+        </p:spPr>
+        <p:style>
+          <a:lnRef idx="2">
+            <a:schemeClr val="accent6">
+              <a:shade val="50000"/>
+            </a:schemeClr>
+          </a:lnRef>
+          <a:fillRef idx="1001">
+            <a:schemeClr val="lt1"/>
+          </a:fillRef>
+          <a:effectRef idx="0">
+            <a:schemeClr val="accent6"/>
+          </a:effectRef>
+          <a:fontRef idx="minor">
+            <a:schemeClr val="lt1"/>
+          </a:fontRef>
+        </p:style>
+        <p:txBody>
+          <a:bodyPr rtlCol="0" anchor="ctr"/>
+          <a:lstStyle/>
+          <a:p>
+            <a:pPr algn="ctr"/>
+            <a:endParaRPr lang="en-US"/>
+          </a:p>
+        </p:txBody>
+      </p:sp>
+      <p:sp>
+        <p:nvSpPr>
+          <p:cNvPr id="14" name="Rectangle 13"/>
+          <p:cNvSpPr>
+            <a:spLocks noGrp="1" noRot="1" noChangeAspect="1" noMove="1" noResize="1" noEditPoints="1" noAdjustHandles="1" noChangeArrowheads="1" noChangeShapeType="1" noTextEdit="1"/>
+          </p:cNvSpPr>
+          <p:nvPr>
+            <p:extLst>
+              <p:ext uri="{386F3935-93C4-4BCD-93E2-E3B085C9AB24}">
+                <p16:designElem xmlns:p16="http://schemas.microsoft.com/office/powerpoint/2015/main" val="1"/>
+              </p:ext>
+            </p:extLst>
+          </p:nvPr>
+        </p:nvSpPr>
+        <p:spPr>
+          <a:xfrm>
+            <a:off x="16" y="0"/>
+            <a:ext cx="4050791" cy="6858000"/>
+          </a:xfrm>
+          <a:prstGeom prst="rect">
+            <a:avLst/>
+          </a:prstGeom>
+          <a:solidFill>
+            <a:schemeClr val="accent2"/>
+          </a:solidFill>
+          <a:ln>
+            <a:noFill/>
+          </a:ln>
+        </p:spPr>
+        <p:style>
+          <a:lnRef idx="2">
+            <a:schemeClr val="accent1">
+              <a:shade val="50000"/>
+            </a:schemeClr>
+          </a:lnRef>
+          <a:fillRef idx="1">
+            <a:schemeClr val="accent1"/>
+          </a:fillRef>
+          <a:effectRef idx="0">
+            <a:schemeClr val="accent1"/>
+          </a:effectRef>
+          <a:fontRef idx="minor">
+            <a:schemeClr val="lt1"/>
+          </a:fontRef>
+        </p:style>
+      </p:sp>
+      <p:sp>
+        <p:nvSpPr>
+          <p:cNvPr id="16" name="Rectangle 15"/>
+          <p:cNvSpPr>
+            <a:spLocks noGrp="1" noRot="1" noChangeAspect="1" noMove="1" noResize="1" noEditPoints="1" noAdjustHandles="1" noChangeArrowheads="1" noChangeShapeType="1" noTextEdit="1"/>
+          </p:cNvSpPr>
+          <p:nvPr>
+            <p:extLst>
+              <p:ext uri="{386F3935-93C4-4BCD-93E2-E3B085C9AB24}">
+                <p16:designElem xmlns:p16="http://schemas.microsoft.com/office/powerpoint/2015/main" val="1"/>
+              </p:ext>
+            </p:extLst>
+          </p:nvPr>
+        </p:nvSpPr>
+        <p:spPr>
+          <a:xfrm>
+            <a:off x="4040071" y="0"/>
+            <a:ext cx="64008" cy="6858000"/>
+          </a:xfrm>
+          <a:prstGeom prst="rect">
+            <a:avLst/>
+          </a:prstGeom>
+          <a:solidFill>
+            <a:schemeClr val="accent1"/>
+          </a:solidFill>
+          <a:ln>
+            <a:noFill/>
+          </a:ln>
+        </p:spPr>
+        <p:style>
+          <a:lnRef idx="2">
+            <a:schemeClr val="accent1">
+              <a:shade val="50000"/>
+            </a:schemeClr>
+          </a:lnRef>
+          <a:fillRef idx="1">
+            <a:schemeClr val="accent1"/>
+          </a:fillRef>
+          <a:effectRef idx="0">
+            <a:schemeClr val="accent1"/>
+          </a:effectRef>
+          <a:fontRef idx="minor">
+            <a:schemeClr val="lt1"/>
+          </a:fontRef>
+        </p:style>
+      </p:sp>
+      <p:pic>
+        <p:nvPicPr>
+          <p:cNvPr id="6" name="Content Placeholder 3"/>
+          <p:cNvPicPr>
+            <a:picLocks noChangeAspect="1"/>
+          </p:cNvPicPr>
+          <p:nvPr/>
+        </p:nvPicPr>
+        <p:blipFill>
+          <a:blip r:embed="rId2">
+            <a:extLst>
+              <a:ext uri="{28A0092B-C50C-407E-A947-70E740481C1C}">
+                <a14:useLocalDpi xmlns:a14="http://schemas.microsoft.com/office/drawing/2010/main" val="0"/>
+              </a:ext>
+            </a:extLst>
+          </a:blip>
+          <a:stretch>
+            <a:fillRect/>
+          </a:stretch>
+        </p:blipFill>
+        <p:spPr>
+          <a:xfrm>
+            <a:off x="4422407" y="189540"/>
+            <a:ext cx="6798082" cy="2634257"/>
+          </a:xfrm>
+          <a:prstGeom prst="rect">
+            <a:avLst/>
+          </a:prstGeom>
+        </p:spPr>
+      </p:pic>
       <p:sp>
         <p:nvSpPr>
           <p:cNvPr id="2" name="Title 1"/>
@@ -5224,30 +5068,12 @@
             <p:ph type="title"/>
           </p:nvPr>
         </p:nvSpPr>
-        <p:spPr/>
-        <p:txBody>
-          <a:bodyPr/>
-          <a:lstStyle/>
-          <a:p>
-            <a:r>
-              <a:rPr lang="en-US" dirty="0" smtClean="0"/>
-              <a:t>Practical: Abstraction and Encapsulation</a:t>
-            </a:r>
-            <a:endParaRPr lang="en-US" dirty="0"/>
-          </a:p>
-        </p:txBody>
-      </p:sp>
-      <p:sp>
-        <p:nvSpPr>
-          <p:cNvPr id="3" name="Content Placeholder 2"/>
-          <p:cNvSpPr>
-            <a:spLocks noGrp="1"/>
-          </p:cNvSpPr>
-          <p:nvPr>
-            <p:ph idx="1"/>
-          </p:nvPr>
-        </p:nvSpPr>
-        <p:spPr/>
+        <p:spPr>
+          <a:xfrm>
+            <a:off x="228600" y="258418"/>
+            <a:ext cx="3348614" cy="1150600"/>
+          </a:xfrm>
+        </p:spPr>
         <p:txBody>
           <a:bodyPr>
             <a:normAutofit/>
@@ -5255,168 +5081,480 @@
           <a:lstStyle/>
           <a:p>
             <a:r>
-              <a:rPr lang="en-US" dirty="0" smtClean="0"/>
-              <a:t>You will make an interface, </a:t>
-            </a:r>
-            <a:r>
-              <a:rPr lang="en-US" i="1" dirty="0" err="1" smtClean="0"/>
-              <a:t>IPerson.cs</a:t>
-            </a:r>
-            <a:r>
-              <a:rPr lang="en-US" dirty="0" smtClean="0"/>
-              <a:t>, which implements </a:t>
-            </a:r>
-            <a:r>
-              <a:rPr lang="en-US" i="1" dirty="0" err="1" smtClean="0"/>
-              <a:t>IGenderable</a:t>
-            </a:r>
-            <a:r>
-              <a:rPr lang="en-US" i="1" dirty="0" smtClean="0"/>
-              <a:t>, </a:t>
-            </a:r>
-            <a:r>
-              <a:rPr lang="en-US" i="1" dirty="0" err="1" smtClean="0"/>
-              <a:t>IWalkable</a:t>
-            </a:r>
-            <a:r>
-              <a:rPr lang="en-US" i="1" dirty="0" smtClean="0"/>
-              <a:t>, </a:t>
-            </a:r>
-            <a:r>
-              <a:rPr lang="en-US" dirty="0" smtClean="0"/>
-              <a:t>and</a:t>
-            </a:r>
-            <a:r>
-              <a:rPr lang="en-US" i="1" dirty="0" smtClean="0"/>
-              <a:t> </a:t>
-            </a:r>
-            <a:r>
-              <a:rPr lang="en-US" i="1" dirty="0" err="1" smtClean="0"/>
-              <a:t>IEatable</a:t>
-            </a:r>
-            <a:endParaRPr lang="en-US" dirty="0" smtClean="0"/>
-          </a:p>
-          <a:p>
-            <a:r>
-              <a:rPr lang="en-US" dirty="0" smtClean="0"/>
-              <a:t>Properties in </a:t>
-            </a:r>
-            <a:r>
-              <a:rPr lang="en-US" dirty="0" err="1" smtClean="0"/>
-              <a:t>IPerson</a:t>
-            </a:r>
-            <a:r>
-              <a:rPr lang="en-US" dirty="0" smtClean="0"/>
-              <a:t>:</a:t>
-            </a:r>
-          </a:p>
-          <a:p>
-            <a:pPr lvl="1"/>
-            <a:r>
-              <a:rPr lang="en-US" dirty="0" smtClean="0"/>
-              <a:t>Name: String</a:t>
-            </a:r>
-          </a:p>
-          <a:p>
-            <a:pPr lvl="1"/>
-            <a:r>
-              <a:rPr lang="en-US" dirty="0" smtClean="0"/>
-              <a:t>Age: </a:t>
-            </a:r>
-            <a:r>
-              <a:rPr lang="en-US" dirty="0" err="1" smtClean="0"/>
-              <a:t>int</a:t>
-            </a:r>
-            <a:endParaRPr lang="en-US" dirty="0" smtClean="0"/>
-          </a:p>
-          <a:p>
-            <a:pPr lvl="1"/>
-            <a:r>
-              <a:rPr lang="en-US" dirty="0" smtClean="0"/>
-              <a:t>Hobbies: </a:t>
-            </a:r>
-            <a:r>
-              <a:rPr lang="en-US" dirty="0" err="1" smtClean="0"/>
-              <a:t>HashSet</a:t>
-            </a:r>
-            <a:r>
-              <a:rPr lang="en-US" dirty="0" smtClean="0"/>
-              <a:t>&lt;string&gt;()</a:t>
-            </a:r>
-          </a:p>
-          <a:p>
-            <a:r>
-              <a:rPr lang="en-US" dirty="0" smtClean="0"/>
-              <a:t>Methods in </a:t>
-            </a:r>
-            <a:r>
-              <a:rPr lang="en-US" dirty="0" err="1" smtClean="0"/>
-              <a:t>IPerson</a:t>
-            </a:r>
-            <a:r>
-              <a:rPr lang="en-US" dirty="0" smtClean="0"/>
-              <a:t>:</a:t>
-            </a:r>
-          </a:p>
-          <a:p>
-            <a:pPr lvl="1"/>
-            <a:r>
-              <a:rPr lang="en-US" dirty="0" smtClean="0"/>
-              <a:t>void Talk(): If the person does not have a hobby, it will print to the console: </a:t>
-            </a:r>
-            <a:r>
-              <a:rPr lang="en-US" i="1" dirty="0" smtClean="0"/>
-              <a:t>I don’t have anything to talk about</a:t>
-            </a:r>
-            <a:r>
-              <a:rPr lang="en-US" dirty="0" smtClean="0"/>
-              <a:t>; if the person has hobbies, it will talk about one of the hobbies</a:t>
-            </a:r>
-          </a:p>
-          <a:p>
-            <a:pPr lvl="1"/>
-            <a:r>
-              <a:rPr lang="en-US" dirty="0" smtClean="0"/>
-              <a:t>void </a:t>
-            </a:r>
-            <a:r>
-              <a:rPr lang="en-US" dirty="0" err="1" smtClean="0"/>
-              <a:t>AddHoby</a:t>
-            </a:r>
-            <a:r>
-              <a:rPr lang="en-US" dirty="0" smtClean="0"/>
-              <a:t>(string hobby): will add an entry to the set of hobbies</a:t>
-            </a:r>
-          </a:p>
-          <a:p>
-            <a:r>
-              <a:rPr lang="en-US" dirty="0" smtClean="0"/>
-              <a:t>You will then write </a:t>
-            </a:r>
-            <a:r>
-              <a:rPr lang="en-US" i="1" dirty="0" err="1" smtClean="0"/>
-              <a:t>Person.cs</a:t>
-            </a:r>
-            <a:r>
-              <a:rPr lang="en-US" dirty="0" smtClean="0"/>
-              <a:t>, which will implement </a:t>
-            </a:r>
-            <a:r>
-              <a:rPr lang="en-US" dirty="0" err="1" smtClean="0"/>
-              <a:t>IPerson</a:t>
-            </a:r>
-            <a:r>
-              <a:rPr lang="en-US" dirty="0" smtClean="0"/>
-              <a:t>!</a:t>
-            </a:r>
-            <a:endParaRPr lang="en-US" i="1" dirty="0"/>
-          </a:p>
-        </p:txBody>
-      </p:sp>
+              <a:rPr lang="en-US" sz="3600" dirty="0">
+                <a:solidFill>
+                  <a:srgbClr val="FFFFFF"/>
+                </a:solidFill>
+              </a:rPr>
+              <a:t>Constructors and </a:t>
+            </a:r>
+            <a:r>
+              <a:rPr lang="en-US" sz="3600" dirty="0" smtClean="0">
+                <a:solidFill>
+                  <a:srgbClr val="FFFFFF"/>
+                </a:solidFill>
+              </a:rPr>
+              <a:t>initialization</a:t>
+            </a:r>
+            <a:endParaRPr lang="en-US" sz="3600" dirty="0">
+              <a:solidFill>
+                <a:srgbClr val="FFFFFF"/>
+              </a:solidFill>
+            </a:endParaRPr>
+          </a:p>
+        </p:txBody>
+      </p:sp>
+      <p:pic>
+        <p:nvPicPr>
+          <p:cNvPr id="3" name="Content Placeholder 2"/>
+          <p:cNvPicPr>
+            <a:picLocks noGrp="1" noChangeAspect="1"/>
+          </p:cNvPicPr>
+          <p:nvPr>
+            <p:ph idx="1"/>
+          </p:nvPr>
+        </p:nvPicPr>
+        <p:blipFill>
+          <a:blip r:embed="rId3">
+            <a:extLst>
+              <a:ext uri="{28A0092B-C50C-407E-A947-70E740481C1C}">
+                <a14:useLocalDpi xmlns:a14="http://schemas.microsoft.com/office/drawing/2010/main" val="0"/>
+              </a:ext>
+            </a:extLst>
+          </a:blip>
+          <a:stretch>
+            <a:fillRect/>
+          </a:stretch>
+        </p:blipFill>
+        <p:spPr>
+          <a:xfrm>
+            <a:off x="4337912" y="2937668"/>
+            <a:ext cx="6558713" cy="982663"/>
+          </a:xfrm>
+        </p:spPr>
+      </p:pic>
+      <p:sp>
+        <p:nvSpPr>
+          <p:cNvPr id="10" name="Content Placeholder 2"/>
+          <p:cNvSpPr txBox="1">
+            <a:spLocks/>
+          </p:cNvSpPr>
+          <p:nvPr/>
+        </p:nvSpPr>
+        <p:spPr>
+          <a:xfrm>
+            <a:off x="228600" y="1409018"/>
+            <a:ext cx="3577637" cy="5233829"/>
+          </a:xfrm>
+          <a:prstGeom prst="rect">
+            <a:avLst/>
+          </a:prstGeom>
+        </p:spPr>
+        <p:txBody>
+          <a:bodyPr vert="horz" lIns="0" tIns="45720" rIns="0" bIns="45720" rtlCol="0">
+            <a:normAutofit/>
+          </a:bodyPr>
+          <a:lstStyle>
+            <a:lvl1pPr marL="91440" indent="-91440" algn="l" defTabSz="914400" rtl="0" eaLnBrk="1" latinLnBrk="0" hangingPunct="1">
+              <a:lnSpc>
+                <a:spcPct val="90000"/>
+              </a:lnSpc>
+              <a:spcBef>
+                <a:spcPts val="1200"/>
+              </a:spcBef>
+              <a:spcAft>
+                <a:spcPts val="200"/>
+              </a:spcAft>
+              <a:buClr>
+                <a:schemeClr val="accent1"/>
+              </a:buClr>
+              <a:buSzPct val="100000"/>
+              <a:buFont typeface="Calibri" panose="020F0502020204030204" pitchFamily="34" charset="0"/>
+              <a:buChar char=" "/>
+              <a:defRPr sz="2000" kern="1200">
+                <a:solidFill>
+                  <a:schemeClr val="tx1">
+                    <a:lumMod val="75000"/>
+                    <a:lumOff val="25000"/>
+                  </a:schemeClr>
+                </a:solidFill>
+                <a:latin typeface="+mn-lt"/>
+                <a:ea typeface="+mn-ea"/>
+                <a:cs typeface="+mn-cs"/>
+              </a:defRPr>
+            </a:lvl1pPr>
+            <a:lvl2pPr marL="384048" indent="-182880" algn="l" defTabSz="914400" rtl="0" eaLnBrk="1" latinLnBrk="0" hangingPunct="1">
+              <a:lnSpc>
+                <a:spcPct val="90000"/>
+              </a:lnSpc>
+              <a:spcBef>
+                <a:spcPts val="200"/>
+              </a:spcBef>
+              <a:spcAft>
+                <a:spcPts val="400"/>
+              </a:spcAft>
+              <a:buClr>
+                <a:schemeClr val="accent1"/>
+              </a:buClr>
+              <a:buFont typeface="Calibri" pitchFamily="34" charset="0"/>
+              <a:buChar char="◦"/>
+              <a:defRPr sz="1800" kern="1200">
+                <a:solidFill>
+                  <a:schemeClr val="tx1">
+                    <a:lumMod val="75000"/>
+                    <a:lumOff val="25000"/>
+                  </a:schemeClr>
+                </a:solidFill>
+                <a:latin typeface="+mn-lt"/>
+                <a:ea typeface="+mn-ea"/>
+                <a:cs typeface="+mn-cs"/>
+              </a:defRPr>
+            </a:lvl2pPr>
+            <a:lvl3pPr marL="566928" indent="-182880" algn="l" defTabSz="914400" rtl="0" eaLnBrk="1" latinLnBrk="0" hangingPunct="1">
+              <a:lnSpc>
+                <a:spcPct val="90000"/>
+              </a:lnSpc>
+              <a:spcBef>
+                <a:spcPts val="200"/>
+              </a:spcBef>
+              <a:spcAft>
+                <a:spcPts val="400"/>
+              </a:spcAft>
+              <a:buClr>
+                <a:schemeClr val="accent1"/>
+              </a:buClr>
+              <a:buFont typeface="Calibri" pitchFamily="34" charset="0"/>
+              <a:buChar char="◦"/>
+              <a:defRPr sz="1400" kern="1200">
+                <a:solidFill>
+                  <a:schemeClr val="tx1">
+                    <a:lumMod val="75000"/>
+                    <a:lumOff val="25000"/>
+                  </a:schemeClr>
+                </a:solidFill>
+                <a:latin typeface="+mn-lt"/>
+                <a:ea typeface="+mn-ea"/>
+                <a:cs typeface="+mn-cs"/>
+              </a:defRPr>
+            </a:lvl3pPr>
+            <a:lvl4pPr marL="749808" indent="-182880" algn="l" defTabSz="914400" rtl="0" eaLnBrk="1" latinLnBrk="0" hangingPunct="1">
+              <a:lnSpc>
+                <a:spcPct val="90000"/>
+              </a:lnSpc>
+              <a:spcBef>
+                <a:spcPts val="200"/>
+              </a:spcBef>
+              <a:spcAft>
+                <a:spcPts val="400"/>
+              </a:spcAft>
+              <a:buClr>
+                <a:schemeClr val="accent1"/>
+              </a:buClr>
+              <a:buFont typeface="Calibri" pitchFamily="34" charset="0"/>
+              <a:buChar char="◦"/>
+              <a:defRPr sz="1400" kern="1200">
+                <a:solidFill>
+                  <a:schemeClr val="tx1">
+                    <a:lumMod val="75000"/>
+                    <a:lumOff val="25000"/>
+                  </a:schemeClr>
+                </a:solidFill>
+                <a:latin typeface="+mn-lt"/>
+                <a:ea typeface="+mn-ea"/>
+                <a:cs typeface="+mn-cs"/>
+              </a:defRPr>
+            </a:lvl4pPr>
+            <a:lvl5pPr marL="932688" indent="-182880" algn="l" defTabSz="914400" rtl="0" eaLnBrk="1" latinLnBrk="0" hangingPunct="1">
+              <a:lnSpc>
+                <a:spcPct val="90000"/>
+              </a:lnSpc>
+              <a:spcBef>
+                <a:spcPts val="200"/>
+              </a:spcBef>
+              <a:spcAft>
+                <a:spcPts val="400"/>
+              </a:spcAft>
+              <a:buClr>
+                <a:schemeClr val="accent1"/>
+              </a:buClr>
+              <a:buFont typeface="Calibri" pitchFamily="34" charset="0"/>
+              <a:buChar char="◦"/>
+              <a:defRPr sz="1400" kern="1200">
+                <a:solidFill>
+                  <a:schemeClr val="tx1">
+                    <a:lumMod val="75000"/>
+                    <a:lumOff val="25000"/>
+                  </a:schemeClr>
+                </a:solidFill>
+                <a:latin typeface="+mn-lt"/>
+                <a:ea typeface="+mn-ea"/>
+                <a:cs typeface="+mn-cs"/>
+              </a:defRPr>
+            </a:lvl5pPr>
+            <a:lvl6pPr marL="1100000" indent="-228600" algn="l" defTabSz="914400" rtl="0" eaLnBrk="1" latinLnBrk="0" hangingPunct="1">
+              <a:lnSpc>
+                <a:spcPct val="90000"/>
+              </a:lnSpc>
+              <a:spcBef>
+                <a:spcPts val="200"/>
+              </a:spcBef>
+              <a:spcAft>
+                <a:spcPts val="400"/>
+              </a:spcAft>
+              <a:buClr>
+                <a:schemeClr val="accent1"/>
+              </a:buClr>
+              <a:buFont typeface="Calibri" pitchFamily="34" charset="0"/>
+              <a:buChar char="◦"/>
+              <a:defRPr sz="1400" kern="1200">
+                <a:solidFill>
+                  <a:schemeClr val="tx1">
+                    <a:lumMod val="75000"/>
+                    <a:lumOff val="25000"/>
+                  </a:schemeClr>
+                </a:solidFill>
+                <a:latin typeface="+mn-lt"/>
+                <a:ea typeface="+mn-ea"/>
+                <a:cs typeface="+mn-cs"/>
+              </a:defRPr>
+            </a:lvl6pPr>
+            <a:lvl7pPr marL="1300000" indent="-228600" algn="l" defTabSz="914400" rtl="0" eaLnBrk="1" latinLnBrk="0" hangingPunct="1">
+              <a:lnSpc>
+                <a:spcPct val="90000"/>
+              </a:lnSpc>
+              <a:spcBef>
+                <a:spcPts val="200"/>
+              </a:spcBef>
+              <a:spcAft>
+                <a:spcPts val="400"/>
+              </a:spcAft>
+              <a:buClr>
+                <a:schemeClr val="accent1"/>
+              </a:buClr>
+              <a:buFont typeface="Calibri" pitchFamily="34" charset="0"/>
+              <a:buChar char="◦"/>
+              <a:defRPr sz="1400" kern="1200">
+                <a:solidFill>
+                  <a:schemeClr val="tx1">
+                    <a:lumMod val="75000"/>
+                    <a:lumOff val="25000"/>
+                  </a:schemeClr>
+                </a:solidFill>
+                <a:latin typeface="+mn-lt"/>
+                <a:ea typeface="+mn-ea"/>
+                <a:cs typeface="+mn-cs"/>
+              </a:defRPr>
+            </a:lvl7pPr>
+            <a:lvl8pPr marL="1500000" indent="-228600" algn="l" defTabSz="914400" rtl="0" eaLnBrk="1" latinLnBrk="0" hangingPunct="1">
+              <a:lnSpc>
+                <a:spcPct val="90000"/>
+              </a:lnSpc>
+              <a:spcBef>
+                <a:spcPts val="200"/>
+              </a:spcBef>
+              <a:spcAft>
+                <a:spcPts val="400"/>
+              </a:spcAft>
+              <a:buClr>
+                <a:schemeClr val="accent1"/>
+              </a:buClr>
+              <a:buFont typeface="Calibri" pitchFamily="34" charset="0"/>
+              <a:buChar char="◦"/>
+              <a:defRPr sz="1400" kern="1200">
+                <a:solidFill>
+                  <a:schemeClr val="tx1">
+                    <a:lumMod val="75000"/>
+                    <a:lumOff val="25000"/>
+                  </a:schemeClr>
+                </a:solidFill>
+                <a:latin typeface="+mn-lt"/>
+                <a:ea typeface="+mn-ea"/>
+                <a:cs typeface="+mn-cs"/>
+              </a:defRPr>
+            </a:lvl8pPr>
+            <a:lvl9pPr marL="1700000" indent="-228600" algn="l" defTabSz="914400" rtl="0" eaLnBrk="1" latinLnBrk="0" hangingPunct="1">
+              <a:lnSpc>
+                <a:spcPct val="90000"/>
+              </a:lnSpc>
+              <a:spcBef>
+                <a:spcPts val="200"/>
+              </a:spcBef>
+              <a:spcAft>
+                <a:spcPts val="400"/>
+              </a:spcAft>
+              <a:buClr>
+                <a:schemeClr val="accent1"/>
+              </a:buClr>
+              <a:buFont typeface="Calibri" pitchFamily="34" charset="0"/>
+              <a:buChar char="◦"/>
+              <a:defRPr sz="1400" kern="1200">
+                <a:solidFill>
+                  <a:schemeClr val="tx1">
+                    <a:lumMod val="75000"/>
+                    <a:lumOff val="25000"/>
+                  </a:schemeClr>
+                </a:solidFill>
+                <a:latin typeface="+mn-lt"/>
+                <a:ea typeface="+mn-ea"/>
+                <a:cs typeface="+mn-cs"/>
+              </a:defRPr>
+            </a:lvl9pPr>
+          </a:lstStyle>
+          <a:p>
+            <a:r>
+              <a:rPr lang="en-US" sz="1500" dirty="0" smtClean="0">
+                <a:solidFill>
+                  <a:srgbClr val="FFFFFF"/>
+                </a:solidFill>
+              </a:rPr>
+              <a:t>When creating a class, we create special methods call </a:t>
+            </a:r>
+            <a:r>
+              <a:rPr lang="en-US" sz="1500" i="1" dirty="0" smtClean="0">
+                <a:solidFill>
+                  <a:srgbClr val="FFFFFF"/>
+                </a:solidFill>
+              </a:rPr>
+              <a:t>constructors</a:t>
+            </a:r>
+            <a:r>
+              <a:rPr lang="en-US" sz="1500" dirty="0" smtClean="0">
+                <a:solidFill>
+                  <a:srgbClr val="FFFFFF"/>
+                </a:solidFill>
+              </a:rPr>
+              <a:t> that are called when we make a new </a:t>
+            </a:r>
+            <a:r>
+              <a:rPr lang="en-US" sz="1500" b="1" dirty="0" smtClean="0">
+                <a:solidFill>
+                  <a:srgbClr val="FFFFFF"/>
+                </a:solidFill>
+              </a:rPr>
+              <a:t>instance</a:t>
+            </a:r>
+            <a:r>
+              <a:rPr lang="en-US" sz="1500" dirty="0" smtClean="0">
+                <a:solidFill>
+                  <a:srgbClr val="FFFFFF"/>
+                </a:solidFill>
+              </a:rPr>
+              <a:t> of the class. The constructor method name is the same as the class name.</a:t>
+            </a:r>
+          </a:p>
+          <a:p>
+            <a:r>
+              <a:rPr lang="en-US" sz="1500" dirty="0" smtClean="0">
+                <a:solidFill>
+                  <a:srgbClr val="FFFFFF"/>
+                </a:solidFill>
+              </a:rPr>
+              <a:t>Constructors are extremely important, as they allow you to setup all the data for </a:t>
+            </a:r>
+            <a:r>
+              <a:rPr lang="en-US" sz="1500" b="1" dirty="0" smtClean="0">
+                <a:solidFill>
+                  <a:srgbClr val="FFFFFF"/>
+                </a:solidFill>
+              </a:rPr>
+              <a:t>each instance of the class</a:t>
+            </a:r>
+            <a:r>
+              <a:rPr lang="en-US" sz="1500" dirty="0" smtClean="0">
+                <a:solidFill>
+                  <a:srgbClr val="FFFFFF"/>
+                </a:solidFill>
+              </a:rPr>
+              <a:t>.</a:t>
+            </a:r>
+          </a:p>
+          <a:p>
+            <a:r>
+              <a:rPr lang="en-US" sz="1500" dirty="0" smtClean="0">
+                <a:solidFill>
+                  <a:srgbClr val="FFFFFF"/>
+                </a:solidFill>
+              </a:rPr>
+              <a:t>We often pass data about the instance of that class into the constructor, so that we can setup that instance with relevant data.</a:t>
+            </a:r>
+          </a:p>
+          <a:p>
+            <a:r>
+              <a:rPr lang="en-US" sz="1500" dirty="0" smtClean="0">
+                <a:solidFill>
+                  <a:srgbClr val="FFFFFF"/>
+                </a:solidFill>
+              </a:rPr>
+              <a:t>Here, we see that the Dog has a constructor method that takes the dog’s name, breed, favorite food, and gender and sets up the properties of that class instance based on those parameters.</a:t>
+            </a:r>
+          </a:p>
+          <a:p>
+            <a:r>
+              <a:rPr lang="en-US" sz="1500" dirty="0" smtClean="0">
+                <a:solidFill>
+                  <a:srgbClr val="FFFFFF"/>
+                </a:solidFill>
+              </a:rPr>
+              <a:t>Constructors also allow us to initialize data that does not come from the parameters, such as setting the parrot’s </a:t>
+            </a:r>
+            <a:r>
+              <a:rPr lang="en-US" sz="1500" dirty="0" err="1" smtClean="0">
+                <a:solidFill>
+                  <a:srgbClr val="FFFFFF"/>
+                </a:solidFill>
+              </a:rPr>
+              <a:t>PhrasesHeader</a:t>
+            </a:r>
+            <a:r>
+              <a:rPr lang="en-US" sz="1500" dirty="0" smtClean="0">
+                <a:solidFill>
+                  <a:srgbClr val="FFFFFF"/>
+                </a:solidFill>
+              </a:rPr>
+              <a:t> property to a brand new hash set at the time of construction.</a:t>
+            </a:r>
+            <a:endParaRPr lang="en-US" sz="1500" dirty="0">
+              <a:solidFill>
+                <a:srgbClr val="FFFFFF"/>
+              </a:solidFill>
+            </a:endParaRPr>
+          </a:p>
+        </p:txBody>
+      </p:sp>
+      <p:pic>
+        <p:nvPicPr>
+          <p:cNvPr id="7" name="Picture 6"/>
+          <p:cNvPicPr>
+            <a:picLocks noChangeAspect="1"/>
+          </p:cNvPicPr>
+          <p:nvPr/>
+        </p:nvPicPr>
+        <p:blipFill>
+          <a:blip r:embed="rId4">
+            <a:extLst>
+              <a:ext uri="{28A0092B-C50C-407E-A947-70E740481C1C}">
+                <a14:useLocalDpi xmlns:a14="http://schemas.microsoft.com/office/drawing/2010/main" val="0"/>
+              </a:ext>
+            </a:extLst>
+          </a:blip>
+          <a:stretch>
+            <a:fillRect/>
+          </a:stretch>
+        </p:blipFill>
+        <p:spPr>
+          <a:xfrm>
+            <a:off x="4422407" y="4322353"/>
+            <a:ext cx="7336908" cy="2421776"/>
+          </a:xfrm>
+          <a:prstGeom prst="rect">
+            <a:avLst/>
+          </a:prstGeom>
+        </p:spPr>
+      </p:pic>
     </p:spTree>
     <p:extLst>
       <p:ext uri="{BB962C8B-B14F-4D97-AF65-F5344CB8AC3E}">
-        <p14:creationId xmlns:p14="http://schemas.microsoft.com/office/powerpoint/2010/main" val="1584339635"/>
+        <p14:creationId xmlns:p14="http://schemas.microsoft.com/office/powerpoint/2010/main" val="2960523463"/>
       </p:ext>
     </p:extLst>
   </p:cSld>
@@ -5457,7 +5595,7 @@
             <a:spLocks noGrp="1"/>
           </p:cNvSpPr>
           <p:nvPr>
-            <p:ph type="ctrTitle"/>
+            <p:ph type="title"/>
           </p:nvPr>
         </p:nvSpPr>
         <p:spPr/>
@@ -5467,7 +5605,7 @@
           <a:p>
             <a:r>
               <a:rPr lang="en-US" dirty="0" smtClean="0"/>
-              <a:t>Advanced OOP: Inheritance and Polymorphism</a:t>
+              <a:t>Practical: Abstraction and Encapsulation</a:t>
             </a:r>
             <a:endParaRPr lang="en-US" dirty="0"/>
           </a:p>
@@ -5475,27 +5613,184 @@
       </p:sp>
       <p:sp>
         <p:nvSpPr>
-          <p:cNvPr id="3" name="Subtitle 2"/>
-          <p:cNvSpPr>
-            <a:spLocks noGrp="1"/>
-          </p:cNvSpPr>
-          <p:nvPr>
-            <p:ph type="subTitle" idx="1"/>
+          <p:cNvPr id="3" name="Content Placeholder 2"/>
+          <p:cNvSpPr>
+            <a:spLocks noGrp="1"/>
+          </p:cNvSpPr>
+          <p:nvPr>
+            <p:ph idx="1"/>
           </p:nvPr>
         </p:nvSpPr>
         <p:spPr/>
         <p:txBody>
-          <a:bodyPr/>
-          <a:lstStyle/>
-          <a:p>
-            <a:endParaRPr lang="en-US"/>
+          <a:bodyPr>
+            <a:normAutofit/>
+          </a:bodyPr>
+          <a:lstStyle/>
+          <a:p>
+            <a:r>
+              <a:rPr lang="en-US" dirty="0" smtClean="0"/>
+              <a:t>You will make an interface, </a:t>
+            </a:r>
+            <a:r>
+              <a:rPr lang="en-US" i="1" dirty="0" err="1" smtClean="0"/>
+              <a:t>IPerson.cs</a:t>
+            </a:r>
+            <a:r>
+              <a:rPr lang="en-US" dirty="0" smtClean="0"/>
+              <a:t>, which implements </a:t>
+            </a:r>
+            <a:r>
+              <a:rPr lang="en-US" i="1" dirty="0" err="1" smtClean="0"/>
+              <a:t>IGenderable</a:t>
+            </a:r>
+            <a:r>
+              <a:rPr lang="en-US" i="1" dirty="0" smtClean="0"/>
+              <a:t>, </a:t>
+            </a:r>
+            <a:r>
+              <a:rPr lang="en-US" i="1" dirty="0" err="1" smtClean="0"/>
+              <a:t>IWalkable</a:t>
+            </a:r>
+            <a:r>
+              <a:rPr lang="en-US" i="1" dirty="0" smtClean="0"/>
+              <a:t>, </a:t>
+            </a:r>
+            <a:r>
+              <a:rPr lang="en-US" dirty="0" smtClean="0"/>
+              <a:t>and</a:t>
+            </a:r>
+            <a:r>
+              <a:rPr lang="en-US" i="1" dirty="0" smtClean="0"/>
+              <a:t> </a:t>
+            </a:r>
+            <a:r>
+              <a:rPr lang="en-US" i="1" dirty="0" err="1" smtClean="0"/>
+              <a:t>IEatable</a:t>
+            </a:r>
+            <a:endParaRPr lang="en-US" dirty="0" smtClean="0"/>
+          </a:p>
+          <a:p>
+            <a:r>
+              <a:rPr lang="en-US" dirty="0" smtClean="0"/>
+              <a:t>Properties in </a:t>
+            </a:r>
+            <a:r>
+              <a:rPr lang="en-US" dirty="0" err="1" smtClean="0"/>
+              <a:t>IPerson</a:t>
+            </a:r>
+            <a:r>
+              <a:rPr lang="en-US" dirty="0" smtClean="0"/>
+              <a:t>:</a:t>
+            </a:r>
+          </a:p>
+          <a:p>
+            <a:pPr lvl="1"/>
+            <a:r>
+              <a:rPr lang="en-US" dirty="0" smtClean="0"/>
+              <a:t>Name: String</a:t>
+            </a:r>
+          </a:p>
+          <a:p>
+            <a:pPr lvl="1"/>
+            <a:r>
+              <a:rPr lang="en-US" dirty="0" smtClean="0"/>
+              <a:t>Age: </a:t>
+            </a:r>
+            <a:r>
+              <a:rPr lang="en-US" dirty="0" err="1" smtClean="0"/>
+              <a:t>int</a:t>
+            </a:r>
+            <a:endParaRPr lang="en-US" dirty="0" smtClean="0"/>
+          </a:p>
+          <a:p>
+            <a:pPr lvl="1"/>
+            <a:r>
+              <a:rPr lang="en-US" dirty="0" smtClean="0"/>
+              <a:t>Hobbies: </a:t>
+            </a:r>
+            <a:r>
+              <a:rPr lang="en-US" dirty="0" err="1" smtClean="0"/>
+              <a:t>HashSet</a:t>
+            </a:r>
+            <a:r>
+              <a:rPr lang="en-US" dirty="0" smtClean="0"/>
+              <a:t>&lt;string&gt;()</a:t>
+            </a:r>
+          </a:p>
+          <a:p>
+            <a:r>
+              <a:rPr lang="en-US" dirty="0" smtClean="0"/>
+              <a:t>Methods in </a:t>
+            </a:r>
+            <a:r>
+              <a:rPr lang="en-US" dirty="0" err="1" smtClean="0"/>
+              <a:t>IPerson</a:t>
+            </a:r>
+            <a:r>
+              <a:rPr lang="en-US" dirty="0" smtClean="0"/>
+              <a:t>:</a:t>
+            </a:r>
+          </a:p>
+          <a:p>
+            <a:pPr lvl="1"/>
+            <a:r>
+              <a:rPr lang="en-US" dirty="0" smtClean="0"/>
+              <a:t>void Talk(): If the person does not have a hobby, it will print to the console: </a:t>
+            </a:r>
+            <a:r>
+              <a:rPr lang="en-US" i="1" dirty="0" smtClean="0"/>
+              <a:t>I don’t have anything to talk about</a:t>
+            </a:r>
+            <a:r>
+              <a:rPr lang="en-US" dirty="0" smtClean="0"/>
+              <a:t>; if the person has hobbies, it will talk about one of the hobbies</a:t>
+            </a:r>
+          </a:p>
+          <a:p>
+            <a:pPr lvl="1"/>
+            <a:r>
+              <a:rPr lang="en-US" dirty="0" smtClean="0"/>
+              <a:t>void </a:t>
+            </a:r>
+            <a:r>
+              <a:rPr lang="en-US" dirty="0" err="1" smtClean="0"/>
+              <a:t>AddHoby</a:t>
+            </a:r>
+            <a:r>
+              <a:rPr lang="en-US" dirty="0" smtClean="0"/>
+              <a:t>(string hobby): will add an entry to the set of hobbies</a:t>
+            </a:r>
+          </a:p>
+          <a:p>
+            <a:r>
+              <a:rPr lang="en-US" dirty="0" smtClean="0"/>
+              <a:t>You will then write </a:t>
+            </a:r>
+            <a:r>
+              <a:rPr lang="en-US" i="1" dirty="0" err="1" smtClean="0"/>
+              <a:t>Person.cs</a:t>
+            </a:r>
+            <a:r>
+              <a:rPr lang="en-US" dirty="0" smtClean="0"/>
+              <a:t>, which will implement </a:t>
+            </a:r>
+            <a:r>
+              <a:rPr lang="en-US" dirty="0" err="1" smtClean="0"/>
+              <a:t>IPerson</a:t>
+            </a:r>
+            <a:r>
+              <a:rPr lang="en-US" dirty="0" smtClean="0"/>
+              <a:t>!</a:t>
+            </a:r>
+            <a:endParaRPr lang="en-US" i="1" dirty="0"/>
           </a:p>
         </p:txBody>
       </p:sp>
     </p:spTree>
     <p:extLst>
       <p:ext uri="{BB962C8B-B14F-4D97-AF65-F5344CB8AC3E}">
-        <p14:creationId xmlns:p14="http://schemas.microsoft.com/office/powerpoint/2010/main" val="711584714"/>
+        <p14:creationId xmlns:p14="http://schemas.microsoft.com/office/powerpoint/2010/main" val="1584339635"/>
       </p:ext>
     </p:extLst>
   </p:cSld>
@@ -5529,315 +5824,52 @@
           <a:chExt cx="0" cy="0"/>
         </a:xfrm>
       </p:grpSpPr>
-      <p:sp useBgFill="1">
-        <p:nvSpPr>
-          <p:cNvPr id="8" name="Rectangle 7"/>
-          <p:cNvSpPr>
-            <a:spLocks noGrp="1" noRot="1" noChangeAspect="1" noMove="1" noResize="1" noEditPoints="1" noAdjustHandles="1" noChangeArrowheads="1" noChangeShapeType="1" noTextEdit="1"/>
-          </p:cNvSpPr>
-          <p:nvPr>
-            <p:extLst>
-              <p:ext uri="{386F3935-93C4-4BCD-93E2-E3B085C9AB24}">
-                <p16:designElem xmlns:p16="http://schemas.microsoft.com/office/powerpoint/2015/main" val="1"/>
-              </p:ext>
-            </p:extLst>
-          </p:nvPr>
-        </p:nvSpPr>
-        <p:spPr>
-          <a:xfrm>
-            <a:off x="0" y="0"/>
-            <a:ext cx="12186315" cy="6858000"/>
-          </a:xfrm>
-          <a:prstGeom prst="rect">
-            <a:avLst/>
-          </a:prstGeom>
-          <a:ln>
-            <a:noFill/>
-          </a:ln>
-        </p:spPr>
-        <p:style>
-          <a:lnRef idx="2">
-            <a:schemeClr val="accent6">
-              <a:shade val="50000"/>
-            </a:schemeClr>
-          </a:lnRef>
-          <a:fillRef idx="1001">
-            <a:schemeClr val="lt1"/>
-          </a:fillRef>
-          <a:effectRef idx="0">
-            <a:schemeClr val="accent6"/>
-          </a:effectRef>
-          <a:fontRef idx="minor">
-            <a:schemeClr val="lt1"/>
-          </a:fontRef>
-        </p:style>
-        <p:txBody>
-          <a:bodyPr rtlCol="0" anchor="ctr"/>
-          <a:lstStyle/>
-          <a:p>
-            <a:pPr algn="ctr"/>
+      <p:sp>
+        <p:nvSpPr>
+          <p:cNvPr id="2" name="Title 1"/>
+          <p:cNvSpPr>
+            <a:spLocks noGrp="1"/>
+          </p:cNvSpPr>
+          <p:nvPr>
+            <p:ph type="ctrTitle"/>
+          </p:nvPr>
+        </p:nvSpPr>
+        <p:spPr/>
+        <p:txBody>
+          <a:bodyPr/>
+          <a:lstStyle/>
+          <a:p>
+            <a:r>
+              <a:rPr lang="en-US" dirty="0" smtClean="0"/>
+              <a:t>Advanced OOP: Inheritance and Polymorphism</a:t>
+            </a:r>
+            <a:endParaRPr lang="en-US" dirty="0"/>
+          </a:p>
+        </p:txBody>
+      </p:sp>
+      <p:sp>
+        <p:nvSpPr>
+          <p:cNvPr id="3" name="Subtitle 2"/>
+          <p:cNvSpPr>
+            <a:spLocks noGrp="1"/>
+          </p:cNvSpPr>
+          <p:nvPr>
+            <p:ph type="subTitle" idx="1"/>
+          </p:nvPr>
+        </p:nvSpPr>
+        <p:spPr/>
+        <p:txBody>
+          <a:bodyPr/>
+          <a:lstStyle/>
+          <a:p>
             <a:endParaRPr lang="en-US"/>
-          </a:p>
-        </p:txBody>
-      </p:sp>
-      <p:sp>
-        <p:nvSpPr>
-          <p:cNvPr id="10" name="Rectangle 9"/>
-          <p:cNvSpPr>
-            <a:spLocks noGrp="1" noRot="1" noChangeAspect="1" noMove="1" noResize="1" noEditPoints="1" noAdjustHandles="1" noChangeArrowheads="1" noChangeShapeType="1" noTextEdit="1"/>
-          </p:cNvSpPr>
-          <p:nvPr>
-            <p:extLst>
-              <p:ext uri="{386F3935-93C4-4BCD-93E2-E3B085C9AB24}">
-                <p16:designElem xmlns:p16="http://schemas.microsoft.com/office/powerpoint/2015/main" val="1"/>
-              </p:ext>
-            </p:extLst>
-          </p:nvPr>
-        </p:nvSpPr>
-        <p:spPr>
-          <a:xfrm>
-            <a:off x="16" y="0"/>
-            <a:ext cx="4050791" cy="6858000"/>
-          </a:xfrm>
-          <a:prstGeom prst="rect">
-            <a:avLst/>
-          </a:prstGeom>
-          <a:solidFill>
-            <a:schemeClr val="accent2"/>
-          </a:solidFill>
-          <a:ln>
-            <a:noFill/>
-          </a:ln>
-        </p:spPr>
-        <p:style>
-          <a:lnRef idx="2">
-            <a:schemeClr val="accent1">
-              <a:shade val="50000"/>
-            </a:schemeClr>
-          </a:lnRef>
-          <a:fillRef idx="1">
-            <a:schemeClr val="accent1"/>
-          </a:fillRef>
-          <a:effectRef idx="0">
-            <a:schemeClr val="accent1"/>
-          </a:effectRef>
-          <a:fontRef idx="minor">
-            <a:schemeClr val="lt1"/>
-          </a:fontRef>
-        </p:style>
-      </p:sp>
-      <p:sp>
-        <p:nvSpPr>
-          <p:cNvPr id="12" name="Rectangle 11"/>
-          <p:cNvSpPr>
-            <a:spLocks noGrp="1" noRot="1" noChangeAspect="1" noMove="1" noResize="1" noEditPoints="1" noAdjustHandles="1" noChangeArrowheads="1" noChangeShapeType="1" noTextEdit="1"/>
-          </p:cNvSpPr>
-          <p:nvPr>
-            <p:extLst>
-              <p:ext uri="{386F3935-93C4-4BCD-93E2-E3B085C9AB24}">
-                <p16:designElem xmlns:p16="http://schemas.microsoft.com/office/powerpoint/2015/main" val="1"/>
-              </p:ext>
-            </p:extLst>
-          </p:nvPr>
-        </p:nvSpPr>
-        <p:spPr>
-          <a:xfrm>
-            <a:off x="4040071" y="0"/>
-            <a:ext cx="64008" cy="6858000"/>
-          </a:xfrm>
-          <a:prstGeom prst="rect">
-            <a:avLst/>
-          </a:prstGeom>
-          <a:solidFill>
-            <a:schemeClr val="accent1"/>
-          </a:solidFill>
-          <a:ln>
-            <a:noFill/>
-          </a:ln>
-        </p:spPr>
-        <p:style>
-          <a:lnRef idx="2">
-            <a:schemeClr val="accent1">
-              <a:shade val="50000"/>
-            </a:schemeClr>
-          </a:lnRef>
-          <a:fillRef idx="1">
-            <a:schemeClr val="accent1"/>
-          </a:fillRef>
-          <a:effectRef idx="0">
-            <a:schemeClr val="accent1"/>
-          </a:effectRef>
-          <a:fontRef idx="minor">
-            <a:schemeClr val="lt1"/>
-          </a:fontRef>
-        </p:style>
-      </p:sp>
-      <p:pic>
-        <p:nvPicPr>
-          <p:cNvPr id="4" name="Picture 3"/>
-          <p:cNvPicPr>
-            <a:picLocks noChangeAspect="1"/>
-          </p:cNvPicPr>
-          <p:nvPr/>
-        </p:nvPicPr>
-        <p:blipFill>
-          <a:blip r:embed="rId2">
-            <a:extLst>
-              <a:ext uri="{28A0092B-C50C-407E-A947-70E740481C1C}">
-                <a14:useLocalDpi xmlns:a14="http://schemas.microsoft.com/office/drawing/2010/main" val="0"/>
-              </a:ext>
-            </a:extLst>
-          </a:blip>
-          <a:stretch>
-            <a:fillRect/>
-          </a:stretch>
-        </p:blipFill>
-        <p:spPr>
-          <a:xfrm>
-            <a:off x="4742017" y="1228121"/>
-            <a:ext cx="6798082" cy="4401758"/>
-          </a:xfrm>
-          <a:prstGeom prst="rect">
-            <a:avLst/>
-          </a:prstGeom>
-        </p:spPr>
-      </p:pic>
-      <p:sp>
-        <p:nvSpPr>
-          <p:cNvPr id="2" name="Title 1"/>
-          <p:cNvSpPr>
-            <a:spLocks noGrp="1"/>
-          </p:cNvSpPr>
-          <p:nvPr>
-            <p:ph type="title"/>
-          </p:nvPr>
-        </p:nvSpPr>
-        <p:spPr>
-          <a:xfrm>
-            <a:off x="492370" y="516835"/>
-            <a:ext cx="3084844" cy="2103875"/>
-          </a:xfrm>
-        </p:spPr>
-        <p:txBody>
-          <a:bodyPr>
-            <a:normAutofit/>
-          </a:bodyPr>
-          <a:lstStyle/>
-          <a:p>
-            <a:r>
-              <a:rPr lang="en-US" sz="3600">
-                <a:solidFill>
-                  <a:srgbClr val="FFFFFF"/>
-                </a:solidFill>
-              </a:rPr>
-              <a:t>What is inheritance?</a:t>
-            </a:r>
-          </a:p>
-        </p:txBody>
-      </p:sp>
-      <p:sp>
-        <p:nvSpPr>
-          <p:cNvPr id="3" name="Content Placeholder 2"/>
-          <p:cNvSpPr>
-            <a:spLocks noGrp="1"/>
-          </p:cNvSpPr>
-          <p:nvPr>
-            <p:ph idx="1"/>
-          </p:nvPr>
-        </p:nvSpPr>
-        <p:spPr>
-          <a:xfrm>
-            <a:off x="492371" y="2653800"/>
-            <a:ext cx="3084844" cy="3335519"/>
-          </a:xfrm>
-        </p:spPr>
-        <p:txBody>
-          <a:bodyPr>
-            <a:normAutofit/>
-          </a:bodyPr>
-          <a:lstStyle/>
-          <a:p>
-            <a:pPr>
-              <a:lnSpc>
-                <a:spcPct val="70000"/>
-              </a:lnSpc>
-            </a:pPr>
-            <a:r>
-              <a:rPr lang="en-US" sz="1400" dirty="0">
-                <a:solidFill>
-                  <a:srgbClr val="FFFFFF"/>
-                </a:solidFill>
-              </a:rPr>
-              <a:t>Inheritance is the concept of allowing classes to be created that exist "on top" of other classes. </a:t>
-            </a:r>
-          </a:p>
-          <a:p>
-            <a:pPr>
-              <a:lnSpc>
-                <a:spcPct val="70000"/>
-              </a:lnSpc>
-            </a:pPr>
-            <a:r>
-              <a:rPr lang="en-US" sz="1400" dirty="0">
-                <a:solidFill>
-                  <a:srgbClr val="FFFFFF"/>
-                </a:solidFill>
-              </a:rPr>
-              <a:t>For example, we can make a class for mammals, and have dogs inherit from that class. Often, we will inherit from abstract or partial classes. </a:t>
-            </a:r>
-          </a:p>
-          <a:p>
-            <a:pPr>
-              <a:lnSpc>
-                <a:spcPct val="70000"/>
-              </a:lnSpc>
-            </a:pPr>
-            <a:r>
-              <a:rPr lang="en-US" sz="1400" dirty="0">
-                <a:solidFill>
-                  <a:srgbClr val="FFFFFF"/>
-                </a:solidFill>
-              </a:rPr>
-              <a:t>Is is often useful to make an abstract class, which is a "partial class", or to use virtual methods when making a class. You can't make a new instance of an abstract class since it's incomplete, but you can inherit from them and build on top of them.</a:t>
-            </a:r>
-          </a:p>
-          <a:p>
-            <a:pPr>
-              <a:lnSpc>
-                <a:spcPct val="70000"/>
-              </a:lnSpc>
-            </a:pPr>
-            <a:r>
-              <a:rPr lang="en-US" sz="1400" dirty="0">
-                <a:solidFill>
-                  <a:srgbClr val="FFFFFF"/>
-                </a:solidFill>
-              </a:rPr>
-              <a:t>Our Mammal class was an abstract class, and our </a:t>
-            </a:r>
-            <a:r>
-              <a:rPr lang="en-US" sz="1400" dirty="0" err="1">
-                <a:solidFill>
-                  <a:srgbClr val="FFFFFF"/>
-                </a:solidFill>
-              </a:rPr>
-              <a:t>HoneyBadger</a:t>
-            </a:r>
-            <a:r>
-              <a:rPr lang="en-US" sz="1400" dirty="0">
-                <a:solidFill>
-                  <a:srgbClr val="FFFFFF"/>
-                </a:solidFill>
-              </a:rPr>
-              <a:t> class inherits the Mammal class and finishes it up.</a:t>
-            </a:r>
           </a:p>
         </p:txBody>
       </p:sp>
     </p:spTree>
     <p:extLst>
       <p:ext uri="{BB962C8B-B14F-4D97-AF65-F5344CB8AC3E}">
-        <p14:creationId xmlns:p14="http://schemas.microsoft.com/office/powerpoint/2010/main" val="716345250"/>
+        <p14:creationId xmlns:p14="http://schemas.microsoft.com/office/powerpoint/2010/main" val="711584714"/>
       </p:ext>
     </p:extLst>
   </p:cSld>
@@ -5871,6 +5903,179 @@
           <a:chExt cx="0" cy="0"/>
         </a:xfrm>
       </p:grpSpPr>
+      <p:sp useBgFill="1">
+        <p:nvSpPr>
+          <p:cNvPr id="8" name="Rectangle 7"/>
+          <p:cNvSpPr>
+            <a:spLocks noGrp="1" noRot="1" noChangeAspect="1" noMove="1" noResize="1" noEditPoints="1" noAdjustHandles="1" noChangeArrowheads="1" noChangeShapeType="1" noTextEdit="1"/>
+          </p:cNvSpPr>
+          <p:nvPr>
+            <p:extLst>
+              <p:ext uri="{386F3935-93C4-4BCD-93E2-E3B085C9AB24}">
+                <p16:designElem xmlns:p16="http://schemas.microsoft.com/office/powerpoint/2015/main" val="1"/>
+              </p:ext>
+            </p:extLst>
+          </p:nvPr>
+        </p:nvSpPr>
+        <p:spPr>
+          <a:xfrm>
+            <a:off x="0" y="0"/>
+            <a:ext cx="12186315" cy="6858000"/>
+          </a:xfrm>
+          <a:prstGeom prst="rect">
+            <a:avLst/>
+          </a:prstGeom>
+          <a:ln>
+            <a:noFill/>
+          </a:ln>
+        </p:spPr>
+        <p:style>
+          <a:lnRef idx="2">
+            <a:schemeClr val="accent6">
+              <a:shade val="50000"/>
+            </a:schemeClr>
+          </a:lnRef>
+          <a:fillRef idx="1001">
+            <a:schemeClr val="lt1"/>
+          </a:fillRef>
+          <a:effectRef idx="0">
+            <a:schemeClr val="accent6"/>
+          </a:effectRef>
+          <a:fontRef idx="minor">
+            <a:schemeClr val="lt1"/>
+          </a:fontRef>
+        </p:style>
+        <p:txBody>
+          <a:bodyPr rtlCol="0" anchor="ctr"/>
+          <a:lstStyle/>
+          <a:p>
+            <a:pPr algn="ctr"/>
+            <a:endParaRPr lang="en-US"/>
+          </a:p>
+        </p:txBody>
+      </p:sp>
+      <p:sp>
+        <p:nvSpPr>
+          <p:cNvPr id="10" name="Rectangle 9"/>
+          <p:cNvSpPr>
+            <a:spLocks noGrp="1" noRot="1" noChangeAspect="1" noMove="1" noResize="1" noEditPoints="1" noAdjustHandles="1" noChangeArrowheads="1" noChangeShapeType="1" noTextEdit="1"/>
+          </p:cNvSpPr>
+          <p:nvPr>
+            <p:extLst>
+              <p:ext uri="{386F3935-93C4-4BCD-93E2-E3B085C9AB24}">
+                <p16:designElem xmlns:p16="http://schemas.microsoft.com/office/powerpoint/2015/main" val="1"/>
+              </p:ext>
+            </p:extLst>
+          </p:nvPr>
+        </p:nvSpPr>
+        <p:spPr>
+          <a:xfrm>
+            <a:off x="16" y="0"/>
+            <a:ext cx="4050791" cy="6858000"/>
+          </a:xfrm>
+          <a:prstGeom prst="rect">
+            <a:avLst/>
+          </a:prstGeom>
+          <a:solidFill>
+            <a:schemeClr val="accent2"/>
+          </a:solidFill>
+          <a:ln>
+            <a:noFill/>
+          </a:ln>
+        </p:spPr>
+        <p:style>
+          <a:lnRef idx="2">
+            <a:schemeClr val="accent1">
+              <a:shade val="50000"/>
+            </a:schemeClr>
+          </a:lnRef>
+          <a:fillRef idx="1">
+            <a:schemeClr val="accent1"/>
+          </a:fillRef>
+          <a:effectRef idx="0">
+            <a:schemeClr val="accent1"/>
+          </a:effectRef>
+          <a:fontRef idx="minor">
+            <a:schemeClr val="lt1"/>
+          </a:fontRef>
+        </p:style>
+      </p:sp>
+      <p:sp>
+        <p:nvSpPr>
+          <p:cNvPr id="12" name="Rectangle 11"/>
+          <p:cNvSpPr>
+            <a:spLocks noGrp="1" noRot="1" noChangeAspect="1" noMove="1" noResize="1" noEditPoints="1" noAdjustHandles="1" noChangeArrowheads="1" noChangeShapeType="1" noTextEdit="1"/>
+          </p:cNvSpPr>
+          <p:nvPr>
+            <p:extLst>
+              <p:ext uri="{386F3935-93C4-4BCD-93E2-E3B085C9AB24}">
+                <p16:designElem xmlns:p16="http://schemas.microsoft.com/office/powerpoint/2015/main" val="1"/>
+              </p:ext>
+            </p:extLst>
+          </p:nvPr>
+        </p:nvSpPr>
+        <p:spPr>
+          <a:xfrm>
+            <a:off x="4040071" y="0"/>
+            <a:ext cx="64008" cy="6858000"/>
+          </a:xfrm>
+          <a:prstGeom prst="rect">
+            <a:avLst/>
+          </a:prstGeom>
+          <a:solidFill>
+            <a:schemeClr val="accent1"/>
+          </a:solidFill>
+          <a:ln>
+            <a:noFill/>
+          </a:ln>
+        </p:spPr>
+        <p:style>
+          <a:lnRef idx="2">
+            <a:schemeClr val="accent1">
+              <a:shade val="50000"/>
+            </a:schemeClr>
+          </a:lnRef>
+          <a:fillRef idx="1">
+            <a:schemeClr val="accent1"/>
+          </a:fillRef>
+          <a:effectRef idx="0">
+            <a:schemeClr val="accent1"/>
+          </a:effectRef>
+          <a:fontRef idx="minor">
+            <a:schemeClr val="lt1"/>
+          </a:fontRef>
+        </p:style>
+      </p:sp>
+      <p:pic>
+        <p:nvPicPr>
+          <p:cNvPr id="4" name="Picture 3"/>
+          <p:cNvPicPr>
+            <a:picLocks noChangeAspect="1"/>
+          </p:cNvPicPr>
+          <p:nvPr/>
+        </p:nvPicPr>
+        <p:blipFill>
+          <a:blip r:embed="rId2">
+            <a:extLst>
+              <a:ext uri="{28A0092B-C50C-407E-A947-70E740481C1C}">
+                <a14:useLocalDpi xmlns:a14="http://schemas.microsoft.com/office/drawing/2010/main" val="0"/>
+              </a:ext>
+            </a:extLst>
+          </a:blip>
+          <a:stretch>
+            <a:fillRect/>
+          </a:stretch>
+        </p:blipFill>
+        <p:spPr>
+          <a:xfrm>
+            <a:off x="4742017" y="1228121"/>
+            <a:ext cx="6798082" cy="4401758"/>
+          </a:xfrm>
+          <a:prstGeom prst="rect">
+            <a:avLst/>
+          </a:prstGeom>
+        </p:spPr>
+      </p:pic>
       <p:sp>
         <p:nvSpPr>
           <p:cNvPr id="2" name="Title 1"/>
@@ -5881,16 +6086,26 @@
             <p:ph type="title"/>
           </p:nvPr>
         </p:nvSpPr>
-        <p:spPr/>
-        <p:txBody>
-          <a:bodyPr/>
-          <a:lstStyle/>
-          <a:p>
-            <a:r>
-              <a:rPr lang="en-US" dirty="0" smtClean="0"/>
-              <a:t>Multiple Inheritance</a:t>
-            </a:r>
-            <a:endParaRPr lang="en-US" dirty="0"/>
+        <p:spPr>
+          <a:xfrm>
+            <a:off x="492370" y="516835"/>
+            <a:ext cx="3084844" cy="2103875"/>
+          </a:xfrm>
+        </p:spPr>
+        <p:txBody>
+          <a:bodyPr>
+            <a:normAutofit/>
+          </a:bodyPr>
+          <a:lstStyle/>
+          <a:p>
+            <a:r>
+              <a:rPr lang="en-US" sz="3600">
+                <a:solidFill>
+                  <a:srgbClr val="FFFFFF"/>
+                </a:solidFill>
+              </a:rPr>
+              <a:t>What is inheritance?</a:t>
+            </a:r>
           </a:p>
         </p:txBody>
       </p:sp>
@@ -5904,136 +6119,99 @@
             <p:ph idx="1"/>
           </p:nvPr>
         </p:nvSpPr>
-        <p:spPr/>
-        <p:txBody>
-          <a:bodyPr/>
-          <a:lstStyle/>
-          <a:p>
-            <a:r>
-              <a:rPr lang="en-US" dirty="0" smtClean="0"/>
-              <a:t>Interfaces and classes can both inherit from multiple interfaces at a time. This allows us to create small interfaces that describe a very reusable slice of functionality. </a:t>
-            </a:r>
-            <a:endParaRPr lang="en-US" dirty="0"/>
-          </a:p>
-          <a:p>
-            <a:r>
-              <a:rPr lang="en-US" dirty="0" smtClean="0"/>
-              <a:t>For example, our animals all can move! But they all move in different ways.</a:t>
-            </a:r>
-          </a:p>
-          <a:p>
-            <a:r>
-              <a:rPr lang="en-US" dirty="0" smtClean="0"/>
-              <a:t>Rather than declare that all our animals follow the interface rules of </a:t>
-            </a:r>
-            <a:r>
-              <a:rPr lang="en-US" dirty="0" err="1" smtClean="0"/>
-              <a:t>IWalkable</a:t>
-            </a:r>
-            <a:r>
-              <a:rPr lang="en-US" dirty="0" smtClean="0"/>
-              <a:t>, or </a:t>
-            </a:r>
-            <a:r>
-              <a:rPr lang="en-US" dirty="0" err="1" smtClean="0"/>
-              <a:t>IFlyable</a:t>
-            </a:r>
-            <a:r>
-              <a:rPr lang="en-US" dirty="0" smtClean="0"/>
-              <a:t>, we have each particular abstract class define inherit from </a:t>
-            </a:r>
-            <a:r>
-              <a:rPr lang="en-US" dirty="0" err="1" smtClean="0"/>
-              <a:t>IAnimal</a:t>
-            </a:r>
-            <a:r>
-              <a:rPr lang="en-US" dirty="0" smtClean="0"/>
-              <a:t> and whichever movement patterns describe them best.</a:t>
-            </a:r>
-          </a:p>
-          <a:p>
-            <a:pPr lvl="1"/>
-            <a:r>
-              <a:rPr lang="en-US" dirty="0" smtClean="0"/>
-              <a:t>Mammal inherits from </a:t>
-            </a:r>
-            <a:r>
-              <a:rPr lang="en-US" dirty="0" err="1" smtClean="0"/>
-              <a:t>IWalkable</a:t>
-            </a:r>
-            <a:r>
-              <a:rPr lang="en-US" dirty="0" smtClean="0"/>
-              <a:t> and </a:t>
-            </a:r>
-            <a:r>
-              <a:rPr lang="en-US" dirty="0" err="1" smtClean="0"/>
-              <a:t>IAnimal</a:t>
-            </a:r>
-            <a:endParaRPr lang="en-US" dirty="0" smtClean="0"/>
-          </a:p>
-          <a:p>
-            <a:pPr lvl="1"/>
-            <a:r>
-              <a:rPr lang="en-US" dirty="0" smtClean="0"/>
-              <a:t>Avian inherits from </a:t>
-            </a:r>
-            <a:r>
-              <a:rPr lang="en-US" dirty="0" err="1" smtClean="0"/>
-              <a:t>IWalkable</a:t>
-            </a:r>
-            <a:r>
-              <a:rPr lang="en-US" dirty="0" smtClean="0"/>
-              <a:t>, </a:t>
-            </a:r>
-            <a:r>
-              <a:rPr lang="en-US" dirty="0" err="1" smtClean="0"/>
-              <a:t>IFlyable</a:t>
-            </a:r>
-            <a:r>
-              <a:rPr lang="en-US" dirty="0" smtClean="0"/>
-              <a:t>, and </a:t>
-            </a:r>
-            <a:r>
-              <a:rPr lang="en-US" dirty="0" err="1" smtClean="0"/>
-              <a:t>IAnimal</a:t>
-            </a:r>
-            <a:endParaRPr lang="en-US" dirty="0"/>
-          </a:p>
-          <a:p>
-            <a:r>
-              <a:rPr lang="en-US" dirty="0" smtClean="0"/>
-              <a:t>This can be extended to a school of thought known as </a:t>
-            </a:r>
-            <a:r>
-              <a:rPr lang="en-US" i="1" dirty="0" smtClean="0"/>
-              <a:t>composition over inheritance</a:t>
-            </a:r>
-          </a:p>
-          <a:p>
-            <a:pPr lvl="1"/>
-            <a:r>
-              <a:rPr lang="en-US" dirty="0">
-                <a:hlinkClick r:id="rId2"/>
+        <p:spPr>
+          <a:xfrm>
+            <a:off x="492371" y="2653800"/>
+            <a:ext cx="3084844" cy="3335519"/>
+          </a:xfrm>
+        </p:spPr>
+        <p:txBody>
+          <a:bodyPr>
+            <a:normAutofit/>
+          </a:bodyPr>
+          <a:lstStyle/>
+          <a:p>
+            <a:pPr>
+              <a:lnSpc>
+                <a:spcPct val="70000"/>
+              </a:lnSpc>
+            </a:pPr>
+            <a:r>
+              <a:rPr lang="en-US" sz="1400" dirty="0">
+                <a:solidFill>
+                  <a:srgbClr val="FFFFFF"/>
+                </a:solidFill>
               </a:rPr>
-              <a:t>https://</a:t>
-            </a:r>
-            <a:r>
-              <a:rPr lang="en-US" dirty="0" smtClean="0">
-                <a:hlinkClick r:id="rId2"/>
+              <a:t>Inheritance is the concept of allowing classes to be created that exist "on top" of other classes. </a:t>
+            </a:r>
+          </a:p>
+          <a:p>
+            <a:pPr>
+              <a:lnSpc>
+                <a:spcPct val="70000"/>
+              </a:lnSpc>
+            </a:pPr>
+            <a:r>
+              <a:rPr lang="en-US" sz="1400" dirty="0">
+                <a:solidFill>
+                  <a:srgbClr val="FFFFFF"/>
+                </a:solidFill>
               </a:rPr>
-              <a:t>en.wikipedia.org/wiki/Composition_over_inheritance</a:t>
-            </a:r>
-            <a:endParaRPr lang="en-US" dirty="0" smtClean="0"/>
-          </a:p>
-          <a:p>
-            <a:endParaRPr lang="en-US" dirty="0"/>
+              <a:t>For example, we can make a class for mammals, and have dogs inherit from that class. Often, we will inherit from abstract or partial classes. </a:t>
+            </a:r>
+          </a:p>
+          <a:p>
+            <a:pPr>
+              <a:lnSpc>
+                <a:spcPct val="70000"/>
+              </a:lnSpc>
+            </a:pPr>
+            <a:r>
+              <a:rPr lang="en-US" sz="1400" dirty="0">
+                <a:solidFill>
+                  <a:srgbClr val="FFFFFF"/>
+                </a:solidFill>
+              </a:rPr>
+              <a:t>Is is often useful to make an abstract class, which is a "partial class", or to use virtual methods when making a class. You can't make a new instance of an abstract class since it's incomplete, but you can inherit from them and build on top of them.</a:t>
+            </a:r>
+          </a:p>
+          <a:p>
+            <a:pPr>
+              <a:lnSpc>
+                <a:spcPct val="70000"/>
+              </a:lnSpc>
+            </a:pPr>
+            <a:r>
+              <a:rPr lang="en-US" sz="1400" dirty="0">
+                <a:solidFill>
+                  <a:srgbClr val="FFFFFF"/>
+                </a:solidFill>
+              </a:rPr>
+              <a:t>Our Mammal class was an abstract class, and our </a:t>
+            </a:r>
+            <a:r>
+              <a:rPr lang="en-US" sz="1400" dirty="0" err="1">
+                <a:solidFill>
+                  <a:srgbClr val="FFFFFF"/>
+                </a:solidFill>
+              </a:rPr>
+              <a:t>HoneyBadger</a:t>
+            </a:r>
+            <a:r>
+              <a:rPr lang="en-US" sz="1400" dirty="0">
+                <a:solidFill>
+                  <a:srgbClr val="FFFFFF"/>
+                </a:solidFill>
+              </a:rPr>
+              <a:t> class inherits the Mammal class and finishes it up.</a:t>
+            </a:r>
           </a:p>
         </p:txBody>
       </p:sp>
     </p:spTree>
     <p:extLst>
       <p:ext uri="{BB962C8B-B14F-4D97-AF65-F5344CB8AC3E}">
-        <p14:creationId xmlns:p14="http://schemas.microsoft.com/office/powerpoint/2010/main" val="1948332637"/>
+        <p14:creationId xmlns:p14="http://schemas.microsoft.com/office/powerpoint/2010/main" val="716345250"/>
       </p:ext>
     </p:extLst>
   </p:cSld>
@@ -6083,9 +6261,10 @@
           <a:lstStyle/>
           <a:p>
             <a:r>
-              <a:rPr lang="en-US" dirty="0"/>
-              <a:t>What is polymorphism?</a:t>
-            </a:r>
+              <a:rPr lang="en-US" dirty="0" smtClean="0"/>
+              <a:t>Multiple Inheritance</a:t>
+            </a:r>
+            <a:endParaRPr lang="en-US" dirty="0"/>
           </a:p>
         </p:txBody>
       </p:sp>
@@ -6105,13 +6284,120 @@
           <a:lstStyle/>
           <a:p>
             <a:r>
-              <a:rPr lang="en-US" dirty="0"/>
-              <a:t>Polymorphism is the concept of your classes using the same name to represent the same action occurring, but in different ways. This comes in two forms: overriding, and </a:t>
-            </a:r>
-            <a:r>
               <a:rPr lang="en-US" dirty="0" smtClean="0"/>
-              <a:t>overloading</a:t>
-            </a:r>
+              <a:t>Interfaces and classes can both inherit from multiple interfaces at a time. This allows us to create small interfaces that describe a very reusable slice of functionality. </a:t>
+            </a:r>
+            <a:endParaRPr lang="en-US" dirty="0"/>
+          </a:p>
+          <a:p>
+            <a:r>
+              <a:rPr lang="en-US" dirty="0" smtClean="0"/>
+              <a:t>For example, our animals all can move! But they all move in different ways.</a:t>
+            </a:r>
+          </a:p>
+          <a:p>
+            <a:r>
+              <a:rPr lang="en-US" dirty="0" smtClean="0"/>
+              <a:t>Rather than declare that all our animals follow the interface rules of </a:t>
+            </a:r>
+            <a:r>
+              <a:rPr lang="en-US" dirty="0" err="1" smtClean="0"/>
+              <a:t>IWalkable</a:t>
+            </a:r>
+            <a:r>
+              <a:rPr lang="en-US" dirty="0" smtClean="0"/>
+              <a:t>, or </a:t>
+            </a:r>
+            <a:r>
+              <a:rPr lang="en-US" dirty="0" err="1" smtClean="0"/>
+              <a:t>IFlyable</a:t>
+            </a:r>
+            <a:r>
+              <a:rPr lang="en-US" dirty="0" smtClean="0"/>
+              <a:t>, we have each particular abstract class define inherit from </a:t>
+            </a:r>
+            <a:r>
+              <a:rPr lang="en-US" dirty="0" err="1" smtClean="0"/>
+              <a:t>IAnimal</a:t>
+            </a:r>
+            <a:r>
+              <a:rPr lang="en-US" dirty="0" smtClean="0"/>
+              <a:t> and whichever movement patterns describe them best.</a:t>
+            </a:r>
+          </a:p>
+          <a:p>
+            <a:pPr lvl="1"/>
+            <a:r>
+              <a:rPr lang="en-US" dirty="0" smtClean="0"/>
+              <a:t>Mammal inherits from </a:t>
+            </a:r>
+            <a:r>
+              <a:rPr lang="en-US" dirty="0" err="1" smtClean="0"/>
+              <a:t>IWalkable</a:t>
+            </a:r>
+            <a:r>
+              <a:rPr lang="en-US" dirty="0" smtClean="0"/>
+              <a:t> and </a:t>
+            </a:r>
+            <a:r>
+              <a:rPr lang="en-US" dirty="0" err="1" smtClean="0"/>
+              <a:t>IAnimal</a:t>
+            </a:r>
+            <a:endParaRPr lang="en-US" dirty="0" smtClean="0"/>
+          </a:p>
+          <a:p>
+            <a:pPr lvl="1"/>
+            <a:r>
+              <a:rPr lang="en-US" dirty="0" smtClean="0"/>
+              <a:t>Avian inherits from </a:t>
+            </a:r>
+            <a:r>
+              <a:rPr lang="en-US" dirty="0" err="1" smtClean="0"/>
+              <a:t>IWalkable</a:t>
+            </a:r>
+            <a:r>
+              <a:rPr lang="en-US" dirty="0" smtClean="0"/>
+              <a:t>, </a:t>
+            </a:r>
+            <a:r>
+              <a:rPr lang="en-US" dirty="0" err="1" smtClean="0"/>
+              <a:t>IFlyable</a:t>
+            </a:r>
+            <a:r>
+              <a:rPr lang="en-US" dirty="0" smtClean="0"/>
+              <a:t>, and </a:t>
+            </a:r>
+            <a:r>
+              <a:rPr lang="en-US" dirty="0" err="1" smtClean="0"/>
+              <a:t>IAnimal</a:t>
+            </a:r>
+            <a:endParaRPr lang="en-US" dirty="0"/>
+          </a:p>
+          <a:p>
+            <a:r>
+              <a:rPr lang="en-US" dirty="0" smtClean="0"/>
+              <a:t>This can be extended to a school of thought known as </a:t>
+            </a:r>
+            <a:r>
+              <a:rPr lang="en-US" i="1" dirty="0" smtClean="0"/>
+              <a:t>composition over inheritance</a:t>
+            </a:r>
+          </a:p>
+          <a:p>
+            <a:pPr lvl="1"/>
+            <a:r>
+              <a:rPr lang="en-US" dirty="0">
+                <a:hlinkClick r:id="rId2"/>
+              </a:rPr>
+              <a:t>https://</a:t>
+            </a:r>
+            <a:r>
+              <a:rPr lang="en-US" dirty="0" smtClean="0">
+                <a:hlinkClick r:id="rId2"/>
+              </a:rPr>
+              <a:t>en.wikipedia.org/wiki/Composition_over_inheritance</a:t>
+            </a:r>
+            <a:endParaRPr lang="en-US" dirty="0" smtClean="0"/>
           </a:p>
           <a:p>
             <a:endParaRPr lang="en-US" dirty="0"/>
@@ -6121,13 +6407,20 @@
     </p:spTree>
     <p:extLst>
       <p:ext uri="{BB962C8B-B14F-4D97-AF65-F5344CB8AC3E}">
-        <p14:creationId xmlns:p14="http://schemas.microsoft.com/office/powerpoint/2010/main" val="1666164392"/>
+        <p14:creationId xmlns:p14="http://schemas.microsoft.com/office/powerpoint/2010/main" val="1948332637"/>
       </p:ext>
     </p:extLst>
   </p:cSld>
   <p:clrMapOvr>
     <a:masterClrMapping/>
   </p:clrMapOvr>
+  <p:timing>
+    <p:tnLst>
+      <p:par>
+        <p:cTn id="1" dur="indefinite" restart="never" nodeType="tmRoot"/>
+      </p:par>
+    </p:tnLst>
+  </p:timing>
 </p:sld>
 </file>
 
@@ -6148,179 +6441,6 @@
           <a:chExt cx="0" cy="0"/>
         </a:xfrm>
       </p:grpSpPr>
-      <p:sp useBgFill="1">
-        <p:nvSpPr>
-          <p:cNvPr id="8" name="Rectangle 7"/>
-          <p:cNvSpPr>
-            <a:spLocks noGrp="1" noRot="1" noChangeAspect="1" noMove="1" noResize="1" noEditPoints="1" noAdjustHandles="1" noChangeArrowheads="1" noChangeShapeType="1" noTextEdit="1"/>
-          </p:cNvSpPr>
-          <p:nvPr>
-            <p:extLst>
-              <p:ext uri="{386F3935-93C4-4BCD-93E2-E3B085C9AB24}">
-                <p16:designElem xmlns:p16="http://schemas.microsoft.com/office/powerpoint/2015/main" val="1"/>
-              </p:ext>
-            </p:extLst>
-          </p:nvPr>
-        </p:nvSpPr>
-        <p:spPr>
-          <a:xfrm>
-            <a:off x="0" y="0"/>
-            <a:ext cx="12186315" cy="6858000"/>
-          </a:xfrm>
-          <a:prstGeom prst="rect">
-            <a:avLst/>
-          </a:prstGeom>
-          <a:ln>
-            <a:noFill/>
-          </a:ln>
-        </p:spPr>
-        <p:style>
-          <a:lnRef idx="2">
-            <a:schemeClr val="accent6">
-              <a:shade val="50000"/>
-            </a:schemeClr>
-          </a:lnRef>
-          <a:fillRef idx="1001">
-            <a:schemeClr val="lt1"/>
-          </a:fillRef>
-          <a:effectRef idx="0">
-            <a:schemeClr val="accent6"/>
-          </a:effectRef>
-          <a:fontRef idx="minor">
-            <a:schemeClr val="lt1"/>
-          </a:fontRef>
-        </p:style>
-        <p:txBody>
-          <a:bodyPr rtlCol="0" anchor="ctr"/>
-          <a:lstStyle/>
-          <a:p>
-            <a:pPr algn="ctr"/>
-            <a:endParaRPr lang="en-US"/>
-          </a:p>
-        </p:txBody>
-      </p:sp>
-      <p:sp>
-        <p:nvSpPr>
-          <p:cNvPr id="10" name="Rectangle 9"/>
-          <p:cNvSpPr>
-            <a:spLocks noGrp="1" noRot="1" noChangeAspect="1" noMove="1" noResize="1" noEditPoints="1" noAdjustHandles="1" noChangeArrowheads="1" noChangeShapeType="1" noTextEdit="1"/>
-          </p:cNvSpPr>
-          <p:nvPr>
-            <p:extLst>
-              <p:ext uri="{386F3935-93C4-4BCD-93E2-E3B085C9AB24}">
-                <p16:designElem xmlns:p16="http://schemas.microsoft.com/office/powerpoint/2015/main" val="1"/>
-              </p:ext>
-            </p:extLst>
-          </p:nvPr>
-        </p:nvSpPr>
-        <p:spPr>
-          <a:xfrm>
-            <a:off x="16" y="0"/>
-            <a:ext cx="4050791" cy="6858000"/>
-          </a:xfrm>
-          <a:prstGeom prst="rect">
-            <a:avLst/>
-          </a:prstGeom>
-          <a:solidFill>
-            <a:schemeClr val="accent2"/>
-          </a:solidFill>
-          <a:ln>
-            <a:noFill/>
-          </a:ln>
-        </p:spPr>
-        <p:style>
-          <a:lnRef idx="2">
-            <a:schemeClr val="accent1">
-              <a:shade val="50000"/>
-            </a:schemeClr>
-          </a:lnRef>
-          <a:fillRef idx="1">
-            <a:schemeClr val="accent1"/>
-          </a:fillRef>
-          <a:effectRef idx="0">
-            <a:schemeClr val="accent1"/>
-          </a:effectRef>
-          <a:fontRef idx="minor">
-            <a:schemeClr val="lt1"/>
-          </a:fontRef>
-        </p:style>
-      </p:sp>
-      <p:sp>
-        <p:nvSpPr>
-          <p:cNvPr id="12" name="Rectangle 11"/>
-          <p:cNvSpPr>
-            <a:spLocks noGrp="1" noRot="1" noChangeAspect="1" noMove="1" noResize="1" noEditPoints="1" noAdjustHandles="1" noChangeArrowheads="1" noChangeShapeType="1" noTextEdit="1"/>
-          </p:cNvSpPr>
-          <p:nvPr>
-            <p:extLst>
-              <p:ext uri="{386F3935-93C4-4BCD-93E2-E3B085C9AB24}">
-                <p16:designElem xmlns:p16="http://schemas.microsoft.com/office/powerpoint/2015/main" val="1"/>
-              </p:ext>
-            </p:extLst>
-          </p:nvPr>
-        </p:nvSpPr>
-        <p:spPr>
-          <a:xfrm>
-            <a:off x="4040071" y="0"/>
-            <a:ext cx="64008" cy="6858000"/>
-          </a:xfrm>
-          <a:prstGeom prst="rect">
-            <a:avLst/>
-          </a:prstGeom>
-          <a:solidFill>
-            <a:schemeClr val="accent1"/>
-          </a:solidFill>
-          <a:ln>
-            <a:noFill/>
-          </a:ln>
-        </p:spPr>
-        <p:style>
-          <a:lnRef idx="2">
-            <a:schemeClr val="accent1">
-              <a:shade val="50000"/>
-            </a:schemeClr>
-          </a:lnRef>
-          <a:fillRef idx="1">
-            <a:schemeClr val="accent1"/>
-          </a:fillRef>
-          <a:effectRef idx="0">
-            <a:schemeClr val="accent1"/>
-          </a:effectRef>
-          <a:fontRef idx="minor">
-            <a:schemeClr val="lt1"/>
-          </a:fontRef>
-        </p:style>
-      </p:sp>
-      <p:pic>
-        <p:nvPicPr>
-          <p:cNvPr id="4" name="Picture 3"/>
-          <p:cNvPicPr>
-            <a:picLocks noChangeAspect="1"/>
-          </p:cNvPicPr>
-          <p:nvPr/>
-        </p:nvPicPr>
-        <p:blipFill>
-          <a:blip r:embed="rId2">
-            <a:extLst>
-              <a:ext uri="{28A0092B-C50C-407E-A947-70E740481C1C}">
-                <a14:useLocalDpi xmlns:a14="http://schemas.microsoft.com/office/drawing/2010/main" val="0"/>
-              </a:ext>
-            </a:extLst>
-          </a:blip>
-          <a:stretch>
-            <a:fillRect/>
-          </a:stretch>
-        </p:blipFill>
-        <p:spPr>
-          <a:xfrm>
-            <a:off x="5791393" y="640080"/>
-            <a:ext cx="4699329" cy="5577840"/>
-          </a:xfrm>
-          <a:prstGeom prst="rect">
-            <a:avLst/>
-          </a:prstGeom>
-        </p:spPr>
-      </p:pic>
       <p:sp>
         <p:nvSpPr>
           <p:cNvPr id="2" name="Title 1"/>
@@ -6331,25 +6451,14 @@
             <p:ph type="title"/>
           </p:nvPr>
         </p:nvSpPr>
-        <p:spPr>
-          <a:xfrm>
-            <a:off x="492370" y="516835"/>
-            <a:ext cx="3084844" cy="2103875"/>
-          </a:xfrm>
-        </p:spPr>
-        <p:txBody>
-          <a:bodyPr>
-            <a:normAutofit/>
-          </a:bodyPr>
-          <a:lstStyle/>
-          <a:p>
-            <a:r>
-              <a:rPr lang="en-US" sz="3600">
-                <a:solidFill>
-                  <a:srgbClr val="FFFFFF"/>
-                </a:solidFill>
-              </a:rPr>
-              <a:t>Overloading</a:t>
+        <p:spPr/>
+        <p:txBody>
+          <a:bodyPr/>
+          <a:lstStyle/>
+          <a:p>
+            <a:r>
+              <a:rPr lang="en-US" dirty="0"/>
+              <a:t>What is polymorphism?</a:t>
             </a:r>
           </a:p>
         </p:txBody>
@@ -6364,75 +6473,29 @@
             <p:ph idx="1"/>
           </p:nvPr>
         </p:nvSpPr>
-        <p:spPr>
-          <a:xfrm>
-            <a:off x="492371" y="2653800"/>
-            <a:ext cx="3084844" cy="3335519"/>
-          </a:xfrm>
-        </p:spPr>
-        <p:txBody>
-          <a:bodyPr>
-            <a:normAutofit/>
-          </a:bodyPr>
-          <a:lstStyle/>
-          <a:p>
-            <a:r>
-              <a:rPr lang="en-US" sz="1500" dirty="0" smtClean="0">
-                <a:solidFill>
-                  <a:srgbClr val="FFFFFF"/>
-                </a:solidFill>
-              </a:rPr>
-              <a:t>Overloading is </a:t>
-            </a:r>
-            <a:r>
-              <a:rPr lang="en-US" sz="1500" dirty="0">
-                <a:solidFill>
-                  <a:srgbClr val="FFFFFF"/>
-                </a:solidFill>
-              </a:rPr>
-              <a:t>when a class has a method with the same </a:t>
-            </a:r>
-            <a:r>
-              <a:rPr lang="en-US" sz="1500" dirty="0" smtClean="0">
-                <a:solidFill>
-                  <a:srgbClr val="FFFFFF"/>
-                </a:solidFill>
-              </a:rPr>
-              <a:t>signature and return type, but different parameters. It is common to see overloads calling other overloads with different parameters. </a:t>
-            </a:r>
-          </a:p>
-          <a:p>
-            <a:r>
-              <a:rPr lang="en-US" sz="1500" dirty="0" smtClean="0">
-                <a:solidFill>
-                  <a:srgbClr val="FFFFFF"/>
-                </a:solidFill>
-              </a:rPr>
-              <a:t>Here, we see how a Dog has two </a:t>
-            </a:r>
-            <a:r>
-              <a:rPr lang="en-US" sz="1500" i="1" dirty="0" err="1" smtClean="0">
-                <a:solidFill>
-                  <a:srgbClr val="FFFFFF"/>
-                </a:solidFill>
-              </a:rPr>
-              <a:t>DoTrick</a:t>
-            </a:r>
-            <a:r>
-              <a:rPr lang="en-US" sz="1500" dirty="0" smtClean="0">
-                <a:solidFill>
-                  <a:srgbClr val="FFFFFF"/>
-                </a:solidFill>
-              </a:rPr>
-              <a:t> overloads: one of them has no particular trick specified, while one of them allows you to specify which trick to have the dog perform.</a:t>
-            </a:r>
+        <p:spPr/>
+        <p:txBody>
+          <a:bodyPr/>
+          <a:lstStyle/>
+          <a:p>
+            <a:r>
+              <a:rPr lang="en-US" dirty="0"/>
+              <a:t>Polymorphism is the concept of your classes using the same name to represent the same action occurring, but in different ways. This comes in two forms: overriding, and </a:t>
+            </a:r>
+            <a:r>
+              <a:rPr lang="en-US" dirty="0" smtClean="0"/>
+              <a:t>overloading</a:t>
+            </a:r>
+          </a:p>
+          <a:p>
+            <a:endParaRPr lang="en-US" dirty="0"/>
           </a:p>
         </p:txBody>
       </p:sp>
     </p:spTree>
     <p:extLst>
       <p:ext uri="{BB962C8B-B14F-4D97-AF65-F5344CB8AC3E}">
-        <p14:creationId xmlns:p14="http://schemas.microsoft.com/office/powerpoint/2010/main" val="4055466655"/>
+        <p14:creationId xmlns:p14="http://schemas.microsoft.com/office/powerpoint/2010/main" val="1666164392"/>
       </p:ext>
     </p:extLst>
   </p:cSld>
@@ -6624,8 +6687,8 @@
         </p:blipFill>
         <p:spPr>
           <a:xfrm>
-            <a:off x="4742017" y="1746474"/>
-            <a:ext cx="6798082" cy="3365051"/>
+            <a:off x="5791393" y="640080"/>
+            <a:ext cx="4699329" cy="5577840"/>
           </a:xfrm>
           <a:prstGeom prst="rect">
             <a:avLst/>
@@ -6660,7 +6723,7 @@
                   <a:srgbClr val="FFFFFF"/>
                 </a:solidFill>
               </a:rPr>
-              <a:t>Overriding</a:t>
+              <a:t>Overloading</a:t>
             </a:r>
           </a:p>
         </p:txBody>
@@ -6687,112 +6750,55 @@
           </a:bodyPr>
           <a:lstStyle/>
           <a:p>
-            <a:pPr>
-              <a:lnSpc>
-                <a:spcPct val="70000"/>
-              </a:lnSpc>
-            </a:pPr>
-            <a:r>
-              <a:rPr lang="en-US" sz="1300" dirty="0" smtClean="0">
+            <a:r>
+              <a:rPr lang="en-US" sz="1500" dirty="0" smtClean="0">
                 <a:solidFill>
                   <a:srgbClr val="FFFFFF"/>
                 </a:solidFill>
               </a:rPr>
-              <a:t>Overriding </a:t>
-            </a:r>
-            <a:r>
-              <a:rPr lang="en-US" sz="1300" dirty="0">
+              <a:t>Overloading is </a:t>
+            </a:r>
+            <a:r>
+              <a:rPr lang="en-US" sz="1500" dirty="0">
                 <a:solidFill>
                   <a:srgbClr val="FFFFFF"/>
                 </a:solidFill>
               </a:rPr>
-              <a:t>is when a child class makes a method that overrides a parent class's version of the same </a:t>
-            </a:r>
-            <a:r>
-              <a:rPr lang="en-US" sz="1300" dirty="0" smtClean="0">
+              <a:t>when a class has a method with the same </a:t>
+            </a:r>
+            <a:r>
+              <a:rPr lang="en-US" sz="1500" dirty="0" smtClean="0">
                 <a:solidFill>
                   <a:srgbClr val="FFFFFF"/>
                 </a:solidFill>
               </a:rPr>
-              <a:t>method. </a:t>
-            </a:r>
-          </a:p>
-          <a:p>
-            <a:pPr>
-              <a:lnSpc>
-                <a:spcPct val="70000"/>
-              </a:lnSpc>
-            </a:pPr>
-            <a:r>
-              <a:rPr lang="en-US" sz="1300" dirty="0" smtClean="0">
+              <a:t>signature and return type, but different parameters. It is common to see overloads calling other overloads with different parameters. </a:t>
+            </a:r>
+          </a:p>
+          <a:p>
+            <a:r>
+              <a:rPr lang="en-US" sz="1500" dirty="0" smtClean="0">
                 <a:solidFill>
                   <a:srgbClr val="FFFFFF"/>
                 </a:solidFill>
               </a:rPr>
-              <a:t>Even if we override a method on our child class, inside of our class we can actually still call our parent methods by using the </a:t>
-            </a:r>
-            <a:r>
-              <a:rPr lang="en-US" sz="1300" i="1" dirty="0" smtClean="0">
+              <a:t>Here, we see how a Dog has two </a:t>
+            </a:r>
+            <a:r>
+              <a:rPr lang="en-US" sz="1500" i="1" dirty="0" err="1" smtClean="0">
                 <a:solidFill>
                   <a:srgbClr val="FFFFFF"/>
                 </a:solidFill>
               </a:rPr>
-              <a:t>base</a:t>
-            </a:r>
-            <a:r>
-              <a:rPr lang="en-US" sz="1300" dirty="0" smtClean="0">
+              <a:t>DoTrick</a:t>
+            </a:r>
+            <a:r>
+              <a:rPr lang="en-US" sz="1500" dirty="0" smtClean="0">
                 <a:solidFill>
                   <a:srgbClr val="FFFFFF"/>
                 </a:solidFill>
               </a:rPr>
-              <a:t> reference. </a:t>
-            </a:r>
-          </a:p>
-          <a:p>
-            <a:pPr>
-              <a:lnSpc>
-                <a:spcPct val="70000"/>
-              </a:lnSpc>
-            </a:pPr>
-            <a:r>
-              <a:rPr lang="en-US" sz="1300" dirty="0" smtClean="0">
-                <a:solidFill>
-                  <a:srgbClr val="FFFFFF"/>
-                </a:solidFill>
-              </a:rPr>
-              <a:t>We see this in most of our animals. This demonstration can be found in </a:t>
-            </a:r>
-            <a:r>
-              <a:rPr lang="en-US" sz="1300" i="1" dirty="0" err="1" smtClean="0">
-                <a:solidFill>
-                  <a:srgbClr val="FFFFFF"/>
-                </a:solidFill>
-              </a:rPr>
-              <a:t>Parrot.cs</a:t>
-            </a:r>
-            <a:r>
-              <a:rPr lang="en-US" sz="1300" dirty="0" smtClean="0">
-                <a:solidFill>
-                  <a:srgbClr val="FFFFFF"/>
-                </a:solidFill>
-              </a:rPr>
-              <a:t>, where the Parrot will only eat if it’s their </a:t>
-            </a:r>
-            <a:r>
-              <a:rPr lang="en-US" sz="1300" dirty="0" err="1" smtClean="0">
-                <a:solidFill>
-                  <a:srgbClr val="FFFFFF"/>
-                </a:solidFill>
-              </a:rPr>
-              <a:t>prefered</a:t>
-            </a:r>
-            <a:r>
-              <a:rPr lang="en-US" sz="1300" dirty="0" smtClean="0">
-                <a:solidFill>
-                  <a:srgbClr val="FFFFFF"/>
-                </a:solidFill>
-              </a:rPr>
-              <a:t> food.</a:t>
+              <a:t> overloads: one of them has no particular trick specified, while one of them allows you to specify which trick to have the dog perform.</a:t>
             </a:r>
           </a:p>
         </p:txBody>
@@ -6800,7 +6806,7 @@
     </p:spTree>
     <p:extLst>
       <p:ext uri="{BB962C8B-B14F-4D97-AF65-F5344CB8AC3E}">
-        <p14:creationId xmlns:p14="http://schemas.microsoft.com/office/powerpoint/2010/main" val="3989909902"/>
+        <p14:creationId xmlns:p14="http://schemas.microsoft.com/office/powerpoint/2010/main" val="4055466655"/>
       </p:ext>
     </p:extLst>
   </p:cSld>
@@ -6827,6 +6833,179 @@
           <a:chExt cx="0" cy="0"/>
         </a:xfrm>
       </p:grpSpPr>
+      <p:sp useBgFill="1">
+        <p:nvSpPr>
+          <p:cNvPr id="8" name="Rectangle 7"/>
+          <p:cNvSpPr>
+            <a:spLocks noGrp="1" noRot="1" noChangeAspect="1" noMove="1" noResize="1" noEditPoints="1" noAdjustHandles="1" noChangeArrowheads="1" noChangeShapeType="1" noTextEdit="1"/>
+          </p:cNvSpPr>
+          <p:nvPr>
+            <p:extLst>
+              <p:ext uri="{386F3935-93C4-4BCD-93E2-E3B085C9AB24}">
+                <p16:designElem xmlns:p16="http://schemas.microsoft.com/office/powerpoint/2015/main" val="1"/>
+              </p:ext>
+            </p:extLst>
+          </p:nvPr>
+        </p:nvSpPr>
+        <p:spPr>
+          <a:xfrm>
+            <a:off x="0" y="0"/>
+            <a:ext cx="12186315" cy="6858000"/>
+          </a:xfrm>
+          <a:prstGeom prst="rect">
+            <a:avLst/>
+          </a:prstGeom>
+          <a:ln>
+            <a:noFill/>
+          </a:ln>
+        </p:spPr>
+        <p:style>
+          <a:lnRef idx="2">
+            <a:schemeClr val="accent6">
+              <a:shade val="50000"/>
+            </a:schemeClr>
+          </a:lnRef>
+          <a:fillRef idx="1001">
+            <a:schemeClr val="lt1"/>
+          </a:fillRef>
+          <a:effectRef idx="0">
+            <a:schemeClr val="accent6"/>
+          </a:effectRef>
+          <a:fontRef idx="minor">
+            <a:schemeClr val="lt1"/>
+          </a:fontRef>
+        </p:style>
+        <p:txBody>
+          <a:bodyPr rtlCol="0" anchor="ctr"/>
+          <a:lstStyle/>
+          <a:p>
+            <a:pPr algn="ctr"/>
+            <a:endParaRPr lang="en-US"/>
+          </a:p>
+        </p:txBody>
+      </p:sp>
+      <p:sp>
+        <p:nvSpPr>
+          <p:cNvPr id="10" name="Rectangle 9"/>
+          <p:cNvSpPr>
+            <a:spLocks noGrp="1" noRot="1" noChangeAspect="1" noMove="1" noResize="1" noEditPoints="1" noAdjustHandles="1" noChangeArrowheads="1" noChangeShapeType="1" noTextEdit="1"/>
+          </p:cNvSpPr>
+          <p:nvPr>
+            <p:extLst>
+              <p:ext uri="{386F3935-93C4-4BCD-93E2-E3B085C9AB24}">
+                <p16:designElem xmlns:p16="http://schemas.microsoft.com/office/powerpoint/2015/main" val="1"/>
+              </p:ext>
+            </p:extLst>
+          </p:nvPr>
+        </p:nvSpPr>
+        <p:spPr>
+          <a:xfrm>
+            <a:off x="16" y="0"/>
+            <a:ext cx="4050791" cy="6858000"/>
+          </a:xfrm>
+          <a:prstGeom prst="rect">
+            <a:avLst/>
+          </a:prstGeom>
+          <a:solidFill>
+            <a:schemeClr val="accent2"/>
+          </a:solidFill>
+          <a:ln>
+            <a:noFill/>
+          </a:ln>
+        </p:spPr>
+        <p:style>
+          <a:lnRef idx="2">
+            <a:schemeClr val="accent1">
+              <a:shade val="50000"/>
+            </a:schemeClr>
+          </a:lnRef>
+          <a:fillRef idx="1">
+            <a:schemeClr val="accent1"/>
+          </a:fillRef>
+          <a:effectRef idx="0">
+            <a:schemeClr val="accent1"/>
+          </a:effectRef>
+          <a:fontRef idx="minor">
+            <a:schemeClr val="lt1"/>
+          </a:fontRef>
+        </p:style>
+      </p:sp>
+      <p:sp>
+        <p:nvSpPr>
+          <p:cNvPr id="12" name="Rectangle 11"/>
+          <p:cNvSpPr>
+            <a:spLocks noGrp="1" noRot="1" noChangeAspect="1" noMove="1" noResize="1" noEditPoints="1" noAdjustHandles="1" noChangeArrowheads="1" noChangeShapeType="1" noTextEdit="1"/>
+          </p:cNvSpPr>
+          <p:nvPr>
+            <p:extLst>
+              <p:ext uri="{386F3935-93C4-4BCD-93E2-E3B085C9AB24}">
+                <p16:designElem xmlns:p16="http://schemas.microsoft.com/office/powerpoint/2015/main" val="1"/>
+              </p:ext>
+            </p:extLst>
+          </p:nvPr>
+        </p:nvSpPr>
+        <p:spPr>
+          <a:xfrm>
+            <a:off x="4040071" y="0"/>
+            <a:ext cx="64008" cy="6858000"/>
+          </a:xfrm>
+          <a:prstGeom prst="rect">
+            <a:avLst/>
+          </a:prstGeom>
+          <a:solidFill>
+            <a:schemeClr val="accent1"/>
+          </a:solidFill>
+          <a:ln>
+            <a:noFill/>
+          </a:ln>
+        </p:spPr>
+        <p:style>
+          <a:lnRef idx="2">
+            <a:schemeClr val="accent1">
+              <a:shade val="50000"/>
+            </a:schemeClr>
+          </a:lnRef>
+          <a:fillRef idx="1">
+            <a:schemeClr val="accent1"/>
+          </a:fillRef>
+          <a:effectRef idx="0">
+            <a:schemeClr val="accent1"/>
+          </a:effectRef>
+          <a:fontRef idx="minor">
+            <a:schemeClr val="lt1"/>
+          </a:fontRef>
+        </p:style>
+      </p:sp>
+      <p:pic>
+        <p:nvPicPr>
+          <p:cNvPr id="4" name="Picture 3"/>
+          <p:cNvPicPr>
+            <a:picLocks noChangeAspect="1"/>
+          </p:cNvPicPr>
+          <p:nvPr/>
+        </p:nvPicPr>
+        <p:blipFill>
+          <a:blip r:embed="rId2">
+            <a:extLst>
+              <a:ext uri="{28A0092B-C50C-407E-A947-70E740481C1C}">
+                <a14:useLocalDpi xmlns:a14="http://schemas.microsoft.com/office/drawing/2010/main" val="0"/>
+              </a:ext>
+            </a:extLst>
+          </a:blip>
+          <a:stretch>
+            <a:fillRect/>
+          </a:stretch>
+        </p:blipFill>
+        <p:spPr>
+          <a:xfrm>
+            <a:off x="4742017" y="1746474"/>
+            <a:ext cx="6798082" cy="3365051"/>
+          </a:xfrm>
+          <a:prstGeom prst="rect">
+            <a:avLst/>
+          </a:prstGeom>
+        </p:spPr>
+      </p:pic>
       <p:sp>
         <p:nvSpPr>
           <p:cNvPr id="2" name="Title 1"/>
@@ -6837,14 +7016,25 @@
             <p:ph type="title"/>
           </p:nvPr>
         </p:nvSpPr>
-        <p:spPr/>
-        <p:txBody>
-          <a:bodyPr/>
-          <a:lstStyle/>
-          <a:p>
-            <a:r>
-              <a:rPr lang="en-US" dirty="0"/>
-              <a:t>Abstract and virtual methods </a:t>
+        <p:spPr>
+          <a:xfrm>
+            <a:off x="492370" y="516835"/>
+            <a:ext cx="3084844" cy="2103875"/>
+          </a:xfrm>
+        </p:spPr>
+        <p:txBody>
+          <a:bodyPr>
+            <a:normAutofit/>
+          </a:bodyPr>
+          <a:lstStyle/>
+          <a:p>
+            <a:r>
+              <a:rPr lang="en-US" sz="3600">
+                <a:solidFill>
+                  <a:srgbClr val="FFFFFF"/>
+                </a:solidFill>
+              </a:rPr>
+              <a:t>Overriding</a:t>
             </a:r>
           </a:p>
         </p:txBody>
@@ -6859,21 +7049,124 @@
             <p:ph idx="1"/>
           </p:nvPr>
         </p:nvSpPr>
-        <p:spPr/>
-        <p:txBody>
-          <a:bodyPr/>
-          <a:lstStyle/>
-          <a:p>
-            <a:r>
-              <a:rPr lang="en-US" dirty="0"/>
-              <a:t>Abstract methods are when methods are described in a class, but not defined; it's allowing a class to describe the thing that it will need. </a:t>
-            </a:r>
-            <a:endParaRPr lang="en-US" dirty="0" smtClean="0"/>
-          </a:p>
-          <a:p>
-            <a:r>
-              <a:rPr lang="en-US" dirty="0"/>
-              <a:t>Virtual methods are "suggestions" that a class can follow. They can be overridden, or they can be used by their children.</a:t>
+        <p:spPr>
+          <a:xfrm>
+            <a:off x="492371" y="2653800"/>
+            <a:ext cx="3084844" cy="3335519"/>
+          </a:xfrm>
+        </p:spPr>
+        <p:txBody>
+          <a:bodyPr>
+            <a:normAutofit/>
+          </a:bodyPr>
+          <a:lstStyle/>
+          <a:p>
+            <a:pPr>
+              <a:lnSpc>
+                <a:spcPct val="70000"/>
+              </a:lnSpc>
+            </a:pPr>
+            <a:r>
+              <a:rPr lang="en-US" sz="1300" dirty="0" smtClean="0">
+                <a:solidFill>
+                  <a:srgbClr val="FFFFFF"/>
+                </a:solidFill>
+              </a:rPr>
+              <a:t>Overriding </a:t>
+            </a:r>
+            <a:r>
+              <a:rPr lang="en-US" sz="1300" dirty="0">
+                <a:solidFill>
+                  <a:srgbClr val="FFFFFF"/>
+                </a:solidFill>
+              </a:rPr>
+              <a:t>is when a child class makes a method that overrides a parent class's version of the same </a:t>
+            </a:r>
+            <a:r>
+              <a:rPr lang="en-US" sz="1300" dirty="0" smtClean="0">
+                <a:solidFill>
+                  <a:srgbClr val="FFFFFF"/>
+                </a:solidFill>
+              </a:rPr>
+              <a:t>method. </a:t>
+            </a:r>
+          </a:p>
+          <a:p>
+            <a:pPr>
+              <a:lnSpc>
+                <a:spcPct val="70000"/>
+              </a:lnSpc>
+            </a:pPr>
+            <a:r>
+              <a:rPr lang="en-US" sz="1300" dirty="0" smtClean="0">
+                <a:solidFill>
+                  <a:srgbClr val="FFFFFF"/>
+                </a:solidFill>
+              </a:rPr>
+              <a:t>Even if we override a method on our child class, inside of our class we can actually still call our parent methods by using the </a:t>
+            </a:r>
+            <a:r>
+              <a:rPr lang="en-US" sz="1300" i="1" dirty="0" smtClean="0">
+                <a:solidFill>
+                  <a:srgbClr val="FFFFFF"/>
+                </a:solidFill>
+              </a:rPr>
+              <a:t>base</a:t>
+            </a:r>
+            <a:r>
+              <a:rPr lang="en-US" sz="1300" dirty="0" smtClean="0">
+                <a:solidFill>
+                  <a:srgbClr val="FFFFFF"/>
+                </a:solidFill>
+              </a:rPr>
+              <a:t> reference. </a:t>
+            </a:r>
+          </a:p>
+          <a:p>
+            <a:pPr>
+              <a:lnSpc>
+                <a:spcPct val="70000"/>
+              </a:lnSpc>
+            </a:pPr>
+            <a:r>
+              <a:rPr lang="en-US" sz="1300" dirty="0" smtClean="0">
+                <a:solidFill>
+                  <a:srgbClr val="FFFFFF"/>
+                </a:solidFill>
+              </a:rPr>
+              <a:t>We see this in most of our animals. This demonstration can be found in </a:t>
+            </a:r>
+            <a:r>
+              <a:rPr lang="en-US" sz="1300" i="1" dirty="0" err="1" smtClean="0">
+                <a:solidFill>
+                  <a:srgbClr val="FFFFFF"/>
+                </a:solidFill>
+              </a:rPr>
+              <a:t>Parrot.cs</a:t>
+            </a:r>
+            <a:r>
+              <a:rPr lang="en-US" sz="1300" dirty="0" smtClean="0">
+                <a:solidFill>
+                  <a:srgbClr val="FFFFFF"/>
+                </a:solidFill>
+              </a:rPr>
+              <a:t>, where the Parrot will only eat if it’s their </a:t>
+            </a:r>
+            <a:r>
+              <a:rPr lang="en-US" sz="1300" dirty="0" err="1" smtClean="0">
+                <a:solidFill>
+                  <a:srgbClr val="FFFFFF"/>
+                </a:solidFill>
+              </a:rPr>
+              <a:t>prefered</a:t>
+            </a:r>
+            <a:r>
+              <a:rPr lang="en-US" sz="1300" dirty="0" smtClean="0">
+                <a:solidFill>
+                  <a:srgbClr val="FFFFFF"/>
+                </a:solidFill>
+              </a:rPr>
+              <a:t> food.</a:t>
             </a:r>
           </a:p>
         </p:txBody>
@@ -6881,7 +7174,7 @@
     </p:spTree>
     <p:extLst>
       <p:ext uri="{BB962C8B-B14F-4D97-AF65-F5344CB8AC3E}">
-        <p14:creationId xmlns:p14="http://schemas.microsoft.com/office/powerpoint/2010/main" val="123988033"/>
+        <p14:creationId xmlns:p14="http://schemas.microsoft.com/office/powerpoint/2010/main" val="3989909902"/>
       </p:ext>
     </p:extLst>
   </p:cSld>
@@ -6924,10 +7217,9 @@
           <a:lstStyle/>
           <a:p>
             <a:r>
-              <a:rPr lang="en-US" dirty="0" smtClean="0"/>
-              <a:t>Practical: Putting it all together</a:t>
-            </a:r>
-            <a:endParaRPr lang="en-US" dirty="0"/>
+              <a:rPr lang="en-US" dirty="0"/>
+              <a:t>Abstract and virtual methods </a:t>
+            </a:r>
           </a:p>
         </p:txBody>
       </p:sp>
@@ -6948,120 +7240,22 @@
           <a:p>
             <a:r>
               <a:rPr lang="en-US" dirty="0"/>
-              <a:t>Make a new animal, Cat, that </a:t>
-            </a:r>
-            <a:r>
-              <a:rPr lang="en-US" dirty="0" smtClean="0"/>
-              <a:t>inherits from Mammal</a:t>
-            </a:r>
+              <a:t>Abstract methods are when methods are described in a class, but not defined; it's allowing a class to describe the thing that it will need. </a:t>
+            </a:r>
+            <a:endParaRPr lang="en-US" dirty="0" smtClean="0"/>
+          </a:p>
+          <a:p>
             <a:r>
               <a:rPr lang="en-US" dirty="0"/>
-              <a:t>. </a:t>
-            </a:r>
-            <a:endParaRPr lang="en-US" dirty="0" smtClean="0"/>
-          </a:p>
-          <a:p>
-            <a:r>
-              <a:rPr lang="en-US" dirty="0"/>
-              <a:t>Cats should have a </a:t>
-            </a:r>
-            <a:r>
-              <a:rPr lang="en-US" dirty="0" smtClean="0"/>
-              <a:t>private </a:t>
-            </a:r>
-            <a:r>
-              <a:rPr lang="en-US" dirty="0" err="1" smtClean="0"/>
-              <a:t>readonly</a:t>
-            </a:r>
-            <a:r>
-              <a:rPr lang="en-US" dirty="0" smtClean="0"/>
-              <a:t> property </a:t>
-            </a:r>
-            <a:r>
-              <a:rPr lang="en-US" dirty="0"/>
-              <a:t>called </a:t>
-            </a:r>
-            <a:r>
-              <a:rPr lang="en-US" dirty="0" err="1" smtClean="0"/>
-              <a:t>HumanTolerance</a:t>
-            </a:r>
-            <a:r>
-              <a:rPr lang="en-US" dirty="0" smtClean="0"/>
-              <a:t>, </a:t>
-            </a:r>
-            <a:r>
-              <a:rPr lang="en-US" dirty="0"/>
-              <a:t>which describes how many times it can stand being told to speak before it stops talking and prints the message: "{CATNAME} is bored and does not want to speak"; after being fed, this human toleration is set to the value provided at time of </a:t>
-            </a:r>
-            <a:r>
-              <a:rPr lang="en-US" dirty="0" smtClean="0"/>
-              <a:t>construction</a:t>
-            </a:r>
-          </a:p>
-          <a:p>
-            <a:r>
-              <a:rPr lang="en-US" dirty="0" smtClean="0"/>
-              <a:t>Making the cat class is an example of </a:t>
-            </a:r>
-            <a:r>
-              <a:rPr lang="en-US" i="1" dirty="0" smtClean="0"/>
-              <a:t>abstraction</a:t>
-            </a:r>
-            <a:endParaRPr lang="en-US" dirty="0" smtClean="0"/>
-          </a:p>
-          <a:p>
-            <a:r>
-              <a:rPr lang="en-US" dirty="0" smtClean="0"/>
-              <a:t>Making the cat class have a </a:t>
-            </a:r>
-            <a:r>
-              <a:rPr lang="en-US" dirty="0" err="1" smtClean="0"/>
-              <a:t>readonly</a:t>
-            </a:r>
-            <a:r>
-              <a:rPr lang="en-US" dirty="0" smtClean="0"/>
-              <a:t> property called </a:t>
-            </a:r>
-            <a:r>
-              <a:rPr lang="en-US" dirty="0" err="1" smtClean="0"/>
-              <a:t>HumanTolerance</a:t>
-            </a:r>
-            <a:r>
-              <a:rPr lang="en-US" dirty="0" smtClean="0"/>
-              <a:t> that it uses internally is </a:t>
-            </a:r>
-            <a:r>
-              <a:rPr lang="en-US" i="1" dirty="0" smtClean="0"/>
-              <a:t>encapsulation</a:t>
-            </a:r>
-            <a:r>
-              <a:rPr lang="en-US" dirty="0" smtClean="0"/>
-              <a:t>.</a:t>
-            </a:r>
-          </a:p>
-          <a:p>
-            <a:r>
-              <a:rPr lang="en-US" dirty="0" smtClean="0"/>
-              <a:t>Having cat inherit from Mammal is inheritance. </a:t>
-            </a:r>
-          </a:p>
-          <a:p>
-            <a:r>
-              <a:rPr lang="en-US" dirty="0" smtClean="0"/>
-              <a:t>Having the cat override speak and call the parent’s speak method internally is </a:t>
-            </a:r>
-            <a:r>
-              <a:rPr lang="en-US" i="1" dirty="0" smtClean="0"/>
-              <a:t>polymorphism.</a:t>
-            </a:r>
-            <a:endParaRPr lang="en-US" dirty="0"/>
+              <a:t>Virtual methods are "suggestions" that a class can follow. They can be overridden, or they can be used by their children.</a:t>
+            </a:r>
           </a:p>
         </p:txBody>
       </p:sp>
     </p:spTree>
     <p:extLst>
       <p:ext uri="{BB962C8B-B14F-4D97-AF65-F5344CB8AC3E}">
-        <p14:creationId xmlns:p14="http://schemas.microsoft.com/office/powerpoint/2010/main" val="1338512410"/>
+        <p14:creationId xmlns:p14="http://schemas.microsoft.com/office/powerpoint/2010/main" val="123988033"/>
       </p:ext>
     </p:extLst>
   </p:cSld>
@@ -7090,71 +7284,383 @@
       </p:grpSpPr>
       <p:sp>
         <p:nvSpPr>
-          <p:cNvPr id="2" name="Title 1"/>
-          <p:cNvSpPr>
-            <a:spLocks noGrp="1"/>
-          </p:cNvSpPr>
-          <p:nvPr>
-            <p:ph type="ctrTitle"/>
-          </p:nvPr>
-        </p:nvSpPr>
-        <p:spPr/>
-        <p:txBody>
-          <a:bodyPr/>
-          <a:lstStyle/>
-          <a:p>
-            <a:r>
-              <a:rPr lang="en-US" dirty="0" smtClean="0"/>
-              <a:t>Basic OOP</a:t>
-            </a:r>
-            <a:r>
-              <a:rPr lang="en-US" dirty="0"/>
-              <a:t>: Abstraction </a:t>
-            </a:r>
-            <a:r>
-              <a:rPr lang="en-US" dirty="0" smtClean="0"/>
-              <a:t> and Encapsulation</a:t>
-            </a:r>
-            <a:endParaRPr lang="en-US" dirty="0"/>
-          </a:p>
-        </p:txBody>
-      </p:sp>
-      <p:sp>
-        <p:nvSpPr>
-          <p:cNvPr id="4" name="Subtitle 3"/>
-          <p:cNvSpPr>
-            <a:spLocks noGrp="1"/>
-          </p:cNvSpPr>
-          <p:nvPr>
-            <p:ph type="subTitle" idx="1"/>
-          </p:nvPr>
-        </p:nvSpPr>
-        <p:spPr/>
-        <p:txBody>
-          <a:bodyPr/>
-          <a:lstStyle/>
-          <a:p>
+          <p:cNvPr id="10" name="Rectangle 9"/>
+          <p:cNvSpPr>
+            <a:spLocks noGrp="1" noRot="1" noChangeAspect="1" noMove="1" noResize="1" noEditPoints="1" noAdjustHandles="1" noChangeArrowheads="1" noChangeShapeType="1" noTextEdit="1"/>
+          </p:cNvSpPr>
+          <p:nvPr>
+            <p:extLst>
+              <p:ext uri="{386F3935-93C4-4BCD-93E2-E3B085C9AB24}">
+                <p16:designElem xmlns:p16="http://schemas.microsoft.com/office/powerpoint/2015/main" val="1"/>
+              </p:ext>
+            </p:extLst>
+          </p:nvPr>
+        </p:nvSpPr>
+        <p:spPr>
+          <a:xfrm>
+            <a:off x="0" y="0"/>
+            <a:ext cx="12192000" cy="6858000"/>
+          </a:xfrm>
+          <a:prstGeom prst="rect">
+            <a:avLst/>
+          </a:prstGeom>
+          <a:solidFill>
+            <a:schemeClr val="accent2"/>
+          </a:solidFill>
+          <a:ln>
+            <a:noFill/>
+          </a:ln>
+        </p:spPr>
+        <p:style>
+          <a:lnRef idx="2">
+            <a:schemeClr val="accent1">
+              <a:shade val="50000"/>
+            </a:schemeClr>
+          </a:lnRef>
+          <a:fillRef idx="1">
+            <a:schemeClr val="accent1"/>
+          </a:fillRef>
+          <a:effectRef idx="0">
+            <a:schemeClr val="accent1"/>
+          </a:effectRef>
+          <a:fontRef idx="minor">
+            <a:schemeClr val="lt1"/>
+          </a:fontRef>
+        </p:style>
+        <p:txBody>
+          <a:bodyPr rtlCol="0" anchor="ctr"/>
+          <a:lstStyle/>
+          <a:p>
+            <a:pPr algn="ctr"/>
             <a:endParaRPr lang="en-US"/>
           </a:p>
         </p:txBody>
       </p:sp>
+      <p:sp>
+        <p:nvSpPr>
+          <p:cNvPr id="12" name="Rectangle 11"/>
+          <p:cNvSpPr>
+            <a:spLocks noGrp="1" noRot="1" noChangeAspect="1" noMove="1" noResize="1" noEditPoints="1" noAdjustHandles="1" noChangeArrowheads="1" noChangeShapeType="1" noTextEdit="1"/>
+          </p:cNvSpPr>
+          <p:nvPr>
+            <p:extLst>
+              <p:ext uri="{386F3935-93C4-4BCD-93E2-E3B085C9AB24}">
+                <p16:designElem xmlns:p16="http://schemas.microsoft.com/office/powerpoint/2015/main" val="1"/>
+              </p:ext>
+            </p:extLst>
+          </p:nvPr>
+        </p:nvSpPr>
+        <p:spPr>
+          <a:xfrm>
+            <a:off x="458724" y="457200"/>
+            <a:ext cx="11274552" cy="5943600"/>
+          </a:xfrm>
+          <a:prstGeom prst="rect">
+            <a:avLst/>
+          </a:prstGeom>
+          <a:ln>
+            <a:noFill/>
+          </a:ln>
+        </p:spPr>
+        <p:style>
+          <a:lnRef idx="2">
+            <a:schemeClr val="accent1">
+              <a:shade val="50000"/>
+            </a:schemeClr>
+          </a:lnRef>
+          <a:fillRef idx="1">
+            <a:schemeClr val="accent1"/>
+          </a:fillRef>
+          <a:effectRef idx="0">
+            <a:schemeClr val="accent1"/>
+          </a:effectRef>
+          <a:fontRef idx="minor">
+            <a:schemeClr val="lt1"/>
+          </a:fontRef>
+        </p:style>
+        <p:txBody>
+          <a:bodyPr rtlCol="0" anchor="ctr"/>
+          <a:lstStyle/>
+          <a:p>
+            <a:pPr algn="ctr"/>
+            <a:endParaRPr lang="en-US"/>
+          </a:p>
+        </p:txBody>
+      </p:sp>
+      <p:sp>
+        <p:nvSpPr>
+          <p:cNvPr id="14" name="Rectangle 13"/>
+          <p:cNvSpPr>
+            <a:spLocks noGrp="1" noRot="1" noChangeAspect="1" noMove="1" noResize="1" noEditPoints="1" noAdjustHandles="1" noChangeArrowheads="1" noChangeShapeType="1" noTextEdit="1"/>
+          </p:cNvSpPr>
+          <p:nvPr>
+            <p:extLst>
+              <p:ext uri="{386F3935-93C4-4BCD-93E2-E3B085C9AB24}">
+                <p16:designElem xmlns:p16="http://schemas.microsoft.com/office/powerpoint/2015/main" val="1"/>
+              </p:ext>
+            </p:extLst>
+          </p:nvPr>
+        </p:nvSpPr>
+        <p:spPr>
+          <a:xfrm>
+            <a:off x="522732" y="521208"/>
+            <a:ext cx="11146536" cy="5815584"/>
+          </a:xfrm>
+          <a:prstGeom prst="rect">
+            <a:avLst/>
+          </a:prstGeom>
+          <a:solidFill>
+            <a:srgbClr val="FFFFFF"/>
+          </a:solidFill>
+          <a:ln>
+            <a:noFill/>
+          </a:ln>
+        </p:spPr>
+        <p:style>
+          <a:lnRef idx="2">
+            <a:schemeClr val="accent1">
+              <a:shade val="50000"/>
+            </a:schemeClr>
+          </a:lnRef>
+          <a:fillRef idx="1">
+            <a:schemeClr val="accent1"/>
+          </a:fillRef>
+          <a:effectRef idx="0">
+            <a:schemeClr val="accent1"/>
+          </a:effectRef>
+          <a:fontRef idx="minor">
+            <a:schemeClr val="lt1"/>
+          </a:fontRef>
+        </p:style>
+        <p:txBody>
+          <a:bodyPr rtlCol="0" anchor="ctr"/>
+          <a:lstStyle/>
+          <a:p>
+            <a:pPr algn="ctr"/>
+            <a:endParaRPr lang="en-US"/>
+          </a:p>
+        </p:txBody>
+      </p:sp>
+      <p:pic>
+        <p:nvPicPr>
+          <p:cNvPr id="6" name="Picture 5"/>
+          <p:cNvPicPr>
+            <a:picLocks noChangeAspect="1"/>
+          </p:cNvPicPr>
+          <p:nvPr/>
+        </p:nvPicPr>
+        <p:blipFill>
+          <a:blip r:embed="rId2">
+            <a:extLst>
+              <a:ext uri="{28A0092B-C50C-407E-A947-70E740481C1C}">
+                <a14:useLocalDpi xmlns:a14="http://schemas.microsoft.com/office/drawing/2010/main" val="0"/>
+              </a:ext>
+            </a:extLst>
+          </a:blip>
+          <a:stretch>
+            <a:fillRect/>
+          </a:stretch>
+        </p:blipFill>
+        <p:spPr>
+          <a:xfrm>
+            <a:off x="4310299" y="905933"/>
+            <a:ext cx="3603405" cy="5039728"/>
+          </a:xfrm>
+          <a:prstGeom prst="rect">
+            <a:avLst/>
+          </a:prstGeom>
+        </p:spPr>
+      </p:pic>
     </p:spTree>
     <p:extLst>
       <p:ext uri="{BB962C8B-B14F-4D97-AF65-F5344CB8AC3E}">
-        <p14:creationId xmlns:p14="http://schemas.microsoft.com/office/powerpoint/2010/main" val="1444967504"/>
+        <p14:creationId xmlns:p14="http://schemas.microsoft.com/office/powerpoint/2010/main" val="3834147052"/>
       </p:ext>
     </p:extLst>
   </p:cSld>
   <p:clrMapOvr>
     <a:masterClrMapping/>
   </p:clrMapOvr>
-  <p:timing>
-    <p:tnLst>
-      <p:par>
-        <p:cTn id="1" dur="indefinite" restart="never" nodeType="tmRoot"/>
-      </p:par>
-    </p:tnLst>
-  </p:timing>
+</p:sld>
+</file>
+
+<file path=ppt/slides/slide20.xml><?xml version="1.0" encoding="utf-8"?>
+<p:sld xmlns:a="http://schemas.openxmlformats.org/drawingml/2006/main" xmlns:r="http://schemas.openxmlformats.org/officeDocument/2006/relationships" xmlns:p="http://schemas.openxmlformats.org/presentationml/2006/main">
+  <p:cSld>
+    <p:spTree>
+      <p:nvGrpSpPr>
+        <p:cNvPr id="1" name=""/>
+        <p:cNvGrpSpPr/>
+        <p:nvPr/>
+      </p:nvGrpSpPr>
+      <p:grpSpPr>
+        <a:xfrm>
+          <a:off x="0" y="0"/>
+          <a:ext cx="0" cy="0"/>
+          <a:chOff x="0" y="0"/>
+          <a:chExt cx="0" cy="0"/>
+        </a:xfrm>
+      </p:grpSpPr>
+      <p:sp>
+        <p:nvSpPr>
+          <p:cNvPr id="2" name="Title 1"/>
+          <p:cNvSpPr>
+            <a:spLocks noGrp="1"/>
+          </p:cNvSpPr>
+          <p:nvPr>
+            <p:ph type="title"/>
+          </p:nvPr>
+        </p:nvSpPr>
+        <p:spPr/>
+        <p:txBody>
+          <a:bodyPr/>
+          <a:lstStyle/>
+          <a:p>
+            <a:r>
+              <a:rPr lang="en-US" dirty="0" smtClean="0"/>
+              <a:t>Practical: Putting it all together</a:t>
+            </a:r>
+            <a:endParaRPr lang="en-US" dirty="0"/>
+          </a:p>
+        </p:txBody>
+      </p:sp>
+      <p:sp>
+        <p:nvSpPr>
+          <p:cNvPr id="3" name="Content Placeholder 2"/>
+          <p:cNvSpPr>
+            <a:spLocks noGrp="1"/>
+          </p:cNvSpPr>
+          <p:nvPr>
+            <p:ph idx="1"/>
+          </p:nvPr>
+        </p:nvSpPr>
+        <p:spPr/>
+        <p:txBody>
+          <a:bodyPr/>
+          <a:lstStyle/>
+          <a:p>
+            <a:r>
+              <a:rPr lang="en-US" dirty="0"/>
+              <a:t>Make a new animal, Cat, that </a:t>
+            </a:r>
+            <a:r>
+              <a:rPr lang="en-US" dirty="0" smtClean="0"/>
+              <a:t>inherits from Mammal</a:t>
+            </a:r>
+            <a:r>
+              <a:rPr lang="en-US" dirty="0"/>
+              <a:t>. </a:t>
+            </a:r>
+            <a:endParaRPr lang="en-US" dirty="0" smtClean="0"/>
+          </a:p>
+          <a:p>
+            <a:r>
+              <a:rPr lang="en-US" dirty="0"/>
+              <a:t>Cats should have a </a:t>
+            </a:r>
+            <a:r>
+              <a:rPr lang="en-US" dirty="0" smtClean="0"/>
+              <a:t>private </a:t>
+            </a:r>
+            <a:r>
+              <a:rPr lang="en-US" dirty="0" err="1" smtClean="0"/>
+              <a:t>readonly</a:t>
+            </a:r>
+            <a:r>
+              <a:rPr lang="en-US" dirty="0" smtClean="0"/>
+              <a:t> property </a:t>
+            </a:r>
+            <a:r>
+              <a:rPr lang="en-US" dirty="0"/>
+              <a:t>called </a:t>
+            </a:r>
+            <a:r>
+              <a:rPr lang="en-US" dirty="0" err="1" smtClean="0"/>
+              <a:t>HumanTolerance</a:t>
+            </a:r>
+            <a:r>
+              <a:rPr lang="en-US" dirty="0" smtClean="0"/>
+              <a:t>, </a:t>
+            </a:r>
+            <a:r>
+              <a:rPr lang="en-US" dirty="0"/>
+              <a:t>which describes how many times it can stand being told to speak before it stops talking and prints the message: "{CATNAME} is bored and does not want to speak"; after being fed, this human toleration is set to the value provided at time of </a:t>
+            </a:r>
+            <a:r>
+              <a:rPr lang="en-US" dirty="0" smtClean="0"/>
+              <a:t>construction</a:t>
+            </a:r>
+          </a:p>
+          <a:p>
+            <a:r>
+              <a:rPr lang="en-US" dirty="0" smtClean="0"/>
+              <a:t>Making the cat class is an example of </a:t>
+            </a:r>
+            <a:r>
+              <a:rPr lang="en-US" i="1" dirty="0" smtClean="0"/>
+              <a:t>abstraction</a:t>
+            </a:r>
+            <a:endParaRPr lang="en-US" dirty="0" smtClean="0"/>
+          </a:p>
+          <a:p>
+            <a:r>
+              <a:rPr lang="en-US" dirty="0" smtClean="0"/>
+              <a:t>Making the cat class have a </a:t>
+            </a:r>
+            <a:r>
+              <a:rPr lang="en-US" dirty="0" err="1" smtClean="0"/>
+              <a:t>readonly</a:t>
+            </a:r>
+            <a:r>
+              <a:rPr lang="en-US" dirty="0" smtClean="0"/>
+              <a:t> property called </a:t>
+            </a:r>
+            <a:r>
+              <a:rPr lang="en-US" dirty="0" err="1" smtClean="0"/>
+              <a:t>HumanTolerance</a:t>
+            </a:r>
+            <a:r>
+              <a:rPr lang="en-US" dirty="0" smtClean="0"/>
+              <a:t> that it uses internally is </a:t>
+            </a:r>
+            <a:r>
+              <a:rPr lang="en-US" i="1" dirty="0" smtClean="0"/>
+              <a:t>encapsulation</a:t>
+            </a:r>
+            <a:r>
+              <a:rPr lang="en-US" dirty="0" smtClean="0"/>
+              <a:t>.</a:t>
+            </a:r>
+          </a:p>
+          <a:p>
+            <a:r>
+              <a:rPr lang="en-US" dirty="0" smtClean="0"/>
+              <a:t>Having cat inherit from Mammal is inheritance. </a:t>
+            </a:r>
+          </a:p>
+          <a:p>
+            <a:r>
+              <a:rPr lang="en-US" dirty="0" smtClean="0"/>
+              <a:t>Having the cat override speak and call the parent’s speak method internally is </a:t>
+            </a:r>
+            <a:r>
+              <a:rPr lang="en-US" i="1" dirty="0" smtClean="0"/>
+              <a:t>polymorphism.</a:t>
+            </a:r>
+            <a:endParaRPr lang="en-US" dirty="0"/>
+          </a:p>
+        </p:txBody>
+      </p:sp>
+    </p:spTree>
+    <p:extLst>
+      <p:ext uri="{BB962C8B-B14F-4D97-AF65-F5344CB8AC3E}">
+        <p14:creationId xmlns:p14="http://schemas.microsoft.com/office/powerpoint/2010/main" val="1338512410"/>
+      </p:ext>
+    </p:extLst>
+  </p:cSld>
+  <p:clrMapOvr>
+    <a:masterClrMapping/>
+  </p:clrMapOvr>
 </p:sld>
 </file>
 
@@ -7182,7 +7688,7 @@
             <a:spLocks noGrp="1"/>
           </p:cNvSpPr>
           <p:nvPr>
-            <p:ph type="title"/>
+            <p:ph type="ctrTitle"/>
           </p:nvPr>
         </p:nvSpPr>
         <p:spPr/>
@@ -7191,20 +7697,29 @@
           <a:lstStyle/>
           <a:p>
             <a:r>
+              <a:rPr lang="en-US" dirty="0" smtClean="0"/>
+              <a:t>Basic OOP</a:t>
+            </a:r>
+            <a:r>
               <a:rPr lang="en-US" dirty="0"/>
-              <a:t>What is Object Oriented Programming?</a:t>
-            </a:r>
-          </a:p>
-        </p:txBody>
-      </p:sp>
-      <p:sp>
-        <p:nvSpPr>
-          <p:cNvPr id="3" name="Content Placeholder 2"/>
-          <p:cNvSpPr>
-            <a:spLocks noGrp="1"/>
-          </p:cNvSpPr>
-          <p:nvPr>
-            <p:ph idx="1"/>
+              <a:t>: Abstraction </a:t>
+            </a:r>
+            <a:r>
+              <a:rPr lang="en-US" dirty="0" smtClean="0"/>
+              <a:t> and Encapsulation</a:t>
+            </a:r>
+            <a:endParaRPr lang="en-US" dirty="0"/>
+          </a:p>
+        </p:txBody>
+      </p:sp>
+      <p:sp>
+        <p:nvSpPr>
+          <p:cNvPr id="4" name="Subtitle 3"/>
+          <p:cNvSpPr>
+            <a:spLocks noGrp="1"/>
+          </p:cNvSpPr>
+          <p:nvPr>
+            <p:ph type="subTitle" idx="1"/>
           </p:nvPr>
         </p:nvSpPr>
         <p:spPr/>
@@ -7212,106 +7727,14 @@
           <a:bodyPr/>
           <a:lstStyle/>
           <a:p>
-            <a:r>
-              <a:rPr lang="en-US" dirty="0"/>
-              <a:t>OOP is the practice of developing code in a manner where the focus is on the data, and the methods that it can perform. </a:t>
-            </a:r>
-            <a:endParaRPr lang="en-US" dirty="0" smtClean="0"/>
-          </a:p>
-          <a:p>
-            <a:r>
-              <a:rPr lang="en-US" dirty="0" smtClean="0"/>
-              <a:t>Each </a:t>
-            </a:r>
-            <a:r>
-              <a:rPr lang="en-US" dirty="0"/>
-              <a:t>object only cares about </a:t>
-            </a:r>
-            <a:r>
-              <a:rPr lang="en-US" dirty="0" smtClean="0"/>
-              <a:t>itself</a:t>
-            </a:r>
-            <a:r>
-              <a:rPr lang="en-US" dirty="0"/>
-              <a:t> </a:t>
-            </a:r>
-            <a:r>
-              <a:rPr lang="en-US" dirty="0" smtClean="0"/>
-              <a:t>and how it interacts with itself, and other objects.</a:t>
-            </a:r>
-          </a:p>
-          <a:p>
-            <a:r>
-              <a:rPr lang="en-US" dirty="0" smtClean="0"/>
-              <a:t>Objects </a:t>
-            </a:r>
-            <a:r>
-              <a:rPr lang="en-US" dirty="0"/>
-              <a:t>are generally noun-like; for example, </a:t>
-            </a:r>
-            <a:r>
-              <a:rPr lang="en-US" i="1" dirty="0" smtClean="0"/>
-              <a:t>Pidgeon</a:t>
-            </a:r>
-            <a:r>
-              <a:rPr lang="en-US" dirty="0" smtClean="0"/>
-              <a:t> or </a:t>
-            </a:r>
-            <a:r>
-              <a:rPr lang="en-US" i="1" dirty="0" smtClean="0"/>
-              <a:t>Dog</a:t>
-            </a:r>
-            <a:r>
-              <a:rPr lang="en-US" dirty="0" smtClean="0"/>
-              <a:t>.</a:t>
-            </a:r>
-          </a:p>
-          <a:p>
-            <a:r>
-              <a:rPr lang="en-US" dirty="0" smtClean="0"/>
-              <a:t>Even non-physical things and concepts can be represented in an OOP manner:</a:t>
-            </a:r>
-          </a:p>
-          <a:p>
-            <a:pPr lvl="1"/>
-            <a:r>
-              <a:rPr lang="en-US" dirty="0" smtClean="0"/>
-              <a:t>Lists are a representation of any ordered set of </a:t>
-            </a:r>
-            <a:r>
-              <a:rPr lang="en-US" i="1" dirty="0" smtClean="0"/>
-              <a:t>things</a:t>
-            </a:r>
-            <a:endParaRPr lang="en-US" dirty="0" smtClean="0"/>
-          </a:p>
-          <a:p>
-            <a:pPr lvl="1"/>
-            <a:r>
-              <a:rPr lang="en-US" dirty="0" smtClean="0"/>
-              <a:t>Sets are a representation of any unique set of </a:t>
-            </a:r>
-            <a:r>
-              <a:rPr lang="en-US" i="1" dirty="0" smtClean="0"/>
-              <a:t>things</a:t>
-            </a:r>
-            <a:endParaRPr lang="en-US" dirty="0" smtClean="0"/>
-          </a:p>
-          <a:p>
-            <a:pPr lvl="1"/>
-            <a:r>
-              <a:rPr lang="en-US" dirty="0" smtClean="0"/>
-              <a:t>Tweets are a representation of not-funny quips people say and images they post of their food.</a:t>
-            </a:r>
-          </a:p>
-          <a:p>
-            <a:endParaRPr lang="en-US" dirty="0"/>
+            <a:endParaRPr lang="en-US"/>
           </a:p>
         </p:txBody>
       </p:sp>
     </p:spTree>
     <p:extLst>
       <p:ext uri="{BB962C8B-B14F-4D97-AF65-F5344CB8AC3E}">
-        <p14:creationId xmlns:p14="http://schemas.microsoft.com/office/powerpoint/2010/main" val="141677457"/>
+        <p14:creationId xmlns:p14="http://schemas.microsoft.com/office/powerpoint/2010/main" val="1444967504"/>
       </p:ext>
     </p:extLst>
   </p:cSld>
@@ -7362,69 +7785,122 @@
           <a:p>
             <a:r>
               <a:rPr lang="en-US" dirty="0"/>
-              <a:t>What are the fundamentals of OOP</a:t>
-            </a:r>
+              <a:t>What is Object Oriented Programming?</a:t>
+            </a:r>
+          </a:p>
+        </p:txBody>
+      </p:sp>
+      <p:sp>
+        <p:nvSpPr>
+          <p:cNvPr id="3" name="Content Placeholder 2"/>
+          <p:cNvSpPr>
+            <a:spLocks noGrp="1"/>
+          </p:cNvSpPr>
+          <p:nvPr>
+            <p:ph idx="1"/>
+          </p:nvPr>
+        </p:nvSpPr>
+        <p:spPr/>
+        <p:txBody>
+          <a:bodyPr/>
+          <a:lstStyle/>
+          <a:p>
+            <a:r>
+              <a:rPr lang="en-US" dirty="0"/>
+              <a:t>OOP is the practice of developing code in a manner where the focus is on the data, and the methods that it can perform. </a:t>
+            </a:r>
+            <a:endParaRPr lang="en-US" dirty="0" smtClean="0"/>
+          </a:p>
+          <a:p>
             <a:r>
               <a:rPr lang="en-US" dirty="0" smtClean="0"/>
-              <a:t>?	</a:t>
-            </a:r>
-            <a:endParaRPr lang="en-US" dirty="0"/>
-          </a:p>
-        </p:txBody>
-      </p:sp>
-      <p:sp>
-        <p:nvSpPr>
-          <p:cNvPr id="3" name="Content Placeholder 2"/>
-          <p:cNvSpPr>
-            <a:spLocks noGrp="1"/>
-          </p:cNvSpPr>
-          <p:nvPr>
-            <p:ph idx="1"/>
-          </p:nvPr>
-        </p:nvSpPr>
-        <p:spPr/>
-        <p:txBody>
-          <a:bodyPr/>
-          <a:lstStyle/>
-          <a:p>
-            <a:r>
-              <a:rPr lang="en-US" u="sng" dirty="0" smtClean="0"/>
-              <a:t>Abstraction</a:t>
+              <a:t>Each </a:t>
+            </a:r>
+            <a:r>
+              <a:rPr lang="en-US" dirty="0"/>
+              <a:t>object only cares about </a:t>
             </a:r>
             <a:r>
               <a:rPr lang="en-US" dirty="0" smtClean="0"/>
-              <a:t>: grouping and representing meaningful data together</a:t>
-            </a:r>
-          </a:p>
-          <a:p>
-            <a:r>
-              <a:rPr lang="en-US" u="sng" dirty="0" smtClean="0"/>
-              <a:t>Encapsulation</a:t>
+              <a:t>itself</a:t>
+            </a:r>
+            <a:r>
+              <a:rPr lang="en-US" dirty="0"/>
+              <a:t> </a:t>
             </a:r>
             <a:r>
               <a:rPr lang="en-US" dirty="0" smtClean="0"/>
-              <a:t>: hiding internal logic that the outside world does not care about</a:t>
-            </a:r>
-          </a:p>
-          <a:p>
-            <a:r>
-              <a:rPr lang="en-US" u="sng" dirty="0" smtClean="0"/>
-              <a:t>Inheritance</a:t>
-            </a:r>
+              <a:t>and how it interacts with itself, and other objects.</a:t>
+            </a:r>
+          </a:p>
+          <a:p>
             <a:r>
               <a:rPr lang="en-US" dirty="0" smtClean="0"/>
-              <a:t>: objects can be based off other objects</a:t>
-            </a:r>
-          </a:p>
-          <a:p>
-            <a:r>
-              <a:rPr lang="en-US" u="sng" dirty="0" smtClean="0"/>
-              <a:t>Polymorphism</a:t>
+              <a:t>Objects </a:t>
+            </a:r>
+            <a:r>
+              <a:rPr lang="en-US" dirty="0"/>
+              <a:t>are generally noun-like; for example, </a:t>
+            </a:r>
+            <a:r>
+              <a:rPr lang="en-US" i="1" dirty="0" smtClean="0"/>
+              <a:t>Pigeon</a:t>
             </a:r>
             <a:r>
               <a:rPr lang="en-US" dirty="0" smtClean="0"/>
-              <a:t>: we can have many ways of doing the same method on a class.</a:t>
-            </a:r>
+              <a:t> </a:t>
+            </a:r>
+            <a:r>
+              <a:rPr lang="en-US" dirty="0" smtClean="0"/>
+              <a:t>or </a:t>
+            </a:r>
+            <a:r>
+              <a:rPr lang="en-US" i="1" dirty="0" smtClean="0"/>
+              <a:t>Dog</a:t>
+            </a:r>
+            <a:r>
+              <a:rPr lang="en-US" dirty="0" smtClean="0"/>
+              <a:t>.</a:t>
+            </a:r>
+          </a:p>
+          <a:p>
+            <a:r>
+              <a:rPr lang="en-US" dirty="0" smtClean="0"/>
+              <a:t>Even non-physical things and concepts can be represented in an OOP manner:</a:t>
+            </a:r>
+          </a:p>
+          <a:p>
+            <a:pPr lvl="1"/>
+            <a:r>
+              <a:rPr lang="en-US" dirty="0" smtClean="0"/>
+              <a:t>Lists are a representation of any ordered set of </a:t>
+            </a:r>
+            <a:r>
+              <a:rPr lang="en-US" i="1" dirty="0" smtClean="0"/>
+              <a:t>things</a:t>
+            </a:r>
+            <a:endParaRPr lang="en-US" dirty="0" smtClean="0"/>
+          </a:p>
+          <a:p>
+            <a:pPr lvl="1"/>
+            <a:r>
+              <a:rPr lang="en-US" dirty="0" smtClean="0"/>
+              <a:t>Sets are a representation of any unique set of </a:t>
+            </a:r>
+            <a:r>
+              <a:rPr lang="en-US" i="1" dirty="0" smtClean="0"/>
+              <a:t>things</a:t>
+            </a:r>
+            <a:endParaRPr lang="en-US" dirty="0" smtClean="0"/>
+          </a:p>
+          <a:p>
+            <a:pPr lvl="1"/>
+            <a:r>
+              <a:rPr lang="en-US" dirty="0" smtClean="0"/>
+              <a:t>Tweets are a representation of not-funny quips people say and images they post of their food.</a:t>
+            </a:r>
+          </a:p>
+          <a:p>
             <a:endParaRPr lang="en-US" dirty="0"/>
           </a:p>
         </p:txBody>
@@ -7432,7 +7908,7 @@
     </p:spTree>
     <p:extLst>
       <p:ext uri="{BB962C8B-B14F-4D97-AF65-F5344CB8AC3E}">
-        <p14:creationId xmlns:p14="http://schemas.microsoft.com/office/powerpoint/2010/main" val="911021716"/>
+        <p14:creationId xmlns:p14="http://schemas.microsoft.com/office/powerpoint/2010/main" val="141677457"/>
       </p:ext>
     </p:extLst>
   </p:cSld>
@@ -7466,263 +7942,6 @@
           <a:chExt cx="0" cy="0"/>
         </a:xfrm>
       </p:grpSpPr>
-      <p:sp useBgFill="1">
-        <p:nvSpPr>
-          <p:cNvPr id="11" name="Rectangle 10"/>
-          <p:cNvSpPr>
-            <a:spLocks noGrp="1" noRot="1" noChangeAspect="1" noMove="1" noResize="1" noEditPoints="1" noAdjustHandles="1" noChangeArrowheads="1" noChangeShapeType="1" noTextEdit="1"/>
-          </p:cNvSpPr>
-          <p:nvPr>
-            <p:extLst>
-              <p:ext uri="{386F3935-93C4-4BCD-93E2-E3B085C9AB24}">
-                <p16:designElem xmlns:p16="http://schemas.microsoft.com/office/powerpoint/2015/main" val="1"/>
-              </p:ext>
-            </p:extLst>
-          </p:nvPr>
-        </p:nvSpPr>
-        <p:spPr>
-          <a:xfrm>
-            <a:off x="0" y="0"/>
-            <a:ext cx="12190459" cy="6858000"/>
-          </a:xfrm>
-          <a:prstGeom prst="rect">
-            <a:avLst/>
-          </a:prstGeom>
-          <a:ln>
-            <a:noFill/>
-          </a:ln>
-        </p:spPr>
-        <p:style>
-          <a:lnRef idx="2">
-            <a:schemeClr val="accent1">
-              <a:shade val="50000"/>
-            </a:schemeClr>
-          </a:lnRef>
-          <a:fillRef idx="1">
-            <a:schemeClr val="accent1"/>
-          </a:fillRef>
-          <a:effectRef idx="0">
-            <a:schemeClr val="accent1"/>
-          </a:effectRef>
-          <a:fontRef idx="minor">
-            <a:schemeClr val="lt1"/>
-          </a:fontRef>
-        </p:style>
-        <p:txBody>
-          <a:bodyPr rtlCol="0" anchor="ctr"/>
-          <a:lstStyle/>
-          <a:p>
-            <a:pPr algn="ctr"/>
-            <a:endParaRPr lang="en-US"/>
-          </a:p>
-        </p:txBody>
-      </p:sp>
-      <p:pic>
-        <p:nvPicPr>
-          <p:cNvPr id="6" name="Picture 5"/>
-          <p:cNvPicPr>
-            <a:picLocks noChangeAspect="1"/>
-          </p:cNvPicPr>
-          <p:nvPr/>
-        </p:nvPicPr>
-        <p:blipFill>
-          <a:blip r:embed="rId2">
-            <a:extLst>
-              <a:ext uri="{28A0092B-C50C-407E-A947-70E740481C1C}">
-                <a14:useLocalDpi xmlns:a14="http://schemas.microsoft.com/office/drawing/2010/main" val="0"/>
-              </a:ext>
-            </a:extLst>
-          </a:blip>
-          <a:stretch>
-            <a:fillRect/>
-          </a:stretch>
-        </p:blipFill>
-        <p:spPr>
-          <a:xfrm>
-            <a:off x="8096533" y="516835"/>
-            <a:ext cx="3609294" cy="2168269"/>
-          </a:xfrm>
-          <a:prstGeom prst="rect">
-            <a:avLst/>
-          </a:prstGeom>
-        </p:spPr>
-      </p:pic>
-      <p:sp>
-        <p:nvSpPr>
-          <p:cNvPr id="13" name="Rectangle 12"/>
-          <p:cNvSpPr>
-            <a:spLocks noGrp="1" noRot="1" noChangeAspect="1" noMove="1" noResize="1" noEditPoints="1" noAdjustHandles="1" noChangeArrowheads="1" noChangeShapeType="1" noTextEdit="1"/>
-          </p:cNvSpPr>
-          <p:nvPr>
-            <p:extLst>
-              <p:ext uri="{386F3935-93C4-4BCD-93E2-E3B085C9AB24}">
-                <p16:designElem xmlns:p16="http://schemas.microsoft.com/office/powerpoint/2015/main" val="1"/>
-              </p:ext>
-            </p:extLst>
-          </p:nvPr>
-        </p:nvSpPr>
-        <p:spPr bwMode="white">
-          <a:xfrm>
-            <a:off x="15" y="0"/>
-            <a:ext cx="7547879" cy="6858000"/>
-          </a:xfrm>
-          <a:prstGeom prst="rect">
-            <a:avLst/>
-          </a:prstGeom>
-          <a:solidFill>
-            <a:schemeClr val="accent2"/>
-          </a:solidFill>
-          <a:ln>
-            <a:noFill/>
-          </a:ln>
-        </p:spPr>
-        <p:style>
-          <a:lnRef idx="2">
-            <a:schemeClr val="accent1">
-              <a:shade val="50000"/>
-            </a:schemeClr>
-          </a:lnRef>
-          <a:fillRef idx="1">
-            <a:schemeClr val="accent1"/>
-          </a:fillRef>
-          <a:effectRef idx="0">
-            <a:schemeClr val="accent1"/>
-          </a:effectRef>
-          <a:fontRef idx="minor">
-            <a:schemeClr val="lt1"/>
-          </a:fontRef>
-        </p:style>
-      </p:sp>
-      <p:sp>
-        <p:nvSpPr>
-          <p:cNvPr id="15" name="Rectangle 14"/>
-          <p:cNvSpPr>
-            <a:spLocks noGrp="1" noRot="1" noChangeAspect="1" noMove="1" noResize="1" noEditPoints="1" noAdjustHandles="1" noChangeArrowheads="1" noChangeShapeType="1" noTextEdit="1"/>
-          </p:cNvSpPr>
-          <p:nvPr>
-            <p:extLst>
-              <p:ext uri="{386F3935-93C4-4BCD-93E2-E3B085C9AB24}">
-                <p16:designElem xmlns:p16="http://schemas.microsoft.com/office/powerpoint/2015/main" val="1"/>
-              </p:ext>
-            </p:extLst>
-          </p:nvPr>
-        </p:nvSpPr>
-        <p:spPr>
-          <a:xfrm>
-            <a:off x="7547894" y="0"/>
-            <a:ext cx="64008" cy="6858000"/>
-          </a:xfrm>
-          <a:prstGeom prst="rect">
-            <a:avLst/>
-          </a:prstGeom>
-          <a:solidFill>
-            <a:schemeClr val="accent1"/>
-          </a:solidFill>
-          <a:ln>
-            <a:noFill/>
-          </a:ln>
-        </p:spPr>
-        <p:style>
-          <a:lnRef idx="2">
-            <a:schemeClr val="accent1">
-              <a:shade val="50000"/>
-            </a:schemeClr>
-          </a:lnRef>
-          <a:fillRef idx="1">
-            <a:schemeClr val="accent1"/>
-          </a:fillRef>
-          <a:effectRef idx="0">
-            <a:schemeClr val="accent1"/>
-          </a:effectRef>
-          <a:fontRef idx="minor">
-            <a:schemeClr val="lt1"/>
-          </a:fontRef>
-        </p:style>
-      </p:sp>
-      <p:pic>
-        <p:nvPicPr>
-          <p:cNvPr id="7" name="Picture 6"/>
-          <p:cNvPicPr>
-            <a:picLocks noChangeAspect="1"/>
-          </p:cNvPicPr>
-          <p:nvPr/>
-        </p:nvPicPr>
-        <p:blipFill>
-          <a:blip r:embed="rId3">
-            <a:extLst>
-              <a:ext uri="{28A0092B-C50C-407E-A947-70E740481C1C}">
-                <a14:useLocalDpi xmlns:a14="http://schemas.microsoft.com/office/drawing/2010/main" val="0"/>
-              </a:ext>
-            </a:extLst>
-          </a:blip>
-          <a:stretch>
-            <a:fillRect/>
-          </a:stretch>
-        </p:blipFill>
-        <p:spPr>
-          <a:xfrm>
-            <a:off x="7611902" y="4172896"/>
-            <a:ext cx="4504363" cy="1463916"/>
-          </a:xfrm>
-          <a:prstGeom prst="rect">
-            <a:avLst/>
-          </a:prstGeom>
-        </p:spPr>
-      </p:pic>
-      <p:sp>
-        <p:nvSpPr>
-          <p:cNvPr id="17" name="Rectangle 16"/>
-          <p:cNvSpPr>
-            <a:spLocks noGrp="1" noRot="1" noChangeAspect="1" noMove="1" noResize="1" noEditPoints="1" noAdjustHandles="1" noChangeArrowheads="1" noChangeShapeType="1" noTextEdit="1"/>
-          </p:cNvSpPr>
-          <p:nvPr>
-            <p:extLst>
-              <p:ext uri="{386F3935-93C4-4BCD-93E2-E3B085C9AB24}">
-                <p16:designElem xmlns:p16="http://schemas.microsoft.com/office/powerpoint/2015/main" val="1"/>
-              </p:ext>
-            </p:extLst>
-          </p:nvPr>
-        </p:nvSpPr>
-        <p:spPr>
-          <a:xfrm>
-            <a:off x="7547894" y="3396996"/>
-            <a:ext cx="4642565" cy="64008"/>
-          </a:xfrm>
-          <a:prstGeom prst="rect">
-            <a:avLst/>
-          </a:prstGeom>
-          <a:solidFill>
-            <a:schemeClr val="accent1"/>
-          </a:solidFill>
-          <a:ln>
-            <a:noFill/>
-          </a:ln>
-        </p:spPr>
-        <p:style>
-          <a:lnRef idx="2">
-            <a:schemeClr val="accent1">
-              <a:shade val="50000"/>
-            </a:schemeClr>
-          </a:lnRef>
-          <a:fillRef idx="1">
-            <a:schemeClr val="accent1"/>
-          </a:fillRef>
-          <a:effectRef idx="0">
-            <a:schemeClr val="accent1"/>
-          </a:effectRef>
-          <a:fontRef idx="minor">
-            <a:schemeClr val="lt1"/>
-          </a:fontRef>
-        </p:style>
-        <p:txBody>
-          <a:bodyPr rtlCol="0" anchor="ctr"/>
-          <a:lstStyle/>
-          <a:p>
-            <a:pPr algn="ctr"/>
-            <a:endParaRPr lang="en-US"/>
-          </a:p>
-        </p:txBody>
-      </p:sp>
       <p:sp>
         <p:nvSpPr>
           <p:cNvPr id="2" name="Title 1"/>
@@ -7733,26 +7952,20 @@
             <p:ph type="title"/>
           </p:nvPr>
         </p:nvSpPr>
-        <p:spPr>
-          <a:xfrm>
-            <a:off x="1097280" y="516835"/>
-            <a:ext cx="5977937" cy="1666501"/>
-          </a:xfrm>
-        </p:spPr>
-        <p:txBody>
-          <a:bodyPr>
-            <a:normAutofit/>
-          </a:bodyPr>
-          <a:lstStyle/>
-          <a:p>
-            <a:r>
-              <a:rPr lang="en-US" sz="4000">
-                <a:solidFill>
-                  <a:srgbClr val="FFFFFF"/>
-                </a:solidFill>
-              </a:rPr>
-              <a:t>What is abstraction?</a:t>
-            </a:r>
+        <p:spPr/>
+        <p:txBody>
+          <a:bodyPr/>
+          <a:lstStyle/>
+          <a:p>
+            <a:r>
+              <a:rPr lang="en-US" dirty="0"/>
+              <a:t>What are the fundamentals of OOP</a:t>
+            </a:r>
+            <a:r>
+              <a:rPr lang="en-US" dirty="0" smtClean="0"/>
+              <a:t>?	</a:t>
+            </a:r>
+            <a:endParaRPr lang="en-US" dirty="0"/>
           </a:p>
         </p:txBody>
       </p:sp>
@@ -7766,110 +7979,57 @@
             <p:ph idx="1"/>
           </p:nvPr>
         </p:nvSpPr>
-        <p:spPr>
-          <a:xfrm>
-            <a:off x="1097279" y="2236304"/>
-            <a:ext cx="5977938" cy="3652667"/>
-          </a:xfrm>
-        </p:spPr>
-        <p:txBody>
-          <a:bodyPr>
-            <a:normAutofit/>
-          </a:bodyPr>
-          <a:lstStyle/>
-          <a:p>
-            <a:r>
-              <a:rPr lang="en-US" sz="1800" dirty="0">
-                <a:solidFill>
-                  <a:srgbClr val="FFFFFF"/>
-                </a:solidFill>
-              </a:rPr>
-              <a:t>Abstraction is the concept of taking your procedures and grouping them together in a reasonable fashion</a:t>
-            </a:r>
-            <a:r>
-              <a:rPr lang="en-US" sz="1800" dirty="0" smtClean="0">
-                <a:solidFill>
-                  <a:srgbClr val="FFFFFF"/>
-                </a:solidFill>
-              </a:rPr>
-              <a:t>.</a:t>
-            </a:r>
-          </a:p>
-          <a:p>
-            <a:r>
-              <a:rPr lang="en-US" sz="1800" dirty="0" smtClean="0">
-                <a:solidFill>
-                  <a:srgbClr val="FFFFFF"/>
-                </a:solidFill>
-              </a:rPr>
-              <a:t>On top, we see a procedural way of writing code without classes or objects. We just see a line by line description of what our program is supposed to do </a:t>
-            </a:r>
-            <a:r>
-              <a:rPr lang="mr-IN" sz="1800" dirty="0" smtClean="0">
-                <a:solidFill>
-                  <a:srgbClr val="FFFFFF"/>
-                </a:solidFill>
-              </a:rPr>
-              <a:t>–</a:t>
-            </a:r>
-            <a:r>
-              <a:rPr lang="en-US" sz="1800" dirty="0" smtClean="0">
-                <a:solidFill>
-                  <a:srgbClr val="FFFFFF"/>
-                </a:solidFill>
-              </a:rPr>
-              <a:t> it is very limited to the current intent of the program, and not very expandable.</a:t>
-            </a:r>
-          </a:p>
-          <a:p>
-            <a:r>
-              <a:rPr lang="en-US" sz="1800" dirty="0" smtClean="0">
-                <a:solidFill>
-                  <a:srgbClr val="FFFFFF"/>
-                </a:solidFill>
-              </a:rPr>
-              <a:t>Below, we see a grouping based on commonality. We make animals, of different types, by constructing new classes. </a:t>
-            </a:r>
-          </a:p>
-          <a:p>
-            <a:r>
-              <a:rPr lang="en-US" sz="1800" dirty="0" smtClean="0">
-                <a:solidFill>
-                  <a:srgbClr val="FFFFFF"/>
-                </a:solidFill>
-              </a:rPr>
-              <a:t>Let’s take a look at </a:t>
-            </a:r>
-            <a:r>
-              <a:rPr lang="en-US" sz="1800" dirty="0" err="1" smtClean="0">
-                <a:solidFill>
-                  <a:srgbClr val="FFFFFF"/>
-                </a:solidFill>
-              </a:rPr>
-              <a:t>IAnimal.cs</a:t>
-            </a:r>
-            <a:r>
-              <a:rPr lang="en-US" sz="1800" dirty="0" smtClean="0">
-                <a:solidFill>
-                  <a:srgbClr val="FFFFFF"/>
-                </a:solidFill>
-              </a:rPr>
-              <a:t> in order to see how we’d define an interface for our animal.</a:t>
-            </a:r>
-          </a:p>
-          <a:p>
-            <a:endParaRPr lang="en-US" sz="1800" dirty="0">
-              <a:solidFill>
-                <a:srgbClr val="FFFFFF"/>
-              </a:solidFill>
-            </a:endParaRPr>
+        <p:spPr/>
+        <p:txBody>
+          <a:bodyPr/>
+          <a:lstStyle/>
+          <a:p>
+            <a:r>
+              <a:rPr lang="en-US" u="sng" dirty="0" smtClean="0"/>
+              <a:t>Abstraction</a:t>
+            </a:r>
+            <a:r>
+              <a:rPr lang="en-US" dirty="0" smtClean="0"/>
+              <a:t>: grouping and representing meaningful data together</a:t>
+            </a:r>
+          </a:p>
+          <a:p>
+            <a:r>
+              <a:rPr lang="en-US" u="sng" dirty="0" smtClean="0"/>
+              <a:t>Encapsulation</a:t>
+            </a:r>
+            <a:r>
+              <a:rPr lang="en-US" dirty="0" smtClean="0"/>
+              <a:t>: hiding internal logic that the outside world does not care about</a:t>
+            </a:r>
+          </a:p>
+          <a:p>
+            <a:r>
+              <a:rPr lang="en-US" u="sng" dirty="0" smtClean="0"/>
+              <a:t>Inheritance</a:t>
+            </a:r>
+            <a:r>
+              <a:rPr lang="en-US" dirty="0" smtClean="0"/>
+              <a:t>: objects can be based off other objects</a:t>
+            </a:r>
+          </a:p>
+          <a:p>
+            <a:r>
+              <a:rPr lang="en-US" u="sng" dirty="0" smtClean="0"/>
+              <a:t>Polymorphism</a:t>
+            </a:r>
+            <a:r>
+              <a:rPr lang="en-US" dirty="0" smtClean="0"/>
+              <a:t>: we can have many ways of doing the same method on a class.</a:t>
+            </a:r>
+            <a:endParaRPr lang="en-US" dirty="0"/>
           </a:p>
         </p:txBody>
       </p:sp>
     </p:spTree>
     <p:extLst>
       <p:ext uri="{BB962C8B-B14F-4D97-AF65-F5344CB8AC3E}">
-        <p14:creationId xmlns:p14="http://schemas.microsoft.com/office/powerpoint/2010/main" val="2878518170"/>
+        <p14:creationId xmlns:p14="http://schemas.microsoft.com/office/powerpoint/2010/main" val="911021716"/>
       </p:ext>
     </p:extLst>
   </p:cSld>
@@ -7903,6 +8063,263 @@
           <a:chExt cx="0" cy="0"/>
         </a:xfrm>
       </p:grpSpPr>
+      <p:sp useBgFill="1">
+        <p:nvSpPr>
+          <p:cNvPr id="11" name="Rectangle 10"/>
+          <p:cNvSpPr>
+            <a:spLocks noGrp="1" noRot="1" noChangeAspect="1" noMove="1" noResize="1" noEditPoints="1" noAdjustHandles="1" noChangeArrowheads="1" noChangeShapeType="1" noTextEdit="1"/>
+          </p:cNvSpPr>
+          <p:nvPr>
+            <p:extLst>
+              <p:ext uri="{386F3935-93C4-4BCD-93E2-E3B085C9AB24}">
+                <p16:designElem xmlns:p16="http://schemas.microsoft.com/office/powerpoint/2015/main" val="1"/>
+              </p:ext>
+            </p:extLst>
+          </p:nvPr>
+        </p:nvSpPr>
+        <p:spPr>
+          <a:xfrm>
+            <a:off x="0" y="0"/>
+            <a:ext cx="12190459" cy="6858000"/>
+          </a:xfrm>
+          <a:prstGeom prst="rect">
+            <a:avLst/>
+          </a:prstGeom>
+          <a:ln>
+            <a:noFill/>
+          </a:ln>
+        </p:spPr>
+        <p:style>
+          <a:lnRef idx="2">
+            <a:schemeClr val="accent1">
+              <a:shade val="50000"/>
+            </a:schemeClr>
+          </a:lnRef>
+          <a:fillRef idx="1">
+            <a:schemeClr val="accent1"/>
+          </a:fillRef>
+          <a:effectRef idx="0">
+            <a:schemeClr val="accent1"/>
+          </a:effectRef>
+          <a:fontRef idx="minor">
+            <a:schemeClr val="lt1"/>
+          </a:fontRef>
+        </p:style>
+        <p:txBody>
+          <a:bodyPr rtlCol="0" anchor="ctr"/>
+          <a:lstStyle/>
+          <a:p>
+            <a:pPr algn="ctr"/>
+            <a:endParaRPr lang="en-US"/>
+          </a:p>
+        </p:txBody>
+      </p:sp>
+      <p:pic>
+        <p:nvPicPr>
+          <p:cNvPr id="6" name="Picture 5"/>
+          <p:cNvPicPr>
+            <a:picLocks noChangeAspect="1"/>
+          </p:cNvPicPr>
+          <p:nvPr/>
+        </p:nvPicPr>
+        <p:blipFill>
+          <a:blip r:embed="rId2">
+            <a:extLst>
+              <a:ext uri="{28A0092B-C50C-407E-A947-70E740481C1C}">
+                <a14:useLocalDpi xmlns:a14="http://schemas.microsoft.com/office/drawing/2010/main" val="0"/>
+              </a:ext>
+            </a:extLst>
+          </a:blip>
+          <a:stretch>
+            <a:fillRect/>
+          </a:stretch>
+        </p:blipFill>
+        <p:spPr>
+          <a:xfrm>
+            <a:off x="8096533" y="516835"/>
+            <a:ext cx="3609294" cy="2168269"/>
+          </a:xfrm>
+          <a:prstGeom prst="rect">
+            <a:avLst/>
+          </a:prstGeom>
+        </p:spPr>
+      </p:pic>
+      <p:sp>
+        <p:nvSpPr>
+          <p:cNvPr id="13" name="Rectangle 12"/>
+          <p:cNvSpPr>
+            <a:spLocks noGrp="1" noRot="1" noChangeAspect="1" noMove="1" noResize="1" noEditPoints="1" noAdjustHandles="1" noChangeArrowheads="1" noChangeShapeType="1" noTextEdit="1"/>
+          </p:cNvSpPr>
+          <p:nvPr>
+            <p:extLst>
+              <p:ext uri="{386F3935-93C4-4BCD-93E2-E3B085C9AB24}">
+                <p16:designElem xmlns:p16="http://schemas.microsoft.com/office/powerpoint/2015/main" val="1"/>
+              </p:ext>
+            </p:extLst>
+          </p:nvPr>
+        </p:nvSpPr>
+        <p:spPr bwMode="white">
+          <a:xfrm>
+            <a:off x="15" y="0"/>
+            <a:ext cx="7547879" cy="6858000"/>
+          </a:xfrm>
+          <a:prstGeom prst="rect">
+            <a:avLst/>
+          </a:prstGeom>
+          <a:solidFill>
+            <a:schemeClr val="accent2"/>
+          </a:solidFill>
+          <a:ln>
+            <a:noFill/>
+          </a:ln>
+        </p:spPr>
+        <p:style>
+          <a:lnRef idx="2">
+            <a:schemeClr val="accent1">
+              <a:shade val="50000"/>
+            </a:schemeClr>
+          </a:lnRef>
+          <a:fillRef idx="1">
+            <a:schemeClr val="accent1"/>
+          </a:fillRef>
+          <a:effectRef idx="0">
+            <a:schemeClr val="accent1"/>
+          </a:effectRef>
+          <a:fontRef idx="minor">
+            <a:schemeClr val="lt1"/>
+          </a:fontRef>
+        </p:style>
+      </p:sp>
+      <p:sp>
+        <p:nvSpPr>
+          <p:cNvPr id="15" name="Rectangle 14"/>
+          <p:cNvSpPr>
+            <a:spLocks noGrp="1" noRot="1" noChangeAspect="1" noMove="1" noResize="1" noEditPoints="1" noAdjustHandles="1" noChangeArrowheads="1" noChangeShapeType="1" noTextEdit="1"/>
+          </p:cNvSpPr>
+          <p:nvPr>
+            <p:extLst>
+              <p:ext uri="{386F3935-93C4-4BCD-93E2-E3B085C9AB24}">
+                <p16:designElem xmlns:p16="http://schemas.microsoft.com/office/powerpoint/2015/main" val="1"/>
+              </p:ext>
+            </p:extLst>
+          </p:nvPr>
+        </p:nvSpPr>
+        <p:spPr>
+          <a:xfrm>
+            <a:off x="7547894" y="0"/>
+            <a:ext cx="64008" cy="6858000"/>
+          </a:xfrm>
+          <a:prstGeom prst="rect">
+            <a:avLst/>
+          </a:prstGeom>
+          <a:solidFill>
+            <a:schemeClr val="accent1"/>
+          </a:solidFill>
+          <a:ln>
+            <a:noFill/>
+          </a:ln>
+        </p:spPr>
+        <p:style>
+          <a:lnRef idx="2">
+            <a:schemeClr val="accent1">
+              <a:shade val="50000"/>
+            </a:schemeClr>
+          </a:lnRef>
+          <a:fillRef idx="1">
+            <a:schemeClr val="accent1"/>
+          </a:fillRef>
+          <a:effectRef idx="0">
+            <a:schemeClr val="accent1"/>
+          </a:effectRef>
+          <a:fontRef idx="minor">
+            <a:schemeClr val="lt1"/>
+          </a:fontRef>
+        </p:style>
+      </p:sp>
+      <p:pic>
+        <p:nvPicPr>
+          <p:cNvPr id="7" name="Picture 6"/>
+          <p:cNvPicPr>
+            <a:picLocks noChangeAspect="1"/>
+          </p:cNvPicPr>
+          <p:nvPr/>
+        </p:nvPicPr>
+        <p:blipFill>
+          <a:blip r:embed="rId3">
+            <a:extLst>
+              <a:ext uri="{28A0092B-C50C-407E-A947-70E740481C1C}">
+                <a14:useLocalDpi xmlns:a14="http://schemas.microsoft.com/office/drawing/2010/main" val="0"/>
+              </a:ext>
+            </a:extLst>
+          </a:blip>
+          <a:stretch>
+            <a:fillRect/>
+          </a:stretch>
+        </p:blipFill>
+        <p:spPr>
+          <a:xfrm>
+            <a:off x="7611902" y="4172896"/>
+            <a:ext cx="4504363" cy="1463916"/>
+          </a:xfrm>
+          <a:prstGeom prst="rect">
+            <a:avLst/>
+          </a:prstGeom>
+        </p:spPr>
+      </p:pic>
+      <p:sp>
+        <p:nvSpPr>
+          <p:cNvPr id="17" name="Rectangle 16"/>
+          <p:cNvSpPr>
+            <a:spLocks noGrp="1" noRot="1" noChangeAspect="1" noMove="1" noResize="1" noEditPoints="1" noAdjustHandles="1" noChangeArrowheads="1" noChangeShapeType="1" noTextEdit="1"/>
+          </p:cNvSpPr>
+          <p:nvPr>
+            <p:extLst>
+              <p:ext uri="{386F3935-93C4-4BCD-93E2-E3B085C9AB24}">
+                <p16:designElem xmlns:p16="http://schemas.microsoft.com/office/powerpoint/2015/main" val="1"/>
+              </p:ext>
+            </p:extLst>
+          </p:nvPr>
+        </p:nvSpPr>
+        <p:spPr>
+          <a:xfrm>
+            <a:off x="7547894" y="3396996"/>
+            <a:ext cx="4642565" cy="64008"/>
+          </a:xfrm>
+          <a:prstGeom prst="rect">
+            <a:avLst/>
+          </a:prstGeom>
+          <a:solidFill>
+            <a:schemeClr val="accent1"/>
+          </a:solidFill>
+          <a:ln>
+            <a:noFill/>
+          </a:ln>
+        </p:spPr>
+        <p:style>
+          <a:lnRef idx="2">
+            <a:schemeClr val="accent1">
+              <a:shade val="50000"/>
+            </a:schemeClr>
+          </a:lnRef>
+          <a:fillRef idx="1">
+            <a:schemeClr val="accent1"/>
+          </a:fillRef>
+          <a:effectRef idx="0">
+            <a:schemeClr val="accent1"/>
+          </a:effectRef>
+          <a:fontRef idx="minor">
+            <a:schemeClr val="lt1"/>
+          </a:fontRef>
+        </p:style>
+        <p:txBody>
+          <a:bodyPr rtlCol="0" anchor="ctr"/>
+          <a:lstStyle/>
+          <a:p>
+            <a:pPr algn="ctr"/>
+            <a:endParaRPr lang="en-US"/>
+          </a:p>
+        </p:txBody>
+      </p:sp>
       <p:sp>
         <p:nvSpPr>
           <p:cNvPr id="2" name="Title 1"/>
@@ -7913,30 +8330,12 @@
             <p:ph type="title"/>
           </p:nvPr>
         </p:nvSpPr>
-        <p:spPr/>
-        <p:txBody>
-          <a:bodyPr/>
-          <a:lstStyle/>
-          <a:p>
-            <a:r>
-              <a:rPr lang="en-US" dirty="0" smtClean="0"/>
-              <a:t>Classes and Objects in C#</a:t>
-            </a:r>
-            <a:endParaRPr lang="en-US" dirty="0"/>
-          </a:p>
-        </p:txBody>
-      </p:sp>
-      <p:sp>
-        <p:nvSpPr>
-          <p:cNvPr id="3" name="Content Placeholder 2"/>
-          <p:cNvSpPr>
-            <a:spLocks noGrp="1"/>
-          </p:cNvSpPr>
-          <p:nvPr>
-            <p:ph idx="1"/>
-          </p:nvPr>
-        </p:nvSpPr>
-        <p:spPr/>
+        <p:spPr>
+          <a:xfrm>
+            <a:off x="1097280" y="516835"/>
+            <a:ext cx="5977937" cy="1666501"/>
+          </a:xfrm>
+        </p:spPr>
         <p:txBody>
           <a:bodyPr>
             <a:normAutofit/>
@@ -7944,73 +8343,130 @@
           <a:lstStyle/>
           <a:p>
             <a:r>
-              <a:rPr lang="en-US" dirty="0" smtClean="0"/>
-              <a:t>In C#, we can practice Object Oriented programming by writing classes and making objects.</a:t>
-            </a:r>
-          </a:p>
-          <a:p>
-            <a:r>
-              <a:rPr lang="en-US" dirty="0" smtClean="0"/>
-              <a:t>Classes are a blueprint for a complex piece of data. Classes themselves are types just like integers and </a:t>
-            </a:r>
-            <a:r>
-              <a:rPr lang="en-US" dirty="0" err="1" smtClean="0"/>
-              <a:t>booleans</a:t>
-            </a:r>
-            <a:r>
-              <a:rPr lang="en-US" dirty="0" smtClean="0"/>
-              <a:t>, and don’t actually have any data of their own (with the exception of static data). Instead, they have properties and methods which describe data that instances of your objects will contain and functions they will perform.</a:t>
-            </a:r>
-          </a:p>
-          <a:p>
-            <a:r>
-              <a:rPr lang="en-US" dirty="0" smtClean="0"/>
-              <a:t>If you look in your </a:t>
-            </a:r>
-            <a:r>
-              <a:rPr lang="en-US" i="1" dirty="0" smtClean="0"/>
-              <a:t>classes</a:t>
-            </a:r>
-            <a:r>
-              <a:rPr lang="en-US" dirty="0" smtClean="0"/>
-              <a:t> folder, you’ll see all our classes for different types of animals!</a:t>
-            </a:r>
-          </a:p>
-          <a:p>
-            <a:r>
-              <a:rPr lang="en-US" dirty="0" smtClean="0"/>
-              <a:t>While classes are blueprints, we make new instances of the classes (see </a:t>
-            </a:r>
-            <a:r>
-              <a:rPr lang="en-US" dirty="0" err="1" smtClean="0"/>
-              <a:t>Program.cs</a:t>
-            </a:r>
-            <a:r>
-              <a:rPr lang="en-US" dirty="0" smtClean="0"/>
-              <a:t>). You can tell you are making an instance of a class by the use of the </a:t>
-            </a:r>
-            <a:r>
-              <a:rPr lang="en-US" i="1" dirty="0" smtClean="0"/>
-              <a:t>new</a:t>
-            </a:r>
-            <a:r>
-              <a:rPr lang="en-US" dirty="0" smtClean="0"/>
-              <a:t> keyword, followed by the constructor function of a class.</a:t>
-            </a:r>
-          </a:p>
-          <a:p>
-            <a:r>
-              <a:rPr lang="en-US" dirty="0" smtClean="0"/>
-              <a:t>These instances are self contained objects that have all the data and methods of that class. You can get or set the properties of that class instance and not affect other instances of that class.</a:t>
-            </a:r>
-            <a:endParaRPr lang="en-US" dirty="0"/>
+              <a:rPr lang="en-US" sz="4000">
+                <a:solidFill>
+                  <a:srgbClr val="FFFFFF"/>
+                </a:solidFill>
+              </a:rPr>
+              <a:t>What is abstraction?</a:t>
+            </a:r>
+          </a:p>
+        </p:txBody>
+      </p:sp>
+      <p:sp>
+        <p:nvSpPr>
+          <p:cNvPr id="3" name="Content Placeholder 2"/>
+          <p:cNvSpPr>
+            <a:spLocks noGrp="1"/>
+          </p:cNvSpPr>
+          <p:nvPr>
+            <p:ph idx="1"/>
+          </p:nvPr>
+        </p:nvSpPr>
+        <p:spPr>
+          <a:xfrm>
+            <a:off x="1097279" y="2236304"/>
+            <a:ext cx="5977938" cy="3652667"/>
+          </a:xfrm>
+        </p:spPr>
+        <p:txBody>
+          <a:bodyPr>
+            <a:normAutofit/>
+          </a:bodyPr>
+          <a:lstStyle/>
+          <a:p>
+            <a:r>
+              <a:rPr lang="en-US" sz="1800" dirty="0">
+                <a:solidFill>
+                  <a:srgbClr val="FFFFFF"/>
+                </a:solidFill>
+              </a:rPr>
+              <a:t>Abstraction is the concept of taking your procedures and grouping them together in a reasonable fashion</a:t>
+            </a:r>
+            <a:r>
+              <a:rPr lang="en-US" sz="1800" dirty="0" smtClean="0">
+                <a:solidFill>
+                  <a:srgbClr val="FFFFFF"/>
+                </a:solidFill>
+              </a:rPr>
+              <a:t>.</a:t>
+            </a:r>
+          </a:p>
+          <a:p>
+            <a:r>
+              <a:rPr lang="en-US" sz="1800" dirty="0" smtClean="0">
+                <a:solidFill>
+                  <a:srgbClr val="FFFFFF"/>
+                </a:solidFill>
+              </a:rPr>
+              <a:t>On top, we see a procedural way of writing code without classes or objects. We just see a line by line description of what our program is supposed to do </a:t>
+            </a:r>
+            <a:r>
+              <a:rPr lang="mr-IN" sz="1800" dirty="0" smtClean="0">
+                <a:solidFill>
+                  <a:srgbClr val="FFFFFF"/>
+                </a:solidFill>
+              </a:rPr>
+              <a:t>–</a:t>
+            </a:r>
+            <a:r>
+              <a:rPr lang="en-US" sz="1800" dirty="0" smtClean="0">
+                <a:solidFill>
+                  <a:srgbClr val="FFFFFF"/>
+                </a:solidFill>
+              </a:rPr>
+              <a:t> it is very limited to the current intent of the program, and not very expandable.</a:t>
+            </a:r>
+          </a:p>
+          <a:p>
+            <a:r>
+              <a:rPr lang="en-US" sz="1800" dirty="0" smtClean="0">
+                <a:solidFill>
+                  <a:srgbClr val="FFFFFF"/>
+                </a:solidFill>
+              </a:rPr>
+              <a:t>Below, we see a grouping based on commonality. We make animals, of different types, by constructing new classes. </a:t>
+            </a:r>
+          </a:p>
+          <a:p>
+            <a:r>
+              <a:rPr lang="en-US" sz="1800" dirty="0" smtClean="0">
+                <a:solidFill>
+                  <a:srgbClr val="FFFFFF"/>
+                </a:solidFill>
+              </a:rPr>
+              <a:t>Let’s take a look at </a:t>
+            </a:r>
+            <a:r>
+              <a:rPr lang="en-US" sz="1800" dirty="0" err="1" smtClean="0">
+                <a:solidFill>
+                  <a:srgbClr val="FFFFFF"/>
+                </a:solidFill>
+              </a:rPr>
+              <a:t>IAnimal.cs</a:t>
+            </a:r>
+            <a:r>
+              <a:rPr lang="en-US" sz="1800" dirty="0" smtClean="0">
+                <a:solidFill>
+                  <a:srgbClr val="FFFFFF"/>
+                </a:solidFill>
+              </a:rPr>
+              <a:t> in order to see how we’d define an interface for our animal.</a:t>
+            </a:r>
+          </a:p>
+          <a:p>
+            <a:endParaRPr lang="en-US" sz="1800" dirty="0">
+              <a:solidFill>
+                <a:srgbClr val="FFFFFF"/>
+              </a:solidFill>
+            </a:endParaRPr>
           </a:p>
         </p:txBody>
       </p:sp>
     </p:spTree>
     <p:extLst>
       <p:ext uri="{BB962C8B-B14F-4D97-AF65-F5344CB8AC3E}">
-        <p14:creationId xmlns:p14="http://schemas.microsoft.com/office/powerpoint/2010/main" val="1168785081"/>
+        <p14:creationId xmlns:p14="http://schemas.microsoft.com/office/powerpoint/2010/main" val="2878518170"/>
       </p:ext>
     </p:extLst>
   </p:cSld>
@@ -8061,7 +8517,7 @@
           <a:p>
             <a:r>
               <a:rPr lang="en-US" dirty="0" smtClean="0"/>
-              <a:t>What is encapsulation?</a:t>
+              <a:t>Classes and Objects in C#</a:t>
             </a:r>
             <a:endParaRPr lang="en-US" dirty="0"/>
           </a:p>
@@ -8079,92 +8535,92 @@
         </p:nvSpPr>
         <p:spPr/>
         <p:txBody>
-          <a:bodyPr/>
+          <a:bodyPr>
+            <a:normAutofit/>
+          </a:bodyPr>
           <a:lstStyle/>
           <a:p>
             <a:r>
               <a:rPr lang="en-US" dirty="0" smtClean="0"/>
-              <a:t>Encapsulation </a:t>
-            </a:r>
-            <a:r>
-              <a:rPr lang="en-US" dirty="0"/>
-              <a:t>is the process of hiding internal data and logic from the outside. It can be seen as </a:t>
-            </a:r>
+              <a:t>In C#, we can practice Object Oriented programming by writing classes and making objects.</a:t>
+            </a:r>
+          </a:p>
+          <a:p>
             <a:r>
               <a:rPr lang="en-US" dirty="0" smtClean="0"/>
-              <a:t>part </a:t>
-            </a:r>
-            <a:r>
-              <a:rPr lang="en-US" dirty="0"/>
-              <a:t>of DOING the </a:t>
+              <a:t>Classes are a blueprint for a complex piece of data. Classes themselves are types just like integers and </a:t>
+            </a:r>
+            <a:r>
+              <a:rPr lang="en-US" dirty="0" err="1" smtClean="0"/>
+              <a:t>booleans</a:t>
             </a:r>
             <a:r>
               <a:rPr lang="en-US" dirty="0" smtClean="0"/>
-              <a:t>abstraction</a:t>
-            </a:r>
-          </a:p>
-          <a:p>
-            <a:r>
-              <a:rPr lang="en-US" dirty="0"/>
-              <a:t>Real world example: you don't need to know how a dog's body works to know that when you feed your dog a steak, they eat the steak and digest it</a:t>
-            </a:r>
+              <a:t>, and don’t actually have any data of their own (with the exception of static data). Instead, they have properties and methods which describe data that instances of your objects will contain and functions they will perform.</a:t>
+            </a:r>
+          </a:p>
+          <a:p>
             <a:r>
               <a:rPr lang="en-US" dirty="0" smtClean="0"/>
-              <a:t>. (See </a:t>
+              <a:t>If you look in your </a:t>
+            </a:r>
+            <a:r>
+              <a:rPr lang="en-US" i="1" dirty="0" smtClean="0"/>
+              <a:t>classes</a:t>
+            </a:r>
+            <a:r>
+              <a:rPr lang="en-US" dirty="0" smtClean="0"/>
+              <a:t> folder, you’ll see all our classes for different types of animals!</a:t>
+            </a:r>
+          </a:p>
+          <a:p>
+            <a:r>
+              <a:rPr lang="en-US" dirty="0" smtClean="0"/>
+              <a:t>While classes are blueprints, we make new instances of the classes (see </a:t>
             </a:r>
             <a:r>
               <a:rPr lang="en-US" dirty="0" err="1" smtClean="0"/>
-              <a:t>dog.js</a:t>
+              <a:t>Program.cs</a:t>
             </a:r>
             <a:r>
               <a:rPr lang="en-US" dirty="0" smtClean="0"/>
-              <a:t> </a:t>
+              <a:t>). You can tell you are making an instance of a class by the use of the </a:t>
             </a:r>
             <a:r>
               <a:rPr lang="en-US" i="1" dirty="0" smtClean="0"/>
-              <a:t>Eat </a:t>
+              <a:t>new</a:t>
             </a:r>
             <a:r>
               <a:rPr lang="en-US" dirty="0" smtClean="0"/>
-              <a:t>method for an abstraction of that!)</a:t>
-            </a:r>
-          </a:p>
-          <a:p>
-            <a:r>
-              <a:rPr lang="en-US" dirty="0"/>
-              <a:t>Real world example: You </a:t>
-            </a:r>
+              <a:t> keyword, followed by the constructor function of a class.</a:t>
+            </a:r>
+          </a:p>
+          <a:p>
             <a:r>
               <a:rPr lang="en-US" dirty="0" smtClean="0"/>
-              <a:t>also don't </a:t>
-            </a:r>
-            <a:r>
-              <a:rPr lang="en-US" dirty="0"/>
-              <a:t>know how the parrot will decide to speak, but it will emulate something spoken to. You just want to get the result of it speaking</a:t>
-            </a:r>
-            <a:r>
-              <a:rPr lang="en-US" dirty="0" smtClean="0"/>
-              <a:t>.</a:t>
-            </a:r>
-          </a:p>
-          <a:p>
-            <a:r>
-              <a:rPr lang="en-US" dirty="0"/>
-              <a:t>This is useful because it allows us to focus on making objects that are self-contained: they perform what is expected of them, and we don't need to know how they do that.</a:t>
-            </a:r>
+              <a:t>These instances are self contained objects that have all the data and methods of that class. You can get or set the properties of that class instance and not affect other instances of that class.</a:t>
+            </a:r>
+            <a:endParaRPr lang="en-US" dirty="0"/>
           </a:p>
         </p:txBody>
       </p:sp>
     </p:spTree>
     <p:extLst>
       <p:ext uri="{BB962C8B-B14F-4D97-AF65-F5344CB8AC3E}">
-        <p14:creationId xmlns:p14="http://schemas.microsoft.com/office/powerpoint/2010/main" val="1807486249"/>
+        <p14:creationId xmlns:p14="http://schemas.microsoft.com/office/powerpoint/2010/main" val="1168785081"/>
       </p:ext>
     </p:extLst>
   </p:cSld>
   <p:clrMapOvr>
     <a:masterClrMapping/>
   </p:clrMapOvr>
+  <p:timing>
+    <p:tnLst>
+      <p:par>
+        <p:cTn id="1" dur="indefinite" restart="never" nodeType="tmRoot"/>
+      </p:par>
+    </p:tnLst>
+  </p:timing>
 </p:sld>
 </file>
 
@@ -8185,179 +8641,6 @@
           <a:chExt cx="0" cy="0"/>
         </a:xfrm>
       </p:grpSpPr>
-      <p:sp useBgFill="1">
-        <p:nvSpPr>
-          <p:cNvPr id="8" name="Rectangle 7"/>
-          <p:cNvSpPr>
-            <a:spLocks noGrp="1" noRot="1" noChangeAspect="1" noMove="1" noResize="1" noEditPoints="1" noAdjustHandles="1" noChangeArrowheads="1" noChangeShapeType="1" noTextEdit="1"/>
-          </p:cNvSpPr>
-          <p:nvPr>
-            <p:extLst>
-              <p:ext uri="{386F3935-93C4-4BCD-93E2-E3B085C9AB24}">
-                <p16:designElem xmlns:p16="http://schemas.microsoft.com/office/powerpoint/2015/main" val="1"/>
-              </p:ext>
-            </p:extLst>
-          </p:nvPr>
-        </p:nvSpPr>
-        <p:spPr>
-          <a:xfrm>
-            <a:off x="0" y="0"/>
-            <a:ext cx="12186315" cy="6858000"/>
-          </a:xfrm>
-          <a:prstGeom prst="rect">
-            <a:avLst/>
-          </a:prstGeom>
-          <a:ln>
-            <a:noFill/>
-          </a:ln>
-        </p:spPr>
-        <p:style>
-          <a:lnRef idx="2">
-            <a:schemeClr val="accent6">
-              <a:shade val="50000"/>
-            </a:schemeClr>
-          </a:lnRef>
-          <a:fillRef idx="1001">
-            <a:schemeClr val="lt1"/>
-          </a:fillRef>
-          <a:effectRef idx="0">
-            <a:schemeClr val="accent6"/>
-          </a:effectRef>
-          <a:fontRef idx="minor">
-            <a:schemeClr val="lt1"/>
-          </a:fontRef>
-        </p:style>
-        <p:txBody>
-          <a:bodyPr rtlCol="0" anchor="ctr"/>
-          <a:lstStyle/>
-          <a:p>
-            <a:pPr algn="ctr"/>
-            <a:endParaRPr lang="en-US"/>
-          </a:p>
-        </p:txBody>
-      </p:sp>
-      <p:sp>
-        <p:nvSpPr>
-          <p:cNvPr id="10" name="Rectangle 9"/>
-          <p:cNvSpPr>
-            <a:spLocks noGrp="1" noRot="1" noChangeAspect="1" noMove="1" noResize="1" noEditPoints="1" noAdjustHandles="1" noChangeArrowheads="1" noChangeShapeType="1" noTextEdit="1"/>
-          </p:cNvSpPr>
-          <p:nvPr>
-            <p:extLst>
-              <p:ext uri="{386F3935-93C4-4BCD-93E2-E3B085C9AB24}">
-                <p16:designElem xmlns:p16="http://schemas.microsoft.com/office/powerpoint/2015/main" val="1"/>
-              </p:ext>
-            </p:extLst>
-          </p:nvPr>
-        </p:nvSpPr>
-        <p:spPr>
-          <a:xfrm>
-            <a:off x="16" y="0"/>
-            <a:ext cx="4050791" cy="6858000"/>
-          </a:xfrm>
-          <a:prstGeom prst="rect">
-            <a:avLst/>
-          </a:prstGeom>
-          <a:solidFill>
-            <a:schemeClr val="accent2"/>
-          </a:solidFill>
-          <a:ln>
-            <a:noFill/>
-          </a:ln>
-        </p:spPr>
-        <p:style>
-          <a:lnRef idx="2">
-            <a:schemeClr val="accent1">
-              <a:shade val="50000"/>
-            </a:schemeClr>
-          </a:lnRef>
-          <a:fillRef idx="1">
-            <a:schemeClr val="accent1"/>
-          </a:fillRef>
-          <a:effectRef idx="0">
-            <a:schemeClr val="accent1"/>
-          </a:effectRef>
-          <a:fontRef idx="minor">
-            <a:schemeClr val="lt1"/>
-          </a:fontRef>
-        </p:style>
-      </p:sp>
-      <p:sp>
-        <p:nvSpPr>
-          <p:cNvPr id="12" name="Rectangle 11"/>
-          <p:cNvSpPr>
-            <a:spLocks noGrp="1" noRot="1" noChangeAspect="1" noMove="1" noResize="1" noEditPoints="1" noAdjustHandles="1" noChangeArrowheads="1" noChangeShapeType="1" noTextEdit="1"/>
-          </p:cNvSpPr>
-          <p:nvPr>
-            <p:extLst>
-              <p:ext uri="{386F3935-93C4-4BCD-93E2-E3B085C9AB24}">
-                <p16:designElem xmlns:p16="http://schemas.microsoft.com/office/powerpoint/2015/main" val="1"/>
-              </p:ext>
-            </p:extLst>
-          </p:nvPr>
-        </p:nvSpPr>
-        <p:spPr>
-          <a:xfrm>
-            <a:off x="4040071" y="0"/>
-            <a:ext cx="64008" cy="6858000"/>
-          </a:xfrm>
-          <a:prstGeom prst="rect">
-            <a:avLst/>
-          </a:prstGeom>
-          <a:solidFill>
-            <a:schemeClr val="accent1"/>
-          </a:solidFill>
-          <a:ln>
-            <a:noFill/>
-          </a:ln>
-        </p:spPr>
-        <p:style>
-          <a:lnRef idx="2">
-            <a:schemeClr val="accent1">
-              <a:shade val="50000"/>
-            </a:schemeClr>
-          </a:lnRef>
-          <a:fillRef idx="1">
-            <a:schemeClr val="accent1"/>
-          </a:fillRef>
-          <a:effectRef idx="0">
-            <a:schemeClr val="accent1"/>
-          </a:effectRef>
-          <a:fontRef idx="minor">
-            <a:schemeClr val="lt1"/>
-          </a:fontRef>
-        </p:style>
-      </p:sp>
-      <p:pic>
-        <p:nvPicPr>
-          <p:cNvPr id="4" name="Picture 3"/>
-          <p:cNvPicPr>
-            <a:picLocks noChangeAspect="1"/>
-          </p:cNvPicPr>
-          <p:nvPr/>
-        </p:nvPicPr>
-        <p:blipFill>
-          <a:blip r:embed="rId2">
-            <a:extLst>
-              <a:ext uri="{28A0092B-C50C-407E-A947-70E740481C1C}">
-                <a14:useLocalDpi xmlns:a14="http://schemas.microsoft.com/office/drawing/2010/main" val="0"/>
-              </a:ext>
-            </a:extLst>
-          </a:blip>
-          <a:stretch>
-            <a:fillRect/>
-          </a:stretch>
-        </p:blipFill>
-        <p:spPr>
-          <a:xfrm>
-            <a:off x="4935403" y="640080"/>
-            <a:ext cx="6411310" cy="5577840"/>
-          </a:xfrm>
-          <a:prstGeom prst="rect">
-            <a:avLst/>
-          </a:prstGeom>
-        </p:spPr>
-      </p:pic>
       <p:sp>
         <p:nvSpPr>
           <p:cNvPr id="2" name="Title 1"/>
@@ -8368,26 +8651,16 @@
             <p:ph type="title"/>
           </p:nvPr>
         </p:nvSpPr>
-        <p:spPr>
-          <a:xfrm>
-            <a:off x="492370" y="516835"/>
-            <a:ext cx="3084844" cy="2103875"/>
-          </a:xfrm>
-        </p:spPr>
-        <p:txBody>
-          <a:bodyPr>
-            <a:normAutofit/>
-          </a:bodyPr>
-          <a:lstStyle/>
-          <a:p>
-            <a:r>
-              <a:rPr lang="en-US" sz="3600">
-                <a:solidFill>
-                  <a:srgbClr val="FFFFFF"/>
-                </a:solidFill>
-              </a:rPr>
-              <a:t>What is an interface?</a:t>
-            </a:r>
+        <p:spPr/>
+        <p:txBody>
+          <a:bodyPr/>
+          <a:lstStyle/>
+          <a:p>
+            <a:r>
+              <a:rPr lang="en-US" dirty="0" smtClean="0"/>
+              <a:t>What is encapsulation?</a:t>
+            </a:r>
+            <a:endParaRPr lang="en-US" dirty="0"/>
           </a:p>
         </p:txBody>
       </p:sp>
@@ -8401,127 +8674,94 @@
             <p:ph idx="1"/>
           </p:nvPr>
         </p:nvSpPr>
-        <p:spPr>
-          <a:xfrm>
-            <a:off x="492371" y="2653800"/>
-            <a:ext cx="3084844" cy="3335519"/>
-          </a:xfrm>
-        </p:spPr>
-        <p:txBody>
-          <a:bodyPr>
-            <a:normAutofit/>
-          </a:bodyPr>
-          <a:lstStyle/>
-          <a:p>
-            <a:r>
-              <a:rPr lang="en-US" sz="1500" dirty="0">
-                <a:solidFill>
-                  <a:srgbClr val="FFFFFF"/>
-                </a:solidFill>
-              </a:rPr>
-              <a:t>An interface is a contract that describes what a class has and how it is expected to behave.</a:t>
-            </a:r>
-          </a:p>
-          <a:p>
-            <a:r>
-              <a:rPr lang="en-US" sz="1500" dirty="0" smtClean="0">
-                <a:solidFill>
-                  <a:srgbClr val="FFFFFF"/>
-                </a:solidFill>
-              </a:rPr>
-              <a:t>When </a:t>
-            </a:r>
-            <a:r>
-              <a:rPr lang="en-US" sz="1500" dirty="0">
-                <a:solidFill>
-                  <a:srgbClr val="FFFFFF"/>
-                </a:solidFill>
-              </a:rPr>
-              <a:t>we make animals, they would </a:t>
-            </a:r>
-            <a:r>
-              <a:rPr lang="en-US" sz="1500" dirty="0" smtClean="0">
-                <a:solidFill>
-                  <a:srgbClr val="FFFFFF"/>
-                </a:solidFill>
-              </a:rPr>
-              <a:t>implement </a:t>
-            </a:r>
-            <a:r>
-              <a:rPr lang="en-US" sz="1500" dirty="0" err="1" smtClean="0">
-                <a:solidFill>
-                  <a:srgbClr val="FFFFFF"/>
-                </a:solidFill>
-              </a:rPr>
-              <a:t>IAnimal</a:t>
-            </a:r>
-            <a:r>
-              <a:rPr lang="en-US" sz="1500" dirty="0">
-                <a:solidFill>
-                  <a:srgbClr val="FFFFFF"/>
-                </a:solidFill>
-              </a:rPr>
-              <a:t>, </a:t>
-            </a:r>
-            <a:r>
-              <a:rPr lang="en-US" sz="1500" dirty="0" smtClean="0">
-                <a:solidFill>
-                  <a:srgbClr val="FFFFFF"/>
-                </a:solidFill>
-              </a:rPr>
-              <a:t>which means they would have all the properties and methods defined in </a:t>
-            </a:r>
-            <a:r>
-              <a:rPr lang="en-US" sz="1500" dirty="0" err="1" smtClean="0">
-                <a:solidFill>
-                  <a:srgbClr val="FFFFFF"/>
-                </a:solidFill>
-              </a:rPr>
-              <a:t>Ianimal</a:t>
-            </a:r>
-            <a:r>
-              <a:rPr lang="en-US" sz="1500" dirty="0" smtClean="0">
-                <a:solidFill>
-                  <a:srgbClr val="FFFFFF"/>
-                </a:solidFill>
-              </a:rPr>
+        <p:spPr/>
+        <p:txBody>
+          <a:bodyPr/>
+          <a:lstStyle/>
+          <a:p>
+            <a:r>
+              <a:rPr lang="en-US" dirty="0" smtClean="0"/>
+              <a:t>Encapsulation </a:t>
+            </a:r>
+            <a:r>
+              <a:rPr lang="en-US" dirty="0"/>
+              <a:t>is the process of hiding internal data and logic from the outside. It can be seen as </a:t>
+            </a:r>
+            <a:r>
+              <a:rPr lang="en-US" dirty="0" smtClean="0"/>
+              <a:t>part </a:t>
+            </a:r>
+            <a:r>
+              <a:rPr lang="en-US" dirty="0"/>
+              <a:t>of DOING the </a:t>
+            </a:r>
+            <a:r>
+              <a:rPr lang="en-US" dirty="0" smtClean="0"/>
+              <a:t>abstraction</a:t>
+            </a:r>
+          </a:p>
+          <a:p>
+            <a:r>
+              <a:rPr lang="en-US" dirty="0"/>
+              <a:t>Real world example: you don't need to know how a dog's body works to know that when you feed your dog a steak, they eat the steak and digest it</a:t>
+            </a:r>
+            <a:r>
+              <a:rPr lang="en-US" dirty="0" smtClean="0"/>
+              <a:t>. (See </a:t>
+            </a:r>
+            <a:r>
+              <a:rPr lang="en-US" dirty="0" err="1" smtClean="0"/>
+              <a:t>dog.js</a:t>
+            </a:r>
+            <a:r>
+              <a:rPr lang="en-US" dirty="0" smtClean="0"/>
+              <a:t> </a:t>
+            </a:r>
+            <a:r>
+              <a:rPr lang="en-US" i="1" dirty="0" smtClean="0"/>
+              <a:t>Eat </a:t>
+            </a:r>
+            <a:r>
+              <a:rPr lang="en-US" dirty="0" smtClean="0"/>
+              <a:t>method for an abstraction of that!)</a:t>
+            </a:r>
+          </a:p>
+          <a:p>
+            <a:r>
+              <a:rPr lang="en-US" dirty="0"/>
+              <a:t>Real world example: You </a:t>
+            </a:r>
+            <a:r>
+              <a:rPr lang="en-US" dirty="0" smtClean="0"/>
+              <a:t>also don't </a:t>
+            </a:r>
+            <a:r>
+              <a:rPr lang="en-US" dirty="0"/>
+              <a:t>know how the parrot will decide to speak, but it will emulate something spoken to. You just want to get the result of it speaking</a:t>
+            </a:r>
+            <a:r>
+              <a:rPr lang="en-US" dirty="0" smtClean="0"/>
               <a:t>.</a:t>
             </a:r>
           </a:p>
           <a:p>
             <a:r>
-              <a:rPr lang="en-US" sz="1500" dirty="0" smtClean="0">
-                <a:solidFill>
-                  <a:srgbClr val="FFFFFF"/>
-                </a:solidFill>
-              </a:rPr>
-              <a:t>Interfaces can implement other interfaces, as well!</a:t>
-            </a:r>
-            <a:endParaRPr lang="en-US" sz="1500" dirty="0">
-              <a:solidFill>
-                <a:srgbClr val="FFFFFF"/>
-              </a:solidFill>
-            </a:endParaRPr>
+              <a:rPr lang="en-US" dirty="0"/>
+              <a:t>This is useful because it allows us to focus on making objects that are self-contained: they perform what is expected of them, and we don't need to know how they do that.</a:t>
+            </a:r>
           </a:p>
         </p:txBody>
       </p:sp>
     </p:spTree>
     <p:extLst>
       <p:ext uri="{BB962C8B-B14F-4D97-AF65-F5344CB8AC3E}">
-        <p14:creationId xmlns:p14="http://schemas.microsoft.com/office/powerpoint/2010/main" val="2930259487"/>
+        <p14:creationId xmlns:p14="http://schemas.microsoft.com/office/powerpoint/2010/main" val="1807486249"/>
       </p:ext>
     </p:extLst>
   </p:cSld>
   <p:clrMapOvr>
     <a:masterClrMapping/>
   </p:clrMapOvr>
-  <p:timing>
-    <p:tnLst>
-      <p:par>
-        <p:cTn id="1" dur="indefinite" restart="never" nodeType="tmRoot"/>
-      </p:par>
-    </p:tnLst>
-  </p:timing>
 </p:sld>
 </file>
 
@@ -8544,7 +8784,7 @@
       </p:grpSpPr>
       <p:sp useBgFill="1">
         <p:nvSpPr>
-          <p:cNvPr id="16" name="Rectangle 15"/>
+          <p:cNvPr id="8" name="Rectangle 7"/>
           <p:cNvSpPr>
             <a:spLocks noGrp="1" noRot="1" noChangeAspect="1" noMove="1" noResize="1" noEditPoints="1" noAdjustHandles="1" noChangeArrowheads="1" noChangeShapeType="1" noTextEdit="1"/>
           </p:cNvSpPr>
@@ -8595,7 +8835,7 @@
       </p:sp>
       <p:sp>
         <p:nvSpPr>
-          <p:cNvPr id="18" name="Rectangle 17"/>
+          <p:cNvPr id="10" name="Rectangle 9"/>
           <p:cNvSpPr>
             <a:spLocks noGrp="1" noRot="1" noChangeAspect="1" noMove="1" noResize="1" noEditPoints="1" noAdjustHandles="1" noChangeArrowheads="1" noChangeShapeType="1" noTextEdit="1"/>
           </p:cNvSpPr>
@@ -8641,7 +8881,7 @@
       </p:sp>
       <p:sp>
         <p:nvSpPr>
-          <p:cNvPr id="20" name="Rectangle 19"/>
+          <p:cNvPr id="12" name="Rectangle 11"/>
           <p:cNvSpPr>
             <a:spLocks noGrp="1" noRot="1" noChangeAspect="1" noMove="1" noResize="1" noEditPoints="1" noAdjustHandles="1" noChangeArrowheads="1" noChangeShapeType="1" noTextEdit="1"/>
           </p:cNvSpPr>
@@ -8687,7 +8927,7 @@
       </p:sp>
       <p:pic>
         <p:nvPicPr>
-          <p:cNvPr id="5" name="Picture 4"/>
+          <p:cNvPr id="4" name="Picture 3"/>
           <p:cNvPicPr>
             <a:picLocks noChangeAspect="1"/>
           </p:cNvPicPr>
@@ -8707,8 +8947,8 @@
         </p:blipFill>
         <p:spPr>
           <a:xfrm>
-            <a:off x="4742017" y="1398073"/>
-            <a:ext cx="6798082" cy="4061853"/>
+            <a:off x="4935403" y="640080"/>
+            <a:ext cx="6411310" cy="5577840"/>
           </a:xfrm>
           <a:prstGeom prst="rect">
             <a:avLst/>
@@ -8738,12 +8978,12 @@
           <a:lstStyle/>
           <a:p>
             <a:r>
-              <a:rPr lang="en-US" sz="3600">
+              <a:rPr lang="en-US" sz="3600" dirty="0">
                 <a:solidFill>
                   <a:srgbClr val="FFFFFF"/>
                 </a:solidFill>
               </a:rPr>
-              <a:t>How do we implement an interface in C#?</a:t>
+              <a:t>What is an interface?</a:t>
             </a:r>
           </a:p>
         </p:txBody>
@@ -8776,99 +9016,83 @@
                   <a:srgbClr val="FFFFFF"/>
                 </a:solidFill>
               </a:rPr>
-              <a:t>Implementation is a fulfillment of an interface; to implement an interface, your class needs to have all the properties and methods defined in the interface.</a:t>
-            </a:r>
-          </a:p>
-          <a:p>
+              <a:t>An interface is a contract that describes what a class has and how it is expected to behave.</a:t>
+            </a:r>
+          </a:p>
+          <a:p>
+            <a:r>
+              <a:rPr lang="en-US" sz="1500" dirty="0" smtClean="0">
+                <a:solidFill>
+                  <a:srgbClr val="FFFFFF"/>
+                </a:solidFill>
+              </a:rPr>
+              <a:t>When </a:t>
+            </a:r>
             <a:r>
               <a:rPr lang="en-US" sz="1500" dirty="0">
                 <a:solidFill>
                   <a:srgbClr val="FFFFFF"/>
                 </a:solidFill>
               </a:rPr>
-              <a:t>Our </a:t>
-            </a:r>
-            <a:r>
-              <a:rPr lang="en-US" sz="1500" i="1" dirty="0">
+              <a:t>we make animals, they would </a:t>
+            </a:r>
+            <a:r>
+              <a:rPr lang="en-US" sz="1500" dirty="0" smtClean="0">
                 <a:solidFill>
                   <a:srgbClr val="FFFFFF"/>
                 </a:solidFill>
               </a:rPr>
-              <a:t>Mammal</a:t>
-            </a:r>
-            <a:r>
-              <a:rPr lang="en-US" sz="1500" dirty="0">
-                <a:solidFill>
-                  <a:srgbClr val="FFFFFF"/>
-                </a:solidFill>
-              </a:rPr>
-              <a:t> class is going to implement </a:t>
-            </a:r>
-            <a:r>
-              <a:rPr lang="en-US" sz="1500" dirty="0" smtClean="0">
-                <a:solidFill>
-                  <a:srgbClr val="FFFFFF"/>
-                </a:solidFill>
-              </a:rPr>
-              <a:t>3 interfaces:</a:t>
-            </a:r>
-          </a:p>
-          <a:p>
-            <a:pPr lvl="1"/>
-            <a:r>
-              <a:rPr lang="en-US" sz="1300" dirty="0" err="1" smtClean="0">
+              <a:t>implement </a:t>
+            </a:r>
+            <a:r>
+              <a:rPr lang="en-US" sz="1500" dirty="0" err="1" smtClean="0">
                 <a:solidFill>
                   <a:srgbClr val="FFFFFF"/>
                 </a:solidFill>
               </a:rPr>
               <a:t>IAnimal</a:t>
             </a:r>
-            <a:endParaRPr lang="en-US" sz="1300" dirty="0" smtClean="0">
-              <a:solidFill>
-                <a:srgbClr val="FFFFFF"/>
-              </a:solidFill>
-            </a:endParaRPr>
-          </a:p>
-          <a:p>
-            <a:pPr lvl="1"/>
-            <a:r>
-              <a:rPr lang="en-US" sz="1300" dirty="0" err="1" smtClean="0">
+            <a:r>
+              <a:rPr lang="en-US" sz="1500" dirty="0">
                 <a:solidFill>
                   <a:srgbClr val="FFFFFF"/>
                 </a:solidFill>
               </a:rPr>
-              <a:t>IGenderable</a:t>
-            </a:r>
-            <a:endParaRPr lang="en-US" sz="1300" dirty="0" smtClean="0">
-              <a:solidFill>
-                <a:srgbClr val="FFFFFF"/>
-              </a:solidFill>
-            </a:endParaRPr>
-          </a:p>
-          <a:p>
-            <a:pPr lvl="1"/>
-            <a:r>
-              <a:rPr lang="en-US" sz="1300" dirty="0" err="1" smtClean="0">
+              <a:t>, </a:t>
+            </a:r>
+            <a:r>
+              <a:rPr lang="en-US" sz="1500" dirty="0" smtClean="0">
                 <a:solidFill>
                   <a:srgbClr val="FFFFFF"/>
                 </a:solidFill>
               </a:rPr>
-              <a:t>IWalkable</a:t>
-            </a:r>
-            <a:endParaRPr lang="en-US" sz="1300" dirty="0" smtClean="0">
-              <a:solidFill>
-                <a:srgbClr val="FFFFFF"/>
-              </a:solidFill>
-            </a:endParaRPr>
-          </a:p>
-          <a:p>
+              <a:t>which means they would have all the properties and methods defined in </a:t>
+            </a:r>
+            <a:r>
+              <a:rPr lang="en-US" sz="1500" dirty="0" err="1" smtClean="0">
+                <a:solidFill>
+                  <a:srgbClr val="FFFFFF"/>
+                </a:solidFill>
+              </a:rPr>
+              <a:t>IAnimal</a:t>
+            </a:r>
             <a:r>
               <a:rPr lang="en-US" sz="1500" dirty="0" smtClean="0">
                 <a:solidFill>
                   <a:srgbClr val="FFFFFF"/>
                 </a:solidFill>
               </a:rPr>
-              <a:t>As such, it must implement all methods and all properties from all those interfaces.</a:t>
+              <a:t>.</a:t>
+            </a:r>
+          </a:p>
+          <a:p>
+            <a:r>
+              <a:rPr lang="en-US" sz="1500" dirty="0" smtClean="0">
+                <a:solidFill>
+                  <a:srgbClr val="FFFFFF"/>
+                </a:solidFill>
+              </a:rPr>
+              <a:t>Interfaces can implement other interfaces, as well!</a:t>
             </a:r>
             <a:endParaRPr lang="en-US" sz="1500" dirty="0">
               <a:solidFill>
@@ -8881,7 +9105,7 @@
     </p:spTree>
     <p:extLst>
       <p:ext uri="{BB962C8B-B14F-4D97-AF65-F5344CB8AC3E}">
-        <p14:creationId xmlns:p14="http://schemas.microsoft.com/office/powerpoint/2010/main" val="479402989"/>
+        <p14:creationId xmlns:p14="http://schemas.microsoft.com/office/powerpoint/2010/main" val="2930259487"/>
       </p:ext>
     </p:extLst>
   </p:cSld>

--- a/presentation.pptx
+++ b/presentation.pptx
@@ -5755,11 +5755,15 @@
             </a:r>
             <a:r>
               <a:rPr lang="en-US" dirty="0" err="1" smtClean="0"/>
-              <a:t>AddHoby</a:t>
+              <a:t>AddHobby</a:t>
             </a:r>
             <a:r>
               <a:rPr lang="en-US" dirty="0" smtClean="0"/>
-              <a:t>(string hobby): will add an entry to the set of hobbies</a:t>
+              <a:t>(string </a:t>
+            </a:r>
+            <a:r>
+              <a:rPr lang="en-US" dirty="0" smtClean="0"/>
+              <a:t>hobby): will add an entry to the set of hobbies</a:t>
             </a:r>
           </a:p>
           <a:p>
@@ -5905,7 +5909,7 @@
       </p:grpSpPr>
       <p:sp useBgFill="1">
         <p:nvSpPr>
-          <p:cNvPr id="8" name="Rectangle 7"/>
+          <p:cNvPr id="16" name="Rectangle 15"/>
           <p:cNvSpPr>
             <a:spLocks noGrp="1" noRot="1" noChangeAspect="1" noMove="1" noResize="1" noEditPoints="1" noAdjustHandles="1" noChangeArrowheads="1" noChangeShapeType="1" noTextEdit="1"/>
           </p:cNvSpPr>
@@ -5956,7 +5960,7 @@
       </p:sp>
       <p:sp>
         <p:nvSpPr>
-          <p:cNvPr id="10" name="Rectangle 9"/>
+          <p:cNvPr id="18" name="Rectangle 17"/>
           <p:cNvSpPr>
             <a:spLocks noGrp="1" noRot="1" noChangeAspect="1" noMove="1" noResize="1" noEditPoints="1" noAdjustHandles="1" noChangeArrowheads="1" noChangeShapeType="1" noTextEdit="1"/>
           </p:cNvSpPr>
@@ -6002,7 +6006,7 @@
       </p:sp>
       <p:sp>
         <p:nvSpPr>
-          <p:cNvPr id="12" name="Rectangle 11"/>
+          <p:cNvPr id="20" name="Rectangle 19"/>
           <p:cNvSpPr>
             <a:spLocks noGrp="1" noRot="1" noChangeAspect="1" noMove="1" noResize="1" noEditPoints="1" noAdjustHandles="1" noChangeArrowheads="1" noChangeShapeType="1" noTextEdit="1"/>
           </p:cNvSpPr>
@@ -6088,8 +6092,8 @@
         </p:nvSpPr>
         <p:spPr>
           <a:xfrm>
-            <a:off x="492370" y="516835"/>
-            <a:ext cx="3084844" cy="2103875"/>
+            <a:off x="492370" y="516836"/>
+            <a:ext cx="3084844" cy="1268284"/>
           </a:xfrm>
         </p:spPr>
         <p:txBody>
@@ -6121,8 +6125,8 @@
         </p:nvSpPr>
         <p:spPr>
           <a:xfrm>
-            <a:off x="492371" y="2653800"/>
-            <a:ext cx="3084844" cy="3335519"/>
+            <a:off x="492371" y="1785120"/>
+            <a:ext cx="3084844" cy="4204199"/>
           </a:xfrm>
         </p:spPr>
         <p:txBody>
@@ -6137,7 +6141,7 @@
               </a:lnSpc>
             </a:pPr>
             <a:r>
-              <a:rPr lang="en-US" sz="1400" dirty="0">
+              <a:rPr lang="en-US" sz="1600" dirty="0">
                 <a:solidFill>
                   <a:srgbClr val="FFFFFF"/>
                 </a:solidFill>
@@ -6152,12 +6156,12 @@
               </a:lnSpc>
             </a:pPr>
             <a:r>
-              <a:rPr lang="en-US" sz="1400" dirty="0">
+              <a:rPr lang="en-US" sz="1600" dirty="0">
                 <a:solidFill>
                   <a:srgbClr val="FFFFFF"/>
                 </a:solidFill>
               </a:rPr>
-              <a:t>For example, we can make a class for mammals, and have dogs inherit from that class. Often, we will inherit from abstract or partial classes. </a:t>
+              <a:t>For example, we can make a class for mammals, and have dogs inherit from that class. Often, we will inherit from abstract classes. </a:t>
             </a:r>
           </a:p>
           <a:p>
@@ -6167,12 +6171,12 @@
               </a:lnSpc>
             </a:pPr>
             <a:r>
-              <a:rPr lang="en-US" sz="1400" dirty="0">
+              <a:rPr lang="en-US" sz="1600" dirty="0">
                 <a:solidFill>
                   <a:srgbClr val="FFFFFF"/>
                 </a:solidFill>
               </a:rPr>
-              <a:t>Is is often useful to make an abstract class, which is a "partial class", or to use virtual methods when making a class. You can't make a new instance of an abstract class since it's incomplete, but you can inherit from them and build on top of them.</a:t>
+              <a:t>It is often useful to make an abstract class, which is an ”incomplete class", or to use virtual methods when making a class that will act as a parent class. You can't make a new instance of an abstract class since it's incomplete, but you can inherit from them and build on top of them.</a:t>
             </a:r>
           </a:p>
           <a:p>
@@ -6182,7 +6186,7 @@
               </a:lnSpc>
             </a:pPr>
             <a:r>
-              <a:rPr lang="en-US" sz="1400" dirty="0">
+              <a:rPr lang="en-US" sz="1600" dirty="0">
                 <a:solidFill>
                   <a:srgbClr val="FFFFFF"/>
                 </a:solidFill>
@@ -6190,7 +6194,7 @@
               <a:t>Our Mammal class was an abstract class, and our </a:t>
             </a:r>
             <a:r>
-              <a:rPr lang="en-US" sz="1400" dirty="0" err="1">
+              <a:rPr lang="en-US" sz="1600" dirty="0" err="1">
                 <a:solidFill>
                   <a:srgbClr val="FFFFFF"/>
                 </a:solidFill>
@@ -6198,7 +6202,7 @@
               <a:t>HoneyBadger</a:t>
             </a:r>
             <a:r>
-              <a:rPr lang="en-US" sz="1400" dirty="0">
+              <a:rPr lang="en-US" sz="1600" dirty="0">
                 <a:solidFill>
                   <a:srgbClr val="FFFFFF"/>
                 </a:solidFill>
@@ -6211,20 +6215,13 @@
     </p:spTree>
     <p:extLst>
       <p:ext uri="{BB962C8B-B14F-4D97-AF65-F5344CB8AC3E}">
-        <p14:creationId xmlns:p14="http://schemas.microsoft.com/office/powerpoint/2010/main" val="716345250"/>
+        <p14:creationId xmlns:p14="http://schemas.microsoft.com/office/powerpoint/2010/main" val="2964798596"/>
       </p:ext>
     </p:extLst>
   </p:cSld>
   <p:clrMapOvr>
     <a:masterClrMapping/>
   </p:clrMapOvr>
-  <p:timing>
-    <p:tnLst>
-      <p:par>
-        <p:cTn id="1" dur="indefinite" restart="never" nodeType="tmRoot"/>
-      </p:par>
-    </p:tnLst>
-  </p:timing>
 </p:sld>
 </file>
 
